--- a/topic01-introduction-to-ICT/unit-1/talk-1/a-intro.pptx
+++ b/topic01-introduction-to-ICT/unit-1/talk-1/a-intro.pptx
@@ -14496,7 +14496,7 @@
           <a:p>
             <a:fld id="{92538219-6E45-4D12-B767-46F92D5844D4}" type="datetime1">
               <a:rPr lang="en-US" smtClean="0"/>
-              <a:t>9/17/25</a:t>
+              <a:t>9/18/25</a:t>
             </a:fld>
             <a:endParaRPr lang="en-US"/>
           </a:p>
@@ -14747,7 +14747,7 @@
           <a:p>
             <a:fld id="{51FC8E16-3C03-4238-9C6F-B34F3D10F77E}" type="datetime1">
               <a:rPr lang="en-US" smtClean="0"/>
-              <a:t>9/17/25</a:t>
+              <a:t>9/18/25</a:t>
             </a:fld>
             <a:endParaRPr lang="en-US" dirty="0"/>
           </a:p>
@@ -15063,7 +15063,7 @@
           <a:p>
             <a:fld id="{51FC8E16-3C03-4238-9C6F-B34F3D10F77E}" type="datetime1">
               <a:rPr lang="en-US" smtClean="0"/>
-              <a:t>9/17/25</a:t>
+              <a:t>9/18/25</a:t>
             </a:fld>
             <a:endParaRPr lang="en-US" dirty="0"/>
           </a:p>
@@ -15398,7 +15398,7 @@
           <a:p>
             <a:fld id="{51FC8E16-3C03-4238-9C6F-B34F3D10F77E}" type="datetime1">
               <a:rPr lang="en-US" smtClean="0"/>
-              <a:t>9/17/25</a:t>
+              <a:t>9/18/25</a:t>
             </a:fld>
             <a:endParaRPr lang="en-US" dirty="0"/>
           </a:p>
@@ -15714,7 +15714,7 @@
           <a:p>
             <a:fld id="{51FC8E16-3C03-4238-9C6F-B34F3D10F77E}" type="datetime1">
               <a:rPr lang="en-US" smtClean="0"/>
-              <a:t>9/17/25</a:t>
+              <a:t>9/18/25</a:t>
             </a:fld>
             <a:endParaRPr lang="en-US" dirty="0"/>
           </a:p>
@@ -16109,7 +16109,7 @@
           <a:p>
             <a:fld id="{51FC8E16-3C03-4238-9C6F-B34F3D10F77E}" type="datetime1">
               <a:rPr lang="en-US" smtClean="0"/>
-              <a:t>9/17/25</a:t>
+              <a:t>9/18/25</a:t>
             </a:fld>
             <a:endParaRPr lang="en-US" dirty="0"/>
           </a:p>
@@ -16281,7 +16281,7 @@
           <a:p>
             <a:fld id="{836430B8-6059-41E5-A5DC-C07A76F5859A}" type="datetime1">
               <a:rPr lang="en-US" smtClean="0"/>
-              <a:t>9/17/25</a:t>
+              <a:t>9/18/25</a:t>
             </a:fld>
             <a:endParaRPr lang="en-US"/>
           </a:p>
@@ -16461,7 +16461,7 @@
           <a:p>
             <a:fld id="{A09D0CB7-D16E-4358-B7F4-EA4A24554592}" type="datetime1">
               <a:rPr lang="en-US" smtClean="0"/>
-              <a:t>9/17/25</a:t>
+              <a:t>9/18/25</a:t>
             </a:fld>
             <a:endParaRPr lang="en-US"/>
           </a:p>
@@ -17268,7 +17268,7 @@
           <a:p>
             <a:fld id="{8BB296A2-D8F0-4E17-BFD0-A6C902250D59}" type="datetime1">
               <a:rPr lang="en-US" smtClean="0"/>
-              <a:t>9/17/25</a:t>
+              <a:t>9/18/25</a:t>
             </a:fld>
             <a:endParaRPr lang="en-US"/>
           </a:p>
@@ -17515,7 +17515,7 @@
           <a:p>
             <a:fld id="{D9108C9C-1ACB-4C84-A002-C7E0E45B937A}" type="datetime1">
               <a:rPr lang="en-US" smtClean="0"/>
-              <a:t>9/17/25</a:t>
+              <a:t>9/18/25</a:t>
             </a:fld>
             <a:endParaRPr lang="en-US"/>
           </a:p>
@@ -17747,7 +17747,7 @@
           <a:p>
             <a:fld id="{F49AF2A5-B297-4977-9E5B-4D3050E23689}" type="datetime1">
               <a:rPr lang="en-US" smtClean="0"/>
-              <a:t>9/17/25</a:t>
+              <a:t>9/18/25</a:t>
             </a:fld>
             <a:endParaRPr lang="en-US"/>
           </a:p>
@@ -18121,7 +18121,7 @@
           <a:p>
             <a:fld id="{70127434-4794-409A-9547-04789BA47588}" type="datetime1">
               <a:rPr lang="en-US" smtClean="0"/>
-              <a:t>9/17/25</a:t>
+              <a:t>9/18/25</a:t>
             </a:fld>
             <a:endParaRPr lang="en-US"/>
           </a:p>
@@ -18244,7 +18244,7 @@
           <a:p>
             <a:fld id="{85658635-357A-4E3D-B824-A5CEFDB8449C}" type="datetime1">
               <a:rPr lang="en-US" smtClean="0"/>
-              <a:t>9/17/25</a:t>
+              <a:t>9/18/25</a:t>
             </a:fld>
             <a:endParaRPr lang="en-US"/>
           </a:p>
@@ -18339,7 +18339,7 @@
           <a:p>
             <a:fld id="{7E86FF77-2719-4AD0-8740-0B90FF5D1EFB}" type="datetime1">
               <a:rPr lang="en-US" smtClean="0"/>
-              <a:t>9/17/25</a:t>
+              <a:t>9/18/25</a:t>
             </a:fld>
             <a:endParaRPr lang="en-US"/>
           </a:p>
@@ -18594,7 +18594,7 @@
           <a:p>
             <a:fld id="{6E441C83-1089-48B9-8B65-293D4C236D35}" type="datetime1">
               <a:rPr lang="en-US" smtClean="0"/>
-              <a:t>9/17/25</a:t>
+              <a:t>9/18/25</a:t>
             </a:fld>
             <a:endParaRPr lang="en-US"/>
           </a:p>
@@ -18899,7 +18899,7 @@
           <a:p>
             <a:fld id="{D162FE45-CC1E-47DB-8B82-6CF0636FBDB8}" type="datetime1">
               <a:rPr lang="en-US" smtClean="0"/>
-              <a:t>9/17/25</a:t>
+              <a:t>9/18/25</a:t>
             </a:fld>
             <a:endParaRPr lang="en-US"/>
           </a:p>
@@ -19601,7 +19601,7 @@
           <a:p>
             <a:fld id="{51FC8E16-3C03-4238-9C6F-B34F3D10F77E}" type="datetime1">
               <a:rPr lang="en-US" smtClean="0"/>
-              <a:t>9/17/25</a:t>
+              <a:t>9/18/25</a:t>
             </a:fld>
             <a:endParaRPr lang="en-US" dirty="0"/>
           </a:p>
@@ -26830,6 +26830,1553 @@
   <p:clrMapOvr>
     <a:masterClrMapping/>
   </p:clrMapOvr>
+  <p:timing>
+    <p:tnLst>
+      <p:par>
+        <p:cTn id="1" dur="indefinite" restart="never" nodeType="tmRoot">
+          <p:childTnLst>
+            <p:seq concurrent="1" nextAc="seek">
+              <p:cTn id="2" dur="indefinite" nodeType="mainSeq">
+                <p:childTnLst>
+                  <p:par>
+                    <p:cTn id="3" fill="hold">
+                      <p:stCondLst>
+                        <p:cond delay="indefinite"/>
+                      </p:stCondLst>
+                      <p:childTnLst>
+                        <p:par>
+                          <p:cTn id="4" fill="hold">
+                            <p:stCondLst>
+                              <p:cond delay="0"/>
+                            </p:stCondLst>
+                            <p:childTnLst>
+                              <p:par>
+                                <p:cTn id="5" presetID="2" presetClass="entr" presetSubtype="4" fill="hold" nodeType="clickEffect">
+                                  <p:stCondLst>
+                                    <p:cond delay="0"/>
+                                  </p:stCondLst>
+                                  <p:childTnLst>
+                                    <p:set>
+                                      <p:cBhvr>
+                                        <p:cTn id="6" dur="1" fill="hold">
+                                          <p:stCondLst>
+                                            <p:cond delay="0"/>
+                                          </p:stCondLst>
+                                        </p:cTn>
+                                        <p:tgtEl>
+                                          <p:spTgt spid="3">
+                                            <p:txEl>
+                                              <p:pRg st="0" end="0"/>
+                                            </p:txEl>
+                                          </p:spTgt>
+                                        </p:tgtEl>
+                                        <p:attrNameLst>
+                                          <p:attrName>style.visibility</p:attrName>
+                                        </p:attrNameLst>
+                                      </p:cBhvr>
+                                      <p:to>
+                                        <p:strVal val="visible"/>
+                                      </p:to>
+                                    </p:set>
+                                    <p:anim calcmode="lin" valueType="num">
+                                      <p:cBhvr additive="base">
+                                        <p:cTn id="7" dur="500" fill="hold"/>
+                                        <p:tgtEl>
+                                          <p:spTgt spid="3">
+                                            <p:txEl>
+                                              <p:pRg st="0" end="0"/>
+                                            </p:txEl>
+                                          </p:spTgt>
+                                        </p:tgtEl>
+                                        <p:attrNameLst>
+                                          <p:attrName>ppt_x</p:attrName>
+                                        </p:attrNameLst>
+                                      </p:cBhvr>
+                                      <p:tavLst>
+                                        <p:tav tm="0">
+                                          <p:val>
+                                            <p:strVal val="#ppt_x"/>
+                                          </p:val>
+                                        </p:tav>
+                                        <p:tav tm="100000">
+                                          <p:val>
+                                            <p:strVal val="#ppt_x"/>
+                                          </p:val>
+                                        </p:tav>
+                                      </p:tavLst>
+                                    </p:anim>
+                                    <p:anim calcmode="lin" valueType="num">
+                                      <p:cBhvr additive="base">
+                                        <p:cTn id="8" dur="500" fill="hold"/>
+                                        <p:tgtEl>
+                                          <p:spTgt spid="3">
+                                            <p:txEl>
+                                              <p:pRg st="0" end="0"/>
+                                            </p:txEl>
+                                          </p:spTgt>
+                                        </p:tgtEl>
+                                        <p:attrNameLst>
+                                          <p:attrName>ppt_y</p:attrName>
+                                        </p:attrNameLst>
+                                      </p:cBhvr>
+                                      <p:tavLst>
+                                        <p:tav tm="0">
+                                          <p:val>
+                                            <p:strVal val="1+#ppt_h/2"/>
+                                          </p:val>
+                                        </p:tav>
+                                        <p:tav tm="100000">
+                                          <p:val>
+                                            <p:strVal val="#ppt_y"/>
+                                          </p:val>
+                                        </p:tav>
+                                      </p:tavLst>
+                                    </p:anim>
+                                  </p:childTnLst>
+                                </p:cTn>
+                              </p:par>
+                              <p:par>
+                                <p:cTn id="9" presetID="2" presetClass="entr" presetSubtype="4" fill="hold" nodeType="withEffect">
+                                  <p:stCondLst>
+                                    <p:cond delay="0"/>
+                                  </p:stCondLst>
+                                  <p:childTnLst>
+                                    <p:set>
+                                      <p:cBhvr>
+                                        <p:cTn id="10" dur="1" fill="hold">
+                                          <p:stCondLst>
+                                            <p:cond delay="0"/>
+                                          </p:stCondLst>
+                                        </p:cTn>
+                                        <p:tgtEl>
+                                          <p:spTgt spid="3">
+                                            <p:txEl>
+                                              <p:pRg st="1" end="1"/>
+                                            </p:txEl>
+                                          </p:spTgt>
+                                        </p:tgtEl>
+                                        <p:attrNameLst>
+                                          <p:attrName>style.visibility</p:attrName>
+                                        </p:attrNameLst>
+                                      </p:cBhvr>
+                                      <p:to>
+                                        <p:strVal val="visible"/>
+                                      </p:to>
+                                    </p:set>
+                                    <p:anim calcmode="lin" valueType="num">
+                                      <p:cBhvr additive="base">
+                                        <p:cTn id="11" dur="500" fill="hold"/>
+                                        <p:tgtEl>
+                                          <p:spTgt spid="3">
+                                            <p:txEl>
+                                              <p:pRg st="1" end="1"/>
+                                            </p:txEl>
+                                          </p:spTgt>
+                                        </p:tgtEl>
+                                        <p:attrNameLst>
+                                          <p:attrName>ppt_x</p:attrName>
+                                        </p:attrNameLst>
+                                      </p:cBhvr>
+                                      <p:tavLst>
+                                        <p:tav tm="0">
+                                          <p:val>
+                                            <p:strVal val="#ppt_x"/>
+                                          </p:val>
+                                        </p:tav>
+                                        <p:tav tm="100000">
+                                          <p:val>
+                                            <p:strVal val="#ppt_x"/>
+                                          </p:val>
+                                        </p:tav>
+                                      </p:tavLst>
+                                    </p:anim>
+                                    <p:anim calcmode="lin" valueType="num">
+                                      <p:cBhvr additive="base">
+                                        <p:cTn id="12" dur="500" fill="hold"/>
+                                        <p:tgtEl>
+                                          <p:spTgt spid="3">
+                                            <p:txEl>
+                                              <p:pRg st="1" end="1"/>
+                                            </p:txEl>
+                                          </p:spTgt>
+                                        </p:tgtEl>
+                                        <p:attrNameLst>
+                                          <p:attrName>ppt_y</p:attrName>
+                                        </p:attrNameLst>
+                                      </p:cBhvr>
+                                      <p:tavLst>
+                                        <p:tav tm="0">
+                                          <p:val>
+                                            <p:strVal val="1+#ppt_h/2"/>
+                                          </p:val>
+                                        </p:tav>
+                                        <p:tav tm="100000">
+                                          <p:val>
+                                            <p:strVal val="#ppt_y"/>
+                                          </p:val>
+                                        </p:tav>
+                                      </p:tavLst>
+                                    </p:anim>
+                                  </p:childTnLst>
+                                </p:cTn>
+                              </p:par>
+                              <p:par>
+                                <p:cTn id="13" presetID="2" presetClass="entr" presetSubtype="4" fill="hold" nodeType="withEffect">
+                                  <p:stCondLst>
+                                    <p:cond delay="0"/>
+                                  </p:stCondLst>
+                                  <p:childTnLst>
+                                    <p:set>
+                                      <p:cBhvr>
+                                        <p:cTn id="14" dur="1" fill="hold">
+                                          <p:stCondLst>
+                                            <p:cond delay="0"/>
+                                          </p:stCondLst>
+                                        </p:cTn>
+                                        <p:tgtEl>
+                                          <p:spTgt spid="3">
+                                            <p:txEl>
+                                              <p:pRg st="2" end="2"/>
+                                            </p:txEl>
+                                          </p:spTgt>
+                                        </p:tgtEl>
+                                        <p:attrNameLst>
+                                          <p:attrName>style.visibility</p:attrName>
+                                        </p:attrNameLst>
+                                      </p:cBhvr>
+                                      <p:to>
+                                        <p:strVal val="visible"/>
+                                      </p:to>
+                                    </p:set>
+                                    <p:anim calcmode="lin" valueType="num">
+                                      <p:cBhvr additive="base">
+                                        <p:cTn id="15" dur="500" fill="hold"/>
+                                        <p:tgtEl>
+                                          <p:spTgt spid="3">
+                                            <p:txEl>
+                                              <p:pRg st="2" end="2"/>
+                                            </p:txEl>
+                                          </p:spTgt>
+                                        </p:tgtEl>
+                                        <p:attrNameLst>
+                                          <p:attrName>ppt_x</p:attrName>
+                                        </p:attrNameLst>
+                                      </p:cBhvr>
+                                      <p:tavLst>
+                                        <p:tav tm="0">
+                                          <p:val>
+                                            <p:strVal val="#ppt_x"/>
+                                          </p:val>
+                                        </p:tav>
+                                        <p:tav tm="100000">
+                                          <p:val>
+                                            <p:strVal val="#ppt_x"/>
+                                          </p:val>
+                                        </p:tav>
+                                      </p:tavLst>
+                                    </p:anim>
+                                    <p:anim calcmode="lin" valueType="num">
+                                      <p:cBhvr additive="base">
+                                        <p:cTn id="16" dur="500" fill="hold"/>
+                                        <p:tgtEl>
+                                          <p:spTgt spid="3">
+                                            <p:txEl>
+                                              <p:pRg st="2" end="2"/>
+                                            </p:txEl>
+                                          </p:spTgt>
+                                        </p:tgtEl>
+                                        <p:attrNameLst>
+                                          <p:attrName>ppt_y</p:attrName>
+                                        </p:attrNameLst>
+                                      </p:cBhvr>
+                                      <p:tavLst>
+                                        <p:tav tm="0">
+                                          <p:val>
+                                            <p:strVal val="1+#ppt_h/2"/>
+                                          </p:val>
+                                        </p:tav>
+                                        <p:tav tm="100000">
+                                          <p:val>
+                                            <p:strVal val="#ppt_y"/>
+                                          </p:val>
+                                        </p:tav>
+                                      </p:tavLst>
+                                    </p:anim>
+                                  </p:childTnLst>
+                                </p:cTn>
+                              </p:par>
+                              <p:par>
+                                <p:cTn id="17" presetID="2" presetClass="entr" presetSubtype="4" fill="hold" nodeType="withEffect">
+                                  <p:stCondLst>
+                                    <p:cond delay="0"/>
+                                  </p:stCondLst>
+                                  <p:childTnLst>
+                                    <p:set>
+                                      <p:cBhvr>
+                                        <p:cTn id="18" dur="1" fill="hold">
+                                          <p:stCondLst>
+                                            <p:cond delay="0"/>
+                                          </p:stCondLst>
+                                        </p:cTn>
+                                        <p:tgtEl>
+                                          <p:spTgt spid="3">
+                                            <p:txEl>
+                                              <p:pRg st="3" end="3"/>
+                                            </p:txEl>
+                                          </p:spTgt>
+                                        </p:tgtEl>
+                                        <p:attrNameLst>
+                                          <p:attrName>style.visibility</p:attrName>
+                                        </p:attrNameLst>
+                                      </p:cBhvr>
+                                      <p:to>
+                                        <p:strVal val="visible"/>
+                                      </p:to>
+                                    </p:set>
+                                    <p:anim calcmode="lin" valueType="num">
+                                      <p:cBhvr additive="base">
+                                        <p:cTn id="19" dur="500" fill="hold"/>
+                                        <p:tgtEl>
+                                          <p:spTgt spid="3">
+                                            <p:txEl>
+                                              <p:pRg st="3" end="3"/>
+                                            </p:txEl>
+                                          </p:spTgt>
+                                        </p:tgtEl>
+                                        <p:attrNameLst>
+                                          <p:attrName>ppt_x</p:attrName>
+                                        </p:attrNameLst>
+                                      </p:cBhvr>
+                                      <p:tavLst>
+                                        <p:tav tm="0">
+                                          <p:val>
+                                            <p:strVal val="#ppt_x"/>
+                                          </p:val>
+                                        </p:tav>
+                                        <p:tav tm="100000">
+                                          <p:val>
+                                            <p:strVal val="#ppt_x"/>
+                                          </p:val>
+                                        </p:tav>
+                                      </p:tavLst>
+                                    </p:anim>
+                                    <p:anim calcmode="lin" valueType="num">
+                                      <p:cBhvr additive="base">
+                                        <p:cTn id="20" dur="500" fill="hold"/>
+                                        <p:tgtEl>
+                                          <p:spTgt spid="3">
+                                            <p:txEl>
+                                              <p:pRg st="3" end="3"/>
+                                            </p:txEl>
+                                          </p:spTgt>
+                                        </p:tgtEl>
+                                        <p:attrNameLst>
+                                          <p:attrName>ppt_y</p:attrName>
+                                        </p:attrNameLst>
+                                      </p:cBhvr>
+                                      <p:tavLst>
+                                        <p:tav tm="0">
+                                          <p:val>
+                                            <p:strVal val="1+#ppt_h/2"/>
+                                          </p:val>
+                                        </p:tav>
+                                        <p:tav tm="100000">
+                                          <p:val>
+                                            <p:strVal val="#ppt_y"/>
+                                          </p:val>
+                                        </p:tav>
+                                      </p:tavLst>
+                                    </p:anim>
+                                  </p:childTnLst>
+                                </p:cTn>
+                              </p:par>
+                              <p:par>
+                                <p:cTn id="21" presetID="2" presetClass="entr" presetSubtype="4" fill="hold" nodeType="withEffect">
+                                  <p:stCondLst>
+                                    <p:cond delay="0"/>
+                                  </p:stCondLst>
+                                  <p:childTnLst>
+                                    <p:set>
+                                      <p:cBhvr>
+                                        <p:cTn id="22" dur="1" fill="hold">
+                                          <p:stCondLst>
+                                            <p:cond delay="0"/>
+                                          </p:stCondLst>
+                                        </p:cTn>
+                                        <p:tgtEl>
+                                          <p:spTgt spid="3">
+                                            <p:txEl>
+                                              <p:pRg st="4" end="4"/>
+                                            </p:txEl>
+                                          </p:spTgt>
+                                        </p:tgtEl>
+                                        <p:attrNameLst>
+                                          <p:attrName>style.visibility</p:attrName>
+                                        </p:attrNameLst>
+                                      </p:cBhvr>
+                                      <p:to>
+                                        <p:strVal val="visible"/>
+                                      </p:to>
+                                    </p:set>
+                                    <p:anim calcmode="lin" valueType="num">
+                                      <p:cBhvr additive="base">
+                                        <p:cTn id="23" dur="500" fill="hold"/>
+                                        <p:tgtEl>
+                                          <p:spTgt spid="3">
+                                            <p:txEl>
+                                              <p:pRg st="4" end="4"/>
+                                            </p:txEl>
+                                          </p:spTgt>
+                                        </p:tgtEl>
+                                        <p:attrNameLst>
+                                          <p:attrName>ppt_x</p:attrName>
+                                        </p:attrNameLst>
+                                      </p:cBhvr>
+                                      <p:tavLst>
+                                        <p:tav tm="0">
+                                          <p:val>
+                                            <p:strVal val="#ppt_x"/>
+                                          </p:val>
+                                        </p:tav>
+                                        <p:tav tm="100000">
+                                          <p:val>
+                                            <p:strVal val="#ppt_x"/>
+                                          </p:val>
+                                        </p:tav>
+                                      </p:tavLst>
+                                    </p:anim>
+                                    <p:anim calcmode="lin" valueType="num">
+                                      <p:cBhvr additive="base">
+                                        <p:cTn id="24" dur="500" fill="hold"/>
+                                        <p:tgtEl>
+                                          <p:spTgt spid="3">
+                                            <p:txEl>
+                                              <p:pRg st="4" end="4"/>
+                                            </p:txEl>
+                                          </p:spTgt>
+                                        </p:tgtEl>
+                                        <p:attrNameLst>
+                                          <p:attrName>ppt_y</p:attrName>
+                                        </p:attrNameLst>
+                                      </p:cBhvr>
+                                      <p:tavLst>
+                                        <p:tav tm="0">
+                                          <p:val>
+                                            <p:strVal val="1+#ppt_h/2"/>
+                                          </p:val>
+                                        </p:tav>
+                                        <p:tav tm="100000">
+                                          <p:val>
+                                            <p:strVal val="#ppt_y"/>
+                                          </p:val>
+                                        </p:tav>
+                                      </p:tavLst>
+                                    </p:anim>
+                                  </p:childTnLst>
+                                </p:cTn>
+                              </p:par>
+                              <p:par>
+                                <p:cTn id="25" presetID="2" presetClass="entr" presetSubtype="4" fill="hold" nodeType="withEffect">
+                                  <p:stCondLst>
+                                    <p:cond delay="0"/>
+                                  </p:stCondLst>
+                                  <p:childTnLst>
+                                    <p:set>
+                                      <p:cBhvr>
+                                        <p:cTn id="26" dur="1" fill="hold">
+                                          <p:stCondLst>
+                                            <p:cond delay="0"/>
+                                          </p:stCondLst>
+                                        </p:cTn>
+                                        <p:tgtEl>
+                                          <p:spTgt spid="3">
+                                            <p:txEl>
+                                              <p:pRg st="5" end="5"/>
+                                            </p:txEl>
+                                          </p:spTgt>
+                                        </p:tgtEl>
+                                        <p:attrNameLst>
+                                          <p:attrName>style.visibility</p:attrName>
+                                        </p:attrNameLst>
+                                      </p:cBhvr>
+                                      <p:to>
+                                        <p:strVal val="visible"/>
+                                      </p:to>
+                                    </p:set>
+                                    <p:anim calcmode="lin" valueType="num">
+                                      <p:cBhvr additive="base">
+                                        <p:cTn id="27" dur="500" fill="hold"/>
+                                        <p:tgtEl>
+                                          <p:spTgt spid="3">
+                                            <p:txEl>
+                                              <p:pRg st="5" end="5"/>
+                                            </p:txEl>
+                                          </p:spTgt>
+                                        </p:tgtEl>
+                                        <p:attrNameLst>
+                                          <p:attrName>ppt_x</p:attrName>
+                                        </p:attrNameLst>
+                                      </p:cBhvr>
+                                      <p:tavLst>
+                                        <p:tav tm="0">
+                                          <p:val>
+                                            <p:strVal val="#ppt_x"/>
+                                          </p:val>
+                                        </p:tav>
+                                        <p:tav tm="100000">
+                                          <p:val>
+                                            <p:strVal val="#ppt_x"/>
+                                          </p:val>
+                                        </p:tav>
+                                      </p:tavLst>
+                                    </p:anim>
+                                    <p:anim calcmode="lin" valueType="num">
+                                      <p:cBhvr additive="base">
+                                        <p:cTn id="28" dur="500" fill="hold"/>
+                                        <p:tgtEl>
+                                          <p:spTgt spid="3">
+                                            <p:txEl>
+                                              <p:pRg st="5" end="5"/>
+                                            </p:txEl>
+                                          </p:spTgt>
+                                        </p:tgtEl>
+                                        <p:attrNameLst>
+                                          <p:attrName>ppt_y</p:attrName>
+                                        </p:attrNameLst>
+                                      </p:cBhvr>
+                                      <p:tavLst>
+                                        <p:tav tm="0">
+                                          <p:val>
+                                            <p:strVal val="1+#ppt_h/2"/>
+                                          </p:val>
+                                        </p:tav>
+                                        <p:tav tm="100000">
+                                          <p:val>
+                                            <p:strVal val="#ppt_y"/>
+                                          </p:val>
+                                        </p:tav>
+                                      </p:tavLst>
+                                    </p:anim>
+                                  </p:childTnLst>
+                                </p:cTn>
+                              </p:par>
+                              <p:par>
+                                <p:cTn id="29" presetID="2" presetClass="entr" presetSubtype="4" fill="hold" nodeType="withEffect">
+                                  <p:stCondLst>
+                                    <p:cond delay="0"/>
+                                  </p:stCondLst>
+                                  <p:childTnLst>
+                                    <p:set>
+                                      <p:cBhvr>
+                                        <p:cTn id="30" dur="1" fill="hold">
+                                          <p:stCondLst>
+                                            <p:cond delay="0"/>
+                                          </p:stCondLst>
+                                        </p:cTn>
+                                        <p:tgtEl>
+                                          <p:spTgt spid="3">
+                                            <p:txEl>
+                                              <p:pRg st="6" end="6"/>
+                                            </p:txEl>
+                                          </p:spTgt>
+                                        </p:tgtEl>
+                                        <p:attrNameLst>
+                                          <p:attrName>style.visibility</p:attrName>
+                                        </p:attrNameLst>
+                                      </p:cBhvr>
+                                      <p:to>
+                                        <p:strVal val="visible"/>
+                                      </p:to>
+                                    </p:set>
+                                    <p:anim calcmode="lin" valueType="num">
+                                      <p:cBhvr additive="base">
+                                        <p:cTn id="31" dur="500" fill="hold"/>
+                                        <p:tgtEl>
+                                          <p:spTgt spid="3">
+                                            <p:txEl>
+                                              <p:pRg st="6" end="6"/>
+                                            </p:txEl>
+                                          </p:spTgt>
+                                        </p:tgtEl>
+                                        <p:attrNameLst>
+                                          <p:attrName>ppt_x</p:attrName>
+                                        </p:attrNameLst>
+                                      </p:cBhvr>
+                                      <p:tavLst>
+                                        <p:tav tm="0">
+                                          <p:val>
+                                            <p:strVal val="#ppt_x"/>
+                                          </p:val>
+                                        </p:tav>
+                                        <p:tav tm="100000">
+                                          <p:val>
+                                            <p:strVal val="#ppt_x"/>
+                                          </p:val>
+                                        </p:tav>
+                                      </p:tavLst>
+                                    </p:anim>
+                                    <p:anim calcmode="lin" valueType="num">
+                                      <p:cBhvr additive="base">
+                                        <p:cTn id="32" dur="500" fill="hold"/>
+                                        <p:tgtEl>
+                                          <p:spTgt spid="3">
+                                            <p:txEl>
+                                              <p:pRg st="6" end="6"/>
+                                            </p:txEl>
+                                          </p:spTgt>
+                                        </p:tgtEl>
+                                        <p:attrNameLst>
+                                          <p:attrName>ppt_y</p:attrName>
+                                        </p:attrNameLst>
+                                      </p:cBhvr>
+                                      <p:tavLst>
+                                        <p:tav tm="0">
+                                          <p:val>
+                                            <p:strVal val="1+#ppt_h/2"/>
+                                          </p:val>
+                                        </p:tav>
+                                        <p:tav tm="100000">
+                                          <p:val>
+                                            <p:strVal val="#ppt_y"/>
+                                          </p:val>
+                                        </p:tav>
+                                      </p:tavLst>
+                                    </p:anim>
+                                  </p:childTnLst>
+                                </p:cTn>
+                              </p:par>
+                              <p:par>
+                                <p:cTn id="33" presetID="2" presetClass="entr" presetSubtype="4" fill="hold" nodeType="withEffect">
+                                  <p:stCondLst>
+                                    <p:cond delay="0"/>
+                                  </p:stCondLst>
+                                  <p:childTnLst>
+                                    <p:set>
+                                      <p:cBhvr>
+                                        <p:cTn id="34" dur="1" fill="hold">
+                                          <p:stCondLst>
+                                            <p:cond delay="0"/>
+                                          </p:stCondLst>
+                                        </p:cTn>
+                                        <p:tgtEl>
+                                          <p:spTgt spid="3">
+                                            <p:txEl>
+                                              <p:pRg st="7" end="7"/>
+                                            </p:txEl>
+                                          </p:spTgt>
+                                        </p:tgtEl>
+                                        <p:attrNameLst>
+                                          <p:attrName>style.visibility</p:attrName>
+                                        </p:attrNameLst>
+                                      </p:cBhvr>
+                                      <p:to>
+                                        <p:strVal val="visible"/>
+                                      </p:to>
+                                    </p:set>
+                                    <p:anim calcmode="lin" valueType="num">
+                                      <p:cBhvr additive="base">
+                                        <p:cTn id="35" dur="500" fill="hold"/>
+                                        <p:tgtEl>
+                                          <p:spTgt spid="3">
+                                            <p:txEl>
+                                              <p:pRg st="7" end="7"/>
+                                            </p:txEl>
+                                          </p:spTgt>
+                                        </p:tgtEl>
+                                        <p:attrNameLst>
+                                          <p:attrName>ppt_x</p:attrName>
+                                        </p:attrNameLst>
+                                      </p:cBhvr>
+                                      <p:tavLst>
+                                        <p:tav tm="0">
+                                          <p:val>
+                                            <p:strVal val="#ppt_x"/>
+                                          </p:val>
+                                        </p:tav>
+                                        <p:tav tm="100000">
+                                          <p:val>
+                                            <p:strVal val="#ppt_x"/>
+                                          </p:val>
+                                        </p:tav>
+                                      </p:tavLst>
+                                    </p:anim>
+                                    <p:anim calcmode="lin" valueType="num">
+                                      <p:cBhvr additive="base">
+                                        <p:cTn id="36" dur="500" fill="hold"/>
+                                        <p:tgtEl>
+                                          <p:spTgt spid="3">
+                                            <p:txEl>
+                                              <p:pRg st="7" end="7"/>
+                                            </p:txEl>
+                                          </p:spTgt>
+                                        </p:tgtEl>
+                                        <p:attrNameLst>
+                                          <p:attrName>ppt_y</p:attrName>
+                                        </p:attrNameLst>
+                                      </p:cBhvr>
+                                      <p:tavLst>
+                                        <p:tav tm="0">
+                                          <p:val>
+                                            <p:strVal val="1+#ppt_h/2"/>
+                                          </p:val>
+                                        </p:tav>
+                                        <p:tav tm="100000">
+                                          <p:val>
+                                            <p:strVal val="#ppt_y"/>
+                                          </p:val>
+                                        </p:tav>
+                                      </p:tavLst>
+                                    </p:anim>
+                                  </p:childTnLst>
+                                </p:cTn>
+                              </p:par>
+                            </p:childTnLst>
+                          </p:cTn>
+                        </p:par>
+                      </p:childTnLst>
+                    </p:cTn>
+                  </p:par>
+                  <p:par>
+                    <p:cTn id="37" fill="hold">
+                      <p:stCondLst>
+                        <p:cond delay="indefinite"/>
+                      </p:stCondLst>
+                      <p:childTnLst>
+                        <p:par>
+                          <p:cTn id="38" fill="hold">
+                            <p:stCondLst>
+                              <p:cond delay="0"/>
+                            </p:stCondLst>
+                            <p:childTnLst>
+                              <p:par>
+                                <p:cTn id="39" presetID="2" presetClass="entr" presetSubtype="4" fill="hold" nodeType="clickEffect">
+                                  <p:stCondLst>
+                                    <p:cond delay="0"/>
+                                  </p:stCondLst>
+                                  <p:childTnLst>
+                                    <p:set>
+                                      <p:cBhvr>
+                                        <p:cTn id="40" dur="1" fill="hold">
+                                          <p:stCondLst>
+                                            <p:cond delay="0"/>
+                                          </p:stCondLst>
+                                        </p:cTn>
+                                        <p:tgtEl>
+                                          <p:spTgt spid="3">
+                                            <p:txEl>
+                                              <p:pRg st="8" end="8"/>
+                                            </p:txEl>
+                                          </p:spTgt>
+                                        </p:tgtEl>
+                                        <p:attrNameLst>
+                                          <p:attrName>style.visibility</p:attrName>
+                                        </p:attrNameLst>
+                                      </p:cBhvr>
+                                      <p:to>
+                                        <p:strVal val="visible"/>
+                                      </p:to>
+                                    </p:set>
+                                    <p:anim calcmode="lin" valueType="num">
+                                      <p:cBhvr additive="base">
+                                        <p:cTn id="41" dur="500" fill="hold"/>
+                                        <p:tgtEl>
+                                          <p:spTgt spid="3">
+                                            <p:txEl>
+                                              <p:pRg st="8" end="8"/>
+                                            </p:txEl>
+                                          </p:spTgt>
+                                        </p:tgtEl>
+                                        <p:attrNameLst>
+                                          <p:attrName>ppt_x</p:attrName>
+                                        </p:attrNameLst>
+                                      </p:cBhvr>
+                                      <p:tavLst>
+                                        <p:tav tm="0">
+                                          <p:val>
+                                            <p:strVal val="#ppt_x"/>
+                                          </p:val>
+                                        </p:tav>
+                                        <p:tav tm="100000">
+                                          <p:val>
+                                            <p:strVal val="#ppt_x"/>
+                                          </p:val>
+                                        </p:tav>
+                                      </p:tavLst>
+                                    </p:anim>
+                                    <p:anim calcmode="lin" valueType="num">
+                                      <p:cBhvr additive="base">
+                                        <p:cTn id="42" dur="500" fill="hold"/>
+                                        <p:tgtEl>
+                                          <p:spTgt spid="3">
+                                            <p:txEl>
+                                              <p:pRg st="8" end="8"/>
+                                            </p:txEl>
+                                          </p:spTgt>
+                                        </p:tgtEl>
+                                        <p:attrNameLst>
+                                          <p:attrName>ppt_y</p:attrName>
+                                        </p:attrNameLst>
+                                      </p:cBhvr>
+                                      <p:tavLst>
+                                        <p:tav tm="0">
+                                          <p:val>
+                                            <p:strVal val="1+#ppt_h/2"/>
+                                          </p:val>
+                                        </p:tav>
+                                        <p:tav tm="100000">
+                                          <p:val>
+                                            <p:strVal val="#ppt_y"/>
+                                          </p:val>
+                                        </p:tav>
+                                      </p:tavLst>
+                                    </p:anim>
+                                  </p:childTnLst>
+                                </p:cTn>
+                              </p:par>
+                              <p:par>
+                                <p:cTn id="43" presetID="2" presetClass="entr" presetSubtype="4" fill="hold" nodeType="withEffect">
+                                  <p:stCondLst>
+                                    <p:cond delay="0"/>
+                                  </p:stCondLst>
+                                  <p:childTnLst>
+                                    <p:set>
+                                      <p:cBhvr>
+                                        <p:cTn id="44" dur="1" fill="hold">
+                                          <p:stCondLst>
+                                            <p:cond delay="0"/>
+                                          </p:stCondLst>
+                                        </p:cTn>
+                                        <p:tgtEl>
+                                          <p:spTgt spid="3">
+                                            <p:txEl>
+                                              <p:pRg st="9" end="9"/>
+                                            </p:txEl>
+                                          </p:spTgt>
+                                        </p:tgtEl>
+                                        <p:attrNameLst>
+                                          <p:attrName>style.visibility</p:attrName>
+                                        </p:attrNameLst>
+                                      </p:cBhvr>
+                                      <p:to>
+                                        <p:strVal val="visible"/>
+                                      </p:to>
+                                    </p:set>
+                                    <p:anim calcmode="lin" valueType="num">
+                                      <p:cBhvr additive="base">
+                                        <p:cTn id="45" dur="500" fill="hold"/>
+                                        <p:tgtEl>
+                                          <p:spTgt spid="3">
+                                            <p:txEl>
+                                              <p:pRg st="9" end="9"/>
+                                            </p:txEl>
+                                          </p:spTgt>
+                                        </p:tgtEl>
+                                        <p:attrNameLst>
+                                          <p:attrName>ppt_x</p:attrName>
+                                        </p:attrNameLst>
+                                      </p:cBhvr>
+                                      <p:tavLst>
+                                        <p:tav tm="0">
+                                          <p:val>
+                                            <p:strVal val="#ppt_x"/>
+                                          </p:val>
+                                        </p:tav>
+                                        <p:tav tm="100000">
+                                          <p:val>
+                                            <p:strVal val="#ppt_x"/>
+                                          </p:val>
+                                        </p:tav>
+                                      </p:tavLst>
+                                    </p:anim>
+                                    <p:anim calcmode="lin" valueType="num">
+                                      <p:cBhvr additive="base">
+                                        <p:cTn id="46" dur="500" fill="hold"/>
+                                        <p:tgtEl>
+                                          <p:spTgt spid="3">
+                                            <p:txEl>
+                                              <p:pRg st="9" end="9"/>
+                                            </p:txEl>
+                                          </p:spTgt>
+                                        </p:tgtEl>
+                                        <p:attrNameLst>
+                                          <p:attrName>ppt_y</p:attrName>
+                                        </p:attrNameLst>
+                                      </p:cBhvr>
+                                      <p:tavLst>
+                                        <p:tav tm="0">
+                                          <p:val>
+                                            <p:strVal val="1+#ppt_h/2"/>
+                                          </p:val>
+                                        </p:tav>
+                                        <p:tav tm="100000">
+                                          <p:val>
+                                            <p:strVal val="#ppt_y"/>
+                                          </p:val>
+                                        </p:tav>
+                                      </p:tavLst>
+                                    </p:anim>
+                                  </p:childTnLst>
+                                </p:cTn>
+                              </p:par>
+                              <p:par>
+                                <p:cTn id="47" presetID="2" presetClass="entr" presetSubtype="4" fill="hold" nodeType="withEffect">
+                                  <p:stCondLst>
+                                    <p:cond delay="0"/>
+                                  </p:stCondLst>
+                                  <p:childTnLst>
+                                    <p:set>
+                                      <p:cBhvr>
+                                        <p:cTn id="48" dur="1" fill="hold">
+                                          <p:stCondLst>
+                                            <p:cond delay="0"/>
+                                          </p:stCondLst>
+                                        </p:cTn>
+                                        <p:tgtEl>
+                                          <p:spTgt spid="3">
+                                            <p:txEl>
+                                              <p:pRg st="10" end="10"/>
+                                            </p:txEl>
+                                          </p:spTgt>
+                                        </p:tgtEl>
+                                        <p:attrNameLst>
+                                          <p:attrName>style.visibility</p:attrName>
+                                        </p:attrNameLst>
+                                      </p:cBhvr>
+                                      <p:to>
+                                        <p:strVal val="visible"/>
+                                      </p:to>
+                                    </p:set>
+                                    <p:anim calcmode="lin" valueType="num">
+                                      <p:cBhvr additive="base">
+                                        <p:cTn id="49" dur="500" fill="hold"/>
+                                        <p:tgtEl>
+                                          <p:spTgt spid="3">
+                                            <p:txEl>
+                                              <p:pRg st="10" end="10"/>
+                                            </p:txEl>
+                                          </p:spTgt>
+                                        </p:tgtEl>
+                                        <p:attrNameLst>
+                                          <p:attrName>ppt_x</p:attrName>
+                                        </p:attrNameLst>
+                                      </p:cBhvr>
+                                      <p:tavLst>
+                                        <p:tav tm="0">
+                                          <p:val>
+                                            <p:strVal val="#ppt_x"/>
+                                          </p:val>
+                                        </p:tav>
+                                        <p:tav tm="100000">
+                                          <p:val>
+                                            <p:strVal val="#ppt_x"/>
+                                          </p:val>
+                                        </p:tav>
+                                      </p:tavLst>
+                                    </p:anim>
+                                    <p:anim calcmode="lin" valueType="num">
+                                      <p:cBhvr additive="base">
+                                        <p:cTn id="50" dur="500" fill="hold"/>
+                                        <p:tgtEl>
+                                          <p:spTgt spid="3">
+                                            <p:txEl>
+                                              <p:pRg st="10" end="10"/>
+                                            </p:txEl>
+                                          </p:spTgt>
+                                        </p:tgtEl>
+                                        <p:attrNameLst>
+                                          <p:attrName>ppt_y</p:attrName>
+                                        </p:attrNameLst>
+                                      </p:cBhvr>
+                                      <p:tavLst>
+                                        <p:tav tm="0">
+                                          <p:val>
+                                            <p:strVal val="1+#ppt_h/2"/>
+                                          </p:val>
+                                        </p:tav>
+                                        <p:tav tm="100000">
+                                          <p:val>
+                                            <p:strVal val="#ppt_y"/>
+                                          </p:val>
+                                        </p:tav>
+                                      </p:tavLst>
+                                    </p:anim>
+                                  </p:childTnLst>
+                                </p:cTn>
+                              </p:par>
+                            </p:childTnLst>
+                          </p:cTn>
+                        </p:par>
+                      </p:childTnLst>
+                    </p:cTn>
+                  </p:par>
+                  <p:par>
+                    <p:cTn id="51" fill="hold">
+                      <p:stCondLst>
+                        <p:cond delay="indefinite"/>
+                      </p:stCondLst>
+                      <p:childTnLst>
+                        <p:par>
+                          <p:cTn id="52" fill="hold">
+                            <p:stCondLst>
+                              <p:cond delay="0"/>
+                            </p:stCondLst>
+                            <p:childTnLst>
+                              <p:par>
+                                <p:cTn id="53" presetID="2" presetClass="entr" presetSubtype="4" fill="hold" nodeType="clickEffect">
+                                  <p:stCondLst>
+                                    <p:cond delay="0"/>
+                                  </p:stCondLst>
+                                  <p:childTnLst>
+                                    <p:set>
+                                      <p:cBhvr>
+                                        <p:cTn id="54" dur="1" fill="hold">
+                                          <p:stCondLst>
+                                            <p:cond delay="0"/>
+                                          </p:stCondLst>
+                                        </p:cTn>
+                                        <p:tgtEl>
+                                          <p:spTgt spid="3">
+                                            <p:txEl>
+                                              <p:pRg st="11" end="11"/>
+                                            </p:txEl>
+                                          </p:spTgt>
+                                        </p:tgtEl>
+                                        <p:attrNameLst>
+                                          <p:attrName>style.visibility</p:attrName>
+                                        </p:attrNameLst>
+                                      </p:cBhvr>
+                                      <p:to>
+                                        <p:strVal val="visible"/>
+                                      </p:to>
+                                    </p:set>
+                                    <p:anim calcmode="lin" valueType="num">
+                                      <p:cBhvr additive="base">
+                                        <p:cTn id="55" dur="500" fill="hold"/>
+                                        <p:tgtEl>
+                                          <p:spTgt spid="3">
+                                            <p:txEl>
+                                              <p:pRg st="11" end="11"/>
+                                            </p:txEl>
+                                          </p:spTgt>
+                                        </p:tgtEl>
+                                        <p:attrNameLst>
+                                          <p:attrName>ppt_x</p:attrName>
+                                        </p:attrNameLst>
+                                      </p:cBhvr>
+                                      <p:tavLst>
+                                        <p:tav tm="0">
+                                          <p:val>
+                                            <p:strVal val="#ppt_x"/>
+                                          </p:val>
+                                        </p:tav>
+                                        <p:tav tm="100000">
+                                          <p:val>
+                                            <p:strVal val="#ppt_x"/>
+                                          </p:val>
+                                        </p:tav>
+                                      </p:tavLst>
+                                    </p:anim>
+                                    <p:anim calcmode="lin" valueType="num">
+                                      <p:cBhvr additive="base">
+                                        <p:cTn id="56" dur="500" fill="hold"/>
+                                        <p:tgtEl>
+                                          <p:spTgt spid="3">
+                                            <p:txEl>
+                                              <p:pRg st="11" end="11"/>
+                                            </p:txEl>
+                                          </p:spTgt>
+                                        </p:tgtEl>
+                                        <p:attrNameLst>
+                                          <p:attrName>ppt_y</p:attrName>
+                                        </p:attrNameLst>
+                                      </p:cBhvr>
+                                      <p:tavLst>
+                                        <p:tav tm="0">
+                                          <p:val>
+                                            <p:strVal val="1+#ppt_h/2"/>
+                                          </p:val>
+                                        </p:tav>
+                                        <p:tav tm="100000">
+                                          <p:val>
+                                            <p:strVal val="#ppt_y"/>
+                                          </p:val>
+                                        </p:tav>
+                                      </p:tavLst>
+                                    </p:anim>
+                                  </p:childTnLst>
+                                </p:cTn>
+                              </p:par>
+                              <p:par>
+                                <p:cTn id="57" presetID="2" presetClass="entr" presetSubtype="4" fill="hold" nodeType="withEffect">
+                                  <p:stCondLst>
+                                    <p:cond delay="0"/>
+                                  </p:stCondLst>
+                                  <p:childTnLst>
+                                    <p:set>
+                                      <p:cBhvr>
+                                        <p:cTn id="58" dur="1" fill="hold">
+                                          <p:stCondLst>
+                                            <p:cond delay="0"/>
+                                          </p:stCondLst>
+                                        </p:cTn>
+                                        <p:tgtEl>
+                                          <p:spTgt spid="3">
+                                            <p:txEl>
+                                              <p:pRg st="12" end="12"/>
+                                            </p:txEl>
+                                          </p:spTgt>
+                                        </p:tgtEl>
+                                        <p:attrNameLst>
+                                          <p:attrName>style.visibility</p:attrName>
+                                        </p:attrNameLst>
+                                      </p:cBhvr>
+                                      <p:to>
+                                        <p:strVal val="visible"/>
+                                      </p:to>
+                                    </p:set>
+                                    <p:anim calcmode="lin" valueType="num">
+                                      <p:cBhvr additive="base">
+                                        <p:cTn id="59" dur="500" fill="hold"/>
+                                        <p:tgtEl>
+                                          <p:spTgt spid="3">
+                                            <p:txEl>
+                                              <p:pRg st="12" end="12"/>
+                                            </p:txEl>
+                                          </p:spTgt>
+                                        </p:tgtEl>
+                                        <p:attrNameLst>
+                                          <p:attrName>ppt_x</p:attrName>
+                                        </p:attrNameLst>
+                                      </p:cBhvr>
+                                      <p:tavLst>
+                                        <p:tav tm="0">
+                                          <p:val>
+                                            <p:strVal val="#ppt_x"/>
+                                          </p:val>
+                                        </p:tav>
+                                        <p:tav tm="100000">
+                                          <p:val>
+                                            <p:strVal val="#ppt_x"/>
+                                          </p:val>
+                                        </p:tav>
+                                      </p:tavLst>
+                                    </p:anim>
+                                    <p:anim calcmode="lin" valueType="num">
+                                      <p:cBhvr additive="base">
+                                        <p:cTn id="60" dur="500" fill="hold"/>
+                                        <p:tgtEl>
+                                          <p:spTgt spid="3">
+                                            <p:txEl>
+                                              <p:pRg st="12" end="12"/>
+                                            </p:txEl>
+                                          </p:spTgt>
+                                        </p:tgtEl>
+                                        <p:attrNameLst>
+                                          <p:attrName>ppt_y</p:attrName>
+                                        </p:attrNameLst>
+                                      </p:cBhvr>
+                                      <p:tavLst>
+                                        <p:tav tm="0">
+                                          <p:val>
+                                            <p:strVal val="1+#ppt_h/2"/>
+                                          </p:val>
+                                        </p:tav>
+                                        <p:tav tm="100000">
+                                          <p:val>
+                                            <p:strVal val="#ppt_y"/>
+                                          </p:val>
+                                        </p:tav>
+                                      </p:tavLst>
+                                    </p:anim>
+                                  </p:childTnLst>
+                                </p:cTn>
+                              </p:par>
+                              <p:par>
+                                <p:cTn id="61" presetID="2" presetClass="entr" presetSubtype="4" fill="hold" nodeType="withEffect">
+                                  <p:stCondLst>
+                                    <p:cond delay="0"/>
+                                  </p:stCondLst>
+                                  <p:childTnLst>
+                                    <p:set>
+                                      <p:cBhvr>
+                                        <p:cTn id="62" dur="1" fill="hold">
+                                          <p:stCondLst>
+                                            <p:cond delay="0"/>
+                                          </p:stCondLst>
+                                        </p:cTn>
+                                        <p:tgtEl>
+                                          <p:spTgt spid="3">
+                                            <p:txEl>
+                                              <p:pRg st="13" end="13"/>
+                                            </p:txEl>
+                                          </p:spTgt>
+                                        </p:tgtEl>
+                                        <p:attrNameLst>
+                                          <p:attrName>style.visibility</p:attrName>
+                                        </p:attrNameLst>
+                                      </p:cBhvr>
+                                      <p:to>
+                                        <p:strVal val="visible"/>
+                                      </p:to>
+                                    </p:set>
+                                    <p:anim calcmode="lin" valueType="num">
+                                      <p:cBhvr additive="base">
+                                        <p:cTn id="63" dur="500" fill="hold"/>
+                                        <p:tgtEl>
+                                          <p:spTgt spid="3">
+                                            <p:txEl>
+                                              <p:pRg st="13" end="13"/>
+                                            </p:txEl>
+                                          </p:spTgt>
+                                        </p:tgtEl>
+                                        <p:attrNameLst>
+                                          <p:attrName>ppt_x</p:attrName>
+                                        </p:attrNameLst>
+                                      </p:cBhvr>
+                                      <p:tavLst>
+                                        <p:tav tm="0">
+                                          <p:val>
+                                            <p:strVal val="#ppt_x"/>
+                                          </p:val>
+                                        </p:tav>
+                                        <p:tav tm="100000">
+                                          <p:val>
+                                            <p:strVal val="#ppt_x"/>
+                                          </p:val>
+                                        </p:tav>
+                                      </p:tavLst>
+                                    </p:anim>
+                                    <p:anim calcmode="lin" valueType="num">
+                                      <p:cBhvr additive="base">
+                                        <p:cTn id="64" dur="500" fill="hold"/>
+                                        <p:tgtEl>
+                                          <p:spTgt spid="3">
+                                            <p:txEl>
+                                              <p:pRg st="13" end="13"/>
+                                            </p:txEl>
+                                          </p:spTgt>
+                                        </p:tgtEl>
+                                        <p:attrNameLst>
+                                          <p:attrName>ppt_y</p:attrName>
+                                        </p:attrNameLst>
+                                      </p:cBhvr>
+                                      <p:tavLst>
+                                        <p:tav tm="0">
+                                          <p:val>
+                                            <p:strVal val="1+#ppt_h/2"/>
+                                          </p:val>
+                                        </p:tav>
+                                        <p:tav tm="100000">
+                                          <p:val>
+                                            <p:strVal val="#ppt_y"/>
+                                          </p:val>
+                                        </p:tav>
+                                      </p:tavLst>
+                                    </p:anim>
+                                  </p:childTnLst>
+                                </p:cTn>
+                              </p:par>
+                            </p:childTnLst>
+                          </p:cTn>
+                        </p:par>
+                      </p:childTnLst>
+                    </p:cTn>
+                  </p:par>
+                  <p:par>
+                    <p:cTn id="65" fill="hold">
+                      <p:stCondLst>
+                        <p:cond delay="indefinite"/>
+                      </p:stCondLst>
+                      <p:childTnLst>
+                        <p:par>
+                          <p:cTn id="66" fill="hold">
+                            <p:stCondLst>
+                              <p:cond delay="0"/>
+                            </p:stCondLst>
+                            <p:childTnLst>
+                              <p:par>
+                                <p:cTn id="67" presetID="2" presetClass="entr" presetSubtype="4" fill="hold" nodeType="clickEffect">
+                                  <p:stCondLst>
+                                    <p:cond delay="0"/>
+                                  </p:stCondLst>
+                                  <p:childTnLst>
+                                    <p:set>
+                                      <p:cBhvr>
+                                        <p:cTn id="68" dur="1" fill="hold">
+                                          <p:stCondLst>
+                                            <p:cond delay="0"/>
+                                          </p:stCondLst>
+                                        </p:cTn>
+                                        <p:tgtEl>
+                                          <p:spTgt spid="3">
+                                            <p:txEl>
+                                              <p:pRg st="14" end="14"/>
+                                            </p:txEl>
+                                          </p:spTgt>
+                                        </p:tgtEl>
+                                        <p:attrNameLst>
+                                          <p:attrName>style.visibility</p:attrName>
+                                        </p:attrNameLst>
+                                      </p:cBhvr>
+                                      <p:to>
+                                        <p:strVal val="visible"/>
+                                      </p:to>
+                                    </p:set>
+                                    <p:anim calcmode="lin" valueType="num">
+                                      <p:cBhvr additive="base">
+                                        <p:cTn id="69" dur="500" fill="hold"/>
+                                        <p:tgtEl>
+                                          <p:spTgt spid="3">
+                                            <p:txEl>
+                                              <p:pRg st="14" end="14"/>
+                                            </p:txEl>
+                                          </p:spTgt>
+                                        </p:tgtEl>
+                                        <p:attrNameLst>
+                                          <p:attrName>ppt_x</p:attrName>
+                                        </p:attrNameLst>
+                                      </p:cBhvr>
+                                      <p:tavLst>
+                                        <p:tav tm="0">
+                                          <p:val>
+                                            <p:strVal val="#ppt_x"/>
+                                          </p:val>
+                                        </p:tav>
+                                        <p:tav tm="100000">
+                                          <p:val>
+                                            <p:strVal val="#ppt_x"/>
+                                          </p:val>
+                                        </p:tav>
+                                      </p:tavLst>
+                                    </p:anim>
+                                    <p:anim calcmode="lin" valueType="num">
+                                      <p:cBhvr additive="base">
+                                        <p:cTn id="70" dur="500" fill="hold"/>
+                                        <p:tgtEl>
+                                          <p:spTgt spid="3">
+                                            <p:txEl>
+                                              <p:pRg st="14" end="14"/>
+                                            </p:txEl>
+                                          </p:spTgt>
+                                        </p:tgtEl>
+                                        <p:attrNameLst>
+                                          <p:attrName>ppt_y</p:attrName>
+                                        </p:attrNameLst>
+                                      </p:cBhvr>
+                                      <p:tavLst>
+                                        <p:tav tm="0">
+                                          <p:val>
+                                            <p:strVal val="1+#ppt_h/2"/>
+                                          </p:val>
+                                        </p:tav>
+                                        <p:tav tm="100000">
+                                          <p:val>
+                                            <p:strVal val="#ppt_y"/>
+                                          </p:val>
+                                        </p:tav>
+                                      </p:tavLst>
+                                    </p:anim>
+                                  </p:childTnLst>
+                                </p:cTn>
+                              </p:par>
+                              <p:par>
+                                <p:cTn id="71" presetID="2" presetClass="entr" presetSubtype="4" fill="hold" nodeType="withEffect">
+                                  <p:stCondLst>
+                                    <p:cond delay="0"/>
+                                  </p:stCondLst>
+                                  <p:childTnLst>
+                                    <p:set>
+                                      <p:cBhvr>
+                                        <p:cTn id="72" dur="1" fill="hold">
+                                          <p:stCondLst>
+                                            <p:cond delay="0"/>
+                                          </p:stCondLst>
+                                        </p:cTn>
+                                        <p:tgtEl>
+                                          <p:spTgt spid="3">
+                                            <p:txEl>
+                                              <p:pRg st="15" end="15"/>
+                                            </p:txEl>
+                                          </p:spTgt>
+                                        </p:tgtEl>
+                                        <p:attrNameLst>
+                                          <p:attrName>style.visibility</p:attrName>
+                                        </p:attrNameLst>
+                                      </p:cBhvr>
+                                      <p:to>
+                                        <p:strVal val="visible"/>
+                                      </p:to>
+                                    </p:set>
+                                    <p:anim calcmode="lin" valueType="num">
+                                      <p:cBhvr additive="base">
+                                        <p:cTn id="73" dur="500" fill="hold"/>
+                                        <p:tgtEl>
+                                          <p:spTgt spid="3">
+                                            <p:txEl>
+                                              <p:pRg st="15" end="15"/>
+                                            </p:txEl>
+                                          </p:spTgt>
+                                        </p:tgtEl>
+                                        <p:attrNameLst>
+                                          <p:attrName>ppt_x</p:attrName>
+                                        </p:attrNameLst>
+                                      </p:cBhvr>
+                                      <p:tavLst>
+                                        <p:tav tm="0">
+                                          <p:val>
+                                            <p:strVal val="#ppt_x"/>
+                                          </p:val>
+                                        </p:tav>
+                                        <p:tav tm="100000">
+                                          <p:val>
+                                            <p:strVal val="#ppt_x"/>
+                                          </p:val>
+                                        </p:tav>
+                                      </p:tavLst>
+                                    </p:anim>
+                                    <p:anim calcmode="lin" valueType="num">
+                                      <p:cBhvr additive="base">
+                                        <p:cTn id="74" dur="500" fill="hold"/>
+                                        <p:tgtEl>
+                                          <p:spTgt spid="3">
+                                            <p:txEl>
+                                              <p:pRg st="15" end="15"/>
+                                            </p:txEl>
+                                          </p:spTgt>
+                                        </p:tgtEl>
+                                        <p:attrNameLst>
+                                          <p:attrName>ppt_y</p:attrName>
+                                        </p:attrNameLst>
+                                      </p:cBhvr>
+                                      <p:tavLst>
+                                        <p:tav tm="0">
+                                          <p:val>
+                                            <p:strVal val="1+#ppt_h/2"/>
+                                          </p:val>
+                                        </p:tav>
+                                        <p:tav tm="100000">
+                                          <p:val>
+                                            <p:strVal val="#ppt_y"/>
+                                          </p:val>
+                                        </p:tav>
+                                      </p:tavLst>
+                                    </p:anim>
+                                  </p:childTnLst>
+                                </p:cTn>
+                              </p:par>
+                              <p:par>
+                                <p:cTn id="75" presetID="2" presetClass="entr" presetSubtype="4" fill="hold" nodeType="withEffect">
+                                  <p:stCondLst>
+                                    <p:cond delay="0"/>
+                                  </p:stCondLst>
+                                  <p:childTnLst>
+                                    <p:set>
+                                      <p:cBhvr>
+                                        <p:cTn id="76" dur="1" fill="hold">
+                                          <p:stCondLst>
+                                            <p:cond delay="0"/>
+                                          </p:stCondLst>
+                                        </p:cTn>
+                                        <p:tgtEl>
+                                          <p:spTgt spid="3">
+                                            <p:txEl>
+                                              <p:pRg st="16" end="16"/>
+                                            </p:txEl>
+                                          </p:spTgt>
+                                        </p:tgtEl>
+                                        <p:attrNameLst>
+                                          <p:attrName>style.visibility</p:attrName>
+                                        </p:attrNameLst>
+                                      </p:cBhvr>
+                                      <p:to>
+                                        <p:strVal val="visible"/>
+                                      </p:to>
+                                    </p:set>
+                                    <p:anim calcmode="lin" valueType="num">
+                                      <p:cBhvr additive="base">
+                                        <p:cTn id="77" dur="500" fill="hold"/>
+                                        <p:tgtEl>
+                                          <p:spTgt spid="3">
+                                            <p:txEl>
+                                              <p:pRg st="16" end="16"/>
+                                            </p:txEl>
+                                          </p:spTgt>
+                                        </p:tgtEl>
+                                        <p:attrNameLst>
+                                          <p:attrName>ppt_x</p:attrName>
+                                        </p:attrNameLst>
+                                      </p:cBhvr>
+                                      <p:tavLst>
+                                        <p:tav tm="0">
+                                          <p:val>
+                                            <p:strVal val="#ppt_x"/>
+                                          </p:val>
+                                        </p:tav>
+                                        <p:tav tm="100000">
+                                          <p:val>
+                                            <p:strVal val="#ppt_x"/>
+                                          </p:val>
+                                        </p:tav>
+                                      </p:tavLst>
+                                    </p:anim>
+                                    <p:anim calcmode="lin" valueType="num">
+                                      <p:cBhvr additive="base">
+                                        <p:cTn id="78" dur="500" fill="hold"/>
+                                        <p:tgtEl>
+                                          <p:spTgt spid="3">
+                                            <p:txEl>
+                                              <p:pRg st="16" end="16"/>
+                                            </p:txEl>
+                                          </p:spTgt>
+                                        </p:tgtEl>
+                                        <p:attrNameLst>
+                                          <p:attrName>ppt_y</p:attrName>
+                                        </p:attrNameLst>
+                                      </p:cBhvr>
+                                      <p:tavLst>
+                                        <p:tav tm="0">
+                                          <p:val>
+                                            <p:strVal val="1+#ppt_h/2"/>
+                                          </p:val>
+                                        </p:tav>
+                                        <p:tav tm="100000">
+                                          <p:val>
+                                            <p:strVal val="#ppt_y"/>
+                                          </p:val>
+                                        </p:tav>
+                                      </p:tavLst>
+                                    </p:anim>
+                                  </p:childTnLst>
+                                </p:cTn>
+                              </p:par>
+                            </p:childTnLst>
+                          </p:cTn>
+                        </p:par>
+                      </p:childTnLst>
+                    </p:cTn>
+                  </p:par>
+                </p:childTnLst>
+              </p:cTn>
+              <p:prevCondLst>
+                <p:cond evt="onPrev" delay="0">
+                  <p:tgtEl>
+                    <p:sldTgt/>
+                  </p:tgtEl>
+                </p:cond>
+              </p:prevCondLst>
+              <p:nextCondLst>
+                <p:cond evt="onNext" delay="0">
+                  <p:tgtEl>
+                    <p:sldTgt/>
+                  </p:tgtEl>
+                </p:cond>
+              </p:nextCondLst>
+            </p:seq>
+          </p:childTnLst>
+        </p:cTn>
+      </p:par>
+    </p:tnLst>
+  </p:timing>
 </p:sld>
 </file>
 
@@ -28605,6 +30152,132 @@
   <p:clrMapOvr>
     <a:masterClrMapping/>
   </p:clrMapOvr>
+  <p:timing>
+    <p:tnLst>
+      <p:par>
+        <p:cTn id="1" dur="indefinite" restart="never" nodeType="tmRoot">
+          <p:childTnLst>
+            <p:seq concurrent="1" nextAc="seek">
+              <p:cTn id="2" dur="indefinite" nodeType="mainSeq">
+                <p:childTnLst>
+                  <p:par>
+                    <p:cTn id="3" fill="hold">
+                      <p:stCondLst>
+                        <p:cond delay="indefinite"/>
+                      </p:stCondLst>
+                      <p:childTnLst>
+                        <p:par>
+                          <p:cTn id="4" fill="hold">
+                            <p:stCondLst>
+                              <p:cond delay="0"/>
+                            </p:stCondLst>
+                            <p:childTnLst>
+                              <p:par>
+                                <p:cTn id="5" presetID="2" presetClass="entr" presetSubtype="4" fill="hold" grpId="0" nodeType="clickEffect">
+                                  <p:stCondLst>
+                                    <p:cond delay="0"/>
+                                  </p:stCondLst>
+                                  <p:childTnLst>
+                                    <p:set>
+                                      <p:cBhvr>
+                                        <p:cTn id="6" dur="1" fill="hold">
+                                          <p:stCondLst>
+                                            <p:cond delay="0"/>
+                                          </p:stCondLst>
+                                        </p:cTn>
+                                        <p:tgtEl>
+                                          <p:spTgt spid="46"/>
+                                        </p:tgtEl>
+                                        <p:attrNameLst>
+                                          <p:attrName>style.visibility</p:attrName>
+                                        </p:attrNameLst>
+                                      </p:cBhvr>
+                                      <p:to>
+                                        <p:strVal val="visible"/>
+                                      </p:to>
+                                    </p:set>
+                                    <p:anim calcmode="lin" valueType="num">
+                                      <p:cBhvr additive="base">
+                                        <p:cTn id="7" dur="500" fill="hold"/>
+                                        <p:tgtEl>
+                                          <p:spTgt spid="46"/>
+                                        </p:tgtEl>
+                                        <p:attrNameLst>
+                                          <p:attrName>ppt_x</p:attrName>
+                                        </p:attrNameLst>
+                                      </p:cBhvr>
+                                      <p:tavLst>
+                                        <p:tav tm="0">
+                                          <p:val>
+                                            <p:strVal val="#ppt_x"/>
+                                          </p:val>
+                                        </p:tav>
+                                        <p:tav tm="100000">
+                                          <p:val>
+                                            <p:strVal val="#ppt_x"/>
+                                          </p:val>
+                                        </p:tav>
+                                      </p:tavLst>
+                                    </p:anim>
+                                    <p:anim calcmode="lin" valueType="num">
+                                      <p:cBhvr additive="base">
+                                        <p:cTn id="8" dur="500" fill="hold"/>
+                                        <p:tgtEl>
+                                          <p:spTgt spid="46"/>
+                                        </p:tgtEl>
+                                        <p:attrNameLst>
+                                          <p:attrName>ppt_y</p:attrName>
+                                        </p:attrNameLst>
+                                      </p:cBhvr>
+                                      <p:tavLst>
+                                        <p:tav tm="0">
+                                          <p:val>
+                                            <p:strVal val="1+#ppt_h/2"/>
+                                          </p:val>
+                                        </p:tav>
+                                        <p:tav tm="100000">
+                                          <p:val>
+                                            <p:strVal val="#ppt_y"/>
+                                          </p:val>
+                                        </p:tav>
+                                      </p:tavLst>
+                                    </p:anim>
+                                  </p:childTnLst>
+                                </p:cTn>
+                              </p:par>
+                            </p:childTnLst>
+                          </p:cTn>
+                        </p:par>
+                      </p:childTnLst>
+                    </p:cTn>
+                  </p:par>
+                </p:childTnLst>
+              </p:cTn>
+              <p:prevCondLst>
+                <p:cond evt="onPrev" delay="0">
+                  <p:tgtEl>
+                    <p:sldTgt/>
+                  </p:tgtEl>
+                </p:cond>
+              </p:prevCondLst>
+              <p:nextCondLst>
+                <p:cond evt="onNext" delay="0">
+                  <p:tgtEl>
+                    <p:sldTgt/>
+                  </p:tgtEl>
+                </p:cond>
+              </p:nextCondLst>
+            </p:seq>
+          </p:childTnLst>
+        </p:cTn>
+      </p:par>
+    </p:tnLst>
+    <p:bldLst>
+      <p:bldGraphic spid="46" grpId="0">
+        <p:bldAsOne/>
+      </p:bldGraphic>
+    </p:bldLst>
+  </p:timing>
 </p:sld>
 </file>
 
@@ -28888,6 +30561,448 @@
   <p:clrMapOvr>
     <a:overrideClrMapping bg1="lt1" tx1="dk1" bg2="lt2" tx2="dk2" accent1="accent1" accent2="accent2" accent3="accent3" accent4="accent4" accent5="accent5" accent6="accent6" hlink="hlink" folHlink="folHlink"/>
   </p:clrMapOvr>
+  <p:timing>
+    <p:tnLst>
+      <p:par>
+        <p:cTn id="1" dur="indefinite" restart="never" nodeType="tmRoot">
+          <p:childTnLst>
+            <p:seq concurrent="1" nextAc="seek">
+              <p:cTn id="2" dur="indefinite" nodeType="mainSeq">
+                <p:childTnLst>
+                  <p:par>
+                    <p:cTn id="3" fill="hold">
+                      <p:stCondLst>
+                        <p:cond delay="indefinite"/>
+                      </p:stCondLst>
+                      <p:childTnLst>
+                        <p:par>
+                          <p:cTn id="4" fill="hold">
+                            <p:stCondLst>
+                              <p:cond delay="0"/>
+                            </p:stCondLst>
+                            <p:childTnLst>
+                              <p:par>
+                                <p:cTn id="5" presetID="2" presetClass="entr" presetSubtype="4" fill="hold" nodeType="clickEffect">
+                                  <p:stCondLst>
+                                    <p:cond delay="0"/>
+                                  </p:stCondLst>
+                                  <p:childTnLst>
+                                    <p:set>
+                                      <p:cBhvr>
+                                        <p:cTn id="6" dur="1" fill="hold">
+                                          <p:stCondLst>
+                                            <p:cond delay="0"/>
+                                          </p:stCondLst>
+                                        </p:cTn>
+                                        <p:tgtEl>
+                                          <p:spTgt spid="6">
+                                            <p:txEl>
+                                              <p:pRg st="2" end="2"/>
+                                            </p:txEl>
+                                          </p:spTgt>
+                                        </p:tgtEl>
+                                        <p:attrNameLst>
+                                          <p:attrName>style.visibility</p:attrName>
+                                        </p:attrNameLst>
+                                      </p:cBhvr>
+                                      <p:to>
+                                        <p:strVal val="visible"/>
+                                      </p:to>
+                                    </p:set>
+                                    <p:anim calcmode="lin" valueType="num">
+                                      <p:cBhvr additive="base">
+                                        <p:cTn id="7" dur="500" fill="hold"/>
+                                        <p:tgtEl>
+                                          <p:spTgt spid="6">
+                                            <p:txEl>
+                                              <p:pRg st="2" end="2"/>
+                                            </p:txEl>
+                                          </p:spTgt>
+                                        </p:tgtEl>
+                                        <p:attrNameLst>
+                                          <p:attrName>ppt_x</p:attrName>
+                                        </p:attrNameLst>
+                                      </p:cBhvr>
+                                      <p:tavLst>
+                                        <p:tav tm="0">
+                                          <p:val>
+                                            <p:strVal val="#ppt_x"/>
+                                          </p:val>
+                                        </p:tav>
+                                        <p:tav tm="100000">
+                                          <p:val>
+                                            <p:strVal val="#ppt_x"/>
+                                          </p:val>
+                                        </p:tav>
+                                      </p:tavLst>
+                                    </p:anim>
+                                    <p:anim calcmode="lin" valueType="num">
+                                      <p:cBhvr additive="base">
+                                        <p:cTn id="8" dur="500" fill="hold"/>
+                                        <p:tgtEl>
+                                          <p:spTgt spid="6">
+                                            <p:txEl>
+                                              <p:pRg st="2" end="2"/>
+                                            </p:txEl>
+                                          </p:spTgt>
+                                        </p:tgtEl>
+                                        <p:attrNameLst>
+                                          <p:attrName>ppt_y</p:attrName>
+                                        </p:attrNameLst>
+                                      </p:cBhvr>
+                                      <p:tavLst>
+                                        <p:tav tm="0">
+                                          <p:val>
+                                            <p:strVal val="1+#ppt_h/2"/>
+                                          </p:val>
+                                        </p:tav>
+                                        <p:tav tm="100000">
+                                          <p:val>
+                                            <p:strVal val="#ppt_y"/>
+                                          </p:val>
+                                        </p:tav>
+                                      </p:tavLst>
+                                    </p:anim>
+                                  </p:childTnLst>
+                                </p:cTn>
+                              </p:par>
+                            </p:childTnLst>
+                          </p:cTn>
+                        </p:par>
+                      </p:childTnLst>
+                    </p:cTn>
+                  </p:par>
+                  <p:par>
+                    <p:cTn id="9" fill="hold">
+                      <p:stCondLst>
+                        <p:cond delay="indefinite"/>
+                      </p:stCondLst>
+                      <p:childTnLst>
+                        <p:par>
+                          <p:cTn id="10" fill="hold">
+                            <p:stCondLst>
+                              <p:cond delay="0"/>
+                            </p:stCondLst>
+                            <p:childTnLst>
+                              <p:par>
+                                <p:cTn id="11" presetID="2" presetClass="entr" presetSubtype="4" fill="hold" nodeType="clickEffect">
+                                  <p:stCondLst>
+                                    <p:cond delay="0"/>
+                                  </p:stCondLst>
+                                  <p:childTnLst>
+                                    <p:set>
+                                      <p:cBhvr>
+                                        <p:cTn id="12" dur="1" fill="hold">
+                                          <p:stCondLst>
+                                            <p:cond delay="0"/>
+                                          </p:stCondLst>
+                                        </p:cTn>
+                                        <p:tgtEl>
+                                          <p:spTgt spid="6">
+                                            <p:txEl>
+                                              <p:pRg st="4" end="4"/>
+                                            </p:txEl>
+                                          </p:spTgt>
+                                        </p:tgtEl>
+                                        <p:attrNameLst>
+                                          <p:attrName>style.visibility</p:attrName>
+                                        </p:attrNameLst>
+                                      </p:cBhvr>
+                                      <p:to>
+                                        <p:strVal val="visible"/>
+                                      </p:to>
+                                    </p:set>
+                                    <p:anim calcmode="lin" valueType="num">
+                                      <p:cBhvr additive="base">
+                                        <p:cTn id="13" dur="500" fill="hold"/>
+                                        <p:tgtEl>
+                                          <p:spTgt spid="6">
+                                            <p:txEl>
+                                              <p:pRg st="4" end="4"/>
+                                            </p:txEl>
+                                          </p:spTgt>
+                                        </p:tgtEl>
+                                        <p:attrNameLst>
+                                          <p:attrName>ppt_x</p:attrName>
+                                        </p:attrNameLst>
+                                      </p:cBhvr>
+                                      <p:tavLst>
+                                        <p:tav tm="0">
+                                          <p:val>
+                                            <p:strVal val="#ppt_x"/>
+                                          </p:val>
+                                        </p:tav>
+                                        <p:tav tm="100000">
+                                          <p:val>
+                                            <p:strVal val="#ppt_x"/>
+                                          </p:val>
+                                        </p:tav>
+                                      </p:tavLst>
+                                    </p:anim>
+                                    <p:anim calcmode="lin" valueType="num">
+                                      <p:cBhvr additive="base">
+                                        <p:cTn id="14" dur="500" fill="hold"/>
+                                        <p:tgtEl>
+                                          <p:spTgt spid="6">
+                                            <p:txEl>
+                                              <p:pRg st="4" end="4"/>
+                                            </p:txEl>
+                                          </p:spTgt>
+                                        </p:tgtEl>
+                                        <p:attrNameLst>
+                                          <p:attrName>ppt_y</p:attrName>
+                                        </p:attrNameLst>
+                                      </p:cBhvr>
+                                      <p:tavLst>
+                                        <p:tav tm="0">
+                                          <p:val>
+                                            <p:strVal val="1+#ppt_h/2"/>
+                                          </p:val>
+                                        </p:tav>
+                                        <p:tav tm="100000">
+                                          <p:val>
+                                            <p:strVal val="#ppt_y"/>
+                                          </p:val>
+                                        </p:tav>
+                                      </p:tavLst>
+                                    </p:anim>
+                                  </p:childTnLst>
+                                </p:cTn>
+                              </p:par>
+                            </p:childTnLst>
+                          </p:cTn>
+                        </p:par>
+                      </p:childTnLst>
+                    </p:cTn>
+                  </p:par>
+                  <p:par>
+                    <p:cTn id="15" fill="hold">
+                      <p:stCondLst>
+                        <p:cond delay="indefinite"/>
+                      </p:stCondLst>
+                      <p:childTnLst>
+                        <p:par>
+                          <p:cTn id="16" fill="hold">
+                            <p:stCondLst>
+                              <p:cond delay="0"/>
+                            </p:stCondLst>
+                            <p:childTnLst>
+                              <p:par>
+                                <p:cTn id="17" presetID="2" presetClass="entr" presetSubtype="4" fill="hold" nodeType="clickEffect">
+                                  <p:stCondLst>
+                                    <p:cond delay="0"/>
+                                  </p:stCondLst>
+                                  <p:childTnLst>
+                                    <p:set>
+                                      <p:cBhvr>
+                                        <p:cTn id="18" dur="1" fill="hold">
+                                          <p:stCondLst>
+                                            <p:cond delay="0"/>
+                                          </p:stCondLst>
+                                        </p:cTn>
+                                        <p:tgtEl>
+                                          <p:spTgt spid="6">
+                                            <p:txEl>
+                                              <p:pRg st="6" end="6"/>
+                                            </p:txEl>
+                                          </p:spTgt>
+                                        </p:tgtEl>
+                                        <p:attrNameLst>
+                                          <p:attrName>style.visibility</p:attrName>
+                                        </p:attrNameLst>
+                                      </p:cBhvr>
+                                      <p:to>
+                                        <p:strVal val="visible"/>
+                                      </p:to>
+                                    </p:set>
+                                    <p:anim calcmode="lin" valueType="num">
+                                      <p:cBhvr additive="base">
+                                        <p:cTn id="19" dur="500" fill="hold"/>
+                                        <p:tgtEl>
+                                          <p:spTgt spid="6">
+                                            <p:txEl>
+                                              <p:pRg st="6" end="6"/>
+                                            </p:txEl>
+                                          </p:spTgt>
+                                        </p:tgtEl>
+                                        <p:attrNameLst>
+                                          <p:attrName>ppt_x</p:attrName>
+                                        </p:attrNameLst>
+                                      </p:cBhvr>
+                                      <p:tavLst>
+                                        <p:tav tm="0">
+                                          <p:val>
+                                            <p:strVal val="#ppt_x"/>
+                                          </p:val>
+                                        </p:tav>
+                                        <p:tav tm="100000">
+                                          <p:val>
+                                            <p:strVal val="#ppt_x"/>
+                                          </p:val>
+                                        </p:tav>
+                                      </p:tavLst>
+                                    </p:anim>
+                                    <p:anim calcmode="lin" valueType="num">
+                                      <p:cBhvr additive="base">
+                                        <p:cTn id="20" dur="500" fill="hold"/>
+                                        <p:tgtEl>
+                                          <p:spTgt spid="6">
+                                            <p:txEl>
+                                              <p:pRg st="6" end="6"/>
+                                            </p:txEl>
+                                          </p:spTgt>
+                                        </p:tgtEl>
+                                        <p:attrNameLst>
+                                          <p:attrName>ppt_y</p:attrName>
+                                        </p:attrNameLst>
+                                      </p:cBhvr>
+                                      <p:tavLst>
+                                        <p:tav tm="0">
+                                          <p:val>
+                                            <p:strVal val="1+#ppt_h/2"/>
+                                          </p:val>
+                                        </p:tav>
+                                        <p:tav tm="100000">
+                                          <p:val>
+                                            <p:strVal val="#ppt_y"/>
+                                          </p:val>
+                                        </p:tav>
+                                      </p:tavLst>
+                                    </p:anim>
+                                  </p:childTnLst>
+                                </p:cTn>
+                              </p:par>
+                            </p:childTnLst>
+                          </p:cTn>
+                        </p:par>
+                      </p:childTnLst>
+                    </p:cTn>
+                  </p:par>
+                  <p:par>
+                    <p:cTn id="21" fill="hold">
+                      <p:stCondLst>
+                        <p:cond delay="indefinite"/>
+                      </p:stCondLst>
+                      <p:childTnLst>
+                        <p:par>
+                          <p:cTn id="22" fill="hold">
+                            <p:stCondLst>
+                              <p:cond delay="0"/>
+                            </p:stCondLst>
+                            <p:childTnLst>
+                              <p:par>
+                                <p:cTn id="23" presetID="2" presetClass="entr" presetSubtype="4" fill="hold" nodeType="clickEffect">
+                                  <p:stCondLst>
+                                    <p:cond delay="0"/>
+                                  </p:stCondLst>
+                                  <p:childTnLst>
+                                    <p:set>
+                                      <p:cBhvr>
+                                        <p:cTn id="24" dur="1" fill="hold">
+                                          <p:stCondLst>
+                                            <p:cond delay="0"/>
+                                          </p:stCondLst>
+                                        </p:cTn>
+                                        <p:tgtEl>
+                                          <p:spTgt spid="6">
+                                            <p:txEl>
+                                              <p:pRg st="8" end="8"/>
+                                            </p:txEl>
+                                          </p:spTgt>
+                                        </p:tgtEl>
+                                        <p:attrNameLst>
+                                          <p:attrName>style.visibility</p:attrName>
+                                        </p:attrNameLst>
+                                      </p:cBhvr>
+                                      <p:to>
+                                        <p:strVal val="visible"/>
+                                      </p:to>
+                                    </p:set>
+                                    <p:anim calcmode="lin" valueType="num">
+                                      <p:cBhvr additive="base">
+                                        <p:cTn id="25" dur="500" fill="hold"/>
+                                        <p:tgtEl>
+                                          <p:spTgt spid="6">
+                                            <p:txEl>
+                                              <p:pRg st="8" end="8"/>
+                                            </p:txEl>
+                                          </p:spTgt>
+                                        </p:tgtEl>
+                                        <p:attrNameLst>
+                                          <p:attrName>ppt_x</p:attrName>
+                                        </p:attrNameLst>
+                                      </p:cBhvr>
+                                      <p:tavLst>
+                                        <p:tav tm="0">
+                                          <p:val>
+                                            <p:strVal val="#ppt_x"/>
+                                          </p:val>
+                                        </p:tav>
+                                        <p:tav tm="100000">
+                                          <p:val>
+                                            <p:strVal val="#ppt_x"/>
+                                          </p:val>
+                                        </p:tav>
+                                      </p:tavLst>
+                                    </p:anim>
+                                    <p:anim calcmode="lin" valueType="num">
+                                      <p:cBhvr additive="base">
+                                        <p:cTn id="26" dur="500" fill="hold"/>
+                                        <p:tgtEl>
+                                          <p:spTgt spid="6">
+                                            <p:txEl>
+                                              <p:pRg st="8" end="8"/>
+                                            </p:txEl>
+                                          </p:spTgt>
+                                        </p:tgtEl>
+                                        <p:attrNameLst>
+                                          <p:attrName>ppt_y</p:attrName>
+                                        </p:attrNameLst>
+                                      </p:cBhvr>
+                                      <p:tavLst>
+                                        <p:tav tm="0">
+                                          <p:val>
+                                            <p:strVal val="1+#ppt_h/2"/>
+                                          </p:val>
+                                        </p:tav>
+                                        <p:tav tm="100000">
+                                          <p:val>
+                                            <p:strVal val="#ppt_y"/>
+                                          </p:val>
+                                        </p:tav>
+                                      </p:tavLst>
+                                    </p:anim>
+                                  </p:childTnLst>
+                                </p:cTn>
+                              </p:par>
+                            </p:childTnLst>
+                          </p:cTn>
+                        </p:par>
+                      </p:childTnLst>
+                    </p:cTn>
+                  </p:par>
+                </p:childTnLst>
+              </p:cTn>
+              <p:prevCondLst>
+                <p:cond evt="onPrev" delay="0">
+                  <p:tgtEl>
+                    <p:sldTgt/>
+                  </p:tgtEl>
+                </p:cond>
+              </p:prevCondLst>
+              <p:nextCondLst>
+                <p:cond evt="onNext" delay="0">
+                  <p:tgtEl>
+                    <p:sldTgt/>
+                  </p:tgtEl>
+                </p:cond>
+              </p:nextCondLst>
+            </p:seq>
+          </p:childTnLst>
+        </p:cTn>
+      </p:par>
+    </p:tnLst>
+  </p:timing>
 </p:sld>
 </file>
 
@@ -29050,7 +31165,7 @@
         </p:spPr>
         <p:txBody>
           <a:bodyPr vert="horz" lIns="91440" tIns="45720" rIns="91440" bIns="45720" rtlCol="0">
-            <a:normAutofit/>
+            <a:normAutofit lnSpcReduction="10000"/>
           </a:bodyPr>
           <a:lstStyle>
             <a:lvl1pPr marL="0" indent="0" algn="l" defTabSz="457200" rtl="0" eaLnBrk="1" latinLnBrk="0" hangingPunct="1">
@@ -29325,7 +31440,7 @@
             </a:pPr>
             <a:r>
               <a:rPr lang="en-US" sz="2400" dirty="0"/>
-              <a:t>Basic IT Skills, Folders, Files, Windows Explorer</a:t>
+              <a:t>Basic IT Skills, Folders, Files, Windows Explorer, Suggested filing system</a:t>
             </a:r>
           </a:p>
           <a:p>
@@ -29352,6 +31467,19 @@
             <a:r>
               <a:rPr lang="en-US" sz="2400" dirty="0"/>
               <a:t>Email Etiquette, Attaching Files and Downloading Attachments</a:t>
+            </a:r>
+          </a:p>
+          <a:p>
+            <a:pPr marL="800100" lvl="1" indent="-342900" algn="l">
+              <a:buClr>
+                <a:schemeClr val="bg1"/>
+              </a:buClr>
+              <a:buFont typeface="Wingdings" pitchFamily="2" charset="2"/>
+              <a:buChar char="Ø"/>
+            </a:pPr>
+            <a:r>
+              <a:rPr lang="en-US" sz="2400" dirty="0"/>
+              <a:t>Bookmarks on browser</a:t>
             </a:r>
           </a:p>
           <a:p>
@@ -29845,6 +31973,300 @@
   <p:clrMapOvr>
     <a:overrideClrMapping bg1="lt1" tx1="dk1" bg2="lt2" tx2="dk2" accent1="accent1" accent2="accent2" accent3="accent3" accent4="accent4" accent5="accent5" accent6="accent6" hlink="hlink" folHlink="folHlink"/>
   </p:clrMapOvr>
+  <p:timing>
+    <p:tnLst>
+      <p:par>
+        <p:cTn id="1" dur="indefinite" restart="never" nodeType="tmRoot">
+          <p:childTnLst>
+            <p:seq concurrent="1" nextAc="seek">
+              <p:cTn id="2" dur="indefinite" nodeType="mainSeq">
+                <p:childTnLst>
+                  <p:par>
+                    <p:cTn id="3" fill="hold">
+                      <p:stCondLst>
+                        <p:cond delay="indefinite"/>
+                      </p:stCondLst>
+                      <p:childTnLst>
+                        <p:par>
+                          <p:cTn id="4" fill="hold">
+                            <p:stCondLst>
+                              <p:cond delay="0"/>
+                            </p:stCondLst>
+                            <p:childTnLst>
+                              <p:par>
+                                <p:cTn id="5" presetID="2" presetClass="entr" presetSubtype="4" fill="hold" nodeType="clickEffect">
+                                  <p:stCondLst>
+                                    <p:cond delay="0"/>
+                                  </p:stCondLst>
+                                  <p:childTnLst>
+                                    <p:set>
+                                      <p:cBhvr>
+                                        <p:cTn id="6" dur="1" fill="hold">
+                                          <p:stCondLst>
+                                            <p:cond delay="0"/>
+                                          </p:stCondLst>
+                                        </p:cTn>
+                                        <p:tgtEl>
+                                          <p:spTgt spid="3">
+                                            <p:txEl>
+                                              <p:pRg st="12" end="12"/>
+                                            </p:txEl>
+                                          </p:spTgt>
+                                        </p:tgtEl>
+                                        <p:attrNameLst>
+                                          <p:attrName>style.visibility</p:attrName>
+                                        </p:attrNameLst>
+                                      </p:cBhvr>
+                                      <p:to>
+                                        <p:strVal val="visible"/>
+                                      </p:to>
+                                    </p:set>
+                                    <p:anim calcmode="lin" valueType="num">
+                                      <p:cBhvr additive="base">
+                                        <p:cTn id="7" dur="500" fill="hold"/>
+                                        <p:tgtEl>
+                                          <p:spTgt spid="3">
+                                            <p:txEl>
+                                              <p:pRg st="12" end="12"/>
+                                            </p:txEl>
+                                          </p:spTgt>
+                                        </p:tgtEl>
+                                        <p:attrNameLst>
+                                          <p:attrName>ppt_x</p:attrName>
+                                        </p:attrNameLst>
+                                      </p:cBhvr>
+                                      <p:tavLst>
+                                        <p:tav tm="0">
+                                          <p:val>
+                                            <p:strVal val="#ppt_x"/>
+                                          </p:val>
+                                        </p:tav>
+                                        <p:tav tm="100000">
+                                          <p:val>
+                                            <p:strVal val="#ppt_x"/>
+                                          </p:val>
+                                        </p:tav>
+                                      </p:tavLst>
+                                    </p:anim>
+                                    <p:anim calcmode="lin" valueType="num">
+                                      <p:cBhvr additive="base">
+                                        <p:cTn id="8" dur="500" fill="hold"/>
+                                        <p:tgtEl>
+                                          <p:spTgt spid="3">
+                                            <p:txEl>
+                                              <p:pRg st="12" end="12"/>
+                                            </p:txEl>
+                                          </p:spTgt>
+                                        </p:tgtEl>
+                                        <p:attrNameLst>
+                                          <p:attrName>ppt_y</p:attrName>
+                                        </p:attrNameLst>
+                                      </p:cBhvr>
+                                      <p:tavLst>
+                                        <p:tav tm="0">
+                                          <p:val>
+                                            <p:strVal val="1+#ppt_h/2"/>
+                                          </p:val>
+                                        </p:tav>
+                                        <p:tav tm="100000">
+                                          <p:val>
+                                            <p:strVal val="#ppt_y"/>
+                                          </p:val>
+                                        </p:tav>
+                                      </p:tavLst>
+                                    </p:anim>
+                                  </p:childTnLst>
+                                </p:cTn>
+                              </p:par>
+                              <p:par>
+                                <p:cTn id="9" presetID="2" presetClass="entr" presetSubtype="4" fill="hold" nodeType="withEffect">
+                                  <p:stCondLst>
+                                    <p:cond delay="0"/>
+                                  </p:stCondLst>
+                                  <p:childTnLst>
+                                    <p:set>
+                                      <p:cBhvr>
+                                        <p:cTn id="10" dur="1" fill="hold">
+                                          <p:stCondLst>
+                                            <p:cond delay="0"/>
+                                          </p:stCondLst>
+                                        </p:cTn>
+                                        <p:tgtEl>
+                                          <p:spTgt spid="3">
+                                            <p:txEl>
+                                              <p:pRg st="13" end="13"/>
+                                            </p:txEl>
+                                          </p:spTgt>
+                                        </p:tgtEl>
+                                        <p:attrNameLst>
+                                          <p:attrName>style.visibility</p:attrName>
+                                        </p:attrNameLst>
+                                      </p:cBhvr>
+                                      <p:to>
+                                        <p:strVal val="visible"/>
+                                      </p:to>
+                                    </p:set>
+                                    <p:anim calcmode="lin" valueType="num">
+                                      <p:cBhvr additive="base">
+                                        <p:cTn id="11" dur="500" fill="hold"/>
+                                        <p:tgtEl>
+                                          <p:spTgt spid="3">
+                                            <p:txEl>
+                                              <p:pRg st="13" end="13"/>
+                                            </p:txEl>
+                                          </p:spTgt>
+                                        </p:tgtEl>
+                                        <p:attrNameLst>
+                                          <p:attrName>ppt_x</p:attrName>
+                                        </p:attrNameLst>
+                                      </p:cBhvr>
+                                      <p:tavLst>
+                                        <p:tav tm="0">
+                                          <p:val>
+                                            <p:strVal val="#ppt_x"/>
+                                          </p:val>
+                                        </p:tav>
+                                        <p:tav tm="100000">
+                                          <p:val>
+                                            <p:strVal val="#ppt_x"/>
+                                          </p:val>
+                                        </p:tav>
+                                      </p:tavLst>
+                                    </p:anim>
+                                    <p:anim calcmode="lin" valueType="num">
+                                      <p:cBhvr additive="base">
+                                        <p:cTn id="12" dur="500" fill="hold"/>
+                                        <p:tgtEl>
+                                          <p:spTgt spid="3">
+                                            <p:txEl>
+                                              <p:pRg st="13" end="13"/>
+                                            </p:txEl>
+                                          </p:spTgt>
+                                        </p:tgtEl>
+                                        <p:attrNameLst>
+                                          <p:attrName>ppt_y</p:attrName>
+                                        </p:attrNameLst>
+                                      </p:cBhvr>
+                                      <p:tavLst>
+                                        <p:tav tm="0">
+                                          <p:val>
+                                            <p:strVal val="1+#ppt_h/2"/>
+                                          </p:val>
+                                        </p:tav>
+                                        <p:tav tm="100000">
+                                          <p:val>
+                                            <p:strVal val="#ppt_y"/>
+                                          </p:val>
+                                        </p:tav>
+                                      </p:tavLst>
+                                    </p:anim>
+                                  </p:childTnLst>
+                                </p:cTn>
+                              </p:par>
+                              <p:par>
+                                <p:cTn id="13" presetID="2" presetClass="entr" presetSubtype="4" fill="hold" grpId="0" nodeType="withEffect">
+                                  <p:stCondLst>
+                                    <p:cond delay="0"/>
+                                  </p:stCondLst>
+                                  <p:childTnLst>
+                                    <p:set>
+                                      <p:cBhvr>
+                                        <p:cTn id="14" dur="1" fill="hold">
+                                          <p:stCondLst>
+                                            <p:cond delay="0"/>
+                                          </p:stCondLst>
+                                        </p:cTn>
+                                        <p:tgtEl>
+                                          <p:spTgt spid="4"/>
+                                        </p:tgtEl>
+                                        <p:attrNameLst>
+                                          <p:attrName>style.visibility</p:attrName>
+                                        </p:attrNameLst>
+                                      </p:cBhvr>
+                                      <p:to>
+                                        <p:strVal val="visible"/>
+                                      </p:to>
+                                    </p:set>
+                                    <p:anim calcmode="lin" valueType="num">
+                                      <p:cBhvr additive="base">
+                                        <p:cTn id="15" dur="500" fill="hold"/>
+                                        <p:tgtEl>
+                                          <p:spTgt spid="4"/>
+                                        </p:tgtEl>
+                                        <p:attrNameLst>
+                                          <p:attrName>ppt_x</p:attrName>
+                                        </p:attrNameLst>
+                                      </p:cBhvr>
+                                      <p:tavLst>
+                                        <p:tav tm="0">
+                                          <p:val>
+                                            <p:strVal val="#ppt_x"/>
+                                          </p:val>
+                                        </p:tav>
+                                        <p:tav tm="100000">
+                                          <p:val>
+                                            <p:strVal val="#ppt_x"/>
+                                          </p:val>
+                                        </p:tav>
+                                      </p:tavLst>
+                                    </p:anim>
+                                    <p:anim calcmode="lin" valueType="num">
+                                      <p:cBhvr additive="base">
+                                        <p:cTn id="16" dur="500" fill="hold"/>
+                                        <p:tgtEl>
+                                          <p:spTgt spid="4"/>
+                                        </p:tgtEl>
+                                        <p:attrNameLst>
+                                          <p:attrName>ppt_y</p:attrName>
+                                        </p:attrNameLst>
+                                      </p:cBhvr>
+                                      <p:tavLst>
+                                        <p:tav tm="0">
+                                          <p:val>
+                                            <p:strVal val="1+#ppt_h/2"/>
+                                          </p:val>
+                                        </p:tav>
+                                        <p:tav tm="100000">
+                                          <p:val>
+                                            <p:strVal val="#ppt_y"/>
+                                          </p:val>
+                                        </p:tav>
+                                      </p:tavLst>
+                                    </p:anim>
+                                  </p:childTnLst>
+                                </p:cTn>
+                              </p:par>
+                            </p:childTnLst>
+                          </p:cTn>
+                        </p:par>
+                      </p:childTnLst>
+                    </p:cTn>
+                  </p:par>
+                </p:childTnLst>
+              </p:cTn>
+              <p:prevCondLst>
+                <p:cond evt="onPrev" delay="0">
+                  <p:tgtEl>
+                    <p:sldTgt/>
+                  </p:tgtEl>
+                </p:cond>
+              </p:prevCondLst>
+              <p:nextCondLst>
+                <p:cond evt="onNext" delay="0">
+                  <p:tgtEl>
+                    <p:sldTgt/>
+                  </p:tgtEl>
+                </p:cond>
+              </p:nextCondLst>
+            </p:seq>
+          </p:childTnLst>
+        </p:cTn>
+      </p:par>
+    </p:tnLst>
+    <p:bldLst>
+      <p:bldP spid="4" grpId="0" animBg="1"/>
+    </p:bldLst>
+  </p:timing>
 </p:sld>
 </file>
 
@@ -29910,7 +32332,7 @@
         </p:nvSpPr>
         <p:spPr>
           <a:xfrm>
-            <a:off x="3687440" y="686989"/>
+            <a:off x="3377474" y="201790"/>
             <a:ext cx="4817120" cy="1190912"/>
           </a:xfrm>
         </p:spPr>
@@ -29949,7 +32371,7 @@
         </p:nvSpPr>
         <p:spPr>
           <a:xfrm>
-            <a:off x="5064368" y="1392702"/>
+            <a:off x="4599418" y="1157771"/>
             <a:ext cx="6541477" cy="5465297"/>
           </a:xfrm>
         </p:spPr>
@@ -30136,6 +32558,752 @@
   <p:clrMapOvr>
     <a:overrideClrMapping bg1="lt1" tx1="dk1" bg2="lt2" tx2="dk2" accent1="accent1" accent2="accent2" accent3="accent3" accent4="accent4" accent5="accent5" accent6="accent6" hlink="hlink" folHlink="folHlink"/>
   </p:clrMapOvr>
+  <p:timing>
+    <p:tnLst>
+      <p:par>
+        <p:cTn id="1" dur="indefinite" restart="never" nodeType="tmRoot">
+          <p:childTnLst>
+            <p:seq concurrent="1" nextAc="seek">
+              <p:cTn id="2" dur="indefinite" nodeType="mainSeq">
+                <p:childTnLst>
+                  <p:par>
+                    <p:cTn id="3" fill="hold">
+                      <p:stCondLst>
+                        <p:cond delay="indefinite"/>
+                      </p:stCondLst>
+                      <p:childTnLst>
+                        <p:par>
+                          <p:cTn id="4" fill="hold">
+                            <p:stCondLst>
+                              <p:cond delay="0"/>
+                            </p:stCondLst>
+                            <p:childTnLst>
+                              <p:par>
+                                <p:cTn id="5" presetID="2" presetClass="entr" presetSubtype="4" fill="hold" nodeType="clickEffect">
+                                  <p:stCondLst>
+                                    <p:cond delay="0"/>
+                                  </p:stCondLst>
+                                  <p:childTnLst>
+                                    <p:set>
+                                      <p:cBhvr>
+                                        <p:cTn id="6" dur="1" fill="hold">
+                                          <p:stCondLst>
+                                            <p:cond delay="0"/>
+                                          </p:stCondLst>
+                                        </p:cTn>
+                                        <p:tgtEl>
+                                          <p:spTgt spid="3">
+                                            <p:txEl>
+                                              <p:pRg st="0" end="0"/>
+                                            </p:txEl>
+                                          </p:spTgt>
+                                        </p:tgtEl>
+                                        <p:attrNameLst>
+                                          <p:attrName>style.visibility</p:attrName>
+                                        </p:attrNameLst>
+                                      </p:cBhvr>
+                                      <p:to>
+                                        <p:strVal val="visible"/>
+                                      </p:to>
+                                    </p:set>
+                                    <p:anim calcmode="lin" valueType="num">
+                                      <p:cBhvr additive="base">
+                                        <p:cTn id="7" dur="500" fill="hold"/>
+                                        <p:tgtEl>
+                                          <p:spTgt spid="3">
+                                            <p:txEl>
+                                              <p:pRg st="0" end="0"/>
+                                            </p:txEl>
+                                          </p:spTgt>
+                                        </p:tgtEl>
+                                        <p:attrNameLst>
+                                          <p:attrName>ppt_x</p:attrName>
+                                        </p:attrNameLst>
+                                      </p:cBhvr>
+                                      <p:tavLst>
+                                        <p:tav tm="0">
+                                          <p:val>
+                                            <p:strVal val="#ppt_x"/>
+                                          </p:val>
+                                        </p:tav>
+                                        <p:tav tm="100000">
+                                          <p:val>
+                                            <p:strVal val="#ppt_x"/>
+                                          </p:val>
+                                        </p:tav>
+                                      </p:tavLst>
+                                    </p:anim>
+                                    <p:anim calcmode="lin" valueType="num">
+                                      <p:cBhvr additive="base">
+                                        <p:cTn id="8" dur="500" fill="hold"/>
+                                        <p:tgtEl>
+                                          <p:spTgt spid="3">
+                                            <p:txEl>
+                                              <p:pRg st="0" end="0"/>
+                                            </p:txEl>
+                                          </p:spTgt>
+                                        </p:tgtEl>
+                                        <p:attrNameLst>
+                                          <p:attrName>ppt_y</p:attrName>
+                                        </p:attrNameLst>
+                                      </p:cBhvr>
+                                      <p:tavLst>
+                                        <p:tav tm="0">
+                                          <p:val>
+                                            <p:strVal val="1+#ppt_h/2"/>
+                                          </p:val>
+                                        </p:tav>
+                                        <p:tav tm="100000">
+                                          <p:val>
+                                            <p:strVal val="#ppt_y"/>
+                                          </p:val>
+                                        </p:tav>
+                                      </p:tavLst>
+                                    </p:anim>
+                                  </p:childTnLst>
+                                </p:cTn>
+                              </p:par>
+                              <p:par>
+                                <p:cTn id="9" presetID="2" presetClass="entr" presetSubtype="4" fill="hold" nodeType="withEffect">
+                                  <p:stCondLst>
+                                    <p:cond delay="0"/>
+                                  </p:stCondLst>
+                                  <p:childTnLst>
+                                    <p:set>
+                                      <p:cBhvr>
+                                        <p:cTn id="10" dur="1" fill="hold">
+                                          <p:stCondLst>
+                                            <p:cond delay="0"/>
+                                          </p:stCondLst>
+                                        </p:cTn>
+                                        <p:tgtEl>
+                                          <p:spTgt spid="3">
+                                            <p:txEl>
+                                              <p:pRg st="1" end="1"/>
+                                            </p:txEl>
+                                          </p:spTgt>
+                                        </p:tgtEl>
+                                        <p:attrNameLst>
+                                          <p:attrName>style.visibility</p:attrName>
+                                        </p:attrNameLst>
+                                      </p:cBhvr>
+                                      <p:to>
+                                        <p:strVal val="visible"/>
+                                      </p:to>
+                                    </p:set>
+                                    <p:anim calcmode="lin" valueType="num">
+                                      <p:cBhvr additive="base">
+                                        <p:cTn id="11" dur="500" fill="hold"/>
+                                        <p:tgtEl>
+                                          <p:spTgt spid="3">
+                                            <p:txEl>
+                                              <p:pRg st="1" end="1"/>
+                                            </p:txEl>
+                                          </p:spTgt>
+                                        </p:tgtEl>
+                                        <p:attrNameLst>
+                                          <p:attrName>ppt_x</p:attrName>
+                                        </p:attrNameLst>
+                                      </p:cBhvr>
+                                      <p:tavLst>
+                                        <p:tav tm="0">
+                                          <p:val>
+                                            <p:strVal val="#ppt_x"/>
+                                          </p:val>
+                                        </p:tav>
+                                        <p:tav tm="100000">
+                                          <p:val>
+                                            <p:strVal val="#ppt_x"/>
+                                          </p:val>
+                                        </p:tav>
+                                      </p:tavLst>
+                                    </p:anim>
+                                    <p:anim calcmode="lin" valueType="num">
+                                      <p:cBhvr additive="base">
+                                        <p:cTn id="12" dur="500" fill="hold"/>
+                                        <p:tgtEl>
+                                          <p:spTgt spid="3">
+                                            <p:txEl>
+                                              <p:pRg st="1" end="1"/>
+                                            </p:txEl>
+                                          </p:spTgt>
+                                        </p:tgtEl>
+                                        <p:attrNameLst>
+                                          <p:attrName>ppt_y</p:attrName>
+                                        </p:attrNameLst>
+                                      </p:cBhvr>
+                                      <p:tavLst>
+                                        <p:tav tm="0">
+                                          <p:val>
+                                            <p:strVal val="1+#ppt_h/2"/>
+                                          </p:val>
+                                        </p:tav>
+                                        <p:tav tm="100000">
+                                          <p:val>
+                                            <p:strVal val="#ppt_y"/>
+                                          </p:val>
+                                        </p:tav>
+                                      </p:tavLst>
+                                    </p:anim>
+                                  </p:childTnLst>
+                                </p:cTn>
+                              </p:par>
+                              <p:par>
+                                <p:cTn id="13" presetID="2" presetClass="entr" presetSubtype="4" fill="hold" nodeType="withEffect">
+                                  <p:stCondLst>
+                                    <p:cond delay="0"/>
+                                  </p:stCondLst>
+                                  <p:childTnLst>
+                                    <p:set>
+                                      <p:cBhvr>
+                                        <p:cTn id="14" dur="1" fill="hold">
+                                          <p:stCondLst>
+                                            <p:cond delay="0"/>
+                                          </p:stCondLst>
+                                        </p:cTn>
+                                        <p:tgtEl>
+                                          <p:spTgt spid="3">
+                                            <p:txEl>
+                                              <p:pRg st="2" end="2"/>
+                                            </p:txEl>
+                                          </p:spTgt>
+                                        </p:tgtEl>
+                                        <p:attrNameLst>
+                                          <p:attrName>style.visibility</p:attrName>
+                                        </p:attrNameLst>
+                                      </p:cBhvr>
+                                      <p:to>
+                                        <p:strVal val="visible"/>
+                                      </p:to>
+                                    </p:set>
+                                    <p:anim calcmode="lin" valueType="num">
+                                      <p:cBhvr additive="base">
+                                        <p:cTn id="15" dur="500" fill="hold"/>
+                                        <p:tgtEl>
+                                          <p:spTgt spid="3">
+                                            <p:txEl>
+                                              <p:pRg st="2" end="2"/>
+                                            </p:txEl>
+                                          </p:spTgt>
+                                        </p:tgtEl>
+                                        <p:attrNameLst>
+                                          <p:attrName>ppt_x</p:attrName>
+                                        </p:attrNameLst>
+                                      </p:cBhvr>
+                                      <p:tavLst>
+                                        <p:tav tm="0">
+                                          <p:val>
+                                            <p:strVal val="#ppt_x"/>
+                                          </p:val>
+                                        </p:tav>
+                                        <p:tav tm="100000">
+                                          <p:val>
+                                            <p:strVal val="#ppt_x"/>
+                                          </p:val>
+                                        </p:tav>
+                                      </p:tavLst>
+                                    </p:anim>
+                                    <p:anim calcmode="lin" valueType="num">
+                                      <p:cBhvr additive="base">
+                                        <p:cTn id="16" dur="500" fill="hold"/>
+                                        <p:tgtEl>
+                                          <p:spTgt spid="3">
+                                            <p:txEl>
+                                              <p:pRg st="2" end="2"/>
+                                            </p:txEl>
+                                          </p:spTgt>
+                                        </p:tgtEl>
+                                        <p:attrNameLst>
+                                          <p:attrName>ppt_y</p:attrName>
+                                        </p:attrNameLst>
+                                      </p:cBhvr>
+                                      <p:tavLst>
+                                        <p:tav tm="0">
+                                          <p:val>
+                                            <p:strVal val="1+#ppt_h/2"/>
+                                          </p:val>
+                                        </p:tav>
+                                        <p:tav tm="100000">
+                                          <p:val>
+                                            <p:strVal val="#ppt_y"/>
+                                          </p:val>
+                                        </p:tav>
+                                      </p:tavLst>
+                                    </p:anim>
+                                  </p:childTnLst>
+                                </p:cTn>
+                              </p:par>
+                              <p:par>
+                                <p:cTn id="17" presetID="2" presetClass="entr" presetSubtype="4" fill="hold" nodeType="withEffect">
+                                  <p:stCondLst>
+                                    <p:cond delay="0"/>
+                                  </p:stCondLst>
+                                  <p:childTnLst>
+                                    <p:set>
+                                      <p:cBhvr>
+                                        <p:cTn id="18" dur="1" fill="hold">
+                                          <p:stCondLst>
+                                            <p:cond delay="0"/>
+                                          </p:stCondLst>
+                                        </p:cTn>
+                                        <p:tgtEl>
+                                          <p:spTgt spid="3">
+                                            <p:txEl>
+                                              <p:pRg st="3" end="3"/>
+                                            </p:txEl>
+                                          </p:spTgt>
+                                        </p:tgtEl>
+                                        <p:attrNameLst>
+                                          <p:attrName>style.visibility</p:attrName>
+                                        </p:attrNameLst>
+                                      </p:cBhvr>
+                                      <p:to>
+                                        <p:strVal val="visible"/>
+                                      </p:to>
+                                    </p:set>
+                                    <p:anim calcmode="lin" valueType="num">
+                                      <p:cBhvr additive="base">
+                                        <p:cTn id="19" dur="500" fill="hold"/>
+                                        <p:tgtEl>
+                                          <p:spTgt spid="3">
+                                            <p:txEl>
+                                              <p:pRg st="3" end="3"/>
+                                            </p:txEl>
+                                          </p:spTgt>
+                                        </p:tgtEl>
+                                        <p:attrNameLst>
+                                          <p:attrName>ppt_x</p:attrName>
+                                        </p:attrNameLst>
+                                      </p:cBhvr>
+                                      <p:tavLst>
+                                        <p:tav tm="0">
+                                          <p:val>
+                                            <p:strVal val="#ppt_x"/>
+                                          </p:val>
+                                        </p:tav>
+                                        <p:tav tm="100000">
+                                          <p:val>
+                                            <p:strVal val="#ppt_x"/>
+                                          </p:val>
+                                        </p:tav>
+                                      </p:tavLst>
+                                    </p:anim>
+                                    <p:anim calcmode="lin" valueType="num">
+                                      <p:cBhvr additive="base">
+                                        <p:cTn id="20" dur="500" fill="hold"/>
+                                        <p:tgtEl>
+                                          <p:spTgt spid="3">
+                                            <p:txEl>
+                                              <p:pRg st="3" end="3"/>
+                                            </p:txEl>
+                                          </p:spTgt>
+                                        </p:tgtEl>
+                                        <p:attrNameLst>
+                                          <p:attrName>ppt_y</p:attrName>
+                                        </p:attrNameLst>
+                                      </p:cBhvr>
+                                      <p:tavLst>
+                                        <p:tav tm="0">
+                                          <p:val>
+                                            <p:strVal val="1+#ppt_h/2"/>
+                                          </p:val>
+                                        </p:tav>
+                                        <p:tav tm="100000">
+                                          <p:val>
+                                            <p:strVal val="#ppt_y"/>
+                                          </p:val>
+                                        </p:tav>
+                                      </p:tavLst>
+                                    </p:anim>
+                                  </p:childTnLst>
+                                </p:cTn>
+                              </p:par>
+                            </p:childTnLst>
+                          </p:cTn>
+                        </p:par>
+                      </p:childTnLst>
+                    </p:cTn>
+                  </p:par>
+                  <p:par>
+                    <p:cTn id="21" fill="hold">
+                      <p:stCondLst>
+                        <p:cond delay="indefinite"/>
+                      </p:stCondLst>
+                      <p:childTnLst>
+                        <p:par>
+                          <p:cTn id="22" fill="hold">
+                            <p:stCondLst>
+                              <p:cond delay="0"/>
+                            </p:stCondLst>
+                            <p:childTnLst>
+                              <p:par>
+                                <p:cTn id="23" presetID="2" presetClass="entr" presetSubtype="4" fill="hold" nodeType="clickEffect">
+                                  <p:stCondLst>
+                                    <p:cond delay="0"/>
+                                  </p:stCondLst>
+                                  <p:childTnLst>
+                                    <p:set>
+                                      <p:cBhvr>
+                                        <p:cTn id="24" dur="1" fill="hold">
+                                          <p:stCondLst>
+                                            <p:cond delay="0"/>
+                                          </p:stCondLst>
+                                        </p:cTn>
+                                        <p:tgtEl>
+                                          <p:spTgt spid="3">
+                                            <p:txEl>
+                                              <p:pRg st="4" end="4"/>
+                                            </p:txEl>
+                                          </p:spTgt>
+                                        </p:tgtEl>
+                                        <p:attrNameLst>
+                                          <p:attrName>style.visibility</p:attrName>
+                                        </p:attrNameLst>
+                                      </p:cBhvr>
+                                      <p:to>
+                                        <p:strVal val="visible"/>
+                                      </p:to>
+                                    </p:set>
+                                    <p:anim calcmode="lin" valueType="num">
+                                      <p:cBhvr additive="base">
+                                        <p:cTn id="25" dur="500" fill="hold"/>
+                                        <p:tgtEl>
+                                          <p:spTgt spid="3">
+                                            <p:txEl>
+                                              <p:pRg st="4" end="4"/>
+                                            </p:txEl>
+                                          </p:spTgt>
+                                        </p:tgtEl>
+                                        <p:attrNameLst>
+                                          <p:attrName>ppt_x</p:attrName>
+                                        </p:attrNameLst>
+                                      </p:cBhvr>
+                                      <p:tavLst>
+                                        <p:tav tm="0">
+                                          <p:val>
+                                            <p:strVal val="#ppt_x"/>
+                                          </p:val>
+                                        </p:tav>
+                                        <p:tav tm="100000">
+                                          <p:val>
+                                            <p:strVal val="#ppt_x"/>
+                                          </p:val>
+                                        </p:tav>
+                                      </p:tavLst>
+                                    </p:anim>
+                                    <p:anim calcmode="lin" valueType="num">
+                                      <p:cBhvr additive="base">
+                                        <p:cTn id="26" dur="500" fill="hold"/>
+                                        <p:tgtEl>
+                                          <p:spTgt spid="3">
+                                            <p:txEl>
+                                              <p:pRg st="4" end="4"/>
+                                            </p:txEl>
+                                          </p:spTgt>
+                                        </p:tgtEl>
+                                        <p:attrNameLst>
+                                          <p:attrName>ppt_y</p:attrName>
+                                        </p:attrNameLst>
+                                      </p:cBhvr>
+                                      <p:tavLst>
+                                        <p:tav tm="0">
+                                          <p:val>
+                                            <p:strVal val="1+#ppt_h/2"/>
+                                          </p:val>
+                                        </p:tav>
+                                        <p:tav tm="100000">
+                                          <p:val>
+                                            <p:strVal val="#ppt_y"/>
+                                          </p:val>
+                                        </p:tav>
+                                      </p:tavLst>
+                                    </p:anim>
+                                  </p:childTnLst>
+                                </p:cTn>
+                              </p:par>
+                              <p:par>
+                                <p:cTn id="27" presetID="2" presetClass="entr" presetSubtype="4" fill="hold" nodeType="withEffect">
+                                  <p:stCondLst>
+                                    <p:cond delay="0"/>
+                                  </p:stCondLst>
+                                  <p:childTnLst>
+                                    <p:set>
+                                      <p:cBhvr>
+                                        <p:cTn id="28" dur="1" fill="hold">
+                                          <p:stCondLst>
+                                            <p:cond delay="0"/>
+                                          </p:stCondLst>
+                                        </p:cTn>
+                                        <p:tgtEl>
+                                          <p:spTgt spid="3">
+                                            <p:txEl>
+                                              <p:pRg st="5" end="5"/>
+                                            </p:txEl>
+                                          </p:spTgt>
+                                        </p:tgtEl>
+                                        <p:attrNameLst>
+                                          <p:attrName>style.visibility</p:attrName>
+                                        </p:attrNameLst>
+                                      </p:cBhvr>
+                                      <p:to>
+                                        <p:strVal val="visible"/>
+                                      </p:to>
+                                    </p:set>
+                                    <p:anim calcmode="lin" valueType="num">
+                                      <p:cBhvr additive="base">
+                                        <p:cTn id="29" dur="500" fill="hold"/>
+                                        <p:tgtEl>
+                                          <p:spTgt spid="3">
+                                            <p:txEl>
+                                              <p:pRg st="5" end="5"/>
+                                            </p:txEl>
+                                          </p:spTgt>
+                                        </p:tgtEl>
+                                        <p:attrNameLst>
+                                          <p:attrName>ppt_x</p:attrName>
+                                        </p:attrNameLst>
+                                      </p:cBhvr>
+                                      <p:tavLst>
+                                        <p:tav tm="0">
+                                          <p:val>
+                                            <p:strVal val="#ppt_x"/>
+                                          </p:val>
+                                        </p:tav>
+                                        <p:tav tm="100000">
+                                          <p:val>
+                                            <p:strVal val="#ppt_x"/>
+                                          </p:val>
+                                        </p:tav>
+                                      </p:tavLst>
+                                    </p:anim>
+                                    <p:anim calcmode="lin" valueType="num">
+                                      <p:cBhvr additive="base">
+                                        <p:cTn id="30" dur="500" fill="hold"/>
+                                        <p:tgtEl>
+                                          <p:spTgt spid="3">
+                                            <p:txEl>
+                                              <p:pRg st="5" end="5"/>
+                                            </p:txEl>
+                                          </p:spTgt>
+                                        </p:tgtEl>
+                                        <p:attrNameLst>
+                                          <p:attrName>ppt_y</p:attrName>
+                                        </p:attrNameLst>
+                                      </p:cBhvr>
+                                      <p:tavLst>
+                                        <p:tav tm="0">
+                                          <p:val>
+                                            <p:strVal val="1+#ppt_h/2"/>
+                                          </p:val>
+                                        </p:tav>
+                                        <p:tav tm="100000">
+                                          <p:val>
+                                            <p:strVal val="#ppt_y"/>
+                                          </p:val>
+                                        </p:tav>
+                                      </p:tavLst>
+                                    </p:anim>
+                                  </p:childTnLst>
+                                </p:cTn>
+                              </p:par>
+                              <p:par>
+                                <p:cTn id="31" presetID="2" presetClass="entr" presetSubtype="4" fill="hold" nodeType="withEffect">
+                                  <p:stCondLst>
+                                    <p:cond delay="0"/>
+                                  </p:stCondLst>
+                                  <p:childTnLst>
+                                    <p:set>
+                                      <p:cBhvr>
+                                        <p:cTn id="32" dur="1" fill="hold">
+                                          <p:stCondLst>
+                                            <p:cond delay="0"/>
+                                          </p:stCondLst>
+                                        </p:cTn>
+                                        <p:tgtEl>
+                                          <p:spTgt spid="3">
+                                            <p:txEl>
+                                              <p:pRg st="6" end="6"/>
+                                            </p:txEl>
+                                          </p:spTgt>
+                                        </p:tgtEl>
+                                        <p:attrNameLst>
+                                          <p:attrName>style.visibility</p:attrName>
+                                        </p:attrNameLst>
+                                      </p:cBhvr>
+                                      <p:to>
+                                        <p:strVal val="visible"/>
+                                      </p:to>
+                                    </p:set>
+                                    <p:anim calcmode="lin" valueType="num">
+                                      <p:cBhvr additive="base">
+                                        <p:cTn id="33" dur="500" fill="hold"/>
+                                        <p:tgtEl>
+                                          <p:spTgt spid="3">
+                                            <p:txEl>
+                                              <p:pRg st="6" end="6"/>
+                                            </p:txEl>
+                                          </p:spTgt>
+                                        </p:tgtEl>
+                                        <p:attrNameLst>
+                                          <p:attrName>ppt_x</p:attrName>
+                                        </p:attrNameLst>
+                                      </p:cBhvr>
+                                      <p:tavLst>
+                                        <p:tav tm="0">
+                                          <p:val>
+                                            <p:strVal val="#ppt_x"/>
+                                          </p:val>
+                                        </p:tav>
+                                        <p:tav tm="100000">
+                                          <p:val>
+                                            <p:strVal val="#ppt_x"/>
+                                          </p:val>
+                                        </p:tav>
+                                      </p:tavLst>
+                                    </p:anim>
+                                    <p:anim calcmode="lin" valueType="num">
+                                      <p:cBhvr additive="base">
+                                        <p:cTn id="34" dur="500" fill="hold"/>
+                                        <p:tgtEl>
+                                          <p:spTgt spid="3">
+                                            <p:txEl>
+                                              <p:pRg st="6" end="6"/>
+                                            </p:txEl>
+                                          </p:spTgt>
+                                        </p:tgtEl>
+                                        <p:attrNameLst>
+                                          <p:attrName>ppt_y</p:attrName>
+                                        </p:attrNameLst>
+                                      </p:cBhvr>
+                                      <p:tavLst>
+                                        <p:tav tm="0">
+                                          <p:val>
+                                            <p:strVal val="1+#ppt_h/2"/>
+                                          </p:val>
+                                        </p:tav>
+                                        <p:tav tm="100000">
+                                          <p:val>
+                                            <p:strVal val="#ppt_y"/>
+                                          </p:val>
+                                        </p:tav>
+                                      </p:tavLst>
+                                    </p:anim>
+                                  </p:childTnLst>
+                                </p:cTn>
+                              </p:par>
+                              <p:par>
+                                <p:cTn id="35" presetID="2" presetClass="entr" presetSubtype="4" fill="hold" nodeType="withEffect">
+                                  <p:stCondLst>
+                                    <p:cond delay="0"/>
+                                  </p:stCondLst>
+                                  <p:childTnLst>
+                                    <p:set>
+                                      <p:cBhvr>
+                                        <p:cTn id="36" dur="1" fill="hold">
+                                          <p:stCondLst>
+                                            <p:cond delay="0"/>
+                                          </p:stCondLst>
+                                        </p:cTn>
+                                        <p:tgtEl>
+                                          <p:spTgt spid="3">
+                                            <p:txEl>
+                                              <p:pRg st="7" end="7"/>
+                                            </p:txEl>
+                                          </p:spTgt>
+                                        </p:tgtEl>
+                                        <p:attrNameLst>
+                                          <p:attrName>style.visibility</p:attrName>
+                                        </p:attrNameLst>
+                                      </p:cBhvr>
+                                      <p:to>
+                                        <p:strVal val="visible"/>
+                                      </p:to>
+                                    </p:set>
+                                    <p:anim calcmode="lin" valueType="num">
+                                      <p:cBhvr additive="base">
+                                        <p:cTn id="37" dur="500" fill="hold"/>
+                                        <p:tgtEl>
+                                          <p:spTgt spid="3">
+                                            <p:txEl>
+                                              <p:pRg st="7" end="7"/>
+                                            </p:txEl>
+                                          </p:spTgt>
+                                        </p:tgtEl>
+                                        <p:attrNameLst>
+                                          <p:attrName>ppt_x</p:attrName>
+                                        </p:attrNameLst>
+                                      </p:cBhvr>
+                                      <p:tavLst>
+                                        <p:tav tm="0">
+                                          <p:val>
+                                            <p:strVal val="#ppt_x"/>
+                                          </p:val>
+                                        </p:tav>
+                                        <p:tav tm="100000">
+                                          <p:val>
+                                            <p:strVal val="#ppt_x"/>
+                                          </p:val>
+                                        </p:tav>
+                                      </p:tavLst>
+                                    </p:anim>
+                                    <p:anim calcmode="lin" valueType="num">
+                                      <p:cBhvr additive="base">
+                                        <p:cTn id="38" dur="500" fill="hold"/>
+                                        <p:tgtEl>
+                                          <p:spTgt spid="3">
+                                            <p:txEl>
+                                              <p:pRg st="7" end="7"/>
+                                            </p:txEl>
+                                          </p:spTgt>
+                                        </p:tgtEl>
+                                        <p:attrNameLst>
+                                          <p:attrName>ppt_y</p:attrName>
+                                        </p:attrNameLst>
+                                      </p:cBhvr>
+                                      <p:tavLst>
+                                        <p:tav tm="0">
+                                          <p:val>
+                                            <p:strVal val="1+#ppt_h/2"/>
+                                          </p:val>
+                                        </p:tav>
+                                        <p:tav tm="100000">
+                                          <p:val>
+                                            <p:strVal val="#ppt_y"/>
+                                          </p:val>
+                                        </p:tav>
+                                      </p:tavLst>
+                                    </p:anim>
+                                  </p:childTnLst>
+                                </p:cTn>
+                              </p:par>
+                            </p:childTnLst>
+                          </p:cTn>
+                        </p:par>
+                      </p:childTnLst>
+                    </p:cTn>
+                  </p:par>
+                </p:childTnLst>
+              </p:cTn>
+              <p:prevCondLst>
+                <p:cond evt="onPrev" delay="0">
+                  <p:tgtEl>
+                    <p:sldTgt/>
+                  </p:tgtEl>
+                </p:cond>
+              </p:prevCondLst>
+              <p:nextCondLst>
+                <p:cond evt="onNext" delay="0">
+                  <p:tgtEl>
+                    <p:sldTgt/>
+                  </p:tgtEl>
+                </p:cond>
+              </p:nextCondLst>
+            </p:seq>
+          </p:childTnLst>
+        </p:cTn>
+      </p:par>
+    </p:tnLst>
+  </p:timing>
 </p:sld>
 </file>
 

--- a/topic01-introduction-to-ICT/unit-1/talk-1/a-intro.pptx
+++ b/topic01-introduction-to-ICT/unit-1/talk-1/a-intro.pptx
@@ -14,17 +14,18 @@
     <p:sldId id="302" r:id="rId8"/>
     <p:sldId id="307" r:id="rId9"/>
     <p:sldId id="303" r:id="rId10"/>
-    <p:sldId id="300" r:id="rId11"/>
-    <p:sldId id="299" r:id="rId12"/>
-    <p:sldId id="308" r:id="rId13"/>
-    <p:sldId id="309" r:id="rId14"/>
-    <p:sldId id="310" r:id="rId15"/>
-    <p:sldId id="267" r:id="rId16"/>
-    <p:sldId id="273" r:id="rId17"/>
-    <p:sldId id="269" r:id="rId18"/>
-    <p:sldId id="270" r:id="rId19"/>
-    <p:sldId id="271" r:id="rId20"/>
-    <p:sldId id="280" r:id="rId21"/>
+    <p:sldId id="311" r:id="rId11"/>
+    <p:sldId id="300" r:id="rId12"/>
+    <p:sldId id="299" r:id="rId13"/>
+    <p:sldId id="308" r:id="rId14"/>
+    <p:sldId id="309" r:id="rId15"/>
+    <p:sldId id="310" r:id="rId16"/>
+    <p:sldId id="267" r:id="rId17"/>
+    <p:sldId id="273" r:id="rId18"/>
+    <p:sldId id="269" r:id="rId19"/>
+    <p:sldId id="270" r:id="rId20"/>
+    <p:sldId id="271" r:id="rId21"/>
+    <p:sldId id="280" r:id="rId22"/>
   </p:sldIdLst>
   <p:sldSz cx="12192000" cy="6858000"/>
   <p:notesSz cx="6858000" cy="9144000"/>
@@ -3429,7 +3430,7 @@
         <a:p>
           <a:r>
             <a:rPr lang="en-US" dirty="0"/>
-            <a:t>Week 1 : General Introduction / basic Excel</a:t>
+            <a:t>Week 2: General Introduction / basic Excel</a:t>
           </a:r>
         </a:p>
       </dgm:t>
@@ -3464,8 +3465,8 @@
         <a:lstStyle/>
         <a:p>
           <a:r>
-            <a:rPr lang="en-US"/>
-            <a:t>Week 2 : Word Basics</a:t>
+            <a:rPr lang="en-US" dirty="0"/>
+            <a:t>Week 3 : Word Basics</a:t>
           </a:r>
         </a:p>
       </dgm:t>
@@ -3500,8 +3501,8 @@
         <a:lstStyle/>
         <a:p>
           <a:r>
-            <a:rPr lang="en-US"/>
-            <a:t>Week 3 : Word Advanced</a:t>
+            <a:rPr lang="en-US" dirty="0"/>
+            <a:t>Week 4 : Word Advanced</a:t>
           </a:r>
         </a:p>
       </dgm:t>
@@ -3536,8 +3537,8 @@
         <a:lstStyle/>
         <a:p>
           <a:r>
-            <a:rPr lang="en-US"/>
-            <a:t>Week 6 : Excel Advanced</a:t>
+            <a:rPr lang="en-US" dirty="0"/>
+            <a:t>Week 7 : Excel Advanced</a:t>
           </a:r>
         </a:p>
       </dgm:t>
@@ -3572,8 +3573,8 @@
         <a:lstStyle/>
         <a:p>
           <a:r>
-            <a:rPr lang="en-US"/>
-            <a:t>Week 7 : Excel Graphs</a:t>
+            <a:rPr lang="en-US" dirty="0"/>
+            <a:t>Week 8 : Excel Graphs</a:t>
           </a:r>
         </a:p>
       </dgm:t>
@@ -3608,8 +3609,8 @@
         <a:lstStyle/>
         <a:p>
           <a:r>
-            <a:rPr lang="en-US"/>
-            <a:t>Week 8:  Excel Revision</a:t>
+            <a:rPr lang="en-US" dirty="0"/>
+            <a:t>Week 9:  Excel Revision</a:t>
           </a:r>
         </a:p>
       </dgm:t>
@@ -3644,8 +3645,8 @@
         <a:lstStyle/>
         <a:p>
           <a:r>
-            <a:rPr lang="en-US"/>
-            <a:t>Week 9:  Excel Test</a:t>
+            <a:rPr lang="en-US" dirty="0"/>
+            <a:t>Week 10:  Excel Test</a:t>
           </a:r>
         </a:p>
       </dgm:t>
@@ -3753,8 +3754,8 @@
         <a:lstStyle/>
         <a:p>
           <a:r>
-            <a:rPr lang="en-US"/>
-            <a:t>Week 4 : Word Assignment</a:t>
+            <a:rPr lang="en-US" dirty="0"/>
+            <a:t>Week 5 : Word Assignment</a:t>
           </a:r>
         </a:p>
       </dgm:t>
@@ -3790,7 +3791,7 @@
         <a:p>
           <a:r>
             <a:rPr lang="en-US"/>
-            <a:t>Week 11: PowerPoint Group Presentations</a:t>
+            <a:t>Week 12: PowerPoint Group Presentations</a:t>
           </a:r>
         </a:p>
       </dgm:t>
@@ -3825,12 +3826,12 @@
         <a:lstStyle/>
         <a:p>
           <a:r>
-            <a:rPr lang="en-GB" kern="1200">
+            <a:rPr lang="en-GB" kern="1200" dirty="0">
               <a:latin typeface="Calibri" panose="020F0502020204030204"/>
               <a:ea typeface="+mn-ea"/>
               <a:cs typeface="+mn-cs"/>
             </a:rPr>
-            <a:t>Week 5 : Excel Basics</a:t>
+            <a:t>Week 6 : Excel Basics</a:t>
           </a:r>
         </a:p>
       </dgm:t>
@@ -3865,8 +3866,8 @@
         <a:lstStyle/>
         <a:p>
           <a:r>
-            <a:rPr lang="en-GB"/>
-            <a:t>Week 10:PowerPoint </a:t>
+            <a:rPr lang="en-GB" dirty="0"/>
+            <a:t>Week 11:PowerPoint </a:t>
           </a:r>
         </a:p>
       </dgm:t>
@@ -5462,7 +5463,7 @@
           </a:pPr>
           <a:r>
             <a:rPr lang="en-US" sz="1700" kern="1200" dirty="0"/>
-            <a:t>Week 1 : General Introduction / basic Excel</a:t>
+            <a:t>Week 2: General Introduction / basic Excel</a:t>
           </a:r>
         </a:p>
       </dsp:txBody>
@@ -5553,8 +5554,8 @@
             <a:buNone/>
           </a:pPr>
           <a:r>
-            <a:rPr lang="en-US" sz="1700" kern="1200"/>
-            <a:t>Week 2 : Word Basics</a:t>
+            <a:rPr lang="en-US" sz="1700" kern="1200" dirty="0"/>
+            <a:t>Week 3 : Word Basics</a:t>
           </a:r>
         </a:p>
       </dsp:txBody>
@@ -5645,8 +5646,8 @@
             <a:buNone/>
           </a:pPr>
           <a:r>
-            <a:rPr lang="en-US" sz="1700" kern="1200"/>
-            <a:t>Week 3 : Word Advanced</a:t>
+            <a:rPr lang="en-US" sz="1700" kern="1200" dirty="0"/>
+            <a:t>Week 4 : Word Advanced</a:t>
           </a:r>
         </a:p>
       </dsp:txBody>
@@ -5737,8 +5738,8 @@
             <a:buNone/>
           </a:pPr>
           <a:r>
-            <a:rPr lang="en-US" sz="1700" kern="1200"/>
-            <a:t>Week 4 : Word Assignment</a:t>
+            <a:rPr lang="en-US" sz="1700" kern="1200" dirty="0"/>
+            <a:t>Week 5 : Word Assignment</a:t>
           </a:r>
         </a:p>
       </dsp:txBody>
@@ -5829,12 +5830,12 @@
             <a:buNone/>
           </a:pPr>
           <a:r>
-            <a:rPr lang="en-GB" sz="1700" kern="1200">
+            <a:rPr lang="en-GB" sz="1700" kern="1200" dirty="0">
               <a:latin typeface="Calibri" panose="020F0502020204030204"/>
               <a:ea typeface="+mn-ea"/>
               <a:cs typeface="+mn-cs"/>
             </a:rPr>
-            <a:t>Week 5 : Excel Basics</a:t>
+            <a:t>Week 6 : Excel Basics</a:t>
           </a:r>
         </a:p>
       </dsp:txBody>
@@ -5925,8 +5926,8 @@
             <a:buNone/>
           </a:pPr>
           <a:r>
-            <a:rPr lang="en-US" sz="1700" kern="1200"/>
-            <a:t>Week 6 : Excel Advanced</a:t>
+            <a:rPr lang="en-US" sz="1700" kern="1200" dirty="0"/>
+            <a:t>Week 7 : Excel Advanced</a:t>
           </a:r>
         </a:p>
       </dsp:txBody>
@@ -6109,8 +6110,8 @@
             <a:buNone/>
           </a:pPr>
           <a:r>
-            <a:rPr lang="en-US" sz="1700" kern="1200"/>
-            <a:t>Week 7 : Excel Graphs</a:t>
+            <a:rPr lang="en-US" sz="1700" kern="1200" dirty="0"/>
+            <a:t>Week 8 : Excel Graphs</a:t>
           </a:r>
         </a:p>
       </dsp:txBody>
@@ -6201,8 +6202,8 @@
             <a:buNone/>
           </a:pPr>
           <a:r>
-            <a:rPr lang="en-US" sz="1700" kern="1200"/>
-            <a:t>Week 8:  Excel Revision</a:t>
+            <a:rPr lang="en-US" sz="1700" kern="1200" dirty="0"/>
+            <a:t>Week 9:  Excel Revision</a:t>
           </a:r>
         </a:p>
       </dsp:txBody>
@@ -6293,8 +6294,8 @@
             <a:buNone/>
           </a:pPr>
           <a:r>
-            <a:rPr lang="en-US" sz="1700" kern="1200"/>
-            <a:t>Week 9:  Excel Test</a:t>
+            <a:rPr lang="en-US" sz="1700" kern="1200" dirty="0"/>
+            <a:t>Week 10:  Excel Test</a:t>
           </a:r>
         </a:p>
       </dsp:txBody>
@@ -6385,8 +6386,8 @@
             <a:buNone/>
           </a:pPr>
           <a:r>
-            <a:rPr lang="en-GB" sz="1700" kern="1200"/>
-            <a:t>Week 10:PowerPoint </a:t>
+            <a:rPr lang="en-GB" sz="1700" kern="1200" dirty="0"/>
+            <a:t>Week 11:PowerPoint </a:t>
           </a:r>
         </a:p>
       </dsp:txBody>
@@ -6478,7 +6479,7 @@
           </a:pPr>
           <a:r>
             <a:rPr lang="en-US" sz="1700" kern="1200"/>
-            <a:t>Week 11: PowerPoint Group Presentations</a:t>
+            <a:t>Week 12: PowerPoint Group Presentations</a:t>
           </a:r>
         </a:p>
       </dsp:txBody>
@@ -20700,6 +20701,822 @@
         <p:cNvPr id="1" name="">
           <a:extLst>
             <a:ext uri="{FF2B5EF4-FFF2-40B4-BE49-F238E27FC236}">
+              <a16:creationId xmlns:a16="http://schemas.microsoft.com/office/drawing/2014/main" id="{1246CF0E-C07C-4A1D-B85D-DC179B460DAD}"/>
+            </a:ext>
+          </a:extLst>
+        </p:cNvPr>
+        <p:cNvGrpSpPr/>
+        <p:nvPr/>
+      </p:nvGrpSpPr>
+      <p:grpSpPr>
+        <a:xfrm>
+          <a:off x="0" y="0"/>
+          <a:ext cx="0" cy="0"/>
+          <a:chOff x="0" y="0"/>
+          <a:chExt cx="0" cy="0"/>
+        </a:xfrm>
+      </p:grpSpPr>
+      <p:sp>
+        <p:nvSpPr>
+          <p:cNvPr id="3" name="Content Placeholder 2">
+            <a:extLst>
+              <a:ext uri="{FF2B5EF4-FFF2-40B4-BE49-F238E27FC236}">
+                <a16:creationId xmlns:a16="http://schemas.microsoft.com/office/drawing/2014/main" id="{93E8F3D3-4627-663A-D350-1AB6F75C4D50}"/>
+              </a:ext>
+            </a:extLst>
+          </p:cNvPr>
+          <p:cNvSpPr>
+            <a:spLocks noGrp="1"/>
+          </p:cNvSpPr>
+          <p:nvPr>
+            <p:ph idx="1"/>
+          </p:nvPr>
+        </p:nvSpPr>
+        <p:spPr>
+          <a:xfrm>
+            <a:off x="2076058" y="2557458"/>
+            <a:ext cx="6808763" cy="5641145"/>
+          </a:xfrm>
+        </p:spPr>
+        <p:txBody>
+          <a:bodyPr>
+            <a:noAutofit/>
+          </a:bodyPr>
+          <a:lstStyle/>
+          <a:p>
+            <a:pPr>
+              <a:lnSpc>
+                <a:spcPct val="110000"/>
+              </a:lnSpc>
+              <a:buClr>
+                <a:srgbClr val="CEA470"/>
+              </a:buClr>
+            </a:pPr>
+            <a:r>
+              <a:rPr lang="en-IE" sz="2000" dirty="0"/>
+              <a:t>We will use a static website (called tutors) to curate the resources : </a:t>
+            </a:r>
+          </a:p>
+          <a:p>
+            <a:pPr lvl="1">
+              <a:lnSpc>
+                <a:spcPct val="110000"/>
+              </a:lnSpc>
+              <a:buClr>
+                <a:srgbClr val="CEA470"/>
+              </a:buClr>
+            </a:pPr>
+            <a:r>
+              <a:rPr lang="en-IE" sz="1800" dirty="0"/>
+              <a:t>Lectures</a:t>
+            </a:r>
+          </a:p>
+          <a:p>
+            <a:pPr lvl="1">
+              <a:lnSpc>
+                <a:spcPct val="110000"/>
+              </a:lnSpc>
+              <a:buClr>
+                <a:srgbClr val="CEA470"/>
+              </a:buClr>
+            </a:pPr>
+            <a:r>
+              <a:rPr lang="en-IE" sz="1800" dirty="0"/>
+              <a:t>Exercises</a:t>
+            </a:r>
+          </a:p>
+          <a:p>
+            <a:pPr lvl="1">
+              <a:lnSpc>
+                <a:spcPct val="110000"/>
+              </a:lnSpc>
+              <a:buClr>
+                <a:srgbClr val="CEA470"/>
+              </a:buClr>
+            </a:pPr>
+            <a:r>
+              <a:rPr lang="en-IE" sz="1800" dirty="0"/>
+              <a:t>Videos</a:t>
+            </a:r>
+          </a:p>
+          <a:p>
+            <a:pPr>
+              <a:lnSpc>
+                <a:spcPct val="110000"/>
+              </a:lnSpc>
+              <a:buClr>
+                <a:srgbClr val="CEA470"/>
+              </a:buClr>
+            </a:pPr>
+            <a:r>
+              <a:rPr lang="en-US" sz="2000" dirty="0"/>
+              <a:t>You can access Moodle by opening a web browser and typing in the following address: </a:t>
+            </a:r>
+            <a:r>
+              <a:rPr lang="en-US" sz="2000" u="sng" dirty="0">
+                <a:solidFill>
+                  <a:srgbClr val="FF0000"/>
+                </a:solidFill>
+                <a:hlinkClick r:id="rId3">
+                  <a:extLst>
+                    <a:ext uri="{A12FA001-AC4F-418D-AE19-62706E023703}">
+                      <ahyp:hlinkClr xmlns:ahyp="http://schemas.microsoft.com/office/drawing/2018/hyperlinkcolor" val="tx"/>
+                    </a:ext>
+                  </a:extLst>
+                </a:hlinkClick>
+              </a:rPr>
+              <a:t>moodle.setu.ie</a:t>
+            </a:r>
+            <a:endParaRPr lang="en-IE" sz="2000" dirty="0">
+              <a:solidFill>
+                <a:srgbClr val="FF0000"/>
+              </a:solidFill>
+            </a:endParaRPr>
+          </a:p>
+          <a:p>
+            <a:pPr>
+              <a:lnSpc>
+                <a:spcPct val="110000"/>
+              </a:lnSpc>
+              <a:buClr>
+                <a:srgbClr val="CEA470"/>
+              </a:buClr>
+            </a:pPr>
+            <a:r>
+              <a:rPr lang="en-US" sz="2000" dirty="0"/>
+              <a:t>Log in using the same details that you used for your university login.</a:t>
+            </a:r>
+            <a:endParaRPr lang="en-IE" sz="2000" dirty="0"/>
+          </a:p>
+          <a:p>
+            <a:pPr>
+              <a:lnSpc>
+                <a:spcPct val="110000"/>
+              </a:lnSpc>
+              <a:buClr>
+                <a:srgbClr val="CEA470"/>
+              </a:buClr>
+            </a:pPr>
+            <a:r>
+              <a:rPr lang="en-US" sz="2000" dirty="0"/>
+              <a:t>Once you have logged in successfully you should see all the modules you are timetabled for.</a:t>
+            </a:r>
+            <a:endParaRPr lang="en-IE" sz="2000" dirty="0"/>
+          </a:p>
+          <a:p>
+            <a:pPr>
+              <a:lnSpc>
+                <a:spcPct val="110000"/>
+              </a:lnSpc>
+              <a:buClr>
+                <a:srgbClr val="CEA470"/>
+              </a:buClr>
+            </a:pPr>
+            <a:r>
+              <a:rPr lang="en-US" sz="2000" dirty="0"/>
+              <a:t>Click on Introduction to ICT for Scientists to see the material required for this module.</a:t>
+            </a:r>
+          </a:p>
+          <a:p>
+            <a:pPr>
+              <a:lnSpc>
+                <a:spcPct val="110000"/>
+              </a:lnSpc>
+              <a:buClr>
+                <a:srgbClr val="CEA470"/>
+              </a:buClr>
+            </a:pPr>
+            <a:r>
+              <a:rPr lang="en-US" sz="2000" dirty="0"/>
+              <a:t>We will use Moodle to connect to tutors and to act as a weekly list of work.</a:t>
+            </a:r>
+            <a:endParaRPr lang="en-IE" sz="2000" dirty="0"/>
+          </a:p>
+        </p:txBody>
+      </p:sp>
+      <p:pic>
+        <p:nvPicPr>
+          <p:cNvPr id="2" name="Picture 1">
+            <a:extLst>
+              <a:ext uri="{FF2B5EF4-FFF2-40B4-BE49-F238E27FC236}">
+                <a16:creationId xmlns:a16="http://schemas.microsoft.com/office/drawing/2014/main" id="{F34A0BB2-87FF-2A7B-D412-430B3DA7AC8A}"/>
+              </a:ext>
+            </a:extLst>
+          </p:cNvPr>
+          <p:cNvPicPr>
+            <a:picLocks noChangeAspect="1"/>
+          </p:cNvPicPr>
+          <p:nvPr/>
+        </p:nvPicPr>
+        <p:blipFill>
+          <a:blip r:embed="rId4"/>
+          <a:stretch>
+            <a:fillRect/>
+          </a:stretch>
+        </p:blipFill>
+        <p:spPr>
+          <a:xfrm>
+            <a:off x="2866003" y="163939"/>
+            <a:ext cx="4915100" cy="1525376"/>
+          </a:xfrm>
+          <a:prstGeom prst="rect">
+            <a:avLst/>
+          </a:prstGeom>
+        </p:spPr>
+      </p:pic>
+    </p:spTree>
+    <p:extLst>
+      <p:ext uri="{BB962C8B-B14F-4D97-AF65-F5344CB8AC3E}">
+        <p14:creationId xmlns:p14="http://schemas.microsoft.com/office/powerpoint/2010/main" val="2428342550"/>
+      </p:ext>
+    </p:extLst>
+  </p:cSld>
+  <p:clrMapOvr>
+    <a:overrideClrMapping bg1="lt1" tx1="dk1" bg2="lt2" tx2="dk2" accent1="accent1" accent2="accent2" accent3="accent3" accent4="accent4" accent5="accent5" accent6="accent6" hlink="hlink" folHlink="folHlink"/>
+  </p:clrMapOvr>
+  <p:timing>
+    <p:tnLst>
+      <p:par>
+        <p:cTn id="1" dur="indefinite" restart="never" nodeType="tmRoot">
+          <p:childTnLst>
+            <p:seq concurrent="1" nextAc="seek">
+              <p:cTn id="2" dur="indefinite" nodeType="mainSeq">
+                <p:childTnLst>
+                  <p:par>
+                    <p:cTn id="3" fill="hold">
+                      <p:stCondLst>
+                        <p:cond delay="indefinite"/>
+                      </p:stCondLst>
+                      <p:childTnLst>
+                        <p:par>
+                          <p:cTn id="4" fill="hold">
+                            <p:stCondLst>
+                              <p:cond delay="0"/>
+                            </p:stCondLst>
+                            <p:childTnLst>
+                              <p:par>
+                                <p:cTn id="5" presetID="2" presetClass="entr" presetSubtype="4" fill="hold" nodeType="clickEffect">
+                                  <p:stCondLst>
+                                    <p:cond delay="0"/>
+                                  </p:stCondLst>
+                                  <p:childTnLst>
+                                    <p:set>
+                                      <p:cBhvr>
+                                        <p:cTn id="6" dur="1" fill="hold">
+                                          <p:stCondLst>
+                                            <p:cond delay="0"/>
+                                          </p:stCondLst>
+                                        </p:cTn>
+                                        <p:tgtEl>
+                                          <p:spTgt spid="3">
+                                            <p:txEl>
+                                              <p:pRg st="4" end="4"/>
+                                            </p:txEl>
+                                          </p:spTgt>
+                                        </p:tgtEl>
+                                        <p:attrNameLst>
+                                          <p:attrName>style.visibility</p:attrName>
+                                        </p:attrNameLst>
+                                      </p:cBhvr>
+                                      <p:to>
+                                        <p:strVal val="visible"/>
+                                      </p:to>
+                                    </p:set>
+                                    <p:anim calcmode="lin" valueType="num">
+                                      <p:cBhvr additive="base">
+                                        <p:cTn id="7" dur="500" fill="hold"/>
+                                        <p:tgtEl>
+                                          <p:spTgt spid="3">
+                                            <p:txEl>
+                                              <p:pRg st="4" end="4"/>
+                                            </p:txEl>
+                                          </p:spTgt>
+                                        </p:tgtEl>
+                                        <p:attrNameLst>
+                                          <p:attrName>ppt_x</p:attrName>
+                                        </p:attrNameLst>
+                                      </p:cBhvr>
+                                      <p:tavLst>
+                                        <p:tav tm="0">
+                                          <p:val>
+                                            <p:strVal val="#ppt_x"/>
+                                          </p:val>
+                                        </p:tav>
+                                        <p:tav tm="100000">
+                                          <p:val>
+                                            <p:strVal val="#ppt_x"/>
+                                          </p:val>
+                                        </p:tav>
+                                      </p:tavLst>
+                                    </p:anim>
+                                    <p:anim calcmode="lin" valueType="num">
+                                      <p:cBhvr additive="base">
+                                        <p:cTn id="8" dur="500" fill="hold"/>
+                                        <p:tgtEl>
+                                          <p:spTgt spid="3">
+                                            <p:txEl>
+                                              <p:pRg st="4" end="4"/>
+                                            </p:txEl>
+                                          </p:spTgt>
+                                        </p:tgtEl>
+                                        <p:attrNameLst>
+                                          <p:attrName>ppt_y</p:attrName>
+                                        </p:attrNameLst>
+                                      </p:cBhvr>
+                                      <p:tavLst>
+                                        <p:tav tm="0">
+                                          <p:val>
+                                            <p:strVal val="1+#ppt_h/2"/>
+                                          </p:val>
+                                        </p:tav>
+                                        <p:tav tm="100000">
+                                          <p:val>
+                                            <p:strVal val="#ppt_y"/>
+                                          </p:val>
+                                        </p:tav>
+                                      </p:tavLst>
+                                    </p:anim>
+                                  </p:childTnLst>
+                                </p:cTn>
+                              </p:par>
+                            </p:childTnLst>
+                          </p:cTn>
+                        </p:par>
+                      </p:childTnLst>
+                    </p:cTn>
+                  </p:par>
+                  <p:par>
+                    <p:cTn id="9" fill="hold">
+                      <p:stCondLst>
+                        <p:cond delay="indefinite"/>
+                      </p:stCondLst>
+                      <p:childTnLst>
+                        <p:par>
+                          <p:cTn id="10" fill="hold">
+                            <p:stCondLst>
+                              <p:cond delay="0"/>
+                            </p:stCondLst>
+                            <p:childTnLst>
+                              <p:par>
+                                <p:cTn id="11" presetID="2" presetClass="entr" presetSubtype="4" fill="hold" nodeType="clickEffect">
+                                  <p:stCondLst>
+                                    <p:cond delay="0"/>
+                                  </p:stCondLst>
+                                  <p:childTnLst>
+                                    <p:set>
+                                      <p:cBhvr>
+                                        <p:cTn id="12" dur="1" fill="hold">
+                                          <p:stCondLst>
+                                            <p:cond delay="0"/>
+                                          </p:stCondLst>
+                                        </p:cTn>
+                                        <p:tgtEl>
+                                          <p:spTgt spid="3">
+                                            <p:txEl>
+                                              <p:pRg st="5" end="5"/>
+                                            </p:txEl>
+                                          </p:spTgt>
+                                        </p:tgtEl>
+                                        <p:attrNameLst>
+                                          <p:attrName>style.visibility</p:attrName>
+                                        </p:attrNameLst>
+                                      </p:cBhvr>
+                                      <p:to>
+                                        <p:strVal val="visible"/>
+                                      </p:to>
+                                    </p:set>
+                                    <p:anim calcmode="lin" valueType="num">
+                                      <p:cBhvr additive="base">
+                                        <p:cTn id="13" dur="500" fill="hold"/>
+                                        <p:tgtEl>
+                                          <p:spTgt spid="3">
+                                            <p:txEl>
+                                              <p:pRg st="5" end="5"/>
+                                            </p:txEl>
+                                          </p:spTgt>
+                                        </p:tgtEl>
+                                        <p:attrNameLst>
+                                          <p:attrName>ppt_x</p:attrName>
+                                        </p:attrNameLst>
+                                      </p:cBhvr>
+                                      <p:tavLst>
+                                        <p:tav tm="0">
+                                          <p:val>
+                                            <p:strVal val="#ppt_x"/>
+                                          </p:val>
+                                        </p:tav>
+                                        <p:tav tm="100000">
+                                          <p:val>
+                                            <p:strVal val="#ppt_x"/>
+                                          </p:val>
+                                        </p:tav>
+                                      </p:tavLst>
+                                    </p:anim>
+                                    <p:anim calcmode="lin" valueType="num">
+                                      <p:cBhvr additive="base">
+                                        <p:cTn id="14" dur="500" fill="hold"/>
+                                        <p:tgtEl>
+                                          <p:spTgt spid="3">
+                                            <p:txEl>
+                                              <p:pRg st="5" end="5"/>
+                                            </p:txEl>
+                                          </p:spTgt>
+                                        </p:tgtEl>
+                                        <p:attrNameLst>
+                                          <p:attrName>ppt_y</p:attrName>
+                                        </p:attrNameLst>
+                                      </p:cBhvr>
+                                      <p:tavLst>
+                                        <p:tav tm="0">
+                                          <p:val>
+                                            <p:strVal val="1+#ppt_h/2"/>
+                                          </p:val>
+                                        </p:tav>
+                                        <p:tav tm="100000">
+                                          <p:val>
+                                            <p:strVal val="#ppt_y"/>
+                                          </p:val>
+                                        </p:tav>
+                                      </p:tavLst>
+                                    </p:anim>
+                                  </p:childTnLst>
+                                </p:cTn>
+                              </p:par>
+                            </p:childTnLst>
+                          </p:cTn>
+                        </p:par>
+                      </p:childTnLst>
+                    </p:cTn>
+                  </p:par>
+                  <p:par>
+                    <p:cTn id="15" fill="hold">
+                      <p:stCondLst>
+                        <p:cond delay="indefinite"/>
+                      </p:stCondLst>
+                      <p:childTnLst>
+                        <p:par>
+                          <p:cTn id="16" fill="hold">
+                            <p:stCondLst>
+                              <p:cond delay="0"/>
+                            </p:stCondLst>
+                            <p:childTnLst>
+                              <p:par>
+                                <p:cTn id="17" presetID="2" presetClass="entr" presetSubtype="4" fill="hold" nodeType="clickEffect">
+                                  <p:stCondLst>
+                                    <p:cond delay="0"/>
+                                  </p:stCondLst>
+                                  <p:childTnLst>
+                                    <p:set>
+                                      <p:cBhvr>
+                                        <p:cTn id="18" dur="1" fill="hold">
+                                          <p:stCondLst>
+                                            <p:cond delay="0"/>
+                                          </p:stCondLst>
+                                        </p:cTn>
+                                        <p:tgtEl>
+                                          <p:spTgt spid="3">
+                                            <p:txEl>
+                                              <p:pRg st="6" end="6"/>
+                                            </p:txEl>
+                                          </p:spTgt>
+                                        </p:tgtEl>
+                                        <p:attrNameLst>
+                                          <p:attrName>style.visibility</p:attrName>
+                                        </p:attrNameLst>
+                                      </p:cBhvr>
+                                      <p:to>
+                                        <p:strVal val="visible"/>
+                                      </p:to>
+                                    </p:set>
+                                    <p:anim calcmode="lin" valueType="num">
+                                      <p:cBhvr additive="base">
+                                        <p:cTn id="19" dur="500" fill="hold"/>
+                                        <p:tgtEl>
+                                          <p:spTgt spid="3">
+                                            <p:txEl>
+                                              <p:pRg st="6" end="6"/>
+                                            </p:txEl>
+                                          </p:spTgt>
+                                        </p:tgtEl>
+                                        <p:attrNameLst>
+                                          <p:attrName>ppt_x</p:attrName>
+                                        </p:attrNameLst>
+                                      </p:cBhvr>
+                                      <p:tavLst>
+                                        <p:tav tm="0">
+                                          <p:val>
+                                            <p:strVal val="#ppt_x"/>
+                                          </p:val>
+                                        </p:tav>
+                                        <p:tav tm="100000">
+                                          <p:val>
+                                            <p:strVal val="#ppt_x"/>
+                                          </p:val>
+                                        </p:tav>
+                                      </p:tavLst>
+                                    </p:anim>
+                                    <p:anim calcmode="lin" valueType="num">
+                                      <p:cBhvr additive="base">
+                                        <p:cTn id="20" dur="500" fill="hold"/>
+                                        <p:tgtEl>
+                                          <p:spTgt spid="3">
+                                            <p:txEl>
+                                              <p:pRg st="6" end="6"/>
+                                            </p:txEl>
+                                          </p:spTgt>
+                                        </p:tgtEl>
+                                        <p:attrNameLst>
+                                          <p:attrName>ppt_y</p:attrName>
+                                        </p:attrNameLst>
+                                      </p:cBhvr>
+                                      <p:tavLst>
+                                        <p:tav tm="0">
+                                          <p:val>
+                                            <p:strVal val="1+#ppt_h/2"/>
+                                          </p:val>
+                                        </p:tav>
+                                        <p:tav tm="100000">
+                                          <p:val>
+                                            <p:strVal val="#ppt_y"/>
+                                          </p:val>
+                                        </p:tav>
+                                      </p:tavLst>
+                                    </p:anim>
+                                  </p:childTnLst>
+                                </p:cTn>
+                              </p:par>
+                            </p:childTnLst>
+                          </p:cTn>
+                        </p:par>
+                      </p:childTnLst>
+                    </p:cTn>
+                  </p:par>
+                  <p:par>
+                    <p:cTn id="21" fill="hold">
+                      <p:stCondLst>
+                        <p:cond delay="indefinite"/>
+                      </p:stCondLst>
+                      <p:childTnLst>
+                        <p:par>
+                          <p:cTn id="22" fill="hold">
+                            <p:stCondLst>
+                              <p:cond delay="0"/>
+                            </p:stCondLst>
+                            <p:childTnLst>
+                              <p:par>
+                                <p:cTn id="23" presetID="2" presetClass="entr" presetSubtype="4" fill="hold" nodeType="clickEffect">
+                                  <p:stCondLst>
+                                    <p:cond delay="0"/>
+                                  </p:stCondLst>
+                                  <p:childTnLst>
+                                    <p:set>
+                                      <p:cBhvr>
+                                        <p:cTn id="24" dur="1" fill="hold">
+                                          <p:stCondLst>
+                                            <p:cond delay="0"/>
+                                          </p:stCondLst>
+                                        </p:cTn>
+                                        <p:tgtEl>
+                                          <p:spTgt spid="3">
+                                            <p:txEl>
+                                              <p:pRg st="7" end="7"/>
+                                            </p:txEl>
+                                          </p:spTgt>
+                                        </p:tgtEl>
+                                        <p:attrNameLst>
+                                          <p:attrName>style.visibility</p:attrName>
+                                        </p:attrNameLst>
+                                      </p:cBhvr>
+                                      <p:to>
+                                        <p:strVal val="visible"/>
+                                      </p:to>
+                                    </p:set>
+                                    <p:anim calcmode="lin" valueType="num">
+                                      <p:cBhvr additive="base">
+                                        <p:cTn id="25" dur="500" fill="hold"/>
+                                        <p:tgtEl>
+                                          <p:spTgt spid="3">
+                                            <p:txEl>
+                                              <p:pRg st="7" end="7"/>
+                                            </p:txEl>
+                                          </p:spTgt>
+                                        </p:tgtEl>
+                                        <p:attrNameLst>
+                                          <p:attrName>ppt_x</p:attrName>
+                                        </p:attrNameLst>
+                                      </p:cBhvr>
+                                      <p:tavLst>
+                                        <p:tav tm="0">
+                                          <p:val>
+                                            <p:strVal val="#ppt_x"/>
+                                          </p:val>
+                                        </p:tav>
+                                        <p:tav tm="100000">
+                                          <p:val>
+                                            <p:strVal val="#ppt_x"/>
+                                          </p:val>
+                                        </p:tav>
+                                      </p:tavLst>
+                                    </p:anim>
+                                    <p:anim calcmode="lin" valueType="num">
+                                      <p:cBhvr additive="base">
+                                        <p:cTn id="26" dur="500" fill="hold"/>
+                                        <p:tgtEl>
+                                          <p:spTgt spid="3">
+                                            <p:txEl>
+                                              <p:pRg st="7" end="7"/>
+                                            </p:txEl>
+                                          </p:spTgt>
+                                        </p:tgtEl>
+                                        <p:attrNameLst>
+                                          <p:attrName>ppt_y</p:attrName>
+                                        </p:attrNameLst>
+                                      </p:cBhvr>
+                                      <p:tavLst>
+                                        <p:tav tm="0">
+                                          <p:val>
+                                            <p:strVal val="1+#ppt_h/2"/>
+                                          </p:val>
+                                        </p:tav>
+                                        <p:tav tm="100000">
+                                          <p:val>
+                                            <p:strVal val="#ppt_y"/>
+                                          </p:val>
+                                        </p:tav>
+                                      </p:tavLst>
+                                    </p:anim>
+                                  </p:childTnLst>
+                                </p:cTn>
+                              </p:par>
+                            </p:childTnLst>
+                          </p:cTn>
+                        </p:par>
+                      </p:childTnLst>
+                    </p:cTn>
+                  </p:par>
+                  <p:par>
+                    <p:cTn id="27" fill="hold">
+                      <p:stCondLst>
+                        <p:cond delay="indefinite"/>
+                      </p:stCondLst>
+                      <p:childTnLst>
+                        <p:par>
+                          <p:cTn id="28" fill="hold">
+                            <p:stCondLst>
+                              <p:cond delay="0"/>
+                            </p:stCondLst>
+                            <p:childTnLst>
+                              <p:par>
+                                <p:cTn id="29" presetID="2" presetClass="entr" presetSubtype="4" fill="hold" nodeType="clickEffect">
+                                  <p:stCondLst>
+                                    <p:cond delay="0"/>
+                                  </p:stCondLst>
+                                  <p:childTnLst>
+                                    <p:set>
+                                      <p:cBhvr>
+                                        <p:cTn id="30" dur="1" fill="hold">
+                                          <p:stCondLst>
+                                            <p:cond delay="0"/>
+                                          </p:stCondLst>
+                                        </p:cTn>
+                                        <p:tgtEl>
+                                          <p:spTgt spid="3">
+                                            <p:txEl>
+                                              <p:pRg st="8" end="8"/>
+                                            </p:txEl>
+                                          </p:spTgt>
+                                        </p:tgtEl>
+                                        <p:attrNameLst>
+                                          <p:attrName>style.visibility</p:attrName>
+                                        </p:attrNameLst>
+                                      </p:cBhvr>
+                                      <p:to>
+                                        <p:strVal val="visible"/>
+                                      </p:to>
+                                    </p:set>
+                                    <p:anim calcmode="lin" valueType="num">
+                                      <p:cBhvr additive="base">
+                                        <p:cTn id="31" dur="500" fill="hold"/>
+                                        <p:tgtEl>
+                                          <p:spTgt spid="3">
+                                            <p:txEl>
+                                              <p:pRg st="8" end="8"/>
+                                            </p:txEl>
+                                          </p:spTgt>
+                                        </p:tgtEl>
+                                        <p:attrNameLst>
+                                          <p:attrName>ppt_x</p:attrName>
+                                        </p:attrNameLst>
+                                      </p:cBhvr>
+                                      <p:tavLst>
+                                        <p:tav tm="0">
+                                          <p:val>
+                                            <p:strVal val="#ppt_x"/>
+                                          </p:val>
+                                        </p:tav>
+                                        <p:tav tm="100000">
+                                          <p:val>
+                                            <p:strVal val="#ppt_x"/>
+                                          </p:val>
+                                        </p:tav>
+                                      </p:tavLst>
+                                    </p:anim>
+                                    <p:anim calcmode="lin" valueType="num">
+                                      <p:cBhvr additive="base">
+                                        <p:cTn id="32" dur="500" fill="hold"/>
+                                        <p:tgtEl>
+                                          <p:spTgt spid="3">
+                                            <p:txEl>
+                                              <p:pRg st="8" end="8"/>
+                                            </p:txEl>
+                                          </p:spTgt>
+                                        </p:tgtEl>
+                                        <p:attrNameLst>
+                                          <p:attrName>ppt_y</p:attrName>
+                                        </p:attrNameLst>
+                                      </p:cBhvr>
+                                      <p:tavLst>
+                                        <p:tav tm="0">
+                                          <p:val>
+                                            <p:strVal val="1+#ppt_h/2"/>
+                                          </p:val>
+                                        </p:tav>
+                                        <p:tav tm="100000">
+                                          <p:val>
+                                            <p:strVal val="#ppt_y"/>
+                                          </p:val>
+                                        </p:tav>
+                                      </p:tavLst>
+                                    </p:anim>
+                                  </p:childTnLst>
+                                </p:cTn>
+                              </p:par>
+                            </p:childTnLst>
+                          </p:cTn>
+                        </p:par>
+                      </p:childTnLst>
+                    </p:cTn>
+                  </p:par>
+                </p:childTnLst>
+              </p:cTn>
+              <p:prevCondLst>
+                <p:cond evt="onPrev" delay="0">
+                  <p:tgtEl>
+                    <p:sldTgt/>
+                  </p:tgtEl>
+                </p:cond>
+              </p:prevCondLst>
+              <p:nextCondLst>
+                <p:cond evt="onNext" delay="0">
+                  <p:tgtEl>
+                    <p:sldTgt/>
+                  </p:tgtEl>
+                </p:cond>
+              </p:nextCondLst>
+            </p:seq>
+          </p:childTnLst>
+        </p:cTn>
+      </p:par>
+    </p:tnLst>
+  </p:timing>
+</p:sld>
+</file>
+
+<file path=ppt/slides/slide11.xml><?xml version="1.0" encoding="utf-8"?>
+<p:sld xmlns:a="http://schemas.openxmlformats.org/drawingml/2006/main" xmlns:r="http://schemas.openxmlformats.org/officeDocument/2006/relationships" xmlns:p="http://schemas.openxmlformats.org/presentationml/2006/main">
+  <p:cSld>
+    <p:bg>
+      <p:bgPr>
+        <a:gradFill>
+          <a:gsLst>
+            <a:gs pos="0">
+              <a:schemeClr val="accent1">
+                <a:lumMod val="67000"/>
+              </a:schemeClr>
+            </a:gs>
+            <a:gs pos="48000">
+              <a:schemeClr val="accent1">
+                <a:lumMod val="97000"/>
+                <a:lumOff val="3000"/>
+              </a:schemeClr>
+            </a:gs>
+            <a:gs pos="100000">
+              <a:schemeClr val="accent1">
+                <a:lumMod val="60000"/>
+                <a:lumOff val="40000"/>
+              </a:schemeClr>
+            </a:gs>
+          </a:gsLst>
+          <a:lin ang="16200000" scaled="1"/>
+        </a:gradFill>
+        <a:effectLst/>
+      </p:bgPr>
+    </p:bg>
+    <p:spTree>
+      <p:nvGrpSpPr>
+        <p:cNvPr id="1" name="">
+          <a:extLst>
+            <a:ext uri="{FF2B5EF4-FFF2-40B4-BE49-F238E27FC236}">
               <a16:creationId xmlns:a16="http://schemas.microsoft.com/office/drawing/2014/main" id="{EAA9C2E5-9160-3F13-C966-1E040E79A477}"/>
             </a:ext>
           </a:extLst>
@@ -21272,7 +22089,7 @@
 </p:sld>
 </file>
 
-<file path=ppt/slides/slide11.xml><?xml version="1.0" encoding="utf-8"?>
+<file path=ppt/slides/slide12.xml><?xml version="1.0" encoding="utf-8"?>
 <p:sld xmlns:a="http://schemas.openxmlformats.org/drawingml/2006/main" xmlns:r="http://schemas.openxmlformats.org/officeDocument/2006/relationships" xmlns:p="http://schemas.openxmlformats.org/presentationml/2006/main">
   <p:cSld>
     <p:bg>
@@ -21521,7 +22338,7 @@
 </p:sld>
 </file>
 
-<file path=ppt/slides/slide12.xml><?xml version="1.0" encoding="utf-8"?>
+<file path=ppt/slides/slide13.xml><?xml version="1.0" encoding="utf-8"?>
 <p:sld xmlns:a="http://schemas.openxmlformats.org/drawingml/2006/main" xmlns:r="http://schemas.openxmlformats.org/officeDocument/2006/relationships" xmlns:p="http://schemas.openxmlformats.org/presentationml/2006/main">
   <p:cSld>
     <p:bg>
@@ -21918,7 +22735,7 @@
 </p:sld>
 </file>
 
-<file path=ppt/slides/slide13.xml><?xml version="1.0" encoding="utf-8"?>
+<file path=ppt/slides/slide14.xml><?xml version="1.0" encoding="utf-8"?>
 <p:sld xmlns:a="http://schemas.openxmlformats.org/drawingml/2006/main" xmlns:r="http://schemas.openxmlformats.org/officeDocument/2006/relationships" xmlns:p="http://schemas.openxmlformats.org/presentationml/2006/main">
   <p:cSld>
     <p:bg>
@@ -22045,7 +22862,7 @@
 </p:sld>
 </file>
 
-<file path=ppt/slides/slide14.xml><?xml version="1.0" encoding="utf-8"?>
+<file path=ppt/slides/slide15.xml><?xml version="1.0" encoding="utf-8"?>
 <p:sld xmlns:a="http://schemas.openxmlformats.org/drawingml/2006/main" xmlns:r="http://schemas.openxmlformats.org/officeDocument/2006/relationships" xmlns:p="http://schemas.openxmlformats.org/presentationml/2006/main">
   <p:cSld>
     <p:bg>
@@ -22362,7 +23179,7 @@
 </p:sld>
 </file>
 
-<file path=ppt/slides/slide15.xml><?xml version="1.0" encoding="utf-8"?>
+<file path=ppt/slides/slide16.xml><?xml version="1.0" encoding="utf-8"?>
 <p:sld xmlns:a="http://schemas.openxmlformats.org/drawingml/2006/main" xmlns:r="http://schemas.openxmlformats.org/officeDocument/2006/relationships" xmlns:p="http://schemas.openxmlformats.org/presentationml/2006/main">
   <p:cSld>
     <p:bg>
@@ -22659,7 +23476,7 @@
 </p:sld>
 </file>
 
-<file path=ppt/slides/slide16.xml><?xml version="1.0" encoding="utf-8"?>
+<file path=ppt/slides/slide17.xml><?xml version="1.0" encoding="utf-8"?>
 <p:sld xmlns:a="http://schemas.openxmlformats.org/drawingml/2006/main" xmlns:r="http://schemas.openxmlformats.org/officeDocument/2006/relationships" xmlns:p="http://schemas.openxmlformats.org/presentationml/2006/main">
   <p:cSld>
     <p:bg>
@@ -22780,7 +23597,7 @@
 </p:sld>
 </file>
 
-<file path=ppt/slides/slide17.xml><?xml version="1.0" encoding="utf-8"?>
+<file path=ppt/slides/slide18.xml><?xml version="1.0" encoding="utf-8"?>
 <p:sld xmlns:a="http://schemas.openxmlformats.org/drawingml/2006/main" xmlns:r="http://schemas.openxmlformats.org/officeDocument/2006/relationships" xmlns:p="http://schemas.openxmlformats.org/presentationml/2006/main">
   <p:cSld>
     <p:bg>
@@ -22901,7 +23718,7 @@
 </p:sld>
 </file>
 
-<file path=ppt/slides/slide18.xml><?xml version="1.0" encoding="utf-8"?>
+<file path=ppt/slides/slide19.xml><?xml version="1.0" encoding="utf-8"?>
 <p:sld xmlns:a="http://schemas.openxmlformats.org/drawingml/2006/main" xmlns:r="http://schemas.openxmlformats.org/officeDocument/2006/relationships" xmlns:p="http://schemas.openxmlformats.org/presentationml/2006/main">
   <p:cSld>
     <p:bg>
@@ -23022,136 +23839,6 @@
     <p:extLst>
       <p:ext uri="{BB962C8B-B14F-4D97-AF65-F5344CB8AC3E}">
         <p14:creationId xmlns:p14="http://schemas.microsoft.com/office/powerpoint/2010/main" val="3182764813"/>
-      </p:ext>
-    </p:extLst>
-  </p:cSld>
-  <p:clrMapOvr>
-    <a:overrideClrMapping bg1="lt1" tx1="dk1" bg2="lt2" tx2="dk2" accent1="accent1" accent2="accent2" accent3="accent3" accent4="accent4" accent5="accent5" accent6="accent6" hlink="hlink" folHlink="folHlink"/>
-  </p:clrMapOvr>
-</p:sld>
-</file>
-
-<file path=ppt/slides/slide19.xml><?xml version="1.0" encoding="utf-8"?>
-<p:sld xmlns:a="http://schemas.openxmlformats.org/drawingml/2006/main" xmlns:r="http://schemas.openxmlformats.org/officeDocument/2006/relationships" xmlns:p="http://schemas.openxmlformats.org/presentationml/2006/main">
-  <p:cSld>
-    <p:bg>
-      <p:bgPr>
-        <a:gradFill>
-          <a:gsLst>
-            <a:gs pos="0">
-              <a:schemeClr val="accent1">
-                <a:lumMod val="67000"/>
-              </a:schemeClr>
-            </a:gs>
-            <a:gs pos="48000">
-              <a:schemeClr val="accent1">
-                <a:lumMod val="97000"/>
-                <a:lumOff val="3000"/>
-              </a:schemeClr>
-            </a:gs>
-            <a:gs pos="100000">
-              <a:schemeClr val="accent1">
-                <a:lumMod val="60000"/>
-                <a:lumOff val="40000"/>
-              </a:schemeClr>
-            </a:gs>
-          </a:gsLst>
-          <a:lin ang="16200000" scaled="1"/>
-        </a:gradFill>
-        <a:effectLst/>
-      </p:bgPr>
-    </p:bg>
-    <p:spTree>
-      <p:nvGrpSpPr>
-        <p:cNvPr id="1" name=""/>
-        <p:cNvGrpSpPr/>
-        <p:nvPr/>
-      </p:nvGrpSpPr>
-      <p:grpSpPr>
-        <a:xfrm>
-          <a:off x="0" y="0"/>
-          <a:ext cx="0" cy="0"/>
-          <a:chOff x="0" y="0"/>
-          <a:chExt cx="0" cy="0"/>
-        </a:xfrm>
-      </p:grpSpPr>
-      <p:sp>
-        <p:nvSpPr>
-          <p:cNvPr id="2" name="Title 1"/>
-          <p:cNvSpPr>
-            <a:spLocks noGrp="1"/>
-          </p:cNvSpPr>
-          <p:nvPr>
-            <p:ph type="title"/>
-          </p:nvPr>
-        </p:nvSpPr>
-        <p:spPr>
-          <a:xfrm>
-            <a:off x="113544" y="1631852"/>
-            <a:ext cx="3136093" cy="1597489"/>
-          </a:xfrm>
-        </p:spPr>
-        <p:txBody>
-          <a:bodyPr vert="horz" lIns="228600" tIns="228600" rIns="228600" bIns="0" rtlCol="0" anchor="b">
-            <a:normAutofit fontScale="90000"/>
-          </a:bodyPr>
-          <a:lstStyle/>
-          <a:p>
-            <a:pPr defTabSz="914400">
-              <a:lnSpc>
-                <a:spcPct val="80000"/>
-              </a:lnSpc>
-            </a:pPr>
-            <a:r>
-              <a:rPr lang="en-US" sz="3800" b="1" spc="-150" dirty="0">
-                <a:solidFill>
-                  <a:schemeClr val="tx1"/>
-                </a:solidFill>
-              </a:rPr>
-              <a:t>Professional email etiquette</a:t>
-            </a:r>
-          </a:p>
-        </p:txBody>
-      </p:sp>
-      <p:pic>
-        <p:nvPicPr>
-          <p:cNvPr id="4" name="Content Placeholder 3"/>
-          <p:cNvPicPr>
-            <a:picLocks noGrp="1" noChangeAspect="1"/>
-          </p:cNvPicPr>
-          <p:nvPr>
-            <p:ph idx="1"/>
-          </p:nvPr>
-        </p:nvPicPr>
-        <p:blipFill>
-          <a:blip r:embed="rId3">
-            <a:extLst>
-              <a:ext uri="{28A0092B-C50C-407E-A947-70E740481C1C}">
-                <a14:useLocalDpi xmlns:a14="http://schemas.microsoft.com/office/drawing/2010/main" val="0"/>
-              </a:ext>
-            </a:extLst>
-          </a:blip>
-          <a:stretch>
-            <a:fillRect/>
-          </a:stretch>
-        </p:blipFill>
-        <p:spPr>
-          <a:xfrm>
-            <a:off x="3249637" y="837601"/>
-            <a:ext cx="8329873" cy="4448151"/>
-          </a:xfrm>
-          <a:prstGeom prst="rect">
-            <a:avLst/>
-          </a:prstGeom>
-          <a:ln w="9525">
-            <a:noFill/>
-          </a:ln>
-        </p:spPr>
-      </p:pic>
-    </p:spTree>
-    <p:extLst>
-      <p:ext uri="{BB962C8B-B14F-4D97-AF65-F5344CB8AC3E}">
-        <p14:creationId xmlns:p14="http://schemas.microsoft.com/office/powerpoint/2010/main" val="2926931529"/>
       </p:ext>
     </p:extLst>
   </p:cSld>
@@ -24673,6 +25360,136 @@
       </p:grpSpPr>
       <p:sp>
         <p:nvSpPr>
+          <p:cNvPr id="2" name="Title 1"/>
+          <p:cNvSpPr>
+            <a:spLocks noGrp="1"/>
+          </p:cNvSpPr>
+          <p:nvPr>
+            <p:ph type="title"/>
+          </p:nvPr>
+        </p:nvSpPr>
+        <p:spPr>
+          <a:xfrm>
+            <a:off x="113544" y="1631852"/>
+            <a:ext cx="3136093" cy="1597489"/>
+          </a:xfrm>
+        </p:spPr>
+        <p:txBody>
+          <a:bodyPr vert="horz" lIns="228600" tIns="228600" rIns="228600" bIns="0" rtlCol="0" anchor="b">
+            <a:normAutofit fontScale="90000"/>
+          </a:bodyPr>
+          <a:lstStyle/>
+          <a:p>
+            <a:pPr defTabSz="914400">
+              <a:lnSpc>
+                <a:spcPct val="80000"/>
+              </a:lnSpc>
+            </a:pPr>
+            <a:r>
+              <a:rPr lang="en-US" sz="3800" b="1" spc="-150" dirty="0">
+                <a:solidFill>
+                  <a:schemeClr val="tx1"/>
+                </a:solidFill>
+              </a:rPr>
+              <a:t>Professional email etiquette</a:t>
+            </a:r>
+          </a:p>
+        </p:txBody>
+      </p:sp>
+      <p:pic>
+        <p:nvPicPr>
+          <p:cNvPr id="4" name="Content Placeholder 3"/>
+          <p:cNvPicPr>
+            <a:picLocks noGrp="1" noChangeAspect="1"/>
+          </p:cNvPicPr>
+          <p:nvPr>
+            <p:ph idx="1"/>
+          </p:nvPr>
+        </p:nvPicPr>
+        <p:blipFill>
+          <a:blip r:embed="rId3">
+            <a:extLst>
+              <a:ext uri="{28A0092B-C50C-407E-A947-70E740481C1C}">
+                <a14:useLocalDpi xmlns:a14="http://schemas.microsoft.com/office/drawing/2010/main" val="0"/>
+              </a:ext>
+            </a:extLst>
+          </a:blip>
+          <a:stretch>
+            <a:fillRect/>
+          </a:stretch>
+        </p:blipFill>
+        <p:spPr>
+          <a:xfrm>
+            <a:off x="3249637" y="837601"/>
+            <a:ext cx="8329873" cy="4448151"/>
+          </a:xfrm>
+          <a:prstGeom prst="rect">
+            <a:avLst/>
+          </a:prstGeom>
+          <a:ln w="9525">
+            <a:noFill/>
+          </a:ln>
+        </p:spPr>
+      </p:pic>
+    </p:spTree>
+    <p:extLst>
+      <p:ext uri="{BB962C8B-B14F-4D97-AF65-F5344CB8AC3E}">
+        <p14:creationId xmlns:p14="http://schemas.microsoft.com/office/powerpoint/2010/main" val="2926931529"/>
+      </p:ext>
+    </p:extLst>
+  </p:cSld>
+  <p:clrMapOvr>
+    <a:overrideClrMapping bg1="lt1" tx1="dk1" bg2="lt2" tx2="dk2" accent1="accent1" accent2="accent2" accent3="accent3" accent4="accent4" accent5="accent5" accent6="accent6" hlink="hlink" folHlink="folHlink"/>
+  </p:clrMapOvr>
+</p:sld>
+</file>
+
+<file path=ppt/slides/slide21.xml><?xml version="1.0" encoding="utf-8"?>
+<p:sld xmlns:a="http://schemas.openxmlformats.org/drawingml/2006/main" xmlns:r="http://schemas.openxmlformats.org/officeDocument/2006/relationships" xmlns:p="http://schemas.openxmlformats.org/presentationml/2006/main">
+  <p:cSld>
+    <p:bg>
+      <p:bgPr>
+        <a:gradFill>
+          <a:gsLst>
+            <a:gs pos="0">
+              <a:schemeClr val="accent1">
+                <a:lumMod val="67000"/>
+              </a:schemeClr>
+            </a:gs>
+            <a:gs pos="48000">
+              <a:schemeClr val="accent1">
+                <a:lumMod val="97000"/>
+                <a:lumOff val="3000"/>
+              </a:schemeClr>
+            </a:gs>
+            <a:gs pos="100000">
+              <a:schemeClr val="accent1">
+                <a:lumMod val="60000"/>
+                <a:lumOff val="40000"/>
+              </a:schemeClr>
+            </a:gs>
+          </a:gsLst>
+          <a:lin ang="16200000" scaled="1"/>
+        </a:gradFill>
+        <a:effectLst/>
+      </p:bgPr>
+    </p:bg>
+    <p:spTree>
+      <p:nvGrpSpPr>
+        <p:cNvPr id="1" name=""/>
+        <p:cNvGrpSpPr/>
+        <p:nvPr/>
+      </p:nvGrpSpPr>
+      <p:grpSpPr>
+        <a:xfrm>
+          <a:off x="0" y="0"/>
+          <a:ext cx="0" cy="0"/>
+          <a:chOff x="0" y="0"/>
+          <a:chExt cx="0" cy="0"/>
+        </a:xfrm>
+      </p:grpSpPr>
+      <p:sp>
+        <p:nvSpPr>
           <p:cNvPr id="2" name="Title 1">
             <a:extLst>
               <a:ext uri="{FF2B5EF4-FFF2-40B4-BE49-F238E27FC236}">
@@ -24750,7 +25567,7 @@
           <a:p>
             <a:fld id="{95850013-0FED-DB4F-A95E-FFF4A5127B9C}" type="slidenum">
               <a:rPr lang="en-IE" smtClean="0"/>
-              <a:t>20</a:t>
+              <a:t>21</a:t>
             </a:fld>
             <a:endParaRPr lang="en-IE"/>
           </a:p>
@@ -30127,7 +30944,7 @@
           <p:nvPr>
             <p:extLst>
               <p:ext uri="{D42A27DB-BD31-4B8C-83A1-F6EECF244321}">
-                <p14:modId xmlns:p14="http://schemas.microsoft.com/office/powerpoint/2010/main" val="2180416932"/>
+                <p14:modId xmlns:p14="http://schemas.microsoft.com/office/powerpoint/2010/main" val="77776985"/>
               </p:ext>
             </p:extLst>
           </p:nvPr>
@@ -33370,7 +34187,7 @@
         <p:spPr>
           <a:xfrm>
             <a:off x="5036234" y="759655"/>
-            <a:ext cx="6808763" cy="5168865"/>
+            <a:ext cx="6808763" cy="5641145"/>
           </a:xfrm>
         </p:spPr>
         <p:txBody>
@@ -33419,7 +34236,7 @@
                   </a:extLst>
                 </a:hlinkClick>
               </a:rPr>
-              <a:t>moodle.wit.ie</a:t>
+              <a:t>moodle.setu.ie</a:t>
             </a:r>
             <a:endParaRPr lang="en-IE" sz="2000" dirty="0">
               <a:solidFill>
@@ -33470,6 +34287,20 @@
               <a:rPr lang="en-US" sz="2000" dirty="0"/>
               <a:t>Click on Introduction to ICT for Scientists to see the material required for this module.</a:t>
             </a:r>
+          </a:p>
+          <a:p>
+            <a:pPr>
+              <a:lnSpc>
+                <a:spcPct val="110000"/>
+              </a:lnSpc>
+              <a:buClr>
+                <a:srgbClr val="CEA470"/>
+              </a:buClr>
+            </a:pPr>
+            <a:r>
+              <a:rPr lang="en-US" sz="2000" dirty="0"/>
+              <a:t>We will use Moodle to connect to tutors and to act as a weekly list of work.</a:t>
+            </a:r>
             <a:endParaRPr lang="en-IE" sz="2000" dirty="0"/>
           </a:p>
         </p:txBody>
@@ -33514,6 +34345,551 @@
   <p:clrMapOvr>
     <a:overrideClrMapping bg1="lt1" tx1="dk1" bg2="lt2" tx2="dk2" accent1="accent1" accent2="accent2" accent3="accent3" accent4="accent4" accent5="accent5" accent6="accent6" hlink="hlink" folHlink="folHlink"/>
   </p:clrMapOvr>
+  <p:timing>
+    <p:tnLst>
+      <p:par>
+        <p:cTn id="1" dur="indefinite" restart="never" nodeType="tmRoot">
+          <p:childTnLst>
+            <p:seq concurrent="1" nextAc="seek">
+              <p:cTn id="2" dur="indefinite" nodeType="mainSeq">
+                <p:childTnLst>
+                  <p:par>
+                    <p:cTn id="3" fill="hold">
+                      <p:stCondLst>
+                        <p:cond delay="indefinite"/>
+                      </p:stCondLst>
+                      <p:childTnLst>
+                        <p:par>
+                          <p:cTn id="4" fill="hold">
+                            <p:stCondLst>
+                              <p:cond delay="0"/>
+                            </p:stCondLst>
+                            <p:childTnLst>
+                              <p:par>
+                                <p:cTn id="5" presetID="2" presetClass="entr" presetSubtype="4" fill="hold" nodeType="clickEffect">
+                                  <p:stCondLst>
+                                    <p:cond delay="0"/>
+                                  </p:stCondLst>
+                                  <p:childTnLst>
+                                    <p:set>
+                                      <p:cBhvr>
+                                        <p:cTn id="6" dur="1" fill="hold">
+                                          <p:stCondLst>
+                                            <p:cond delay="0"/>
+                                          </p:stCondLst>
+                                        </p:cTn>
+                                        <p:tgtEl>
+                                          <p:spTgt spid="3">
+                                            <p:txEl>
+                                              <p:pRg st="1" end="1"/>
+                                            </p:txEl>
+                                          </p:spTgt>
+                                        </p:tgtEl>
+                                        <p:attrNameLst>
+                                          <p:attrName>style.visibility</p:attrName>
+                                        </p:attrNameLst>
+                                      </p:cBhvr>
+                                      <p:to>
+                                        <p:strVal val="visible"/>
+                                      </p:to>
+                                    </p:set>
+                                    <p:anim calcmode="lin" valueType="num">
+                                      <p:cBhvr additive="base">
+                                        <p:cTn id="7" dur="500" fill="hold"/>
+                                        <p:tgtEl>
+                                          <p:spTgt spid="3">
+                                            <p:txEl>
+                                              <p:pRg st="1" end="1"/>
+                                            </p:txEl>
+                                          </p:spTgt>
+                                        </p:tgtEl>
+                                        <p:attrNameLst>
+                                          <p:attrName>ppt_x</p:attrName>
+                                        </p:attrNameLst>
+                                      </p:cBhvr>
+                                      <p:tavLst>
+                                        <p:tav tm="0">
+                                          <p:val>
+                                            <p:strVal val="#ppt_x"/>
+                                          </p:val>
+                                        </p:tav>
+                                        <p:tav tm="100000">
+                                          <p:val>
+                                            <p:strVal val="#ppt_x"/>
+                                          </p:val>
+                                        </p:tav>
+                                      </p:tavLst>
+                                    </p:anim>
+                                    <p:anim calcmode="lin" valueType="num">
+                                      <p:cBhvr additive="base">
+                                        <p:cTn id="8" dur="500" fill="hold"/>
+                                        <p:tgtEl>
+                                          <p:spTgt spid="3">
+                                            <p:txEl>
+                                              <p:pRg st="1" end="1"/>
+                                            </p:txEl>
+                                          </p:spTgt>
+                                        </p:tgtEl>
+                                        <p:attrNameLst>
+                                          <p:attrName>ppt_y</p:attrName>
+                                        </p:attrNameLst>
+                                      </p:cBhvr>
+                                      <p:tavLst>
+                                        <p:tav tm="0">
+                                          <p:val>
+                                            <p:strVal val="1+#ppt_h/2"/>
+                                          </p:val>
+                                        </p:tav>
+                                        <p:tav tm="100000">
+                                          <p:val>
+                                            <p:strVal val="#ppt_y"/>
+                                          </p:val>
+                                        </p:tav>
+                                      </p:tavLst>
+                                    </p:anim>
+                                  </p:childTnLst>
+                                </p:cTn>
+                              </p:par>
+                            </p:childTnLst>
+                          </p:cTn>
+                        </p:par>
+                      </p:childTnLst>
+                    </p:cTn>
+                  </p:par>
+                  <p:par>
+                    <p:cTn id="9" fill="hold">
+                      <p:stCondLst>
+                        <p:cond delay="indefinite"/>
+                      </p:stCondLst>
+                      <p:childTnLst>
+                        <p:par>
+                          <p:cTn id="10" fill="hold">
+                            <p:stCondLst>
+                              <p:cond delay="0"/>
+                            </p:stCondLst>
+                            <p:childTnLst>
+                              <p:par>
+                                <p:cTn id="11" presetID="2" presetClass="entr" presetSubtype="4" fill="hold" nodeType="clickEffect">
+                                  <p:stCondLst>
+                                    <p:cond delay="0"/>
+                                  </p:stCondLst>
+                                  <p:childTnLst>
+                                    <p:set>
+                                      <p:cBhvr>
+                                        <p:cTn id="12" dur="1" fill="hold">
+                                          <p:stCondLst>
+                                            <p:cond delay="0"/>
+                                          </p:stCondLst>
+                                        </p:cTn>
+                                        <p:tgtEl>
+                                          <p:spTgt spid="3">
+                                            <p:txEl>
+                                              <p:pRg st="2" end="2"/>
+                                            </p:txEl>
+                                          </p:spTgt>
+                                        </p:tgtEl>
+                                        <p:attrNameLst>
+                                          <p:attrName>style.visibility</p:attrName>
+                                        </p:attrNameLst>
+                                      </p:cBhvr>
+                                      <p:to>
+                                        <p:strVal val="visible"/>
+                                      </p:to>
+                                    </p:set>
+                                    <p:anim calcmode="lin" valueType="num">
+                                      <p:cBhvr additive="base">
+                                        <p:cTn id="13" dur="500" fill="hold"/>
+                                        <p:tgtEl>
+                                          <p:spTgt spid="3">
+                                            <p:txEl>
+                                              <p:pRg st="2" end="2"/>
+                                            </p:txEl>
+                                          </p:spTgt>
+                                        </p:tgtEl>
+                                        <p:attrNameLst>
+                                          <p:attrName>ppt_x</p:attrName>
+                                        </p:attrNameLst>
+                                      </p:cBhvr>
+                                      <p:tavLst>
+                                        <p:tav tm="0">
+                                          <p:val>
+                                            <p:strVal val="#ppt_x"/>
+                                          </p:val>
+                                        </p:tav>
+                                        <p:tav tm="100000">
+                                          <p:val>
+                                            <p:strVal val="#ppt_x"/>
+                                          </p:val>
+                                        </p:tav>
+                                      </p:tavLst>
+                                    </p:anim>
+                                    <p:anim calcmode="lin" valueType="num">
+                                      <p:cBhvr additive="base">
+                                        <p:cTn id="14" dur="500" fill="hold"/>
+                                        <p:tgtEl>
+                                          <p:spTgt spid="3">
+                                            <p:txEl>
+                                              <p:pRg st="2" end="2"/>
+                                            </p:txEl>
+                                          </p:spTgt>
+                                        </p:tgtEl>
+                                        <p:attrNameLst>
+                                          <p:attrName>ppt_y</p:attrName>
+                                        </p:attrNameLst>
+                                      </p:cBhvr>
+                                      <p:tavLst>
+                                        <p:tav tm="0">
+                                          <p:val>
+                                            <p:strVal val="1+#ppt_h/2"/>
+                                          </p:val>
+                                        </p:tav>
+                                        <p:tav tm="100000">
+                                          <p:val>
+                                            <p:strVal val="#ppt_y"/>
+                                          </p:val>
+                                        </p:tav>
+                                      </p:tavLst>
+                                    </p:anim>
+                                  </p:childTnLst>
+                                </p:cTn>
+                              </p:par>
+                            </p:childTnLst>
+                          </p:cTn>
+                        </p:par>
+                      </p:childTnLst>
+                    </p:cTn>
+                  </p:par>
+                  <p:par>
+                    <p:cTn id="15" fill="hold">
+                      <p:stCondLst>
+                        <p:cond delay="indefinite"/>
+                      </p:stCondLst>
+                      <p:childTnLst>
+                        <p:par>
+                          <p:cTn id="16" fill="hold">
+                            <p:stCondLst>
+                              <p:cond delay="0"/>
+                            </p:stCondLst>
+                            <p:childTnLst>
+                              <p:par>
+                                <p:cTn id="17" presetID="2" presetClass="entr" presetSubtype="4" fill="hold" nodeType="clickEffect">
+                                  <p:stCondLst>
+                                    <p:cond delay="0"/>
+                                  </p:stCondLst>
+                                  <p:childTnLst>
+                                    <p:set>
+                                      <p:cBhvr>
+                                        <p:cTn id="18" dur="1" fill="hold">
+                                          <p:stCondLst>
+                                            <p:cond delay="0"/>
+                                          </p:stCondLst>
+                                        </p:cTn>
+                                        <p:tgtEl>
+                                          <p:spTgt spid="3">
+                                            <p:txEl>
+                                              <p:pRg st="3" end="3"/>
+                                            </p:txEl>
+                                          </p:spTgt>
+                                        </p:tgtEl>
+                                        <p:attrNameLst>
+                                          <p:attrName>style.visibility</p:attrName>
+                                        </p:attrNameLst>
+                                      </p:cBhvr>
+                                      <p:to>
+                                        <p:strVal val="visible"/>
+                                      </p:to>
+                                    </p:set>
+                                    <p:anim calcmode="lin" valueType="num">
+                                      <p:cBhvr additive="base">
+                                        <p:cTn id="19" dur="500" fill="hold"/>
+                                        <p:tgtEl>
+                                          <p:spTgt spid="3">
+                                            <p:txEl>
+                                              <p:pRg st="3" end="3"/>
+                                            </p:txEl>
+                                          </p:spTgt>
+                                        </p:tgtEl>
+                                        <p:attrNameLst>
+                                          <p:attrName>ppt_x</p:attrName>
+                                        </p:attrNameLst>
+                                      </p:cBhvr>
+                                      <p:tavLst>
+                                        <p:tav tm="0">
+                                          <p:val>
+                                            <p:strVal val="#ppt_x"/>
+                                          </p:val>
+                                        </p:tav>
+                                        <p:tav tm="100000">
+                                          <p:val>
+                                            <p:strVal val="#ppt_x"/>
+                                          </p:val>
+                                        </p:tav>
+                                      </p:tavLst>
+                                    </p:anim>
+                                    <p:anim calcmode="lin" valueType="num">
+                                      <p:cBhvr additive="base">
+                                        <p:cTn id="20" dur="500" fill="hold"/>
+                                        <p:tgtEl>
+                                          <p:spTgt spid="3">
+                                            <p:txEl>
+                                              <p:pRg st="3" end="3"/>
+                                            </p:txEl>
+                                          </p:spTgt>
+                                        </p:tgtEl>
+                                        <p:attrNameLst>
+                                          <p:attrName>ppt_y</p:attrName>
+                                        </p:attrNameLst>
+                                      </p:cBhvr>
+                                      <p:tavLst>
+                                        <p:tav tm="0">
+                                          <p:val>
+                                            <p:strVal val="1+#ppt_h/2"/>
+                                          </p:val>
+                                        </p:tav>
+                                        <p:tav tm="100000">
+                                          <p:val>
+                                            <p:strVal val="#ppt_y"/>
+                                          </p:val>
+                                        </p:tav>
+                                      </p:tavLst>
+                                    </p:anim>
+                                  </p:childTnLst>
+                                </p:cTn>
+                              </p:par>
+                            </p:childTnLst>
+                          </p:cTn>
+                        </p:par>
+                      </p:childTnLst>
+                    </p:cTn>
+                  </p:par>
+                  <p:par>
+                    <p:cTn id="21" fill="hold">
+                      <p:stCondLst>
+                        <p:cond delay="indefinite"/>
+                      </p:stCondLst>
+                      <p:childTnLst>
+                        <p:par>
+                          <p:cTn id="22" fill="hold">
+                            <p:stCondLst>
+                              <p:cond delay="0"/>
+                            </p:stCondLst>
+                            <p:childTnLst>
+                              <p:par>
+                                <p:cTn id="23" presetID="2" presetClass="entr" presetSubtype="4" fill="hold" nodeType="clickEffect">
+                                  <p:stCondLst>
+                                    <p:cond delay="0"/>
+                                  </p:stCondLst>
+                                  <p:childTnLst>
+                                    <p:set>
+                                      <p:cBhvr>
+                                        <p:cTn id="24" dur="1" fill="hold">
+                                          <p:stCondLst>
+                                            <p:cond delay="0"/>
+                                          </p:stCondLst>
+                                        </p:cTn>
+                                        <p:tgtEl>
+                                          <p:spTgt spid="3">
+                                            <p:txEl>
+                                              <p:pRg st="4" end="4"/>
+                                            </p:txEl>
+                                          </p:spTgt>
+                                        </p:tgtEl>
+                                        <p:attrNameLst>
+                                          <p:attrName>style.visibility</p:attrName>
+                                        </p:attrNameLst>
+                                      </p:cBhvr>
+                                      <p:to>
+                                        <p:strVal val="visible"/>
+                                      </p:to>
+                                    </p:set>
+                                    <p:anim calcmode="lin" valueType="num">
+                                      <p:cBhvr additive="base">
+                                        <p:cTn id="25" dur="500" fill="hold"/>
+                                        <p:tgtEl>
+                                          <p:spTgt spid="3">
+                                            <p:txEl>
+                                              <p:pRg st="4" end="4"/>
+                                            </p:txEl>
+                                          </p:spTgt>
+                                        </p:tgtEl>
+                                        <p:attrNameLst>
+                                          <p:attrName>ppt_x</p:attrName>
+                                        </p:attrNameLst>
+                                      </p:cBhvr>
+                                      <p:tavLst>
+                                        <p:tav tm="0">
+                                          <p:val>
+                                            <p:strVal val="#ppt_x"/>
+                                          </p:val>
+                                        </p:tav>
+                                        <p:tav tm="100000">
+                                          <p:val>
+                                            <p:strVal val="#ppt_x"/>
+                                          </p:val>
+                                        </p:tav>
+                                      </p:tavLst>
+                                    </p:anim>
+                                    <p:anim calcmode="lin" valueType="num">
+                                      <p:cBhvr additive="base">
+                                        <p:cTn id="26" dur="500" fill="hold"/>
+                                        <p:tgtEl>
+                                          <p:spTgt spid="3">
+                                            <p:txEl>
+                                              <p:pRg st="4" end="4"/>
+                                            </p:txEl>
+                                          </p:spTgt>
+                                        </p:tgtEl>
+                                        <p:attrNameLst>
+                                          <p:attrName>ppt_y</p:attrName>
+                                        </p:attrNameLst>
+                                      </p:cBhvr>
+                                      <p:tavLst>
+                                        <p:tav tm="0">
+                                          <p:val>
+                                            <p:strVal val="1+#ppt_h/2"/>
+                                          </p:val>
+                                        </p:tav>
+                                        <p:tav tm="100000">
+                                          <p:val>
+                                            <p:strVal val="#ppt_y"/>
+                                          </p:val>
+                                        </p:tav>
+                                      </p:tavLst>
+                                    </p:anim>
+                                  </p:childTnLst>
+                                </p:cTn>
+                              </p:par>
+                            </p:childTnLst>
+                          </p:cTn>
+                        </p:par>
+                      </p:childTnLst>
+                    </p:cTn>
+                  </p:par>
+                  <p:par>
+                    <p:cTn id="27" fill="hold">
+                      <p:stCondLst>
+                        <p:cond delay="indefinite"/>
+                      </p:stCondLst>
+                      <p:childTnLst>
+                        <p:par>
+                          <p:cTn id="28" fill="hold">
+                            <p:stCondLst>
+                              <p:cond delay="0"/>
+                            </p:stCondLst>
+                            <p:childTnLst>
+                              <p:par>
+                                <p:cTn id="29" presetID="2" presetClass="entr" presetSubtype="4" fill="hold" nodeType="clickEffect">
+                                  <p:stCondLst>
+                                    <p:cond delay="0"/>
+                                  </p:stCondLst>
+                                  <p:childTnLst>
+                                    <p:set>
+                                      <p:cBhvr>
+                                        <p:cTn id="30" dur="1" fill="hold">
+                                          <p:stCondLst>
+                                            <p:cond delay="0"/>
+                                          </p:stCondLst>
+                                        </p:cTn>
+                                        <p:tgtEl>
+                                          <p:spTgt spid="3">
+                                            <p:txEl>
+                                              <p:pRg st="5" end="5"/>
+                                            </p:txEl>
+                                          </p:spTgt>
+                                        </p:tgtEl>
+                                        <p:attrNameLst>
+                                          <p:attrName>style.visibility</p:attrName>
+                                        </p:attrNameLst>
+                                      </p:cBhvr>
+                                      <p:to>
+                                        <p:strVal val="visible"/>
+                                      </p:to>
+                                    </p:set>
+                                    <p:anim calcmode="lin" valueType="num">
+                                      <p:cBhvr additive="base">
+                                        <p:cTn id="31" dur="500" fill="hold"/>
+                                        <p:tgtEl>
+                                          <p:spTgt spid="3">
+                                            <p:txEl>
+                                              <p:pRg st="5" end="5"/>
+                                            </p:txEl>
+                                          </p:spTgt>
+                                        </p:tgtEl>
+                                        <p:attrNameLst>
+                                          <p:attrName>ppt_x</p:attrName>
+                                        </p:attrNameLst>
+                                      </p:cBhvr>
+                                      <p:tavLst>
+                                        <p:tav tm="0">
+                                          <p:val>
+                                            <p:strVal val="#ppt_x"/>
+                                          </p:val>
+                                        </p:tav>
+                                        <p:tav tm="100000">
+                                          <p:val>
+                                            <p:strVal val="#ppt_x"/>
+                                          </p:val>
+                                        </p:tav>
+                                      </p:tavLst>
+                                    </p:anim>
+                                    <p:anim calcmode="lin" valueType="num">
+                                      <p:cBhvr additive="base">
+                                        <p:cTn id="32" dur="500" fill="hold"/>
+                                        <p:tgtEl>
+                                          <p:spTgt spid="3">
+                                            <p:txEl>
+                                              <p:pRg st="5" end="5"/>
+                                            </p:txEl>
+                                          </p:spTgt>
+                                        </p:tgtEl>
+                                        <p:attrNameLst>
+                                          <p:attrName>ppt_y</p:attrName>
+                                        </p:attrNameLst>
+                                      </p:cBhvr>
+                                      <p:tavLst>
+                                        <p:tav tm="0">
+                                          <p:val>
+                                            <p:strVal val="1+#ppt_h/2"/>
+                                          </p:val>
+                                        </p:tav>
+                                        <p:tav tm="100000">
+                                          <p:val>
+                                            <p:strVal val="#ppt_y"/>
+                                          </p:val>
+                                        </p:tav>
+                                      </p:tavLst>
+                                    </p:anim>
+                                  </p:childTnLst>
+                                </p:cTn>
+                              </p:par>
+                            </p:childTnLst>
+                          </p:cTn>
+                        </p:par>
+                      </p:childTnLst>
+                    </p:cTn>
+                  </p:par>
+                </p:childTnLst>
+              </p:cTn>
+              <p:prevCondLst>
+                <p:cond evt="onPrev" delay="0">
+                  <p:tgtEl>
+                    <p:sldTgt/>
+                  </p:tgtEl>
+                </p:cond>
+              </p:prevCondLst>
+              <p:nextCondLst>
+                <p:cond evt="onNext" delay="0">
+                  <p:tgtEl>
+                    <p:sldTgt/>
+                  </p:tgtEl>
+                </p:cond>
+              </p:nextCondLst>
+            </p:seq>
+          </p:childTnLst>
+        </p:cTn>
+      </p:par>
+    </p:tnLst>
+  </p:timing>
 </p:sld>
 </file>
 
@@ -34118,6 +35494,49 @@
 </a:themeOverride>
 </file>
 
+<file path=ppt/theme/themeOverride17.xml><?xml version="1.0" encoding="utf-8"?>
+<a:themeOverride xmlns:a="http://schemas.openxmlformats.org/drawingml/2006/main">
+  <a:clrScheme name="Facet">
+    <a:dk1>
+      <a:sysClr val="windowText" lastClr="000000"/>
+    </a:dk1>
+    <a:lt1>
+      <a:sysClr val="window" lastClr="FFFFFF"/>
+    </a:lt1>
+    <a:dk2>
+      <a:srgbClr val="2C3C43"/>
+    </a:dk2>
+    <a:lt2>
+      <a:srgbClr val="EBEBEB"/>
+    </a:lt2>
+    <a:accent1>
+      <a:srgbClr val="5FCBEF"/>
+    </a:accent1>
+    <a:accent2>
+      <a:srgbClr val="2E83C3"/>
+    </a:accent2>
+    <a:accent3>
+      <a:srgbClr val="42D0A2"/>
+    </a:accent3>
+    <a:accent4>
+      <a:srgbClr val="2E946B"/>
+    </a:accent4>
+    <a:accent5>
+      <a:srgbClr val="42B051"/>
+    </a:accent5>
+    <a:accent6>
+      <a:srgbClr val="96D141"/>
+    </a:accent6>
+    <a:hlink>
+      <a:srgbClr val="3FCDE7"/>
+    </a:hlink>
+    <a:folHlink>
+      <a:srgbClr val="A9D3E1"/>
+    </a:folHlink>
+  </a:clrScheme>
+</a:themeOverride>
+</file>
+
 <file path=ppt/theme/themeOverride2.xml><?xml version="1.0" encoding="utf-8"?>
 <a:themeOverride xmlns:a="http://schemas.openxmlformats.org/drawingml/2006/main">
   <a:clrScheme name="Facet">

--- a/topic01-introduction-to-ICT/unit-1/talk-1/a-intro.pptx
+++ b/topic01-introduction-to-ICT/unit-1/talk-1/a-intro.pptx
@@ -11,21 +11,21 @@
     <p:sldId id="276" r:id="rId5"/>
     <p:sldId id="277" r:id="rId6"/>
     <p:sldId id="279" r:id="rId7"/>
-    <p:sldId id="302" r:id="rId8"/>
-    <p:sldId id="307" r:id="rId9"/>
-    <p:sldId id="303" r:id="rId10"/>
-    <p:sldId id="311" r:id="rId11"/>
-    <p:sldId id="300" r:id="rId12"/>
-    <p:sldId id="299" r:id="rId13"/>
-    <p:sldId id="308" r:id="rId14"/>
-    <p:sldId id="309" r:id="rId15"/>
-    <p:sldId id="310" r:id="rId16"/>
-    <p:sldId id="267" r:id="rId17"/>
-    <p:sldId id="273" r:id="rId18"/>
-    <p:sldId id="269" r:id="rId19"/>
-    <p:sldId id="270" r:id="rId20"/>
-    <p:sldId id="271" r:id="rId21"/>
-    <p:sldId id="280" r:id="rId22"/>
+    <p:sldId id="303" r:id="rId8"/>
+    <p:sldId id="311" r:id="rId9"/>
+    <p:sldId id="312" r:id="rId10"/>
+    <p:sldId id="302" r:id="rId11"/>
+    <p:sldId id="307" r:id="rId12"/>
+    <p:sldId id="300" r:id="rId13"/>
+    <p:sldId id="299" r:id="rId14"/>
+    <p:sldId id="308" r:id="rId15"/>
+    <p:sldId id="309" r:id="rId16"/>
+    <p:sldId id="310" r:id="rId17"/>
+    <p:sldId id="267" r:id="rId18"/>
+    <p:sldId id="273" r:id="rId19"/>
+    <p:sldId id="269" r:id="rId20"/>
+    <p:sldId id="270" r:id="rId21"/>
+    <p:sldId id="271" r:id="rId22"/>
   </p:sldIdLst>
   <p:sldSz cx="12192000" cy="6858000"/>
   <p:notesSz cx="6858000" cy="9144000"/>
@@ -3790,7 +3790,7 @@
         <a:lstStyle/>
         <a:p>
           <a:r>
-            <a:rPr lang="en-US"/>
+            <a:rPr lang="en-US" dirty="0"/>
             <a:t>Week 12: PowerPoint Group Presentations</a:t>
           </a:r>
         </a:p>
@@ -6478,7 +6478,7 @@
             <a:buNone/>
           </a:pPr>
           <a:r>
-            <a:rPr lang="en-US" sz="1700" kern="1200"/>
+            <a:rPr lang="en-US" sz="1700" kern="1200" dirty="0"/>
             <a:t>Week 12: PowerPoint Group Presentations</a:t>
           </a:r>
         </a:p>
@@ -20698,13 +20698,7 @@
     </p:bg>
     <p:spTree>
       <p:nvGrpSpPr>
-        <p:cNvPr id="1" name="">
-          <a:extLst>
-            <a:ext uri="{FF2B5EF4-FFF2-40B4-BE49-F238E27FC236}">
-              <a16:creationId xmlns:a16="http://schemas.microsoft.com/office/drawing/2014/main" id="{1246CF0E-C07C-4A1D-B85D-DC179B460DAD}"/>
-            </a:ext>
-          </a:extLst>
-        </p:cNvPr>
+        <p:cNvPr id="1" name=""/>
         <p:cNvGrpSpPr/>
         <p:nvPr/>
       </p:nvGrpSpPr>
@@ -20718,10 +20712,49 @@
       </p:grpSpPr>
       <p:sp>
         <p:nvSpPr>
+          <p:cNvPr id="2" name="Title 1">
+            <a:extLst>
+              <a:ext uri="{FF2B5EF4-FFF2-40B4-BE49-F238E27FC236}">
+                <a16:creationId xmlns:a16="http://schemas.microsoft.com/office/drawing/2014/main" id="{606FA29C-9B3E-30CC-7120-7E5696AFDBBC}"/>
+              </a:ext>
+            </a:extLst>
+          </p:cNvPr>
+          <p:cNvSpPr>
+            <a:spLocks noGrp="1"/>
+          </p:cNvSpPr>
+          <p:nvPr>
+            <p:ph type="title"/>
+          </p:nvPr>
+        </p:nvSpPr>
+        <p:spPr>
+          <a:xfrm>
+            <a:off x="4526" y="232820"/>
+            <a:ext cx="7866411" cy="1190912"/>
+          </a:xfrm>
+        </p:spPr>
+        <p:txBody>
+          <a:bodyPr>
+            <a:normAutofit/>
+          </a:bodyPr>
+          <a:lstStyle/>
+          <a:p>
+            <a:r>
+              <a:rPr lang="en-US" dirty="0">
+                <a:solidFill>
+                  <a:schemeClr val="tx2"/>
+                </a:solidFill>
+              </a:rPr>
+              <a:t>Student Credentials</a:t>
+            </a:r>
+          </a:p>
+        </p:txBody>
+      </p:sp>
+      <p:sp>
+        <p:nvSpPr>
           <p:cNvPr id="3" name="Content Placeholder 2">
             <a:extLst>
               <a:ext uri="{FF2B5EF4-FFF2-40B4-BE49-F238E27FC236}">
-                <a16:creationId xmlns:a16="http://schemas.microsoft.com/office/drawing/2014/main" id="{93E8F3D3-4627-663A-D350-1AB6F75C4D50}"/>
+                <a16:creationId xmlns:a16="http://schemas.microsoft.com/office/drawing/2014/main" id="{F98B1424-BFC2-C027-59A1-119B24673513}"/>
               </a:ext>
             </a:extLst>
           </p:cNvPr>
@@ -20734,13 +20767,13 @@
         </p:nvSpPr>
         <p:spPr>
           <a:xfrm>
-            <a:off x="2076058" y="2557458"/>
-            <a:ext cx="6808763" cy="5641145"/>
+            <a:off x="4549496" y="0"/>
+            <a:ext cx="7174920" cy="6477162"/>
           </a:xfrm>
         </p:spPr>
         <p:txBody>
           <a:bodyPr>
-            <a:noAutofit/>
+            <a:normAutofit fontScale="92500" lnSpcReduction="10000"/>
           </a:bodyPr>
           <a:lstStyle/>
           <a:p>
@@ -20749,71 +20782,17 @@
                 <a:spcPct val="110000"/>
               </a:lnSpc>
               <a:buClr>
-                <a:srgbClr val="CEA470"/>
+                <a:srgbClr val="F7FA5A"/>
               </a:buClr>
+              <a:buFont typeface="Wingdings" pitchFamily="2" charset="2"/>
+              <a:buChar char="Ø"/>
             </a:pPr>
             <a:r>
               <a:rPr lang="en-IE" sz="2000" dirty="0"/>
-              <a:t>We will use a static website (called tutors) to curate the resources : </a:t>
-            </a:r>
-          </a:p>
-          <a:p>
-            <a:pPr lvl="1">
-              <a:lnSpc>
-                <a:spcPct val="110000"/>
-              </a:lnSpc>
-              <a:buClr>
-                <a:srgbClr val="CEA470"/>
-              </a:buClr>
-            </a:pPr>
-            <a:r>
-              <a:rPr lang="en-IE" sz="1800" dirty="0"/>
-              <a:t>Lectures</a:t>
-            </a:r>
-          </a:p>
-          <a:p>
-            <a:pPr lvl="1">
-              <a:lnSpc>
-                <a:spcPct val="110000"/>
-              </a:lnSpc>
-              <a:buClr>
-                <a:srgbClr val="CEA470"/>
-              </a:buClr>
-            </a:pPr>
-            <a:r>
-              <a:rPr lang="en-IE" sz="1800" dirty="0"/>
-              <a:t>Exercises</a:t>
-            </a:r>
-          </a:p>
-          <a:p>
-            <a:pPr lvl="1">
-              <a:lnSpc>
-                <a:spcPct val="110000"/>
-              </a:lnSpc>
-              <a:buClr>
-                <a:srgbClr val="CEA470"/>
-              </a:buClr>
-            </a:pPr>
-            <a:r>
-              <a:rPr lang="en-IE" sz="1800" dirty="0"/>
-              <a:t>Videos</a:t>
-            </a:r>
-          </a:p>
-          <a:p>
-            <a:pPr>
-              <a:lnSpc>
-                <a:spcPct val="110000"/>
-              </a:lnSpc>
-              <a:buClr>
-                <a:srgbClr val="CEA470"/>
-              </a:buClr>
-            </a:pPr>
-            <a:r>
-              <a:rPr lang="en-US" sz="2000" dirty="0"/>
-              <a:t>You can access Moodle by opening a web browser and typing in the following address: </a:t>
+              <a:t>Use </a:t>
             </a:r>
             <a:r>
-              <a:rPr lang="en-US" sz="2000" u="sng" dirty="0">
+              <a:rPr lang="en-IE" sz="2000" u="sng" dirty="0">
                 <a:solidFill>
                   <a:srgbClr val="FF0000"/>
                 </a:solidFill>
@@ -20825,27 +20804,177 @@
                   </a:extLst>
                 </a:hlinkClick>
               </a:rPr>
-              <a:t>moodle.setu.ie</a:t>
+              <a:t>StudentNumber@setu.ie</a:t>
             </a:r>
-            <a:endParaRPr lang="en-IE" sz="2000" dirty="0">
-              <a:solidFill>
-                <a:srgbClr val="FF0000"/>
-              </a:solidFill>
-            </a:endParaRPr>
+            <a:r>
+              <a:rPr lang="en-IE" sz="2000" dirty="0">
+                <a:solidFill>
+                  <a:srgbClr val="FF0000"/>
+                </a:solidFill>
+              </a:rPr>
+              <a:t> </a:t>
+            </a:r>
+            <a:r>
+              <a:rPr lang="en-IE" sz="2000" dirty="0"/>
+              <a:t>to access the following:</a:t>
+            </a:r>
           </a:p>
           <a:p>
-            <a:pPr>
+            <a:pPr marL="0" indent="0">
               <a:lnSpc>
                 <a:spcPct val="110000"/>
               </a:lnSpc>
               <a:buClr>
-                <a:srgbClr val="CEA470"/>
+                <a:srgbClr val="F7FA5A"/>
+              </a:buClr>
+              <a:buNone/>
+            </a:pPr>
+            <a:endParaRPr lang="en-IE" sz="2000" dirty="0"/>
+          </a:p>
+          <a:p>
+            <a:pPr lvl="1">
+              <a:lnSpc>
+                <a:spcPct val="110000"/>
+              </a:lnSpc>
+              <a:buClr>
+                <a:srgbClr val="F7FA5A"/>
               </a:buClr>
             </a:pPr>
             <a:r>
-              <a:rPr lang="en-US" sz="2000" dirty="0"/>
-              <a:t>Log in using the same details that you used for your university login.</a:t>
+              <a:rPr lang="en-IE" sz="2000" dirty="0"/>
+              <a:t>University Computers</a:t>
             </a:r>
+          </a:p>
+          <a:p>
+            <a:pPr lvl="1">
+              <a:lnSpc>
+                <a:spcPct val="110000"/>
+              </a:lnSpc>
+              <a:buClr>
+                <a:srgbClr val="F7FA5A"/>
+              </a:buClr>
+            </a:pPr>
+            <a:r>
+              <a:rPr lang="en-IE" sz="2000" dirty="0"/>
+              <a:t>Moodle</a:t>
+            </a:r>
+          </a:p>
+          <a:p>
+            <a:pPr lvl="1">
+              <a:lnSpc>
+                <a:spcPct val="110000"/>
+              </a:lnSpc>
+              <a:buClr>
+                <a:srgbClr val="F7FA5A"/>
+              </a:buClr>
+            </a:pPr>
+            <a:r>
+              <a:rPr lang="en-IE" sz="2000" dirty="0"/>
+              <a:t>Student email</a:t>
+            </a:r>
+          </a:p>
+          <a:p>
+            <a:pPr lvl="1">
+              <a:lnSpc>
+                <a:spcPct val="110000"/>
+              </a:lnSpc>
+              <a:buClr>
+                <a:srgbClr val="F7FA5A"/>
+              </a:buClr>
+            </a:pPr>
+            <a:r>
+              <a:rPr lang="en-IE" sz="2000" dirty="0"/>
+              <a:t>Student Registration &amp; Fees</a:t>
+            </a:r>
+          </a:p>
+          <a:p>
+            <a:pPr lvl="1">
+              <a:lnSpc>
+                <a:spcPct val="110000"/>
+              </a:lnSpc>
+              <a:buClr>
+                <a:srgbClr val="F7FA5A"/>
+              </a:buClr>
+            </a:pPr>
+            <a:r>
+              <a:rPr lang="en-IE" sz="2000" dirty="0"/>
+              <a:t>Library Systems</a:t>
+            </a:r>
+          </a:p>
+          <a:p>
+            <a:pPr lvl="1">
+              <a:lnSpc>
+                <a:spcPct val="110000"/>
+              </a:lnSpc>
+              <a:buClr>
+                <a:srgbClr val="F7FA5A"/>
+              </a:buClr>
+            </a:pPr>
+            <a:r>
+              <a:rPr lang="en-IE" sz="2000" dirty="0" err="1"/>
+              <a:t>Eduroam</a:t>
+            </a:r>
+            <a:r>
+              <a:rPr lang="en-IE" sz="2000" dirty="0"/>
+              <a:t> </a:t>
+            </a:r>
+            <a:r>
+              <a:rPr lang="en-IE" sz="2000" dirty="0" err="1"/>
+              <a:t>Wifi</a:t>
+            </a:r>
+            <a:endParaRPr lang="en-IE" sz="2000" dirty="0"/>
+          </a:p>
+          <a:p>
+            <a:pPr lvl="1">
+              <a:lnSpc>
+                <a:spcPct val="110000"/>
+              </a:lnSpc>
+              <a:buClr>
+                <a:srgbClr val="F7FA5A"/>
+              </a:buClr>
+            </a:pPr>
+            <a:r>
+              <a:rPr lang="en-IE" sz="2000" dirty="0"/>
+              <a:t>MS Outlook</a:t>
+            </a:r>
+          </a:p>
+          <a:p>
+            <a:pPr lvl="1">
+              <a:lnSpc>
+                <a:spcPct val="110000"/>
+              </a:lnSpc>
+              <a:buClr>
+                <a:srgbClr val="F7FA5A"/>
+              </a:buClr>
+            </a:pPr>
+            <a:r>
+              <a:rPr lang="en-IE" sz="2000" dirty="0"/>
+              <a:t>MS Teams</a:t>
+            </a:r>
+          </a:p>
+          <a:p>
+            <a:pPr lvl="1">
+              <a:lnSpc>
+                <a:spcPct val="110000"/>
+              </a:lnSpc>
+              <a:buClr>
+                <a:srgbClr val="F7FA5A"/>
+              </a:buClr>
+            </a:pPr>
+            <a:r>
+              <a:rPr lang="en-IE" sz="2000" dirty="0"/>
+              <a:t>OneDrive</a:t>
+            </a:r>
+          </a:p>
+          <a:p>
+            <a:pPr lvl="1">
+              <a:lnSpc>
+                <a:spcPct val="110000"/>
+              </a:lnSpc>
+              <a:buClr>
+                <a:srgbClr val="F7FA5A"/>
+              </a:buClr>
+            </a:pPr>
             <a:endParaRPr lang="en-IE" sz="2000" dirty="0"/>
           </a:p>
           <a:p>
@@ -20854,27 +20983,46 @@
                 <a:spcPct val="110000"/>
               </a:lnSpc>
               <a:buClr>
-                <a:srgbClr val="CEA470"/>
+                <a:srgbClr val="F7FA5A"/>
               </a:buClr>
             </a:pPr>
             <a:r>
-              <a:rPr lang="en-US" sz="2000" dirty="0"/>
-              <a:t>Once you have logged in successfully you should see all the modules you are timetabled for.</a:t>
+              <a:rPr lang="en-IE" sz="2000" dirty="0"/>
+              <a:t>The SETU website has lots of help for access here:</a:t>
             </a:r>
-            <a:endParaRPr lang="en-IE" sz="2000" dirty="0"/>
           </a:p>
           <a:p>
-            <a:pPr>
+            <a:pPr marL="0" indent="0">
               <a:lnSpc>
                 <a:spcPct val="110000"/>
               </a:lnSpc>
               <a:buClr>
-                <a:srgbClr val="CEA470"/>
+                <a:srgbClr val="F7FA5A"/>
               </a:buClr>
+              <a:buNone/>
             </a:pPr>
             <a:r>
-              <a:rPr lang="en-US" sz="2000" dirty="0"/>
-              <a:t>Click on Introduction to ICT for Scientists to see the material required for this module.</a:t>
+              <a:rPr lang="en-IE" sz="2000" dirty="0">
+                <a:solidFill>
+                  <a:srgbClr val="FF0000"/>
+                </a:solidFill>
+                <a:hlinkClick r:id="rId4">
+                  <a:extLst>
+                    <a:ext uri="{A12FA001-AC4F-418D-AE19-62706E023703}">
+                      <ahyp:hlinkClr xmlns:ahyp="http://schemas.microsoft.com/office/drawing/2018/hyperlinkcolor" val="tx"/>
+                    </a:ext>
+                  </a:extLst>
+                </a:hlinkClick>
+              </a:rPr>
+              <a:t>https://www.setu.ie/current-students/study-supports/study-support-waterford</a:t>
+            </a:r>
+            <a:r>
+              <a:rPr lang="en-IE" sz="2000" dirty="0">
+                <a:solidFill>
+                  <a:srgbClr val="FF0000"/>
+                </a:solidFill>
+              </a:rPr>
+              <a:t> </a:t>
             </a:r>
           </a:p>
           <a:p>
@@ -20883,23 +21031,19 @@
                 <a:spcPct val="110000"/>
               </a:lnSpc>
               <a:buClr>
-                <a:srgbClr val="CEA470"/>
+                <a:srgbClr val="F7FA5A"/>
               </a:buClr>
             </a:pPr>
-            <a:r>
-              <a:rPr lang="en-US" sz="2000" dirty="0"/>
-              <a:t>We will use Moodle to connect to tutors and to act as a weekly list of work.</a:t>
-            </a:r>
-            <a:endParaRPr lang="en-IE" sz="2000" dirty="0"/>
+            <a:endParaRPr lang="en-US" sz="1300" dirty="0"/>
           </a:p>
         </p:txBody>
       </p:sp>
       <p:pic>
         <p:nvPicPr>
-          <p:cNvPr id="2" name="Picture 1">
+          <p:cNvPr id="5" name="Picture 4" descr="A screenshot of a cell phone&#10;&#10;AI-generated content may be incorrect.">
             <a:extLst>
               <a:ext uri="{FF2B5EF4-FFF2-40B4-BE49-F238E27FC236}">
-                <a16:creationId xmlns:a16="http://schemas.microsoft.com/office/drawing/2014/main" id="{F34A0BB2-87FF-2A7B-D412-430B3DA7AC8A}"/>
+                <a16:creationId xmlns:a16="http://schemas.microsoft.com/office/drawing/2014/main" id="{CC716E6A-3E82-13D8-B233-527ECFE7395B}"/>
               </a:ext>
             </a:extLst>
           </p:cNvPr>
@@ -20909,25 +21053,88 @@
           <p:nvPr/>
         </p:nvPicPr>
         <p:blipFill>
-          <a:blip r:embed="rId4"/>
+          <a:blip r:embed="rId5">
+            <a:extLst>
+              <a:ext uri="{28A0092B-C50C-407E-A947-70E740481C1C}">
+                <a14:useLocalDpi xmlns:a14="http://schemas.microsoft.com/office/drawing/2010/main" val="0"/>
+              </a:ext>
+            </a:extLst>
+          </a:blip>
           <a:stretch>
             <a:fillRect/>
           </a:stretch>
         </p:blipFill>
         <p:spPr>
           <a:xfrm>
-            <a:off x="2866003" y="163939"/>
-            <a:ext cx="4915100" cy="1525376"/>
+            <a:off x="467584" y="2364907"/>
+            <a:ext cx="3470148" cy="1648320"/>
           </a:xfrm>
           <a:prstGeom prst="rect">
             <a:avLst/>
           </a:prstGeom>
+          <a:ln w="12700">
+            <a:noFill/>
+          </a:ln>
         </p:spPr>
       </p:pic>
+      <p:sp>
+        <p:nvSpPr>
+          <p:cNvPr id="6" name="Left Arrow 5">
+            <a:extLst>
+              <a:ext uri="{FF2B5EF4-FFF2-40B4-BE49-F238E27FC236}">
+                <a16:creationId xmlns:a16="http://schemas.microsoft.com/office/drawing/2014/main" id="{6277C834-48A1-69EE-C71E-8D12345B72D3}"/>
+              </a:ext>
+            </a:extLst>
+          </p:cNvPr>
+          <p:cNvSpPr/>
+          <p:nvPr/>
+        </p:nvSpPr>
+        <p:spPr>
+          <a:xfrm rot="2393786">
+            <a:off x="2366414" y="4634161"/>
+            <a:ext cx="2030331" cy="259410"/>
+          </a:xfrm>
+          <a:prstGeom prst="leftArrow">
+            <a:avLst/>
+          </a:prstGeom>
+          <a:solidFill>
+            <a:srgbClr val="FF0000"/>
+          </a:solidFill>
+          <a:ln>
+            <a:solidFill>
+              <a:srgbClr val="FF0000"/>
+            </a:solidFill>
+          </a:ln>
+        </p:spPr>
+        <p:style>
+          <a:lnRef idx="2">
+            <a:schemeClr val="accent1">
+              <a:shade val="15000"/>
+            </a:schemeClr>
+          </a:lnRef>
+          <a:fillRef idx="1">
+            <a:schemeClr val="accent1"/>
+          </a:fillRef>
+          <a:effectRef idx="0">
+            <a:schemeClr val="accent1"/>
+          </a:effectRef>
+          <a:fontRef idx="minor">
+            <a:schemeClr val="lt1"/>
+          </a:fontRef>
+        </p:style>
+        <p:txBody>
+          <a:bodyPr rtlCol="0" anchor="ctr"/>
+          <a:lstStyle/>
+          <a:p>
+            <a:pPr algn="ctr"/>
+            <a:endParaRPr lang="en-US"/>
+          </a:p>
+        </p:txBody>
+      </p:sp>
     </p:spTree>
     <p:extLst>
       <p:ext uri="{BB962C8B-B14F-4D97-AF65-F5344CB8AC3E}">
-        <p14:creationId xmlns:p14="http://schemas.microsoft.com/office/powerpoint/2010/main" val="2428342550"/>
+        <p14:creationId xmlns:p14="http://schemas.microsoft.com/office/powerpoint/2010/main" val="4145612840"/>
       </p:ext>
     </p:extLst>
   </p:cSld>
@@ -20970,7 +21177,7 @@
                                         <p:tgtEl>
                                           <p:spTgt spid="3">
                                             <p:txEl>
-                                              <p:pRg st="4" end="4"/>
+                                              <p:pRg st="12" end="12"/>
                                             </p:txEl>
                                           </p:spTgt>
                                         </p:tgtEl>
@@ -20988,7 +21195,7 @@
                                         <p:tgtEl>
                                           <p:spTgt spid="3">
                                             <p:txEl>
-                                              <p:pRg st="4" end="4"/>
+                                              <p:pRg st="12" end="12"/>
                                             </p:txEl>
                                           </p:spTgt>
                                         </p:tgtEl>
@@ -21015,9 +21222,167 @@
                                         <p:tgtEl>
                                           <p:spTgt spid="3">
                                             <p:txEl>
-                                              <p:pRg st="4" end="4"/>
+                                              <p:pRg st="12" end="12"/>
                                             </p:txEl>
                                           </p:spTgt>
+                                        </p:tgtEl>
+                                        <p:attrNameLst>
+                                          <p:attrName>ppt_y</p:attrName>
+                                        </p:attrNameLst>
+                                      </p:cBhvr>
+                                      <p:tavLst>
+                                        <p:tav tm="0">
+                                          <p:val>
+                                            <p:strVal val="1+#ppt_h/2"/>
+                                          </p:val>
+                                        </p:tav>
+                                        <p:tav tm="100000">
+                                          <p:val>
+                                            <p:strVal val="#ppt_y"/>
+                                          </p:val>
+                                        </p:tav>
+                                      </p:tavLst>
+                                    </p:anim>
+                                  </p:childTnLst>
+                                </p:cTn>
+                              </p:par>
+                              <p:par>
+                                <p:cTn id="9" presetID="2" presetClass="entr" presetSubtype="4" fill="hold" nodeType="withEffect">
+                                  <p:stCondLst>
+                                    <p:cond delay="0"/>
+                                  </p:stCondLst>
+                                  <p:childTnLst>
+                                    <p:set>
+                                      <p:cBhvr>
+                                        <p:cTn id="10" dur="1" fill="hold">
+                                          <p:stCondLst>
+                                            <p:cond delay="0"/>
+                                          </p:stCondLst>
+                                        </p:cTn>
+                                        <p:tgtEl>
+                                          <p:spTgt spid="3">
+                                            <p:txEl>
+                                              <p:pRg st="13" end="13"/>
+                                            </p:txEl>
+                                          </p:spTgt>
+                                        </p:tgtEl>
+                                        <p:attrNameLst>
+                                          <p:attrName>style.visibility</p:attrName>
+                                        </p:attrNameLst>
+                                      </p:cBhvr>
+                                      <p:to>
+                                        <p:strVal val="visible"/>
+                                      </p:to>
+                                    </p:set>
+                                    <p:anim calcmode="lin" valueType="num">
+                                      <p:cBhvr additive="base">
+                                        <p:cTn id="11" dur="500" fill="hold"/>
+                                        <p:tgtEl>
+                                          <p:spTgt spid="3">
+                                            <p:txEl>
+                                              <p:pRg st="13" end="13"/>
+                                            </p:txEl>
+                                          </p:spTgt>
+                                        </p:tgtEl>
+                                        <p:attrNameLst>
+                                          <p:attrName>ppt_x</p:attrName>
+                                        </p:attrNameLst>
+                                      </p:cBhvr>
+                                      <p:tavLst>
+                                        <p:tav tm="0">
+                                          <p:val>
+                                            <p:strVal val="#ppt_x"/>
+                                          </p:val>
+                                        </p:tav>
+                                        <p:tav tm="100000">
+                                          <p:val>
+                                            <p:strVal val="#ppt_x"/>
+                                          </p:val>
+                                        </p:tav>
+                                      </p:tavLst>
+                                    </p:anim>
+                                    <p:anim calcmode="lin" valueType="num">
+                                      <p:cBhvr additive="base">
+                                        <p:cTn id="12" dur="500" fill="hold"/>
+                                        <p:tgtEl>
+                                          <p:spTgt spid="3">
+                                            <p:txEl>
+                                              <p:pRg st="13" end="13"/>
+                                            </p:txEl>
+                                          </p:spTgt>
+                                        </p:tgtEl>
+                                        <p:attrNameLst>
+                                          <p:attrName>ppt_y</p:attrName>
+                                        </p:attrNameLst>
+                                      </p:cBhvr>
+                                      <p:tavLst>
+                                        <p:tav tm="0">
+                                          <p:val>
+                                            <p:strVal val="1+#ppt_h/2"/>
+                                          </p:val>
+                                        </p:tav>
+                                        <p:tav tm="100000">
+                                          <p:val>
+                                            <p:strVal val="#ppt_y"/>
+                                          </p:val>
+                                        </p:tav>
+                                      </p:tavLst>
+                                    </p:anim>
+                                  </p:childTnLst>
+                                </p:cTn>
+                              </p:par>
+                              <p:par>
+                                <p:cTn id="13" presetID="2" presetClass="entr" presetSubtype="4" fill="hold" grpId="0" nodeType="withEffect">
+                                  <p:stCondLst>
+                                    <p:cond delay="0"/>
+                                  </p:stCondLst>
+                                  <p:childTnLst>
+                                    <p:set>
+                                      <p:cBhvr>
+                                        <p:cTn id="14" dur="1" fill="hold">
+                                          <p:stCondLst>
+                                            <p:cond delay="0"/>
+                                          </p:stCondLst>
+                                        </p:cTn>
+                                        <p:tgtEl>
+                                          <p:spTgt spid="6"/>
+                                        </p:tgtEl>
+                                        <p:attrNameLst>
+                                          <p:attrName>style.visibility</p:attrName>
+                                        </p:attrNameLst>
+                                      </p:cBhvr>
+                                      <p:to>
+                                        <p:strVal val="visible"/>
+                                      </p:to>
+                                    </p:set>
+                                    <p:anim calcmode="lin" valueType="num">
+                                      <p:cBhvr additive="base">
+                                        <p:cTn id="15" dur="500" fill="hold"/>
+                                        <p:tgtEl>
+                                          <p:spTgt spid="6"/>
+                                        </p:tgtEl>
+                                        <p:attrNameLst>
+                                          <p:attrName>ppt_x</p:attrName>
+                                        </p:attrNameLst>
+                                      </p:cBhvr>
+                                      <p:tavLst>
+                                        <p:tav tm="0">
+                                          <p:val>
+                                            <p:strVal val="#ppt_x"/>
+                                          </p:val>
+                                        </p:tav>
+                                        <p:tav tm="100000">
+                                          <p:val>
+                                            <p:strVal val="#ppt_x"/>
+                                          </p:val>
+                                        </p:tav>
+                                      </p:tavLst>
+                                    </p:anim>
+                                    <p:anim calcmode="lin" valueType="num">
+                                      <p:cBhvr additive="base">
+                                        <p:cTn id="16" dur="500" fill="hold"/>
+                                        <p:tgtEl>
+                                          <p:spTgt spid="6"/>
                                         </p:tgtEl>
                                         <p:attrNameLst>
                                           <p:attrName>ppt_y</p:attrName>
@@ -21045,27 +21410,351 @@
                       </p:childTnLst>
                     </p:cTn>
                   </p:par>
+                </p:childTnLst>
+              </p:cTn>
+              <p:prevCondLst>
+                <p:cond evt="onPrev" delay="0">
+                  <p:tgtEl>
+                    <p:sldTgt/>
+                  </p:tgtEl>
+                </p:cond>
+              </p:prevCondLst>
+              <p:nextCondLst>
+                <p:cond evt="onNext" delay="0">
+                  <p:tgtEl>
+                    <p:sldTgt/>
+                  </p:tgtEl>
+                </p:cond>
+              </p:nextCondLst>
+            </p:seq>
+          </p:childTnLst>
+        </p:cTn>
+      </p:par>
+    </p:tnLst>
+    <p:bldLst>
+      <p:bldP spid="6" grpId="0" animBg="1"/>
+    </p:bldLst>
+  </p:timing>
+</p:sld>
+</file>
+
+<file path=ppt/slides/slide11.xml><?xml version="1.0" encoding="utf-8"?>
+<p:sld xmlns:a="http://schemas.openxmlformats.org/drawingml/2006/main" xmlns:r="http://schemas.openxmlformats.org/officeDocument/2006/relationships" xmlns:p="http://schemas.openxmlformats.org/presentationml/2006/main">
+  <p:cSld>
+    <p:bg>
+      <p:bgPr>
+        <a:gradFill>
+          <a:gsLst>
+            <a:gs pos="0">
+              <a:schemeClr val="accent1">
+                <a:lumMod val="67000"/>
+              </a:schemeClr>
+            </a:gs>
+            <a:gs pos="48000">
+              <a:schemeClr val="accent1">
+                <a:lumMod val="97000"/>
+                <a:lumOff val="3000"/>
+              </a:schemeClr>
+            </a:gs>
+            <a:gs pos="100000">
+              <a:schemeClr val="accent1">
+                <a:lumMod val="60000"/>
+                <a:lumOff val="40000"/>
+              </a:schemeClr>
+            </a:gs>
+          </a:gsLst>
+          <a:lin ang="16200000" scaled="1"/>
+        </a:gradFill>
+        <a:effectLst/>
+      </p:bgPr>
+    </p:bg>
+    <p:spTree>
+      <p:nvGrpSpPr>
+        <p:cNvPr id="1" name=""/>
+        <p:cNvGrpSpPr/>
+        <p:nvPr/>
+      </p:nvGrpSpPr>
+      <p:grpSpPr>
+        <a:xfrm>
+          <a:off x="0" y="0"/>
+          <a:ext cx="0" cy="0"/>
+          <a:chOff x="0" y="0"/>
+          <a:chExt cx="0" cy="0"/>
+        </a:xfrm>
+      </p:grpSpPr>
+      <p:sp>
+        <p:nvSpPr>
+          <p:cNvPr id="2" name="Title 1">
+            <a:extLst>
+              <a:ext uri="{FF2B5EF4-FFF2-40B4-BE49-F238E27FC236}">
+                <a16:creationId xmlns:a16="http://schemas.microsoft.com/office/drawing/2014/main" id="{6CC74E65-FBB7-E685-9B44-54C599731FC0}"/>
+              </a:ext>
+            </a:extLst>
+          </p:cNvPr>
+          <p:cNvSpPr>
+            <a:spLocks noGrp="1"/>
+          </p:cNvSpPr>
+          <p:nvPr>
+            <p:ph type="title"/>
+          </p:nvPr>
+        </p:nvSpPr>
+        <p:spPr>
+          <a:xfrm>
+            <a:off x="3377474" y="201790"/>
+            <a:ext cx="4817120" cy="1190912"/>
+          </a:xfrm>
+        </p:spPr>
+        <p:txBody>
+          <a:bodyPr>
+            <a:normAutofit/>
+          </a:bodyPr>
+          <a:lstStyle/>
+          <a:p>
+            <a:r>
+              <a:rPr lang="en-US" dirty="0">
+                <a:solidFill>
+                  <a:schemeClr val="tx2"/>
+                </a:solidFill>
+              </a:rPr>
+              <a:t>University Computers</a:t>
+            </a:r>
+          </a:p>
+        </p:txBody>
+      </p:sp>
+      <p:sp>
+        <p:nvSpPr>
+          <p:cNvPr id="3" name="Content Placeholder 2">
+            <a:extLst>
+              <a:ext uri="{FF2B5EF4-FFF2-40B4-BE49-F238E27FC236}">
+                <a16:creationId xmlns:a16="http://schemas.microsoft.com/office/drawing/2014/main" id="{B20EF458-3282-820F-AD41-02FA00051C78}"/>
+              </a:ext>
+            </a:extLst>
+          </p:cNvPr>
+          <p:cNvSpPr>
+            <a:spLocks noGrp="1"/>
+          </p:cNvSpPr>
+          <p:nvPr>
+            <p:ph idx="1"/>
+          </p:nvPr>
+        </p:nvSpPr>
+        <p:spPr>
+          <a:xfrm>
+            <a:off x="4599418" y="1157771"/>
+            <a:ext cx="6541477" cy="5465297"/>
+          </a:xfrm>
+        </p:spPr>
+        <p:txBody>
+          <a:bodyPr>
+            <a:normAutofit/>
+          </a:bodyPr>
+          <a:lstStyle/>
+          <a:p>
+            <a:pPr lvl="0">
+              <a:lnSpc>
+                <a:spcPct val="110000"/>
+              </a:lnSpc>
+              <a:buClr>
+                <a:schemeClr val="bg1"/>
+              </a:buClr>
+              <a:defRPr b="1"/>
+            </a:pPr>
+            <a:r>
+              <a:rPr lang="en-US" sz="2400" dirty="0"/>
+              <a:t>Log in</a:t>
+            </a:r>
+          </a:p>
+          <a:p>
+            <a:pPr lvl="1">
+              <a:lnSpc>
+                <a:spcPct val="110000"/>
+              </a:lnSpc>
+              <a:buClr>
+                <a:schemeClr val="bg1"/>
+              </a:buClr>
+            </a:pPr>
+            <a:r>
+              <a:rPr lang="en-US" sz="2000" dirty="0"/>
+              <a:t>Log in to university computers</a:t>
+            </a:r>
+          </a:p>
+          <a:p>
+            <a:pPr lvl="2">
+              <a:lnSpc>
+                <a:spcPct val="110000"/>
+              </a:lnSpc>
+              <a:buClr>
+                <a:schemeClr val="bg1"/>
+              </a:buClr>
+            </a:pPr>
+            <a:r>
+              <a:rPr lang="en-US" sz="2000" dirty="0"/>
+              <a:t>Your username is your </a:t>
+            </a:r>
+            <a:r>
+              <a:rPr lang="en-US" sz="2000" dirty="0" err="1"/>
+              <a:t>StudentNumber@setu.ie</a:t>
+            </a:r>
+            <a:endParaRPr lang="en-US" sz="2000" dirty="0"/>
+          </a:p>
+          <a:p>
+            <a:pPr lvl="2">
+              <a:lnSpc>
+                <a:spcPct val="110000"/>
+              </a:lnSpc>
+              <a:buClr>
+                <a:schemeClr val="bg1"/>
+              </a:buClr>
+            </a:pPr>
+            <a:r>
+              <a:rPr lang="en-US" sz="2000" dirty="0"/>
+              <a:t>Your password is provided to with your registration information.</a:t>
+            </a:r>
+          </a:p>
+          <a:p>
+            <a:pPr lvl="0">
+              <a:lnSpc>
+                <a:spcPct val="110000"/>
+              </a:lnSpc>
+              <a:buClr>
+                <a:schemeClr val="bg1"/>
+              </a:buClr>
+              <a:defRPr b="1"/>
+            </a:pPr>
+            <a:r>
+              <a:rPr lang="en-US" sz="2400" dirty="0"/>
+              <a:t>Help</a:t>
+            </a:r>
+          </a:p>
+          <a:p>
+            <a:pPr lvl="1">
+              <a:lnSpc>
+                <a:spcPct val="110000"/>
+              </a:lnSpc>
+              <a:buClr>
+                <a:schemeClr val="bg1"/>
+              </a:buClr>
+            </a:pPr>
+            <a:r>
+              <a:rPr lang="en-US" sz="2000" dirty="0"/>
+              <a:t>If you have trouble logging in you can</a:t>
+            </a:r>
+          </a:p>
+          <a:p>
+            <a:pPr lvl="2">
+              <a:lnSpc>
+                <a:spcPct val="110000"/>
+              </a:lnSpc>
+              <a:buClr>
+                <a:schemeClr val="bg1"/>
+              </a:buClr>
+            </a:pPr>
+            <a:r>
+              <a:rPr lang="en-US" sz="2000" dirty="0"/>
+              <a:t>Call into Computer Services. Computer Services is located in the corner of the ground floor of the IT Building. </a:t>
+            </a:r>
+          </a:p>
+          <a:p>
+            <a:pPr lvl="2">
+              <a:lnSpc>
+                <a:spcPct val="110000"/>
+              </a:lnSpc>
+              <a:buClr>
+                <a:schemeClr val="bg1"/>
+              </a:buClr>
+            </a:pPr>
+            <a:r>
+              <a:rPr lang="en-US" sz="2000" dirty="0"/>
+              <a:t>You can email them </a:t>
+            </a:r>
+            <a:r>
+              <a:rPr lang="en-US" sz="2000" dirty="0" err="1"/>
+              <a:t>computerservices@setu.ie</a:t>
+            </a:r>
+            <a:endParaRPr lang="en-US" sz="2000" dirty="0"/>
+          </a:p>
+        </p:txBody>
+      </p:sp>
+      <p:pic>
+        <p:nvPicPr>
+          <p:cNvPr id="7" name="Graphic 6" descr="Computer">
+            <a:extLst>
+              <a:ext uri="{FF2B5EF4-FFF2-40B4-BE49-F238E27FC236}">
+                <a16:creationId xmlns:a16="http://schemas.microsoft.com/office/drawing/2014/main" id="{8B8D8BDA-CCAB-DA30-C9BC-0685DF13720C}"/>
+              </a:ext>
+            </a:extLst>
+          </p:cNvPr>
+          <p:cNvPicPr>
+            <a:picLocks noChangeAspect="1"/>
+          </p:cNvPicPr>
+          <p:nvPr/>
+        </p:nvPicPr>
+        <p:blipFill>
+          <a:blip r:embed="rId3">
+            <a:extLst>
+              <a:ext uri="{28A0092B-C50C-407E-A947-70E740481C1C}">
+                <a14:useLocalDpi xmlns:a14="http://schemas.microsoft.com/office/drawing/2010/main" val="0"/>
+              </a:ext>
+              <a:ext uri="{96DAC541-7B7A-43D3-8B79-37D633B846F1}">
+                <asvg:svgBlip xmlns:asvg="http://schemas.microsoft.com/office/drawing/2016/SVG/main" r:embed="rId4"/>
+              </a:ext>
+            </a:extLst>
+          </a:blip>
+          <a:stretch>
+            <a:fillRect/>
+          </a:stretch>
+        </p:blipFill>
+        <p:spPr>
+          <a:xfrm>
+            <a:off x="437425" y="2228851"/>
+            <a:ext cx="3346704" cy="3346704"/>
+          </a:xfrm>
+          <a:prstGeom prst="rect">
+            <a:avLst/>
+          </a:prstGeom>
+          <a:ln w="12700">
+            <a:noFill/>
+          </a:ln>
+        </p:spPr>
+      </p:pic>
+    </p:spTree>
+    <p:extLst>
+      <p:ext uri="{BB962C8B-B14F-4D97-AF65-F5344CB8AC3E}">
+        <p14:creationId xmlns:p14="http://schemas.microsoft.com/office/powerpoint/2010/main" val="1031518245"/>
+      </p:ext>
+    </p:extLst>
+  </p:cSld>
+  <p:clrMapOvr>
+    <a:overrideClrMapping bg1="lt1" tx1="dk1" bg2="lt2" tx2="dk2" accent1="accent1" accent2="accent2" accent3="accent3" accent4="accent4" accent5="accent5" accent6="accent6" hlink="hlink" folHlink="folHlink"/>
+  </p:clrMapOvr>
+  <p:timing>
+    <p:tnLst>
+      <p:par>
+        <p:cTn id="1" dur="indefinite" restart="never" nodeType="tmRoot">
+          <p:childTnLst>
+            <p:seq concurrent="1" nextAc="seek">
+              <p:cTn id="2" dur="indefinite" nodeType="mainSeq">
+                <p:childTnLst>
                   <p:par>
-                    <p:cTn id="9" fill="hold">
+                    <p:cTn id="3" fill="hold">
                       <p:stCondLst>
                         <p:cond delay="indefinite"/>
                       </p:stCondLst>
                       <p:childTnLst>
                         <p:par>
-                          <p:cTn id="10" fill="hold">
+                          <p:cTn id="4" fill="hold">
                             <p:stCondLst>
                               <p:cond delay="0"/>
                             </p:stCondLst>
                             <p:childTnLst>
                               <p:par>
-                                <p:cTn id="11" presetID="2" presetClass="entr" presetSubtype="4" fill="hold" nodeType="clickEffect">
+                                <p:cTn id="5" presetID="2" presetClass="entr" presetSubtype="4" fill="hold" nodeType="clickEffect">
                                   <p:stCondLst>
                                     <p:cond delay="0"/>
                                   </p:stCondLst>
                                   <p:childTnLst>
                                     <p:set>
                                       <p:cBhvr>
-                                        <p:cTn id="12" dur="1" fill="hold">
+                                        <p:cTn id="6" dur="1" fill="hold">
                                           <p:stCondLst>
                                             <p:cond delay="0"/>
                                           </p:stCondLst>
@@ -21073,7 +21762,7 @@
                                         <p:tgtEl>
                                           <p:spTgt spid="3">
                                             <p:txEl>
-                                              <p:pRg st="5" end="5"/>
+                                              <p:pRg st="0" end="0"/>
                                             </p:txEl>
                                           </p:spTgt>
                                         </p:tgtEl>
@@ -21087,11 +21776,11 @@
                                     </p:set>
                                     <p:anim calcmode="lin" valueType="num">
                                       <p:cBhvr additive="base">
-                                        <p:cTn id="13" dur="500" fill="hold"/>
+                                        <p:cTn id="7" dur="500" fill="hold"/>
                                         <p:tgtEl>
                                           <p:spTgt spid="3">
                                             <p:txEl>
-                                              <p:pRg st="5" end="5"/>
+                                              <p:pRg st="0" end="0"/>
                                             </p:txEl>
                                           </p:spTgt>
                                         </p:tgtEl>
@@ -21114,11 +21803,11 @@
                                     </p:anim>
                                     <p:anim calcmode="lin" valueType="num">
                                       <p:cBhvr additive="base">
-                                        <p:cTn id="14" dur="500" fill="hold"/>
+                                        <p:cTn id="8" dur="500" fill="hold"/>
                                         <p:tgtEl>
                                           <p:spTgt spid="3">
                                             <p:txEl>
-                                              <p:pRg st="5" end="5"/>
+                                              <p:pRg st="0" end="0"/>
                                             </p:txEl>
                                           </p:spTgt>
                                         </p:tgtEl>
@@ -21142,26 +21831,178 @@
                                   </p:childTnLst>
                                 </p:cTn>
                               </p:par>
-                            </p:childTnLst>
-                          </p:cTn>
-                        </p:par>
-                      </p:childTnLst>
-                    </p:cTn>
-                  </p:par>
-                  <p:par>
-                    <p:cTn id="15" fill="hold">
-                      <p:stCondLst>
-                        <p:cond delay="indefinite"/>
-                      </p:stCondLst>
-                      <p:childTnLst>
-                        <p:par>
-                          <p:cTn id="16" fill="hold">
-                            <p:stCondLst>
-                              <p:cond delay="0"/>
-                            </p:stCondLst>
-                            <p:childTnLst>
                               <p:par>
-                                <p:cTn id="17" presetID="2" presetClass="entr" presetSubtype="4" fill="hold" nodeType="clickEffect">
+                                <p:cTn id="9" presetID="2" presetClass="entr" presetSubtype="4" fill="hold" nodeType="withEffect">
+                                  <p:stCondLst>
+                                    <p:cond delay="0"/>
+                                  </p:stCondLst>
+                                  <p:childTnLst>
+                                    <p:set>
+                                      <p:cBhvr>
+                                        <p:cTn id="10" dur="1" fill="hold">
+                                          <p:stCondLst>
+                                            <p:cond delay="0"/>
+                                          </p:stCondLst>
+                                        </p:cTn>
+                                        <p:tgtEl>
+                                          <p:spTgt spid="3">
+                                            <p:txEl>
+                                              <p:pRg st="1" end="1"/>
+                                            </p:txEl>
+                                          </p:spTgt>
+                                        </p:tgtEl>
+                                        <p:attrNameLst>
+                                          <p:attrName>style.visibility</p:attrName>
+                                        </p:attrNameLst>
+                                      </p:cBhvr>
+                                      <p:to>
+                                        <p:strVal val="visible"/>
+                                      </p:to>
+                                    </p:set>
+                                    <p:anim calcmode="lin" valueType="num">
+                                      <p:cBhvr additive="base">
+                                        <p:cTn id="11" dur="500" fill="hold"/>
+                                        <p:tgtEl>
+                                          <p:spTgt spid="3">
+                                            <p:txEl>
+                                              <p:pRg st="1" end="1"/>
+                                            </p:txEl>
+                                          </p:spTgt>
+                                        </p:tgtEl>
+                                        <p:attrNameLst>
+                                          <p:attrName>ppt_x</p:attrName>
+                                        </p:attrNameLst>
+                                      </p:cBhvr>
+                                      <p:tavLst>
+                                        <p:tav tm="0">
+                                          <p:val>
+                                            <p:strVal val="#ppt_x"/>
+                                          </p:val>
+                                        </p:tav>
+                                        <p:tav tm="100000">
+                                          <p:val>
+                                            <p:strVal val="#ppt_x"/>
+                                          </p:val>
+                                        </p:tav>
+                                      </p:tavLst>
+                                    </p:anim>
+                                    <p:anim calcmode="lin" valueType="num">
+                                      <p:cBhvr additive="base">
+                                        <p:cTn id="12" dur="500" fill="hold"/>
+                                        <p:tgtEl>
+                                          <p:spTgt spid="3">
+                                            <p:txEl>
+                                              <p:pRg st="1" end="1"/>
+                                            </p:txEl>
+                                          </p:spTgt>
+                                        </p:tgtEl>
+                                        <p:attrNameLst>
+                                          <p:attrName>ppt_y</p:attrName>
+                                        </p:attrNameLst>
+                                      </p:cBhvr>
+                                      <p:tavLst>
+                                        <p:tav tm="0">
+                                          <p:val>
+                                            <p:strVal val="1+#ppt_h/2"/>
+                                          </p:val>
+                                        </p:tav>
+                                        <p:tav tm="100000">
+                                          <p:val>
+                                            <p:strVal val="#ppt_y"/>
+                                          </p:val>
+                                        </p:tav>
+                                      </p:tavLst>
+                                    </p:anim>
+                                  </p:childTnLst>
+                                </p:cTn>
+                              </p:par>
+                              <p:par>
+                                <p:cTn id="13" presetID="2" presetClass="entr" presetSubtype="4" fill="hold" nodeType="withEffect">
+                                  <p:stCondLst>
+                                    <p:cond delay="0"/>
+                                  </p:stCondLst>
+                                  <p:childTnLst>
+                                    <p:set>
+                                      <p:cBhvr>
+                                        <p:cTn id="14" dur="1" fill="hold">
+                                          <p:stCondLst>
+                                            <p:cond delay="0"/>
+                                          </p:stCondLst>
+                                        </p:cTn>
+                                        <p:tgtEl>
+                                          <p:spTgt spid="3">
+                                            <p:txEl>
+                                              <p:pRg st="2" end="2"/>
+                                            </p:txEl>
+                                          </p:spTgt>
+                                        </p:tgtEl>
+                                        <p:attrNameLst>
+                                          <p:attrName>style.visibility</p:attrName>
+                                        </p:attrNameLst>
+                                      </p:cBhvr>
+                                      <p:to>
+                                        <p:strVal val="visible"/>
+                                      </p:to>
+                                    </p:set>
+                                    <p:anim calcmode="lin" valueType="num">
+                                      <p:cBhvr additive="base">
+                                        <p:cTn id="15" dur="500" fill="hold"/>
+                                        <p:tgtEl>
+                                          <p:spTgt spid="3">
+                                            <p:txEl>
+                                              <p:pRg st="2" end="2"/>
+                                            </p:txEl>
+                                          </p:spTgt>
+                                        </p:tgtEl>
+                                        <p:attrNameLst>
+                                          <p:attrName>ppt_x</p:attrName>
+                                        </p:attrNameLst>
+                                      </p:cBhvr>
+                                      <p:tavLst>
+                                        <p:tav tm="0">
+                                          <p:val>
+                                            <p:strVal val="#ppt_x"/>
+                                          </p:val>
+                                        </p:tav>
+                                        <p:tav tm="100000">
+                                          <p:val>
+                                            <p:strVal val="#ppt_x"/>
+                                          </p:val>
+                                        </p:tav>
+                                      </p:tavLst>
+                                    </p:anim>
+                                    <p:anim calcmode="lin" valueType="num">
+                                      <p:cBhvr additive="base">
+                                        <p:cTn id="16" dur="500" fill="hold"/>
+                                        <p:tgtEl>
+                                          <p:spTgt spid="3">
+                                            <p:txEl>
+                                              <p:pRg st="2" end="2"/>
+                                            </p:txEl>
+                                          </p:spTgt>
+                                        </p:tgtEl>
+                                        <p:attrNameLst>
+                                          <p:attrName>ppt_y</p:attrName>
+                                        </p:attrNameLst>
+                                      </p:cBhvr>
+                                      <p:tavLst>
+                                        <p:tav tm="0">
+                                          <p:val>
+                                            <p:strVal val="1+#ppt_h/2"/>
+                                          </p:val>
+                                        </p:tav>
+                                        <p:tav tm="100000">
+                                          <p:val>
+                                            <p:strVal val="#ppt_y"/>
+                                          </p:val>
+                                        </p:tav>
+                                      </p:tavLst>
+                                    </p:anim>
+                                  </p:childTnLst>
+                                </p:cTn>
+                              </p:par>
+                              <p:par>
+                                <p:cTn id="17" presetID="2" presetClass="entr" presetSubtype="4" fill="hold" nodeType="withEffect">
                                   <p:stCondLst>
                                     <p:cond delay="0"/>
                                   </p:stCondLst>
@@ -21176,7 +22017,7 @@
                                         <p:tgtEl>
                                           <p:spTgt spid="3">
                                             <p:txEl>
-                                              <p:pRg st="6" end="6"/>
+                                              <p:pRg st="3" end="3"/>
                                             </p:txEl>
                                           </p:spTgt>
                                         </p:tgtEl>
@@ -21194,7 +22035,7 @@
                                         <p:tgtEl>
                                           <p:spTgt spid="3">
                                             <p:txEl>
-                                              <p:pRg st="6" end="6"/>
+                                              <p:pRg st="3" end="3"/>
                                             </p:txEl>
                                           </p:spTgt>
                                         </p:tgtEl>
@@ -21221,7 +22062,7 @@
                                         <p:tgtEl>
                                           <p:spTgt spid="3">
                                             <p:txEl>
-                                              <p:pRg st="6" end="6"/>
+                                              <p:pRg st="3" end="3"/>
                                             </p:txEl>
                                           </p:spTgt>
                                         </p:tgtEl>
@@ -21279,6 +22120,261 @@
                                         <p:tgtEl>
                                           <p:spTgt spid="3">
                                             <p:txEl>
+                                              <p:pRg st="4" end="4"/>
+                                            </p:txEl>
+                                          </p:spTgt>
+                                        </p:tgtEl>
+                                        <p:attrNameLst>
+                                          <p:attrName>style.visibility</p:attrName>
+                                        </p:attrNameLst>
+                                      </p:cBhvr>
+                                      <p:to>
+                                        <p:strVal val="visible"/>
+                                      </p:to>
+                                    </p:set>
+                                    <p:anim calcmode="lin" valueType="num">
+                                      <p:cBhvr additive="base">
+                                        <p:cTn id="25" dur="500" fill="hold"/>
+                                        <p:tgtEl>
+                                          <p:spTgt spid="3">
+                                            <p:txEl>
+                                              <p:pRg st="4" end="4"/>
+                                            </p:txEl>
+                                          </p:spTgt>
+                                        </p:tgtEl>
+                                        <p:attrNameLst>
+                                          <p:attrName>ppt_x</p:attrName>
+                                        </p:attrNameLst>
+                                      </p:cBhvr>
+                                      <p:tavLst>
+                                        <p:tav tm="0">
+                                          <p:val>
+                                            <p:strVal val="#ppt_x"/>
+                                          </p:val>
+                                        </p:tav>
+                                        <p:tav tm="100000">
+                                          <p:val>
+                                            <p:strVal val="#ppt_x"/>
+                                          </p:val>
+                                        </p:tav>
+                                      </p:tavLst>
+                                    </p:anim>
+                                    <p:anim calcmode="lin" valueType="num">
+                                      <p:cBhvr additive="base">
+                                        <p:cTn id="26" dur="500" fill="hold"/>
+                                        <p:tgtEl>
+                                          <p:spTgt spid="3">
+                                            <p:txEl>
+                                              <p:pRg st="4" end="4"/>
+                                            </p:txEl>
+                                          </p:spTgt>
+                                        </p:tgtEl>
+                                        <p:attrNameLst>
+                                          <p:attrName>ppt_y</p:attrName>
+                                        </p:attrNameLst>
+                                      </p:cBhvr>
+                                      <p:tavLst>
+                                        <p:tav tm="0">
+                                          <p:val>
+                                            <p:strVal val="1+#ppt_h/2"/>
+                                          </p:val>
+                                        </p:tav>
+                                        <p:tav tm="100000">
+                                          <p:val>
+                                            <p:strVal val="#ppt_y"/>
+                                          </p:val>
+                                        </p:tav>
+                                      </p:tavLst>
+                                    </p:anim>
+                                  </p:childTnLst>
+                                </p:cTn>
+                              </p:par>
+                              <p:par>
+                                <p:cTn id="27" presetID="2" presetClass="entr" presetSubtype="4" fill="hold" nodeType="withEffect">
+                                  <p:stCondLst>
+                                    <p:cond delay="0"/>
+                                  </p:stCondLst>
+                                  <p:childTnLst>
+                                    <p:set>
+                                      <p:cBhvr>
+                                        <p:cTn id="28" dur="1" fill="hold">
+                                          <p:stCondLst>
+                                            <p:cond delay="0"/>
+                                          </p:stCondLst>
+                                        </p:cTn>
+                                        <p:tgtEl>
+                                          <p:spTgt spid="3">
+                                            <p:txEl>
+                                              <p:pRg st="5" end="5"/>
+                                            </p:txEl>
+                                          </p:spTgt>
+                                        </p:tgtEl>
+                                        <p:attrNameLst>
+                                          <p:attrName>style.visibility</p:attrName>
+                                        </p:attrNameLst>
+                                      </p:cBhvr>
+                                      <p:to>
+                                        <p:strVal val="visible"/>
+                                      </p:to>
+                                    </p:set>
+                                    <p:anim calcmode="lin" valueType="num">
+                                      <p:cBhvr additive="base">
+                                        <p:cTn id="29" dur="500" fill="hold"/>
+                                        <p:tgtEl>
+                                          <p:spTgt spid="3">
+                                            <p:txEl>
+                                              <p:pRg st="5" end="5"/>
+                                            </p:txEl>
+                                          </p:spTgt>
+                                        </p:tgtEl>
+                                        <p:attrNameLst>
+                                          <p:attrName>ppt_x</p:attrName>
+                                        </p:attrNameLst>
+                                      </p:cBhvr>
+                                      <p:tavLst>
+                                        <p:tav tm="0">
+                                          <p:val>
+                                            <p:strVal val="#ppt_x"/>
+                                          </p:val>
+                                        </p:tav>
+                                        <p:tav tm="100000">
+                                          <p:val>
+                                            <p:strVal val="#ppt_x"/>
+                                          </p:val>
+                                        </p:tav>
+                                      </p:tavLst>
+                                    </p:anim>
+                                    <p:anim calcmode="lin" valueType="num">
+                                      <p:cBhvr additive="base">
+                                        <p:cTn id="30" dur="500" fill="hold"/>
+                                        <p:tgtEl>
+                                          <p:spTgt spid="3">
+                                            <p:txEl>
+                                              <p:pRg st="5" end="5"/>
+                                            </p:txEl>
+                                          </p:spTgt>
+                                        </p:tgtEl>
+                                        <p:attrNameLst>
+                                          <p:attrName>ppt_y</p:attrName>
+                                        </p:attrNameLst>
+                                      </p:cBhvr>
+                                      <p:tavLst>
+                                        <p:tav tm="0">
+                                          <p:val>
+                                            <p:strVal val="1+#ppt_h/2"/>
+                                          </p:val>
+                                        </p:tav>
+                                        <p:tav tm="100000">
+                                          <p:val>
+                                            <p:strVal val="#ppt_y"/>
+                                          </p:val>
+                                        </p:tav>
+                                      </p:tavLst>
+                                    </p:anim>
+                                  </p:childTnLst>
+                                </p:cTn>
+                              </p:par>
+                              <p:par>
+                                <p:cTn id="31" presetID="2" presetClass="entr" presetSubtype="4" fill="hold" nodeType="withEffect">
+                                  <p:stCondLst>
+                                    <p:cond delay="0"/>
+                                  </p:stCondLst>
+                                  <p:childTnLst>
+                                    <p:set>
+                                      <p:cBhvr>
+                                        <p:cTn id="32" dur="1" fill="hold">
+                                          <p:stCondLst>
+                                            <p:cond delay="0"/>
+                                          </p:stCondLst>
+                                        </p:cTn>
+                                        <p:tgtEl>
+                                          <p:spTgt spid="3">
+                                            <p:txEl>
+                                              <p:pRg st="6" end="6"/>
+                                            </p:txEl>
+                                          </p:spTgt>
+                                        </p:tgtEl>
+                                        <p:attrNameLst>
+                                          <p:attrName>style.visibility</p:attrName>
+                                        </p:attrNameLst>
+                                      </p:cBhvr>
+                                      <p:to>
+                                        <p:strVal val="visible"/>
+                                      </p:to>
+                                    </p:set>
+                                    <p:anim calcmode="lin" valueType="num">
+                                      <p:cBhvr additive="base">
+                                        <p:cTn id="33" dur="500" fill="hold"/>
+                                        <p:tgtEl>
+                                          <p:spTgt spid="3">
+                                            <p:txEl>
+                                              <p:pRg st="6" end="6"/>
+                                            </p:txEl>
+                                          </p:spTgt>
+                                        </p:tgtEl>
+                                        <p:attrNameLst>
+                                          <p:attrName>ppt_x</p:attrName>
+                                        </p:attrNameLst>
+                                      </p:cBhvr>
+                                      <p:tavLst>
+                                        <p:tav tm="0">
+                                          <p:val>
+                                            <p:strVal val="#ppt_x"/>
+                                          </p:val>
+                                        </p:tav>
+                                        <p:tav tm="100000">
+                                          <p:val>
+                                            <p:strVal val="#ppt_x"/>
+                                          </p:val>
+                                        </p:tav>
+                                      </p:tavLst>
+                                    </p:anim>
+                                    <p:anim calcmode="lin" valueType="num">
+                                      <p:cBhvr additive="base">
+                                        <p:cTn id="34" dur="500" fill="hold"/>
+                                        <p:tgtEl>
+                                          <p:spTgt spid="3">
+                                            <p:txEl>
+                                              <p:pRg st="6" end="6"/>
+                                            </p:txEl>
+                                          </p:spTgt>
+                                        </p:tgtEl>
+                                        <p:attrNameLst>
+                                          <p:attrName>ppt_y</p:attrName>
+                                        </p:attrNameLst>
+                                      </p:cBhvr>
+                                      <p:tavLst>
+                                        <p:tav tm="0">
+                                          <p:val>
+                                            <p:strVal val="1+#ppt_h/2"/>
+                                          </p:val>
+                                        </p:tav>
+                                        <p:tav tm="100000">
+                                          <p:val>
+                                            <p:strVal val="#ppt_y"/>
+                                          </p:val>
+                                        </p:tav>
+                                      </p:tavLst>
+                                    </p:anim>
+                                  </p:childTnLst>
+                                </p:cTn>
+                              </p:par>
+                              <p:par>
+                                <p:cTn id="35" presetID="2" presetClass="entr" presetSubtype="4" fill="hold" nodeType="withEffect">
+                                  <p:stCondLst>
+                                    <p:cond delay="0"/>
+                                  </p:stCondLst>
+                                  <p:childTnLst>
+                                    <p:set>
+                                      <p:cBhvr>
+                                        <p:cTn id="36" dur="1" fill="hold">
+                                          <p:stCondLst>
+                                            <p:cond delay="0"/>
+                                          </p:stCondLst>
+                                        </p:cTn>
+                                        <p:tgtEl>
+                                          <p:spTgt spid="3">
+                                            <p:txEl>
                                               <p:pRg st="7" end="7"/>
                                             </p:txEl>
                                           </p:spTgt>
@@ -21293,7 +22389,7 @@
                                     </p:set>
                                     <p:anim calcmode="lin" valueType="num">
                                       <p:cBhvr additive="base">
-                                        <p:cTn id="25" dur="500" fill="hold"/>
+                                        <p:cTn id="37" dur="500" fill="hold"/>
                                         <p:tgtEl>
                                           <p:spTgt spid="3">
                                             <p:txEl>
@@ -21320,114 +22416,11 @@
                                     </p:anim>
                                     <p:anim calcmode="lin" valueType="num">
                                       <p:cBhvr additive="base">
-                                        <p:cTn id="26" dur="500" fill="hold"/>
+                                        <p:cTn id="38" dur="500" fill="hold"/>
                                         <p:tgtEl>
                                           <p:spTgt spid="3">
                                             <p:txEl>
                                               <p:pRg st="7" end="7"/>
-                                            </p:txEl>
-                                          </p:spTgt>
-                                        </p:tgtEl>
-                                        <p:attrNameLst>
-                                          <p:attrName>ppt_y</p:attrName>
-                                        </p:attrNameLst>
-                                      </p:cBhvr>
-                                      <p:tavLst>
-                                        <p:tav tm="0">
-                                          <p:val>
-                                            <p:strVal val="1+#ppt_h/2"/>
-                                          </p:val>
-                                        </p:tav>
-                                        <p:tav tm="100000">
-                                          <p:val>
-                                            <p:strVal val="#ppt_y"/>
-                                          </p:val>
-                                        </p:tav>
-                                      </p:tavLst>
-                                    </p:anim>
-                                  </p:childTnLst>
-                                </p:cTn>
-                              </p:par>
-                            </p:childTnLst>
-                          </p:cTn>
-                        </p:par>
-                      </p:childTnLst>
-                    </p:cTn>
-                  </p:par>
-                  <p:par>
-                    <p:cTn id="27" fill="hold">
-                      <p:stCondLst>
-                        <p:cond delay="indefinite"/>
-                      </p:stCondLst>
-                      <p:childTnLst>
-                        <p:par>
-                          <p:cTn id="28" fill="hold">
-                            <p:stCondLst>
-                              <p:cond delay="0"/>
-                            </p:stCondLst>
-                            <p:childTnLst>
-                              <p:par>
-                                <p:cTn id="29" presetID="2" presetClass="entr" presetSubtype="4" fill="hold" nodeType="clickEffect">
-                                  <p:stCondLst>
-                                    <p:cond delay="0"/>
-                                  </p:stCondLst>
-                                  <p:childTnLst>
-                                    <p:set>
-                                      <p:cBhvr>
-                                        <p:cTn id="30" dur="1" fill="hold">
-                                          <p:stCondLst>
-                                            <p:cond delay="0"/>
-                                          </p:stCondLst>
-                                        </p:cTn>
-                                        <p:tgtEl>
-                                          <p:spTgt spid="3">
-                                            <p:txEl>
-                                              <p:pRg st="8" end="8"/>
-                                            </p:txEl>
-                                          </p:spTgt>
-                                        </p:tgtEl>
-                                        <p:attrNameLst>
-                                          <p:attrName>style.visibility</p:attrName>
-                                        </p:attrNameLst>
-                                      </p:cBhvr>
-                                      <p:to>
-                                        <p:strVal val="visible"/>
-                                      </p:to>
-                                    </p:set>
-                                    <p:anim calcmode="lin" valueType="num">
-                                      <p:cBhvr additive="base">
-                                        <p:cTn id="31" dur="500" fill="hold"/>
-                                        <p:tgtEl>
-                                          <p:spTgt spid="3">
-                                            <p:txEl>
-                                              <p:pRg st="8" end="8"/>
-                                            </p:txEl>
-                                          </p:spTgt>
-                                        </p:tgtEl>
-                                        <p:attrNameLst>
-                                          <p:attrName>ppt_x</p:attrName>
-                                        </p:attrNameLst>
-                                      </p:cBhvr>
-                                      <p:tavLst>
-                                        <p:tav tm="0">
-                                          <p:val>
-                                            <p:strVal val="#ppt_x"/>
-                                          </p:val>
-                                        </p:tav>
-                                        <p:tav tm="100000">
-                                          <p:val>
-                                            <p:strVal val="#ppt_x"/>
-                                          </p:val>
-                                        </p:tav>
-                                      </p:tavLst>
-                                    </p:anim>
-                                    <p:anim calcmode="lin" valueType="num">
-                                      <p:cBhvr additive="base">
-                                        <p:cTn id="32" dur="500" fill="hold"/>
-                                        <p:tgtEl>
-                                          <p:spTgt spid="3">
-                                            <p:txEl>
-                                              <p:pRg st="8" end="8"/>
                                             </p:txEl>
                                           </p:spTgt>
                                         </p:tgtEl>
@@ -21482,7 +22475,7 @@
 </p:sld>
 </file>
 
-<file path=ppt/slides/slide11.xml><?xml version="1.0" encoding="utf-8"?>
+<file path=ppt/slides/slide12.xml><?xml version="1.0" encoding="utf-8"?>
 <p:sld xmlns:a="http://schemas.openxmlformats.org/drawingml/2006/main" xmlns:r="http://schemas.openxmlformats.org/officeDocument/2006/relationships" xmlns:p="http://schemas.openxmlformats.org/presentationml/2006/main">
   <p:cSld>
     <p:bg>
@@ -21704,8 +22697,8 @@
         </p:nvSpPr>
         <p:spPr>
           <a:xfrm>
-            <a:off x="4032839" y="598382"/>
-            <a:ext cx="6133514" cy="1592615"/>
+            <a:off x="4032838" y="598382"/>
+            <a:ext cx="6862469" cy="1287917"/>
           </a:xfrm>
           <a:prstGeom prst="rect">
             <a:avLst/>
@@ -21729,6 +22722,9 @@
             </a:r>
             <a:r>
               <a:rPr lang="en-US" sz="1800" b="1" dirty="0">
+                <a:solidFill>
+                  <a:srgbClr val="FF0000"/>
+                </a:solidFill>
                 <a:hlinkClick r:id="rId3">
                   <a:extLst>
                     <a:ext uri="{A12FA001-AC4F-418D-AE19-62706E023703}">
@@ -21740,7 +22736,11 @@
               <a:t>https://www.setu.ie/current-students/study-supports/study-support-waterford/self-service-password-reset</a:t>
             </a:r>
             <a:r>
-              <a:rPr lang="en-US" sz="1800" b="1" dirty="0"/>
+              <a:rPr lang="en-US" sz="1800" b="1" dirty="0">
+                <a:solidFill>
+                  <a:srgbClr val="FF0000"/>
+                </a:solidFill>
+              </a:rPr>
               <a:t> </a:t>
             </a:r>
           </a:p>
@@ -22086,10 +23086,1011 @@
   <p:clrMapOvr>
     <a:overrideClrMapping bg1="lt1" tx1="dk1" bg2="lt2" tx2="dk2" accent1="accent1" accent2="accent2" accent3="accent3" accent4="accent4" accent5="accent5" accent6="accent6" hlink="hlink" folHlink="folHlink"/>
   </p:clrMapOvr>
+  <p:timing>
+    <p:tnLst>
+      <p:par>
+        <p:cTn id="1" dur="indefinite" restart="never" nodeType="tmRoot">
+          <p:childTnLst>
+            <p:seq concurrent="1" nextAc="seek">
+              <p:cTn id="2" dur="indefinite" nodeType="mainSeq">
+                <p:childTnLst>
+                  <p:par>
+                    <p:cTn id="3" fill="hold">
+                      <p:stCondLst>
+                        <p:cond delay="indefinite"/>
+                      </p:stCondLst>
+                      <p:childTnLst>
+                        <p:par>
+                          <p:cTn id="4" fill="hold">
+                            <p:stCondLst>
+                              <p:cond delay="0"/>
+                            </p:stCondLst>
+                            <p:childTnLst>
+                              <p:par>
+                                <p:cTn id="5" presetID="2" presetClass="entr" presetSubtype="4" fill="hold" nodeType="clickEffect">
+                                  <p:stCondLst>
+                                    <p:cond delay="0"/>
+                                  </p:stCondLst>
+                                  <p:childTnLst>
+                                    <p:set>
+                                      <p:cBhvr>
+                                        <p:cTn id="6" dur="1" fill="hold">
+                                          <p:stCondLst>
+                                            <p:cond delay="0"/>
+                                          </p:stCondLst>
+                                        </p:cTn>
+                                        <p:tgtEl>
+                                          <p:spTgt spid="59">
+                                            <p:txEl>
+                                              <p:pRg st="0" end="0"/>
+                                            </p:txEl>
+                                          </p:spTgt>
+                                        </p:tgtEl>
+                                        <p:attrNameLst>
+                                          <p:attrName>style.visibility</p:attrName>
+                                        </p:attrNameLst>
+                                      </p:cBhvr>
+                                      <p:to>
+                                        <p:strVal val="visible"/>
+                                      </p:to>
+                                    </p:set>
+                                    <p:anim calcmode="lin" valueType="num">
+                                      <p:cBhvr additive="base">
+                                        <p:cTn id="7" dur="500" fill="hold"/>
+                                        <p:tgtEl>
+                                          <p:spTgt spid="59">
+                                            <p:txEl>
+                                              <p:pRg st="0" end="0"/>
+                                            </p:txEl>
+                                          </p:spTgt>
+                                        </p:tgtEl>
+                                        <p:attrNameLst>
+                                          <p:attrName>ppt_x</p:attrName>
+                                        </p:attrNameLst>
+                                      </p:cBhvr>
+                                      <p:tavLst>
+                                        <p:tav tm="0">
+                                          <p:val>
+                                            <p:strVal val="#ppt_x"/>
+                                          </p:val>
+                                        </p:tav>
+                                        <p:tav tm="100000">
+                                          <p:val>
+                                            <p:strVal val="#ppt_x"/>
+                                          </p:val>
+                                        </p:tav>
+                                      </p:tavLst>
+                                    </p:anim>
+                                    <p:anim calcmode="lin" valueType="num">
+                                      <p:cBhvr additive="base">
+                                        <p:cTn id="8" dur="500" fill="hold"/>
+                                        <p:tgtEl>
+                                          <p:spTgt spid="59">
+                                            <p:txEl>
+                                              <p:pRg st="0" end="0"/>
+                                            </p:txEl>
+                                          </p:spTgt>
+                                        </p:tgtEl>
+                                        <p:attrNameLst>
+                                          <p:attrName>ppt_y</p:attrName>
+                                        </p:attrNameLst>
+                                      </p:cBhvr>
+                                      <p:tavLst>
+                                        <p:tav tm="0">
+                                          <p:val>
+                                            <p:strVal val="1+#ppt_h/2"/>
+                                          </p:val>
+                                        </p:tav>
+                                        <p:tav tm="100000">
+                                          <p:val>
+                                            <p:strVal val="#ppt_y"/>
+                                          </p:val>
+                                        </p:tav>
+                                      </p:tavLst>
+                                    </p:anim>
+                                  </p:childTnLst>
+                                </p:cTn>
+                              </p:par>
+                            </p:childTnLst>
+                          </p:cTn>
+                        </p:par>
+                      </p:childTnLst>
+                    </p:cTn>
+                  </p:par>
+                  <p:par>
+                    <p:cTn id="9" fill="hold">
+                      <p:stCondLst>
+                        <p:cond delay="indefinite"/>
+                      </p:stCondLst>
+                      <p:childTnLst>
+                        <p:par>
+                          <p:cTn id="10" fill="hold">
+                            <p:stCondLst>
+                              <p:cond delay="0"/>
+                            </p:stCondLst>
+                            <p:childTnLst>
+                              <p:par>
+                                <p:cTn id="11" presetID="2" presetClass="entr" presetSubtype="4" fill="hold" nodeType="clickEffect">
+                                  <p:stCondLst>
+                                    <p:cond delay="0"/>
+                                  </p:stCondLst>
+                                  <p:childTnLst>
+                                    <p:set>
+                                      <p:cBhvr>
+                                        <p:cTn id="12" dur="1" fill="hold">
+                                          <p:stCondLst>
+                                            <p:cond delay="0"/>
+                                          </p:stCondLst>
+                                        </p:cTn>
+                                        <p:tgtEl>
+                                          <p:spTgt spid="59">
+                                            <p:txEl>
+                                              <p:pRg st="1" end="1"/>
+                                            </p:txEl>
+                                          </p:spTgt>
+                                        </p:tgtEl>
+                                        <p:attrNameLst>
+                                          <p:attrName>style.visibility</p:attrName>
+                                        </p:attrNameLst>
+                                      </p:cBhvr>
+                                      <p:to>
+                                        <p:strVal val="visible"/>
+                                      </p:to>
+                                    </p:set>
+                                    <p:anim calcmode="lin" valueType="num">
+                                      <p:cBhvr additive="base">
+                                        <p:cTn id="13" dur="500" fill="hold"/>
+                                        <p:tgtEl>
+                                          <p:spTgt spid="59">
+                                            <p:txEl>
+                                              <p:pRg st="1" end="1"/>
+                                            </p:txEl>
+                                          </p:spTgt>
+                                        </p:tgtEl>
+                                        <p:attrNameLst>
+                                          <p:attrName>ppt_x</p:attrName>
+                                        </p:attrNameLst>
+                                      </p:cBhvr>
+                                      <p:tavLst>
+                                        <p:tav tm="0">
+                                          <p:val>
+                                            <p:strVal val="#ppt_x"/>
+                                          </p:val>
+                                        </p:tav>
+                                        <p:tav tm="100000">
+                                          <p:val>
+                                            <p:strVal val="#ppt_x"/>
+                                          </p:val>
+                                        </p:tav>
+                                      </p:tavLst>
+                                    </p:anim>
+                                    <p:anim calcmode="lin" valueType="num">
+                                      <p:cBhvr additive="base">
+                                        <p:cTn id="14" dur="500" fill="hold"/>
+                                        <p:tgtEl>
+                                          <p:spTgt spid="59">
+                                            <p:txEl>
+                                              <p:pRg st="1" end="1"/>
+                                            </p:txEl>
+                                          </p:spTgt>
+                                        </p:tgtEl>
+                                        <p:attrNameLst>
+                                          <p:attrName>ppt_y</p:attrName>
+                                        </p:attrNameLst>
+                                      </p:cBhvr>
+                                      <p:tavLst>
+                                        <p:tav tm="0">
+                                          <p:val>
+                                            <p:strVal val="1+#ppt_h/2"/>
+                                          </p:val>
+                                        </p:tav>
+                                        <p:tav tm="100000">
+                                          <p:val>
+                                            <p:strVal val="#ppt_y"/>
+                                          </p:val>
+                                        </p:tav>
+                                      </p:tavLst>
+                                    </p:anim>
+                                  </p:childTnLst>
+                                </p:cTn>
+                              </p:par>
+                              <p:par>
+                                <p:cTn id="15" presetID="2" presetClass="entr" presetSubtype="4" fill="hold" nodeType="withEffect">
+                                  <p:stCondLst>
+                                    <p:cond delay="0"/>
+                                  </p:stCondLst>
+                                  <p:childTnLst>
+                                    <p:set>
+                                      <p:cBhvr>
+                                        <p:cTn id="16" dur="1" fill="hold">
+                                          <p:stCondLst>
+                                            <p:cond delay="0"/>
+                                          </p:stCondLst>
+                                        </p:cTn>
+                                        <p:tgtEl>
+                                          <p:spTgt spid="59">
+                                            <p:txEl>
+                                              <p:pRg st="2" end="2"/>
+                                            </p:txEl>
+                                          </p:spTgt>
+                                        </p:tgtEl>
+                                        <p:attrNameLst>
+                                          <p:attrName>style.visibility</p:attrName>
+                                        </p:attrNameLst>
+                                      </p:cBhvr>
+                                      <p:to>
+                                        <p:strVal val="visible"/>
+                                      </p:to>
+                                    </p:set>
+                                    <p:anim calcmode="lin" valueType="num">
+                                      <p:cBhvr additive="base">
+                                        <p:cTn id="17" dur="500" fill="hold"/>
+                                        <p:tgtEl>
+                                          <p:spTgt spid="59">
+                                            <p:txEl>
+                                              <p:pRg st="2" end="2"/>
+                                            </p:txEl>
+                                          </p:spTgt>
+                                        </p:tgtEl>
+                                        <p:attrNameLst>
+                                          <p:attrName>ppt_x</p:attrName>
+                                        </p:attrNameLst>
+                                      </p:cBhvr>
+                                      <p:tavLst>
+                                        <p:tav tm="0">
+                                          <p:val>
+                                            <p:strVal val="#ppt_x"/>
+                                          </p:val>
+                                        </p:tav>
+                                        <p:tav tm="100000">
+                                          <p:val>
+                                            <p:strVal val="#ppt_x"/>
+                                          </p:val>
+                                        </p:tav>
+                                      </p:tavLst>
+                                    </p:anim>
+                                    <p:anim calcmode="lin" valueType="num">
+                                      <p:cBhvr additive="base">
+                                        <p:cTn id="18" dur="500" fill="hold"/>
+                                        <p:tgtEl>
+                                          <p:spTgt spid="59">
+                                            <p:txEl>
+                                              <p:pRg st="2" end="2"/>
+                                            </p:txEl>
+                                          </p:spTgt>
+                                        </p:tgtEl>
+                                        <p:attrNameLst>
+                                          <p:attrName>ppt_y</p:attrName>
+                                        </p:attrNameLst>
+                                      </p:cBhvr>
+                                      <p:tavLst>
+                                        <p:tav tm="0">
+                                          <p:val>
+                                            <p:strVal val="1+#ppt_h/2"/>
+                                          </p:val>
+                                        </p:tav>
+                                        <p:tav tm="100000">
+                                          <p:val>
+                                            <p:strVal val="#ppt_y"/>
+                                          </p:val>
+                                        </p:tav>
+                                      </p:tavLst>
+                                    </p:anim>
+                                  </p:childTnLst>
+                                </p:cTn>
+                              </p:par>
+                              <p:par>
+                                <p:cTn id="19" presetID="2" presetClass="entr" presetSubtype="4" fill="hold" nodeType="withEffect">
+                                  <p:stCondLst>
+                                    <p:cond delay="0"/>
+                                  </p:stCondLst>
+                                  <p:childTnLst>
+                                    <p:set>
+                                      <p:cBhvr>
+                                        <p:cTn id="20" dur="1" fill="hold">
+                                          <p:stCondLst>
+                                            <p:cond delay="0"/>
+                                          </p:stCondLst>
+                                        </p:cTn>
+                                        <p:tgtEl>
+                                          <p:spTgt spid="59">
+                                            <p:txEl>
+                                              <p:pRg st="3" end="3"/>
+                                            </p:txEl>
+                                          </p:spTgt>
+                                        </p:tgtEl>
+                                        <p:attrNameLst>
+                                          <p:attrName>style.visibility</p:attrName>
+                                        </p:attrNameLst>
+                                      </p:cBhvr>
+                                      <p:to>
+                                        <p:strVal val="visible"/>
+                                      </p:to>
+                                    </p:set>
+                                    <p:anim calcmode="lin" valueType="num">
+                                      <p:cBhvr additive="base">
+                                        <p:cTn id="21" dur="500" fill="hold"/>
+                                        <p:tgtEl>
+                                          <p:spTgt spid="59">
+                                            <p:txEl>
+                                              <p:pRg st="3" end="3"/>
+                                            </p:txEl>
+                                          </p:spTgt>
+                                        </p:tgtEl>
+                                        <p:attrNameLst>
+                                          <p:attrName>ppt_x</p:attrName>
+                                        </p:attrNameLst>
+                                      </p:cBhvr>
+                                      <p:tavLst>
+                                        <p:tav tm="0">
+                                          <p:val>
+                                            <p:strVal val="#ppt_x"/>
+                                          </p:val>
+                                        </p:tav>
+                                        <p:tav tm="100000">
+                                          <p:val>
+                                            <p:strVal val="#ppt_x"/>
+                                          </p:val>
+                                        </p:tav>
+                                      </p:tavLst>
+                                    </p:anim>
+                                    <p:anim calcmode="lin" valueType="num">
+                                      <p:cBhvr additive="base">
+                                        <p:cTn id="22" dur="500" fill="hold"/>
+                                        <p:tgtEl>
+                                          <p:spTgt spid="59">
+                                            <p:txEl>
+                                              <p:pRg st="3" end="3"/>
+                                            </p:txEl>
+                                          </p:spTgt>
+                                        </p:tgtEl>
+                                        <p:attrNameLst>
+                                          <p:attrName>ppt_y</p:attrName>
+                                        </p:attrNameLst>
+                                      </p:cBhvr>
+                                      <p:tavLst>
+                                        <p:tav tm="0">
+                                          <p:val>
+                                            <p:strVal val="1+#ppt_h/2"/>
+                                          </p:val>
+                                        </p:tav>
+                                        <p:tav tm="100000">
+                                          <p:val>
+                                            <p:strVal val="#ppt_y"/>
+                                          </p:val>
+                                        </p:tav>
+                                      </p:tavLst>
+                                    </p:anim>
+                                  </p:childTnLst>
+                                </p:cTn>
+                              </p:par>
+                              <p:par>
+                                <p:cTn id="23" presetID="2" presetClass="entr" presetSubtype="4" fill="hold" nodeType="withEffect">
+                                  <p:stCondLst>
+                                    <p:cond delay="0"/>
+                                  </p:stCondLst>
+                                  <p:childTnLst>
+                                    <p:set>
+                                      <p:cBhvr>
+                                        <p:cTn id="24" dur="1" fill="hold">
+                                          <p:stCondLst>
+                                            <p:cond delay="0"/>
+                                          </p:stCondLst>
+                                        </p:cTn>
+                                        <p:tgtEl>
+                                          <p:spTgt spid="59">
+                                            <p:txEl>
+                                              <p:pRg st="4" end="4"/>
+                                            </p:txEl>
+                                          </p:spTgt>
+                                        </p:tgtEl>
+                                        <p:attrNameLst>
+                                          <p:attrName>style.visibility</p:attrName>
+                                        </p:attrNameLst>
+                                      </p:cBhvr>
+                                      <p:to>
+                                        <p:strVal val="visible"/>
+                                      </p:to>
+                                    </p:set>
+                                    <p:anim calcmode="lin" valueType="num">
+                                      <p:cBhvr additive="base">
+                                        <p:cTn id="25" dur="500" fill="hold"/>
+                                        <p:tgtEl>
+                                          <p:spTgt spid="59">
+                                            <p:txEl>
+                                              <p:pRg st="4" end="4"/>
+                                            </p:txEl>
+                                          </p:spTgt>
+                                        </p:tgtEl>
+                                        <p:attrNameLst>
+                                          <p:attrName>ppt_x</p:attrName>
+                                        </p:attrNameLst>
+                                      </p:cBhvr>
+                                      <p:tavLst>
+                                        <p:tav tm="0">
+                                          <p:val>
+                                            <p:strVal val="#ppt_x"/>
+                                          </p:val>
+                                        </p:tav>
+                                        <p:tav tm="100000">
+                                          <p:val>
+                                            <p:strVal val="#ppt_x"/>
+                                          </p:val>
+                                        </p:tav>
+                                      </p:tavLst>
+                                    </p:anim>
+                                    <p:anim calcmode="lin" valueType="num">
+                                      <p:cBhvr additive="base">
+                                        <p:cTn id="26" dur="500" fill="hold"/>
+                                        <p:tgtEl>
+                                          <p:spTgt spid="59">
+                                            <p:txEl>
+                                              <p:pRg st="4" end="4"/>
+                                            </p:txEl>
+                                          </p:spTgt>
+                                        </p:tgtEl>
+                                        <p:attrNameLst>
+                                          <p:attrName>ppt_y</p:attrName>
+                                        </p:attrNameLst>
+                                      </p:cBhvr>
+                                      <p:tavLst>
+                                        <p:tav tm="0">
+                                          <p:val>
+                                            <p:strVal val="1+#ppt_h/2"/>
+                                          </p:val>
+                                        </p:tav>
+                                        <p:tav tm="100000">
+                                          <p:val>
+                                            <p:strVal val="#ppt_y"/>
+                                          </p:val>
+                                        </p:tav>
+                                      </p:tavLst>
+                                    </p:anim>
+                                  </p:childTnLst>
+                                </p:cTn>
+                              </p:par>
+                              <p:par>
+                                <p:cTn id="27" presetID="2" presetClass="entr" presetSubtype="4" fill="hold" nodeType="withEffect">
+                                  <p:stCondLst>
+                                    <p:cond delay="0"/>
+                                  </p:stCondLst>
+                                  <p:childTnLst>
+                                    <p:set>
+                                      <p:cBhvr>
+                                        <p:cTn id="28" dur="1" fill="hold">
+                                          <p:stCondLst>
+                                            <p:cond delay="0"/>
+                                          </p:stCondLst>
+                                        </p:cTn>
+                                        <p:tgtEl>
+                                          <p:spTgt spid="59">
+                                            <p:txEl>
+                                              <p:pRg st="5" end="5"/>
+                                            </p:txEl>
+                                          </p:spTgt>
+                                        </p:tgtEl>
+                                        <p:attrNameLst>
+                                          <p:attrName>style.visibility</p:attrName>
+                                        </p:attrNameLst>
+                                      </p:cBhvr>
+                                      <p:to>
+                                        <p:strVal val="visible"/>
+                                      </p:to>
+                                    </p:set>
+                                    <p:anim calcmode="lin" valueType="num">
+                                      <p:cBhvr additive="base">
+                                        <p:cTn id="29" dur="500" fill="hold"/>
+                                        <p:tgtEl>
+                                          <p:spTgt spid="59">
+                                            <p:txEl>
+                                              <p:pRg st="5" end="5"/>
+                                            </p:txEl>
+                                          </p:spTgt>
+                                        </p:tgtEl>
+                                        <p:attrNameLst>
+                                          <p:attrName>ppt_x</p:attrName>
+                                        </p:attrNameLst>
+                                      </p:cBhvr>
+                                      <p:tavLst>
+                                        <p:tav tm="0">
+                                          <p:val>
+                                            <p:strVal val="#ppt_x"/>
+                                          </p:val>
+                                        </p:tav>
+                                        <p:tav tm="100000">
+                                          <p:val>
+                                            <p:strVal val="#ppt_x"/>
+                                          </p:val>
+                                        </p:tav>
+                                      </p:tavLst>
+                                    </p:anim>
+                                    <p:anim calcmode="lin" valueType="num">
+                                      <p:cBhvr additive="base">
+                                        <p:cTn id="30" dur="500" fill="hold"/>
+                                        <p:tgtEl>
+                                          <p:spTgt spid="59">
+                                            <p:txEl>
+                                              <p:pRg st="5" end="5"/>
+                                            </p:txEl>
+                                          </p:spTgt>
+                                        </p:tgtEl>
+                                        <p:attrNameLst>
+                                          <p:attrName>ppt_y</p:attrName>
+                                        </p:attrNameLst>
+                                      </p:cBhvr>
+                                      <p:tavLst>
+                                        <p:tav tm="0">
+                                          <p:val>
+                                            <p:strVal val="1+#ppt_h/2"/>
+                                          </p:val>
+                                        </p:tav>
+                                        <p:tav tm="100000">
+                                          <p:val>
+                                            <p:strVal val="#ppt_y"/>
+                                          </p:val>
+                                        </p:tav>
+                                      </p:tavLst>
+                                    </p:anim>
+                                  </p:childTnLst>
+                                </p:cTn>
+                              </p:par>
+                              <p:par>
+                                <p:cTn id="31" presetID="2" presetClass="entr" presetSubtype="4" fill="hold" nodeType="withEffect">
+                                  <p:stCondLst>
+                                    <p:cond delay="0"/>
+                                  </p:stCondLst>
+                                  <p:childTnLst>
+                                    <p:set>
+                                      <p:cBhvr>
+                                        <p:cTn id="32" dur="1" fill="hold">
+                                          <p:stCondLst>
+                                            <p:cond delay="0"/>
+                                          </p:stCondLst>
+                                        </p:cTn>
+                                        <p:tgtEl>
+                                          <p:spTgt spid="5">
+                                            <p:txEl>
+                                              <p:pRg st="0" end="0"/>
+                                            </p:txEl>
+                                          </p:spTgt>
+                                        </p:tgtEl>
+                                        <p:attrNameLst>
+                                          <p:attrName>style.visibility</p:attrName>
+                                        </p:attrNameLst>
+                                      </p:cBhvr>
+                                      <p:to>
+                                        <p:strVal val="visible"/>
+                                      </p:to>
+                                    </p:set>
+                                    <p:anim calcmode="lin" valueType="num">
+                                      <p:cBhvr additive="base">
+                                        <p:cTn id="33" dur="500" fill="hold"/>
+                                        <p:tgtEl>
+                                          <p:spTgt spid="5">
+                                            <p:txEl>
+                                              <p:pRg st="0" end="0"/>
+                                            </p:txEl>
+                                          </p:spTgt>
+                                        </p:tgtEl>
+                                        <p:attrNameLst>
+                                          <p:attrName>ppt_x</p:attrName>
+                                        </p:attrNameLst>
+                                      </p:cBhvr>
+                                      <p:tavLst>
+                                        <p:tav tm="0">
+                                          <p:val>
+                                            <p:strVal val="#ppt_x"/>
+                                          </p:val>
+                                        </p:tav>
+                                        <p:tav tm="100000">
+                                          <p:val>
+                                            <p:strVal val="#ppt_x"/>
+                                          </p:val>
+                                        </p:tav>
+                                      </p:tavLst>
+                                    </p:anim>
+                                    <p:anim calcmode="lin" valueType="num">
+                                      <p:cBhvr additive="base">
+                                        <p:cTn id="34" dur="500" fill="hold"/>
+                                        <p:tgtEl>
+                                          <p:spTgt spid="5">
+                                            <p:txEl>
+                                              <p:pRg st="0" end="0"/>
+                                            </p:txEl>
+                                          </p:spTgt>
+                                        </p:tgtEl>
+                                        <p:attrNameLst>
+                                          <p:attrName>ppt_y</p:attrName>
+                                        </p:attrNameLst>
+                                      </p:cBhvr>
+                                      <p:tavLst>
+                                        <p:tav tm="0">
+                                          <p:val>
+                                            <p:strVal val="1+#ppt_h/2"/>
+                                          </p:val>
+                                        </p:tav>
+                                        <p:tav tm="100000">
+                                          <p:val>
+                                            <p:strVal val="#ppt_y"/>
+                                          </p:val>
+                                        </p:tav>
+                                      </p:tavLst>
+                                    </p:anim>
+                                  </p:childTnLst>
+                                </p:cTn>
+                              </p:par>
+                              <p:par>
+                                <p:cTn id="35" presetID="2" presetClass="entr" presetSubtype="4" fill="hold" nodeType="withEffect">
+                                  <p:stCondLst>
+                                    <p:cond delay="0"/>
+                                  </p:stCondLst>
+                                  <p:childTnLst>
+                                    <p:set>
+                                      <p:cBhvr>
+                                        <p:cTn id="36" dur="1" fill="hold">
+                                          <p:stCondLst>
+                                            <p:cond delay="0"/>
+                                          </p:stCondLst>
+                                        </p:cTn>
+                                        <p:tgtEl>
+                                          <p:spTgt spid="5">
+                                            <p:txEl>
+                                              <p:pRg st="1" end="1"/>
+                                            </p:txEl>
+                                          </p:spTgt>
+                                        </p:tgtEl>
+                                        <p:attrNameLst>
+                                          <p:attrName>style.visibility</p:attrName>
+                                        </p:attrNameLst>
+                                      </p:cBhvr>
+                                      <p:to>
+                                        <p:strVal val="visible"/>
+                                      </p:to>
+                                    </p:set>
+                                    <p:anim calcmode="lin" valueType="num">
+                                      <p:cBhvr additive="base">
+                                        <p:cTn id="37" dur="500" fill="hold"/>
+                                        <p:tgtEl>
+                                          <p:spTgt spid="5">
+                                            <p:txEl>
+                                              <p:pRg st="1" end="1"/>
+                                            </p:txEl>
+                                          </p:spTgt>
+                                        </p:tgtEl>
+                                        <p:attrNameLst>
+                                          <p:attrName>ppt_x</p:attrName>
+                                        </p:attrNameLst>
+                                      </p:cBhvr>
+                                      <p:tavLst>
+                                        <p:tav tm="0">
+                                          <p:val>
+                                            <p:strVal val="#ppt_x"/>
+                                          </p:val>
+                                        </p:tav>
+                                        <p:tav tm="100000">
+                                          <p:val>
+                                            <p:strVal val="#ppt_x"/>
+                                          </p:val>
+                                        </p:tav>
+                                      </p:tavLst>
+                                    </p:anim>
+                                    <p:anim calcmode="lin" valueType="num">
+                                      <p:cBhvr additive="base">
+                                        <p:cTn id="38" dur="500" fill="hold"/>
+                                        <p:tgtEl>
+                                          <p:spTgt spid="5">
+                                            <p:txEl>
+                                              <p:pRg st="1" end="1"/>
+                                            </p:txEl>
+                                          </p:spTgt>
+                                        </p:tgtEl>
+                                        <p:attrNameLst>
+                                          <p:attrName>ppt_y</p:attrName>
+                                        </p:attrNameLst>
+                                      </p:cBhvr>
+                                      <p:tavLst>
+                                        <p:tav tm="0">
+                                          <p:val>
+                                            <p:strVal val="1+#ppt_h/2"/>
+                                          </p:val>
+                                        </p:tav>
+                                        <p:tav tm="100000">
+                                          <p:val>
+                                            <p:strVal val="#ppt_y"/>
+                                          </p:val>
+                                        </p:tav>
+                                      </p:tavLst>
+                                    </p:anim>
+                                  </p:childTnLst>
+                                </p:cTn>
+                              </p:par>
+                              <p:par>
+                                <p:cTn id="39" presetID="2" presetClass="entr" presetSubtype="4" fill="hold" nodeType="withEffect">
+                                  <p:stCondLst>
+                                    <p:cond delay="0"/>
+                                  </p:stCondLst>
+                                  <p:childTnLst>
+                                    <p:set>
+                                      <p:cBhvr>
+                                        <p:cTn id="40" dur="1" fill="hold">
+                                          <p:stCondLst>
+                                            <p:cond delay="0"/>
+                                          </p:stCondLst>
+                                        </p:cTn>
+                                        <p:tgtEl>
+                                          <p:spTgt spid="5">
+                                            <p:txEl>
+                                              <p:pRg st="2" end="2"/>
+                                            </p:txEl>
+                                          </p:spTgt>
+                                        </p:tgtEl>
+                                        <p:attrNameLst>
+                                          <p:attrName>style.visibility</p:attrName>
+                                        </p:attrNameLst>
+                                      </p:cBhvr>
+                                      <p:to>
+                                        <p:strVal val="visible"/>
+                                      </p:to>
+                                    </p:set>
+                                    <p:anim calcmode="lin" valueType="num">
+                                      <p:cBhvr additive="base">
+                                        <p:cTn id="41" dur="500" fill="hold"/>
+                                        <p:tgtEl>
+                                          <p:spTgt spid="5">
+                                            <p:txEl>
+                                              <p:pRg st="2" end="2"/>
+                                            </p:txEl>
+                                          </p:spTgt>
+                                        </p:tgtEl>
+                                        <p:attrNameLst>
+                                          <p:attrName>ppt_x</p:attrName>
+                                        </p:attrNameLst>
+                                      </p:cBhvr>
+                                      <p:tavLst>
+                                        <p:tav tm="0">
+                                          <p:val>
+                                            <p:strVal val="#ppt_x"/>
+                                          </p:val>
+                                        </p:tav>
+                                        <p:tav tm="100000">
+                                          <p:val>
+                                            <p:strVal val="#ppt_x"/>
+                                          </p:val>
+                                        </p:tav>
+                                      </p:tavLst>
+                                    </p:anim>
+                                    <p:anim calcmode="lin" valueType="num">
+                                      <p:cBhvr additive="base">
+                                        <p:cTn id="42" dur="500" fill="hold"/>
+                                        <p:tgtEl>
+                                          <p:spTgt spid="5">
+                                            <p:txEl>
+                                              <p:pRg st="2" end="2"/>
+                                            </p:txEl>
+                                          </p:spTgt>
+                                        </p:tgtEl>
+                                        <p:attrNameLst>
+                                          <p:attrName>ppt_y</p:attrName>
+                                        </p:attrNameLst>
+                                      </p:cBhvr>
+                                      <p:tavLst>
+                                        <p:tav tm="0">
+                                          <p:val>
+                                            <p:strVal val="1+#ppt_h/2"/>
+                                          </p:val>
+                                        </p:tav>
+                                        <p:tav tm="100000">
+                                          <p:val>
+                                            <p:strVal val="#ppt_y"/>
+                                          </p:val>
+                                        </p:tav>
+                                      </p:tavLst>
+                                    </p:anim>
+                                  </p:childTnLst>
+                                </p:cTn>
+                              </p:par>
+                              <p:par>
+                                <p:cTn id="43" presetID="2" presetClass="entr" presetSubtype="4" fill="hold" nodeType="withEffect">
+                                  <p:stCondLst>
+                                    <p:cond delay="0"/>
+                                  </p:stCondLst>
+                                  <p:childTnLst>
+                                    <p:set>
+                                      <p:cBhvr>
+                                        <p:cTn id="44" dur="1" fill="hold">
+                                          <p:stCondLst>
+                                            <p:cond delay="0"/>
+                                          </p:stCondLst>
+                                        </p:cTn>
+                                        <p:tgtEl>
+                                          <p:spTgt spid="5">
+                                            <p:txEl>
+                                              <p:pRg st="3" end="3"/>
+                                            </p:txEl>
+                                          </p:spTgt>
+                                        </p:tgtEl>
+                                        <p:attrNameLst>
+                                          <p:attrName>style.visibility</p:attrName>
+                                        </p:attrNameLst>
+                                      </p:cBhvr>
+                                      <p:to>
+                                        <p:strVal val="visible"/>
+                                      </p:to>
+                                    </p:set>
+                                    <p:anim calcmode="lin" valueType="num">
+                                      <p:cBhvr additive="base">
+                                        <p:cTn id="45" dur="500" fill="hold"/>
+                                        <p:tgtEl>
+                                          <p:spTgt spid="5">
+                                            <p:txEl>
+                                              <p:pRg st="3" end="3"/>
+                                            </p:txEl>
+                                          </p:spTgt>
+                                        </p:tgtEl>
+                                        <p:attrNameLst>
+                                          <p:attrName>ppt_x</p:attrName>
+                                        </p:attrNameLst>
+                                      </p:cBhvr>
+                                      <p:tavLst>
+                                        <p:tav tm="0">
+                                          <p:val>
+                                            <p:strVal val="#ppt_x"/>
+                                          </p:val>
+                                        </p:tav>
+                                        <p:tav tm="100000">
+                                          <p:val>
+                                            <p:strVal val="#ppt_x"/>
+                                          </p:val>
+                                        </p:tav>
+                                      </p:tavLst>
+                                    </p:anim>
+                                    <p:anim calcmode="lin" valueType="num">
+                                      <p:cBhvr additive="base">
+                                        <p:cTn id="46" dur="500" fill="hold"/>
+                                        <p:tgtEl>
+                                          <p:spTgt spid="5">
+                                            <p:txEl>
+                                              <p:pRg st="3" end="3"/>
+                                            </p:txEl>
+                                          </p:spTgt>
+                                        </p:tgtEl>
+                                        <p:attrNameLst>
+                                          <p:attrName>ppt_y</p:attrName>
+                                        </p:attrNameLst>
+                                      </p:cBhvr>
+                                      <p:tavLst>
+                                        <p:tav tm="0">
+                                          <p:val>
+                                            <p:strVal val="1+#ppt_h/2"/>
+                                          </p:val>
+                                        </p:tav>
+                                        <p:tav tm="100000">
+                                          <p:val>
+                                            <p:strVal val="#ppt_y"/>
+                                          </p:val>
+                                        </p:tav>
+                                      </p:tavLst>
+                                    </p:anim>
+                                  </p:childTnLst>
+                                </p:cTn>
+                              </p:par>
+                              <p:par>
+                                <p:cTn id="47" presetID="2" presetClass="entr" presetSubtype="4" fill="hold" nodeType="withEffect">
+                                  <p:stCondLst>
+                                    <p:cond delay="0"/>
+                                  </p:stCondLst>
+                                  <p:childTnLst>
+                                    <p:set>
+                                      <p:cBhvr>
+                                        <p:cTn id="48" dur="1" fill="hold">
+                                          <p:stCondLst>
+                                            <p:cond delay="0"/>
+                                          </p:stCondLst>
+                                        </p:cTn>
+                                        <p:tgtEl>
+                                          <p:spTgt spid="5">
+                                            <p:txEl>
+                                              <p:pRg st="4" end="4"/>
+                                            </p:txEl>
+                                          </p:spTgt>
+                                        </p:tgtEl>
+                                        <p:attrNameLst>
+                                          <p:attrName>style.visibility</p:attrName>
+                                        </p:attrNameLst>
+                                      </p:cBhvr>
+                                      <p:to>
+                                        <p:strVal val="visible"/>
+                                      </p:to>
+                                    </p:set>
+                                    <p:anim calcmode="lin" valueType="num">
+                                      <p:cBhvr additive="base">
+                                        <p:cTn id="49" dur="500" fill="hold"/>
+                                        <p:tgtEl>
+                                          <p:spTgt spid="5">
+                                            <p:txEl>
+                                              <p:pRg st="4" end="4"/>
+                                            </p:txEl>
+                                          </p:spTgt>
+                                        </p:tgtEl>
+                                        <p:attrNameLst>
+                                          <p:attrName>ppt_x</p:attrName>
+                                        </p:attrNameLst>
+                                      </p:cBhvr>
+                                      <p:tavLst>
+                                        <p:tav tm="0">
+                                          <p:val>
+                                            <p:strVal val="#ppt_x"/>
+                                          </p:val>
+                                        </p:tav>
+                                        <p:tav tm="100000">
+                                          <p:val>
+                                            <p:strVal val="#ppt_x"/>
+                                          </p:val>
+                                        </p:tav>
+                                      </p:tavLst>
+                                    </p:anim>
+                                    <p:anim calcmode="lin" valueType="num">
+                                      <p:cBhvr additive="base">
+                                        <p:cTn id="50" dur="500" fill="hold"/>
+                                        <p:tgtEl>
+                                          <p:spTgt spid="5">
+                                            <p:txEl>
+                                              <p:pRg st="4" end="4"/>
+                                            </p:txEl>
+                                          </p:spTgt>
+                                        </p:tgtEl>
+                                        <p:attrNameLst>
+                                          <p:attrName>ppt_y</p:attrName>
+                                        </p:attrNameLst>
+                                      </p:cBhvr>
+                                      <p:tavLst>
+                                        <p:tav tm="0">
+                                          <p:val>
+                                            <p:strVal val="1+#ppt_h/2"/>
+                                          </p:val>
+                                        </p:tav>
+                                        <p:tav tm="100000">
+                                          <p:val>
+                                            <p:strVal val="#ppt_y"/>
+                                          </p:val>
+                                        </p:tav>
+                                      </p:tavLst>
+                                    </p:anim>
+                                  </p:childTnLst>
+                                </p:cTn>
+                              </p:par>
+                            </p:childTnLst>
+                          </p:cTn>
+                        </p:par>
+                      </p:childTnLst>
+                    </p:cTn>
+                  </p:par>
+                </p:childTnLst>
+              </p:cTn>
+              <p:prevCondLst>
+                <p:cond evt="onPrev" delay="0">
+                  <p:tgtEl>
+                    <p:sldTgt/>
+                  </p:tgtEl>
+                </p:cond>
+              </p:prevCondLst>
+              <p:nextCondLst>
+                <p:cond evt="onNext" delay="0">
+                  <p:tgtEl>
+                    <p:sldTgt/>
+                  </p:tgtEl>
+                </p:cond>
+              </p:nextCondLst>
+            </p:seq>
+          </p:childTnLst>
+        </p:cTn>
+      </p:par>
+    </p:tnLst>
+  </p:timing>
 </p:sld>
 </file>
 
-<file path=ppt/slides/slide12.xml><?xml version="1.0" encoding="utf-8"?>
+<file path=ppt/slides/slide13.xml><?xml version="1.0" encoding="utf-8"?>
 <p:sld xmlns:a="http://schemas.openxmlformats.org/drawingml/2006/main" xmlns:r="http://schemas.openxmlformats.org/officeDocument/2006/relationships" xmlns:p="http://schemas.openxmlformats.org/presentationml/2006/main">
   <p:cSld>
     <p:bg>
@@ -22338,7 +24339,7 @@
 </p:sld>
 </file>
 
-<file path=ppt/slides/slide13.xml><?xml version="1.0" encoding="utf-8"?>
+<file path=ppt/slides/slide14.xml><?xml version="1.0" encoding="utf-8"?>
 <p:sld xmlns:a="http://schemas.openxmlformats.org/drawingml/2006/main" xmlns:r="http://schemas.openxmlformats.org/officeDocument/2006/relationships" xmlns:p="http://schemas.openxmlformats.org/presentationml/2006/main">
   <p:cSld>
     <p:bg>
@@ -22497,7 +24498,7 @@
             </a:r>
           </a:p>
           <a:p>
-            <a:pPr marL="0" indent="0">
+            <a:pPr marL="0" indent="0" algn="ctr">
               <a:buClr>
                 <a:schemeClr val="bg1"/>
               </a:buClr>
@@ -22517,7 +24518,7 @@
                   </a:extLst>
                 </a:hlinkClick>
               </a:rPr>
-              <a:t>     https://wit-my.sharepoint.com/</a:t>
+              <a:t>https://wit-my.sharepoint.com/</a:t>
             </a:r>
             <a:r>
               <a:rPr lang="en-US" sz="2000" dirty="0">
@@ -22696,23 +24697,7 @@
                   <a:srgbClr val="222222"/>
                 </a:solidFill>
               </a:rPr>
-              <a:t>This can be accessed once you sign on to Google Chrome (you </a:t>
-            </a:r>
-            <a:r>
-              <a:rPr lang="en-US" sz="1900" dirty="0" err="1">
-                <a:solidFill>
-                  <a:srgbClr val="222222"/>
-                </a:solidFill>
-              </a:rPr>
-              <a:t>canalso</a:t>
-            </a:r>
-            <a:r>
-              <a:rPr lang="en-US" sz="1900" dirty="0">
-                <a:solidFill>
-                  <a:srgbClr val="222222"/>
-                </a:solidFill>
-              </a:rPr>
-              <a:t>  access your bookmarks once you’ve signed in) </a:t>
+              <a:t>This can be accessed once you sign on to Google Chrome (you can also  access your bookmarks once you’ve signed in) </a:t>
             </a:r>
             <a:endParaRPr lang="en-US" sz="2100" dirty="0">
               <a:solidFill>
@@ -22735,7 +24720,7 @@
 </p:sld>
 </file>
 
-<file path=ppt/slides/slide14.xml><?xml version="1.0" encoding="utf-8"?>
+<file path=ppt/slides/slide15.xml><?xml version="1.0" encoding="utf-8"?>
 <p:sld xmlns:a="http://schemas.openxmlformats.org/drawingml/2006/main" xmlns:r="http://schemas.openxmlformats.org/officeDocument/2006/relationships" xmlns:p="http://schemas.openxmlformats.org/presentationml/2006/main">
   <p:cSld>
     <p:bg>
@@ -22862,7 +24847,7 @@
 </p:sld>
 </file>
 
-<file path=ppt/slides/slide15.xml><?xml version="1.0" encoding="utf-8"?>
+<file path=ppt/slides/slide16.xml><?xml version="1.0" encoding="utf-8"?>
 <p:sld xmlns:a="http://schemas.openxmlformats.org/drawingml/2006/main" xmlns:r="http://schemas.openxmlformats.org/officeDocument/2006/relationships" xmlns:p="http://schemas.openxmlformats.org/presentationml/2006/main">
   <p:cSld>
     <p:bg>
@@ -23179,7 +25164,7 @@
 </p:sld>
 </file>
 
-<file path=ppt/slides/slide16.xml><?xml version="1.0" encoding="utf-8"?>
+<file path=ppt/slides/slide17.xml><?xml version="1.0" encoding="utf-8"?>
 <p:sld xmlns:a="http://schemas.openxmlformats.org/drawingml/2006/main" xmlns:r="http://schemas.openxmlformats.org/officeDocument/2006/relationships" xmlns:p="http://schemas.openxmlformats.org/presentationml/2006/main">
   <p:cSld>
     <p:bg>
@@ -23476,7 +25461,7 @@
 </p:sld>
 </file>
 
-<file path=ppt/slides/slide17.xml><?xml version="1.0" encoding="utf-8"?>
+<file path=ppt/slides/slide18.xml><?xml version="1.0" encoding="utf-8"?>
 <p:sld xmlns:a="http://schemas.openxmlformats.org/drawingml/2006/main" xmlns:r="http://schemas.openxmlformats.org/officeDocument/2006/relationships" xmlns:p="http://schemas.openxmlformats.org/presentationml/2006/main">
   <p:cSld>
     <p:bg>
@@ -23597,7 +25582,7 @@
 </p:sld>
 </file>
 
-<file path=ppt/slides/slide18.xml><?xml version="1.0" encoding="utf-8"?>
+<file path=ppt/slides/slide19.xml><?xml version="1.0" encoding="utf-8"?>
 <p:sld xmlns:a="http://schemas.openxmlformats.org/drawingml/2006/main" xmlns:r="http://schemas.openxmlformats.org/officeDocument/2006/relationships" xmlns:p="http://schemas.openxmlformats.org/presentationml/2006/main">
   <p:cSld>
     <p:bg>
@@ -23709,136 +25694,6 @@
     <p:extLst>
       <p:ext uri="{BB962C8B-B14F-4D97-AF65-F5344CB8AC3E}">
         <p14:creationId xmlns:p14="http://schemas.microsoft.com/office/powerpoint/2010/main" val="2580489970"/>
-      </p:ext>
-    </p:extLst>
-  </p:cSld>
-  <p:clrMapOvr>
-    <a:overrideClrMapping bg1="lt1" tx1="dk1" bg2="lt2" tx2="dk2" accent1="accent1" accent2="accent2" accent3="accent3" accent4="accent4" accent5="accent5" accent6="accent6" hlink="hlink" folHlink="folHlink"/>
-  </p:clrMapOvr>
-</p:sld>
-</file>
-
-<file path=ppt/slides/slide19.xml><?xml version="1.0" encoding="utf-8"?>
-<p:sld xmlns:a="http://schemas.openxmlformats.org/drawingml/2006/main" xmlns:r="http://schemas.openxmlformats.org/officeDocument/2006/relationships" xmlns:p="http://schemas.openxmlformats.org/presentationml/2006/main">
-  <p:cSld>
-    <p:bg>
-      <p:bgPr>
-        <a:gradFill>
-          <a:gsLst>
-            <a:gs pos="0">
-              <a:schemeClr val="accent1">
-                <a:lumMod val="67000"/>
-              </a:schemeClr>
-            </a:gs>
-            <a:gs pos="48000">
-              <a:schemeClr val="accent1">
-                <a:lumMod val="97000"/>
-                <a:lumOff val="3000"/>
-              </a:schemeClr>
-            </a:gs>
-            <a:gs pos="100000">
-              <a:schemeClr val="accent1">
-                <a:lumMod val="60000"/>
-                <a:lumOff val="40000"/>
-              </a:schemeClr>
-            </a:gs>
-          </a:gsLst>
-          <a:lin ang="16200000" scaled="1"/>
-        </a:gradFill>
-        <a:effectLst/>
-      </p:bgPr>
-    </p:bg>
-    <p:spTree>
-      <p:nvGrpSpPr>
-        <p:cNvPr id="1" name=""/>
-        <p:cNvGrpSpPr/>
-        <p:nvPr/>
-      </p:nvGrpSpPr>
-      <p:grpSpPr>
-        <a:xfrm>
-          <a:off x="0" y="0"/>
-          <a:ext cx="0" cy="0"/>
-          <a:chOff x="0" y="0"/>
-          <a:chExt cx="0" cy="0"/>
-        </a:xfrm>
-      </p:grpSpPr>
-      <p:sp>
-        <p:nvSpPr>
-          <p:cNvPr id="2" name="Title 1"/>
-          <p:cNvSpPr>
-            <a:spLocks noGrp="1"/>
-          </p:cNvSpPr>
-          <p:nvPr>
-            <p:ph type="title"/>
-          </p:nvPr>
-        </p:nvSpPr>
-        <p:spPr>
-          <a:xfrm>
-            <a:off x="389350" y="485856"/>
-            <a:ext cx="2740927" cy="2042725"/>
-          </a:xfrm>
-        </p:spPr>
-        <p:txBody>
-          <a:bodyPr vert="horz" lIns="228600" tIns="228600" rIns="228600" bIns="0" rtlCol="0" anchor="b">
-            <a:normAutofit fontScale="90000"/>
-          </a:bodyPr>
-          <a:lstStyle/>
-          <a:p>
-            <a:pPr defTabSz="914400">
-              <a:lnSpc>
-                <a:spcPct val="80000"/>
-              </a:lnSpc>
-            </a:pPr>
-            <a:r>
-              <a:rPr lang="en-US" sz="4600" spc="-150" dirty="0">
-                <a:solidFill>
-                  <a:srgbClr val="FF0000"/>
-                </a:solidFill>
-              </a:rPr>
-              <a:t>Poor email etiquette</a:t>
-            </a:r>
-          </a:p>
-        </p:txBody>
-      </p:sp>
-      <p:pic>
-        <p:nvPicPr>
-          <p:cNvPr id="4" name="Content Placeholder 3"/>
-          <p:cNvPicPr>
-            <a:picLocks noGrp="1" noChangeAspect="1"/>
-          </p:cNvPicPr>
-          <p:nvPr>
-            <p:ph idx="1"/>
-          </p:nvPr>
-        </p:nvPicPr>
-        <p:blipFill>
-          <a:blip r:embed="rId3">
-            <a:extLst>
-              <a:ext uri="{28A0092B-C50C-407E-A947-70E740481C1C}">
-                <a14:useLocalDpi xmlns:a14="http://schemas.microsoft.com/office/drawing/2010/main" val="0"/>
-              </a:ext>
-            </a:extLst>
-          </a:blip>
-          <a:stretch>
-            <a:fillRect/>
-          </a:stretch>
-        </p:blipFill>
-        <p:spPr>
-          <a:xfrm>
-            <a:off x="4121834" y="1188838"/>
-            <a:ext cx="6338488" cy="4753866"/>
-          </a:xfrm>
-          <a:prstGeom prst="rect">
-            <a:avLst/>
-          </a:prstGeom>
-          <a:ln w="9525">
-            <a:noFill/>
-          </a:ln>
-        </p:spPr>
-      </p:pic>
-    </p:spTree>
-    <p:extLst>
-      <p:ext uri="{BB962C8B-B14F-4D97-AF65-F5344CB8AC3E}">
-        <p14:creationId xmlns:p14="http://schemas.microsoft.com/office/powerpoint/2010/main" val="3182764813"/>
       </p:ext>
     </p:extLst>
   </p:cSld>
@@ -25370,6 +27225,136 @@
         </p:nvSpPr>
         <p:spPr>
           <a:xfrm>
+            <a:off x="389350" y="485856"/>
+            <a:ext cx="2740927" cy="2042725"/>
+          </a:xfrm>
+        </p:spPr>
+        <p:txBody>
+          <a:bodyPr vert="horz" lIns="228600" tIns="228600" rIns="228600" bIns="0" rtlCol="0" anchor="b">
+            <a:normAutofit fontScale="90000"/>
+          </a:bodyPr>
+          <a:lstStyle/>
+          <a:p>
+            <a:pPr defTabSz="914400">
+              <a:lnSpc>
+                <a:spcPct val="80000"/>
+              </a:lnSpc>
+            </a:pPr>
+            <a:r>
+              <a:rPr lang="en-US" sz="4600" spc="-150" dirty="0">
+                <a:solidFill>
+                  <a:srgbClr val="FF0000"/>
+                </a:solidFill>
+              </a:rPr>
+              <a:t>Poor email etiquette</a:t>
+            </a:r>
+          </a:p>
+        </p:txBody>
+      </p:sp>
+      <p:pic>
+        <p:nvPicPr>
+          <p:cNvPr id="4" name="Content Placeholder 3"/>
+          <p:cNvPicPr>
+            <a:picLocks noGrp="1" noChangeAspect="1"/>
+          </p:cNvPicPr>
+          <p:nvPr>
+            <p:ph idx="1"/>
+          </p:nvPr>
+        </p:nvPicPr>
+        <p:blipFill>
+          <a:blip r:embed="rId3">
+            <a:extLst>
+              <a:ext uri="{28A0092B-C50C-407E-A947-70E740481C1C}">
+                <a14:useLocalDpi xmlns:a14="http://schemas.microsoft.com/office/drawing/2010/main" val="0"/>
+              </a:ext>
+            </a:extLst>
+          </a:blip>
+          <a:stretch>
+            <a:fillRect/>
+          </a:stretch>
+        </p:blipFill>
+        <p:spPr>
+          <a:xfrm>
+            <a:off x="4121834" y="1188838"/>
+            <a:ext cx="6338488" cy="4753866"/>
+          </a:xfrm>
+          <a:prstGeom prst="rect">
+            <a:avLst/>
+          </a:prstGeom>
+          <a:ln w="9525">
+            <a:noFill/>
+          </a:ln>
+        </p:spPr>
+      </p:pic>
+    </p:spTree>
+    <p:extLst>
+      <p:ext uri="{BB962C8B-B14F-4D97-AF65-F5344CB8AC3E}">
+        <p14:creationId xmlns:p14="http://schemas.microsoft.com/office/powerpoint/2010/main" val="3182764813"/>
+      </p:ext>
+    </p:extLst>
+  </p:cSld>
+  <p:clrMapOvr>
+    <a:overrideClrMapping bg1="lt1" tx1="dk1" bg2="lt2" tx2="dk2" accent1="accent1" accent2="accent2" accent3="accent3" accent4="accent4" accent5="accent5" accent6="accent6" hlink="hlink" folHlink="folHlink"/>
+  </p:clrMapOvr>
+</p:sld>
+</file>
+
+<file path=ppt/slides/slide21.xml><?xml version="1.0" encoding="utf-8"?>
+<p:sld xmlns:a="http://schemas.openxmlformats.org/drawingml/2006/main" xmlns:r="http://schemas.openxmlformats.org/officeDocument/2006/relationships" xmlns:p="http://schemas.openxmlformats.org/presentationml/2006/main">
+  <p:cSld>
+    <p:bg>
+      <p:bgPr>
+        <a:gradFill>
+          <a:gsLst>
+            <a:gs pos="0">
+              <a:schemeClr val="accent1">
+                <a:lumMod val="67000"/>
+              </a:schemeClr>
+            </a:gs>
+            <a:gs pos="48000">
+              <a:schemeClr val="accent1">
+                <a:lumMod val="97000"/>
+                <a:lumOff val="3000"/>
+              </a:schemeClr>
+            </a:gs>
+            <a:gs pos="100000">
+              <a:schemeClr val="accent1">
+                <a:lumMod val="60000"/>
+                <a:lumOff val="40000"/>
+              </a:schemeClr>
+            </a:gs>
+          </a:gsLst>
+          <a:lin ang="16200000" scaled="1"/>
+        </a:gradFill>
+        <a:effectLst/>
+      </p:bgPr>
+    </p:bg>
+    <p:spTree>
+      <p:nvGrpSpPr>
+        <p:cNvPr id="1" name=""/>
+        <p:cNvGrpSpPr/>
+        <p:nvPr/>
+      </p:nvGrpSpPr>
+      <p:grpSpPr>
+        <a:xfrm>
+          <a:off x="0" y="0"/>
+          <a:ext cx="0" cy="0"/>
+          <a:chOff x="0" y="0"/>
+          <a:chExt cx="0" cy="0"/>
+        </a:xfrm>
+      </p:grpSpPr>
+      <p:sp>
+        <p:nvSpPr>
+          <p:cNvPr id="2" name="Title 1"/>
+          <p:cNvSpPr>
+            <a:spLocks noGrp="1"/>
+          </p:cNvSpPr>
+          <p:nvPr>
+            <p:ph type="title"/>
+          </p:nvPr>
+        </p:nvSpPr>
+        <p:spPr>
+          <a:xfrm>
             <a:off x="113544" y="1631852"/>
             <a:ext cx="3136093" cy="1597489"/>
           </a:xfrm>
@@ -25435,250 +27420,6 @@
     <p:extLst>
       <p:ext uri="{BB962C8B-B14F-4D97-AF65-F5344CB8AC3E}">
         <p14:creationId xmlns:p14="http://schemas.microsoft.com/office/powerpoint/2010/main" val="2926931529"/>
-      </p:ext>
-    </p:extLst>
-  </p:cSld>
-  <p:clrMapOvr>
-    <a:overrideClrMapping bg1="lt1" tx1="dk1" bg2="lt2" tx2="dk2" accent1="accent1" accent2="accent2" accent3="accent3" accent4="accent4" accent5="accent5" accent6="accent6" hlink="hlink" folHlink="folHlink"/>
-  </p:clrMapOvr>
-</p:sld>
-</file>
-
-<file path=ppt/slides/slide21.xml><?xml version="1.0" encoding="utf-8"?>
-<p:sld xmlns:a="http://schemas.openxmlformats.org/drawingml/2006/main" xmlns:r="http://schemas.openxmlformats.org/officeDocument/2006/relationships" xmlns:p="http://schemas.openxmlformats.org/presentationml/2006/main">
-  <p:cSld>
-    <p:bg>
-      <p:bgPr>
-        <a:gradFill>
-          <a:gsLst>
-            <a:gs pos="0">
-              <a:schemeClr val="accent1">
-                <a:lumMod val="67000"/>
-              </a:schemeClr>
-            </a:gs>
-            <a:gs pos="48000">
-              <a:schemeClr val="accent1">
-                <a:lumMod val="97000"/>
-                <a:lumOff val="3000"/>
-              </a:schemeClr>
-            </a:gs>
-            <a:gs pos="100000">
-              <a:schemeClr val="accent1">
-                <a:lumMod val="60000"/>
-                <a:lumOff val="40000"/>
-              </a:schemeClr>
-            </a:gs>
-          </a:gsLst>
-          <a:lin ang="16200000" scaled="1"/>
-        </a:gradFill>
-        <a:effectLst/>
-      </p:bgPr>
-    </p:bg>
-    <p:spTree>
-      <p:nvGrpSpPr>
-        <p:cNvPr id="1" name=""/>
-        <p:cNvGrpSpPr/>
-        <p:nvPr/>
-      </p:nvGrpSpPr>
-      <p:grpSpPr>
-        <a:xfrm>
-          <a:off x="0" y="0"/>
-          <a:ext cx="0" cy="0"/>
-          <a:chOff x="0" y="0"/>
-          <a:chExt cx="0" cy="0"/>
-        </a:xfrm>
-      </p:grpSpPr>
-      <p:sp>
-        <p:nvSpPr>
-          <p:cNvPr id="2" name="Title 1">
-            <a:extLst>
-              <a:ext uri="{FF2B5EF4-FFF2-40B4-BE49-F238E27FC236}">
-                <a16:creationId xmlns:a16="http://schemas.microsoft.com/office/drawing/2014/main" id="{235C82FC-2970-19CF-C526-46A2CCD0332C}"/>
-              </a:ext>
-            </a:extLst>
-          </p:cNvPr>
-          <p:cNvSpPr>
-            <a:spLocks noGrp="1"/>
-          </p:cNvSpPr>
-          <p:nvPr>
-            <p:ph type="title"/>
-          </p:nvPr>
-        </p:nvSpPr>
-        <p:spPr/>
-        <p:txBody>
-          <a:bodyPr/>
-          <a:lstStyle/>
-          <a:p>
-            <a:r>
-              <a:rPr lang="en-IE"/>
-              <a:t>SETU Computers – Logging on</a:t>
-            </a:r>
-          </a:p>
-        </p:txBody>
-      </p:sp>
-      <p:sp>
-        <p:nvSpPr>
-          <p:cNvPr id="3" name="Footer Placeholder 2">
-            <a:extLst>
-              <a:ext uri="{FF2B5EF4-FFF2-40B4-BE49-F238E27FC236}">
-                <a16:creationId xmlns:a16="http://schemas.microsoft.com/office/drawing/2014/main" id="{E33D2314-5C69-A2B2-966F-4F6C9762FA51}"/>
-              </a:ext>
-            </a:extLst>
-          </p:cNvPr>
-          <p:cNvSpPr>
-            <a:spLocks noGrp="1"/>
-          </p:cNvSpPr>
-          <p:nvPr>
-            <p:ph type="ftr" sz="quarter" idx="11"/>
-          </p:nvPr>
-        </p:nvSpPr>
-        <p:spPr/>
-        <p:txBody>
-          <a:bodyPr/>
-          <a:lstStyle/>
-          <a:p>
-            <a:r>
-              <a:rPr lang="en-IE"/>
-              <a:t>setu.ie</a:t>
-            </a:r>
-          </a:p>
-        </p:txBody>
-      </p:sp>
-      <p:sp>
-        <p:nvSpPr>
-          <p:cNvPr id="4" name="Slide Number Placeholder 3">
-            <a:extLst>
-              <a:ext uri="{FF2B5EF4-FFF2-40B4-BE49-F238E27FC236}">
-                <a16:creationId xmlns:a16="http://schemas.microsoft.com/office/drawing/2014/main" id="{ACD691C6-6EF5-B1A7-8E23-12BDBF77979D}"/>
-              </a:ext>
-            </a:extLst>
-          </p:cNvPr>
-          <p:cNvSpPr>
-            <a:spLocks noGrp="1"/>
-          </p:cNvSpPr>
-          <p:nvPr>
-            <p:ph type="sldNum" sz="quarter" idx="12"/>
-          </p:nvPr>
-        </p:nvSpPr>
-        <p:spPr/>
-        <p:txBody>
-          <a:bodyPr/>
-          <a:lstStyle/>
-          <a:p>
-            <a:fld id="{95850013-0FED-DB4F-A95E-FFF4A5127B9C}" type="slidenum">
-              <a:rPr lang="en-IE" smtClean="0"/>
-              <a:t>21</a:t>
-            </a:fld>
-            <a:endParaRPr lang="en-IE"/>
-          </a:p>
-        </p:txBody>
-      </p:sp>
-      <p:sp>
-        <p:nvSpPr>
-          <p:cNvPr id="6" name="TextBox 5">
-            <a:extLst>
-              <a:ext uri="{FF2B5EF4-FFF2-40B4-BE49-F238E27FC236}">
-                <a16:creationId xmlns:a16="http://schemas.microsoft.com/office/drawing/2014/main" id="{7D33C1DB-038A-D717-09C9-1BAEBC755A15}"/>
-              </a:ext>
-            </a:extLst>
-          </p:cNvPr>
-          <p:cNvSpPr txBox="1"/>
-          <p:nvPr/>
-        </p:nvSpPr>
-        <p:spPr>
-          <a:xfrm>
-            <a:off x="4171308" y="-30573"/>
-            <a:ext cx="7890553" cy="6297108"/>
-          </a:xfrm>
-          <a:prstGeom prst="rect">
-            <a:avLst/>
-          </a:prstGeom>
-          <a:noFill/>
-        </p:spPr>
-        <p:txBody>
-          <a:bodyPr wrap="square">
-            <a:spAutoFit/>
-          </a:bodyPr>
-          <a:lstStyle/>
-          <a:p>
-            <a:pPr marL="457200" indent="-457200">
-              <a:lnSpc>
-                <a:spcPct val="90000"/>
-              </a:lnSpc>
-              <a:buFont typeface="Wingdings" pitchFamily="2" charset="2"/>
-              <a:buChar char="Ø"/>
-            </a:pPr>
-            <a:r>
-              <a:rPr lang="en-US" sz="2800" dirty="0">
-                <a:latin typeface="Century Gothic" panose="020B0502020202020204" pitchFamily="34" charset="0"/>
-              </a:rPr>
-              <a:t>You need a username and a password to access very many facilities at SETU.  Your username for logging in will be your student number (without the W at the beginning) e.g. </a:t>
-            </a:r>
-            <a:r>
-              <a:rPr lang="en-US" sz="2800" dirty="0">
-                <a:latin typeface="Century Gothic" panose="020B0502020202020204" pitchFamily="34" charset="0"/>
-                <a:hlinkClick r:id="rId3"/>
-              </a:rPr>
-              <a:t>12345678@setu.ie.</a:t>
-            </a:r>
-            <a:r>
-              <a:rPr lang="en-US" sz="2800" dirty="0">
-                <a:latin typeface="Century Gothic" panose="020B0502020202020204" pitchFamily="34" charset="0"/>
-              </a:rPr>
-              <a:t> </a:t>
-            </a:r>
-          </a:p>
-          <a:p>
-            <a:pPr marL="457200" indent="-457200">
-              <a:lnSpc>
-                <a:spcPct val="90000"/>
-              </a:lnSpc>
-              <a:buFont typeface="Wingdings" pitchFamily="2" charset="2"/>
-              <a:buChar char="Ø"/>
-            </a:pPr>
-            <a:r>
-              <a:rPr lang="en-US" sz="2800" dirty="0">
-                <a:latin typeface="Century Gothic" panose="020B0502020202020204" pitchFamily="34" charset="0"/>
-              </a:rPr>
-              <a:t>Passwords are sent out on your registration letter but if you have lost that letter or have forgotten your password, you can call to Computer Services with your student card.</a:t>
-            </a:r>
-          </a:p>
-          <a:p>
-            <a:pPr marL="457200" indent="-457200">
-              <a:lnSpc>
-                <a:spcPct val="90000"/>
-              </a:lnSpc>
-              <a:buFont typeface="Wingdings" pitchFamily="2" charset="2"/>
-              <a:buChar char="Ø"/>
-            </a:pPr>
-            <a:r>
-              <a:rPr lang="en-US" sz="2800" dirty="0">
-                <a:latin typeface="Century Gothic" panose="020B0502020202020204" pitchFamily="34" charset="0"/>
-              </a:rPr>
-              <a:t>It is a good idea to make a note of your original password as you may need to refer back to it over the course of your studies at SETU.</a:t>
-            </a:r>
-          </a:p>
-          <a:p>
-            <a:pPr marL="457200" indent="-457200">
-              <a:lnSpc>
-                <a:spcPct val="90000"/>
-              </a:lnSpc>
-              <a:buFont typeface="Wingdings" pitchFamily="2" charset="2"/>
-              <a:buChar char="Ø"/>
-            </a:pPr>
-            <a:r>
-              <a:rPr lang="en-US" sz="2800" dirty="0">
-                <a:latin typeface="Century Gothic" panose="020B0502020202020204" pitchFamily="34" charset="0"/>
-              </a:rPr>
-              <a:t>Remember that your password is case sensitive.</a:t>
-            </a:r>
-          </a:p>
-        </p:txBody>
-      </p:sp>
-    </p:spTree>
-    <p:extLst>
-      <p:ext uri="{BB962C8B-B14F-4D97-AF65-F5344CB8AC3E}">
-        <p14:creationId xmlns:p14="http://schemas.microsoft.com/office/powerpoint/2010/main" val="621423944"/>
       </p:ext>
     </p:extLst>
   </p:cSld>
@@ -32363,1813 +34104,6 @@
       </p:grpSpPr>
       <p:sp>
         <p:nvSpPr>
-          <p:cNvPr id="2" name="Title 1">
-            <a:extLst>
-              <a:ext uri="{FF2B5EF4-FFF2-40B4-BE49-F238E27FC236}">
-                <a16:creationId xmlns:a16="http://schemas.microsoft.com/office/drawing/2014/main" id="{606FA29C-9B3E-30CC-7120-7E5696AFDBBC}"/>
-              </a:ext>
-            </a:extLst>
-          </p:cNvPr>
-          <p:cNvSpPr>
-            <a:spLocks noGrp="1"/>
-          </p:cNvSpPr>
-          <p:nvPr>
-            <p:ph type="title"/>
-          </p:nvPr>
-        </p:nvSpPr>
-        <p:spPr>
-          <a:xfrm>
-            <a:off x="4526" y="232820"/>
-            <a:ext cx="7866411" cy="1190912"/>
-          </a:xfrm>
-        </p:spPr>
-        <p:txBody>
-          <a:bodyPr>
-            <a:normAutofit/>
-          </a:bodyPr>
-          <a:lstStyle/>
-          <a:p>
-            <a:r>
-              <a:rPr lang="en-US" dirty="0">
-                <a:solidFill>
-                  <a:schemeClr val="tx2"/>
-                </a:solidFill>
-              </a:rPr>
-              <a:t>Student Credentials</a:t>
-            </a:r>
-          </a:p>
-        </p:txBody>
-      </p:sp>
-      <p:sp>
-        <p:nvSpPr>
-          <p:cNvPr id="3" name="Content Placeholder 2">
-            <a:extLst>
-              <a:ext uri="{FF2B5EF4-FFF2-40B4-BE49-F238E27FC236}">
-                <a16:creationId xmlns:a16="http://schemas.microsoft.com/office/drawing/2014/main" id="{F98B1424-BFC2-C027-59A1-119B24673513}"/>
-              </a:ext>
-            </a:extLst>
-          </p:cNvPr>
-          <p:cNvSpPr>
-            <a:spLocks noGrp="1"/>
-          </p:cNvSpPr>
-          <p:nvPr>
-            <p:ph idx="1"/>
-          </p:nvPr>
-        </p:nvSpPr>
-        <p:spPr>
-          <a:xfrm>
-            <a:off x="4549496" y="0"/>
-            <a:ext cx="7174920" cy="6477162"/>
-          </a:xfrm>
-        </p:spPr>
-        <p:txBody>
-          <a:bodyPr>
-            <a:normAutofit fontScale="92500" lnSpcReduction="10000"/>
-          </a:bodyPr>
-          <a:lstStyle/>
-          <a:p>
-            <a:pPr>
-              <a:lnSpc>
-                <a:spcPct val="110000"/>
-              </a:lnSpc>
-              <a:buClr>
-                <a:srgbClr val="F7FA5A"/>
-              </a:buClr>
-              <a:buFont typeface="Wingdings" pitchFamily="2" charset="2"/>
-              <a:buChar char="Ø"/>
-            </a:pPr>
-            <a:r>
-              <a:rPr lang="en-IE" sz="2000" dirty="0"/>
-              <a:t>Use </a:t>
-            </a:r>
-            <a:r>
-              <a:rPr lang="en-IE" sz="2000" u="sng" dirty="0">
-                <a:solidFill>
-                  <a:srgbClr val="FF0000"/>
-                </a:solidFill>
-                <a:hlinkClick r:id="rId3">
-                  <a:extLst>
-                    <a:ext uri="{A12FA001-AC4F-418D-AE19-62706E023703}">
-                      <ahyp:hlinkClr xmlns:ahyp="http://schemas.microsoft.com/office/drawing/2018/hyperlinkcolor" val="tx"/>
-                    </a:ext>
-                  </a:extLst>
-                </a:hlinkClick>
-              </a:rPr>
-              <a:t>StudentNumber@setu.ie</a:t>
-            </a:r>
-            <a:r>
-              <a:rPr lang="en-IE" sz="2000" dirty="0">
-                <a:solidFill>
-                  <a:srgbClr val="FF0000"/>
-                </a:solidFill>
-              </a:rPr>
-              <a:t> </a:t>
-            </a:r>
-            <a:r>
-              <a:rPr lang="en-IE" sz="2000" dirty="0"/>
-              <a:t>to access the following:</a:t>
-            </a:r>
-          </a:p>
-          <a:p>
-            <a:pPr marL="0" indent="0">
-              <a:lnSpc>
-                <a:spcPct val="110000"/>
-              </a:lnSpc>
-              <a:buClr>
-                <a:srgbClr val="F7FA5A"/>
-              </a:buClr>
-              <a:buNone/>
-            </a:pPr>
-            <a:endParaRPr lang="en-IE" sz="2000" dirty="0"/>
-          </a:p>
-          <a:p>
-            <a:pPr lvl="1">
-              <a:lnSpc>
-                <a:spcPct val="110000"/>
-              </a:lnSpc>
-              <a:buClr>
-                <a:srgbClr val="F7FA5A"/>
-              </a:buClr>
-            </a:pPr>
-            <a:r>
-              <a:rPr lang="en-IE" sz="2000" dirty="0"/>
-              <a:t>University Computers</a:t>
-            </a:r>
-          </a:p>
-          <a:p>
-            <a:pPr lvl="1">
-              <a:lnSpc>
-                <a:spcPct val="110000"/>
-              </a:lnSpc>
-              <a:buClr>
-                <a:srgbClr val="F7FA5A"/>
-              </a:buClr>
-            </a:pPr>
-            <a:r>
-              <a:rPr lang="en-IE" sz="2000" dirty="0"/>
-              <a:t>Moodle</a:t>
-            </a:r>
-          </a:p>
-          <a:p>
-            <a:pPr lvl="1">
-              <a:lnSpc>
-                <a:spcPct val="110000"/>
-              </a:lnSpc>
-              <a:buClr>
-                <a:srgbClr val="F7FA5A"/>
-              </a:buClr>
-            </a:pPr>
-            <a:r>
-              <a:rPr lang="en-IE" sz="2000" dirty="0"/>
-              <a:t>Student email</a:t>
-            </a:r>
-          </a:p>
-          <a:p>
-            <a:pPr lvl="1">
-              <a:lnSpc>
-                <a:spcPct val="110000"/>
-              </a:lnSpc>
-              <a:buClr>
-                <a:srgbClr val="F7FA5A"/>
-              </a:buClr>
-            </a:pPr>
-            <a:r>
-              <a:rPr lang="en-IE" sz="2000" dirty="0"/>
-              <a:t>Student Registration &amp; Fees</a:t>
-            </a:r>
-          </a:p>
-          <a:p>
-            <a:pPr lvl="1">
-              <a:lnSpc>
-                <a:spcPct val="110000"/>
-              </a:lnSpc>
-              <a:buClr>
-                <a:srgbClr val="F7FA5A"/>
-              </a:buClr>
-            </a:pPr>
-            <a:r>
-              <a:rPr lang="en-IE" sz="2000" dirty="0"/>
-              <a:t>Library Systems</a:t>
-            </a:r>
-          </a:p>
-          <a:p>
-            <a:pPr lvl="1">
-              <a:lnSpc>
-                <a:spcPct val="110000"/>
-              </a:lnSpc>
-              <a:buClr>
-                <a:srgbClr val="F7FA5A"/>
-              </a:buClr>
-            </a:pPr>
-            <a:r>
-              <a:rPr lang="en-IE" sz="2000" dirty="0" err="1"/>
-              <a:t>Eduroam</a:t>
-            </a:r>
-            <a:r>
-              <a:rPr lang="en-IE" sz="2000" dirty="0"/>
-              <a:t> </a:t>
-            </a:r>
-            <a:r>
-              <a:rPr lang="en-IE" sz="2000" dirty="0" err="1"/>
-              <a:t>Wifi</a:t>
-            </a:r>
-            <a:endParaRPr lang="en-IE" sz="2000" dirty="0"/>
-          </a:p>
-          <a:p>
-            <a:pPr lvl="1">
-              <a:lnSpc>
-                <a:spcPct val="110000"/>
-              </a:lnSpc>
-              <a:buClr>
-                <a:srgbClr val="F7FA5A"/>
-              </a:buClr>
-            </a:pPr>
-            <a:r>
-              <a:rPr lang="en-IE" sz="2000" dirty="0"/>
-              <a:t>MS Outlook</a:t>
-            </a:r>
-          </a:p>
-          <a:p>
-            <a:pPr lvl="1">
-              <a:lnSpc>
-                <a:spcPct val="110000"/>
-              </a:lnSpc>
-              <a:buClr>
-                <a:srgbClr val="F7FA5A"/>
-              </a:buClr>
-            </a:pPr>
-            <a:r>
-              <a:rPr lang="en-IE" sz="2000" dirty="0"/>
-              <a:t>MS Teams</a:t>
-            </a:r>
-          </a:p>
-          <a:p>
-            <a:pPr lvl="1">
-              <a:lnSpc>
-                <a:spcPct val="110000"/>
-              </a:lnSpc>
-              <a:buClr>
-                <a:srgbClr val="F7FA5A"/>
-              </a:buClr>
-            </a:pPr>
-            <a:r>
-              <a:rPr lang="en-IE" sz="2000" dirty="0"/>
-              <a:t>OneDrive</a:t>
-            </a:r>
-          </a:p>
-          <a:p>
-            <a:pPr lvl="1">
-              <a:lnSpc>
-                <a:spcPct val="110000"/>
-              </a:lnSpc>
-              <a:buClr>
-                <a:srgbClr val="F7FA5A"/>
-              </a:buClr>
-            </a:pPr>
-            <a:endParaRPr lang="en-IE" sz="2000" dirty="0"/>
-          </a:p>
-          <a:p>
-            <a:pPr>
-              <a:lnSpc>
-                <a:spcPct val="110000"/>
-              </a:lnSpc>
-              <a:buClr>
-                <a:srgbClr val="F7FA5A"/>
-              </a:buClr>
-            </a:pPr>
-            <a:r>
-              <a:rPr lang="en-IE" sz="2000" dirty="0"/>
-              <a:t>The SETU website has lots of help for access here:</a:t>
-            </a:r>
-          </a:p>
-          <a:p>
-            <a:pPr marL="0" indent="0">
-              <a:lnSpc>
-                <a:spcPct val="110000"/>
-              </a:lnSpc>
-              <a:buClr>
-                <a:srgbClr val="F7FA5A"/>
-              </a:buClr>
-              <a:buNone/>
-            </a:pPr>
-            <a:r>
-              <a:rPr lang="en-IE" sz="2000" dirty="0">
-                <a:solidFill>
-                  <a:srgbClr val="FF0000"/>
-                </a:solidFill>
-                <a:hlinkClick r:id="rId4">
-                  <a:extLst>
-                    <a:ext uri="{A12FA001-AC4F-418D-AE19-62706E023703}">
-                      <ahyp:hlinkClr xmlns:ahyp="http://schemas.microsoft.com/office/drawing/2018/hyperlinkcolor" val="tx"/>
-                    </a:ext>
-                  </a:extLst>
-                </a:hlinkClick>
-              </a:rPr>
-              <a:t>https://www.setu.ie/current-students/study-supports/study-support-waterford</a:t>
-            </a:r>
-            <a:r>
-              <a:rPr lang="en-IE" sz="2000" dirty="0">
-                <a:solidFill>
-                  <a:srgbClr val="FF0000"/>
-                </a:solidFill>
-              </a:rPr>
-              <a:t> </a:t>
-            </a:r>
-          </a:p>
-          <a:p>
-            <a:pPr>
-              <a:lnSpc>
-                <a:spcPct val="110000"/>
-              </a:lnSpc>
-              <a:buClr>
-                <a:srgbClr val="F7FA5A"/>
-              </a:buClr>
-            </a:pPr>
-            <a:endParaRPr lang="en-US" sz="1300" dirty="0"/>
-          </a:p>
-        </p:txBody>
-      </p:sp>
-      <p:pic>
-        <p:nvPicPr>
-          <p:cNvPr id="5" name="Picture 4" descr="A screenshot of a cell phone&#10;&#10;AI-generated content may be incorrect.">
-            <a:extLst>
-              <a:ext uri="{FF2B5EF4-FFF2-40B4-BE49-F238E27FC236}">
-                <a16:creationId xmlns:a16="http://schemas.microsoft.com/office/drawing/2014/main" id="{CC716E6A-3E82-13D8-B233-527ECFE7395B}"/>
-              </a:ext>
-            </a:extLst>
-          </p:cNvPr>
-          <p:cNvPicPr>
-            <a:picLocks noChangeAspect="1"/>
-          </p:cNvPicPr>
-          <p:nvPr/>
-        </p:nvPicPr>
-        <p:blipFill>
-          <a:blip r:embed="rId5">
-            <a:extLst>
-              <a:ext uri="{28A0092B-C50C-407E-A947-70E740481C1C}">
-                <a14:useLocalDpi xmlns:a14="http://schemas.microsoft.com/office/drawing/2010/main" val="0"/>
-              </a:ext>
-            </a:extLst>
-          </a:blip>
-          <a:stretch>
-            <a:fillRect/>
-          </a:stretch>
-        </p:blipFill>
-        <p:spPr>
-          <a:xfrm>
-            <a:off x="467584" y="2364907"/>
-            <a:ext cx="3470148" cy="1648320"/>
-          </a:xfrm>
-          <a:prstGeom prst="rect">
-            <a:avLst/>
-          </a:prstGeom>
-          <a:ln w="12700">
-            <a:noFill/>
-          </a:ln>
-        </p:spPr>
-      </p:pic>
-      <p:sp>
-        <p:nvSpPr>
-          <p:cNvPr id="4" name="Left Arrow 3">
-            <a:extLst>
-              <a:ext uri="{FF2B5EF4-FFF2-40B4-BE49-F238E27FC236}">
-                <a16:creationId xmlns:a16="http://schemas.microsoft.com/office/drawing/2014/main" id="{2A8EA7B5-1A93-C4ED-F33F-62590CE4D945}"/>
-              </a:ext>
-            </a:extLst>
-          </p:cNvPr>
-          <p:cNvSpPr/>
-          <p:nvPr/>
-        </p:nvSpPr>
-        <p:spPr>
-          <a:xfrm rot="2454836">
-            <a:off x="2215859" y="4666063"/>
-            <a:ext cx="2458953" cy="534572"/>
-          </a:xfrm>
-          <a:prstGeom prst="leftArrow">
-            <a:avLst>
-              <a:gd name="adj1" fmla="val 100000"/>
-              <a:gd name="adj2" fmla="val 50000"/>
-            </a:avLst>
-          </a:prstGeom>
-          <a:solidFill>
-            <a:srgbClr val="FF0000"/>
-          </a:solidFill>
-        </p:spPr>
-        <p:style>
-          <a:lnRef idx="2">
-            <a:schemeClr val="accent1">
-              <a:shade val="15000"/>
-            </a:schemeClr>
-          </a:lnRef>
-          <a:fillRef idx="1">
-            <a:schemeClr val="accent1"/>
-          </a:fillRef>
-          <a:effectRef idx="0">
-            <a:schemeClr val="accent1"/>
-          </a:effectRef>
-          <a:fontRef idx="minor">
-            <a:schemeClr val="lt1"/>
-          </a:fontRef>
-        </p:style>
-        <p:txBody>
-          <a:bodyPr rtlCol="0" anchor="ctr"/>
-          <a:lstStyle/>
-          <a:p>
-            <a:pPr algn="ctr"/>
-            <a:endParaRPr lang="en-US"/>
-          </a:p>
-        </p:txBody>
-      </p:sp>
-    </p:spTree>
-    <p:extLst>
-      <p:ext uri="{BB962C8B-B14F-4D97-AF65-F5344CB8AC3E}">
-        <p14:creationId xmlns:p14="http://schemas.microsoft.com/office/powerpoint/2010/main" val="4145612840"/>
-      </p:ext>
-    </p:extLst>
-  </p:cSld>
-  <p:clrMapOvr>
-    <a:overrideClrMapping bg1="lt1" tx1="dk1" bg2="lt2" tx2="dk2" accent1="accent1" accent2="accent2" accent3="accent3" accent4="accent4" accent5="accent5" accent6="accent6" hlink="hlink" folHlink="folHlink"/>
-  </p:clrMapOvr>
-  <p:timing>
-    <p:tnLst>
-      <p:par>
-        <p:cTn id="1" dur="indefinite" restart="never" nodeType="tmRoot">
-          <p:childTnLst>
-            <p:seq concurrent="1" nextAc="seek">
-              <p:cTn id="2" dur="indefinite" nodeType="mainSeq">
-                <p:childTnLst>
-                  <p:par>
-                    <p:cTn id="3" fill="hold">
-                      <p:stCondLst>
-                        <p:cond delay="indefinite"/>
-                      </p:stCondLst>
-                      <p:childTnLst>
-                        <p:par>
-                          <p:cTn id="4" fill="hold">
-                            <p:stCondLst>
-                              <p:cond delay="0"/>
-                            </p:stCondLst>
-                            <p:childTnLst>
-                              <p:par>
-                                <p:cTn id="5" presetID="2" presetClass="entr" presetSubtype="4" fill="hold" nodeType="clickEffect">
-                                  <p:stCondLst>
-                                    <p:cond delay="0"/>
-                                  </p:stCondLst>
-                                  <p:childTnLst>
-                                    <p:set>
-                                      <p:cBhvr>
-                                        <p:cTn id="6" dur="1" fill="hold">
-                                          <p:stCondLst>
-                                            <p:cond delay="0"/>
-                                          </p:stCondLst>
-                                        </p:cTn>
-                                        <p:tgtEl>
-                                          <p:spTgt spid="3">
-                                            <p:txEl>
-                                              <p:pRg st="12" end="12"/>
-                                            </p:txEl>
-                                          </p:spTgt>
-                                        </p:tgtEl>
-                                        <p:attrNameLst>
-                                          <p:attrName>style.visibility</p:attrName>
-                                        </p:attrNameLst>
-                                      </p:cBhvr>
-                                      <p:to>
-                                        <p:strVal val="visible"/>
-                                      </p:to>
-                                    </p:set>
-                                    <p:anim calcmode="lin" valueType="num">
-                                      <p:cBhvr additive="base">
-                                        <p:cTn id="7" dur="500" fill="hold"/>
-                                        <p:tgtEl>
-                                          <p:spTgt spid="3">
-                                            <p:txEl>
-                                              <p:pRg st="12" end="12"/>
-                                            </p:txEl>
-                                          </p:spTgt>
-                                        </p:tgtEl>
-                                        <p:attrNameLst>
-                                          <p:attrName>ppt_x</p:attrName>
-                                        </p:attrNameLst>
-                                      </p:cBhvr>
-                                      <p:tavLst>
-                                        <p:tav tm="0">
-                                          <p:val>
-                                            <p:strVal val="#ppt_x"/>
-                                          </p:val>
-                                        </p:tav>
-                                        <p:tav tm="100000">
-                                          <p:val>
-                                            <p:strVal val="#ppt_x"/>
-                                          </p:val>
-                                        </p:tav>
-                                      </p:tavLst>
-                                    </p:anim>
-                                    <p:anim calcmode="lin" valueType="num">
-                                      <p:cBhvr additive="base">
-                                        <p:cTn id="8" dur="500" fill="hold"/>
-                                        <p:tgtEl>
-                                          <p:spTgt spid="3">
-                                            <p:txEl>
-                                              <p:pRg st="12" end="12"/>
-                                            </p:txEl>
-                                          </p:spTgt>
-                                        </p:tgtEl>
-                                        <p:attrNameLst>
-                                          <p:attrName>ppt_y</p:attrName>
-                                        </p:attrNameLst>
-                                      </p:cBhvr>
-                                      <p:tavLst>
-                                        <p:tav tm="0">
-                                          <p:val>
-                                            <p:strVal val="1+#ppt_h/2"/>
-                                          </p:val>
-                                        </p:tav>
-                                        <p:tav tm="100000">
-                                          <p:val>
-                                            <p:strVal val="#ppt_y"/>
-                                          </p:val>
-                                        </p:tav>
-                                      </p:tavLst>
-                                    </p:anim>
-                                  </p:childTnLst>
-                                </p:cTn>
-                              </p:par>
-                              <p:par>
-                                <p:cTn id="9" presetID="2" presetClass="entr" presetSubtype="4" fill="hold" nodeType="withEffect">
-                                  <p:stCondLst>
-                                    <p:cond delay="0"/>
-                                  </p:stCondLst>
-                                  <p:childTnLst>
-                                    <p:set>
-                                      <p:cBhvr>
-                                        <p:cTn id="10" dur="1" fill="hold">
-                                          <p:stCondLst>
-                                            <p:cond delay="0"/>
-                                          </p:stCondLst>
-                                        </p:cTn>
-                                        <p:tgtEl>
-                                          <p:spTgt spid="3">
-                                            <p:txEl>
-                                              <p:pRg st="13" end="13"/>
-                                            </p:txEl>
-                                          </p:spTgt>
-                                        </p:tgtEl>
-                                        <p:attrNameLst>
-                                          <p:attrName>style.visibility</p:attrName>
-                                        </p:attrNameLst>
-                                      </p:cBhvr>
-                                      <p:to>
-                                        <p:strVal val="visible"/>
-                                      </p:to>
-                                    </p:set>
-                                    <p:anim calcmode="lin" valueType="num">
-                                      <p:cBhvr additive="base">
-                                        <p:cTn id="11" dur="500" fill="hold"/>
-                                        <p:tgtEl>
-                                          <p:spTgt spid="3">
-                                            <p:txEl>
-                                              <p:pRg st="13" end="13"/>
-                                            </p:txEl>
-                                          </p:spTgt>
-                                        </p:tgtEl>
-                                        <p:attrNameLst>
-                                          <p:attrName>ppt_x</p:attrName>
-                                        </p:attrNameLst>
-                                      </p:cBhvr>
-                                      <p:tavLst>
-                                        <p:tav tm="0">
-                                          <p:val>
-                                            <p:strVal val="#ppt_x"/>
-                                          </p:val>
-                                        </p:tav>
-                                        <p:tav tm="100000">
-                                          <p:val>
-                                            <p:strVal val="#ppt_x"/>
-                                          </p:val>
-                                        </p:tav>
-                                      </p:tavLst>
-                                    </p:anim>
-                                    <p:anim calcmode="lin" valueType="num">
-                                      <p:cBhvr additive="base">
-                                        <p:cTn id="12" dur="500" fill="hold"/>
-                                        <p:tgtEl>
-                                          <p:spTgt spid="3">
-                                            <p:txEl>
-                                              <p:pRg st="13" end="13"/>
-                                            </p:txEl>
-                                          </p:spTgt>
-                                        </p:tgtEl>
-                                        <p:attrNameLst>
-                                          <p:attrName>ppt_y</p:attrName>
-                                        </p:attrNameLst>
-                                      </p:cBhvr>
-                                      <p:tavLst>
-                                        <p:tav tm="0">
-                                          <p:val>
-                                            <p:strVal val="1+#ppt_h/2"/>
-                                          </p:val>
-                                        </p:tav>
-                                        <p:tav tm="100000">
-                                          <p:val>
-                                            <p:strVal val="#ppt_y"/>
-                                          </p:val>
-                                        </p:tav>
-                                      </p:tavLst>
-                                    </p:anim>
-                                  </p:childTnLst>
-                                </p:cTn>
-                              </p:par>
-                              <p:par>
-                                <p:cTn id="13" presetID="2" presetClass="entr" presetSubtype="4" fill="hold" grpId="0" nodeType="withEffect">
-                                  <p:stCondLst>
-                                    <p:cond delay="0"/>
-                                  </p:stCondLst>
-                                  <p:childTnLst>
-                                    <p:set>
-                                      <p:cBhvr>
-                                        <p:cTn id="14" dur="1" fill="hold">
-                                          <p:stCondLst>
-                                            <p:cond delay="0"/>
-                                          </p:stCondLst>
-                                        </p:cTn>
-                                        <p:tgtEl>
-                                          <p:spTgt spid="4"/>
-                                        </p:tgtEl>
-                                        <p:attrNameLst>
-                                          <p:attrName>style.visibility</p:attrName>
-                                        </p:attrNameLst>
-                                      </p:cBhvr>
-                                      <p:to>
-                                        <p:strVal val="visible"/>
-                                      </p:to>
-                                    </p:set>
-                                    <p:anim calcmode="lin" valueType="num">
-                                      <p:cBhvr additive="base">
-                                        <p:cTn id="15" dur="500" fill="hold"/>
-                                        <p:tgtEl>
-                                          <p:spTgt spid="4"/>
-                                        </p:tgtEl>
-                                        <p:attrNameLst>
-                                          <p:attrName>ppt_x</p:attrName>
-                                        </p:attrNameLst>
-                                      </p:cBhvr>
-                                      <p:tavLst>
-                                        <p:tav tm="0">
-                                          <p:val>
-                                            <p:strVal val="#ppt_x"/>
-                                          </p:val>
-                                        </p:tav>
-                                        <p:tav tm="100000">
-                                          <p:val>
-                                            <p:strVal val="#ppt_x"/>
-                                          </p:val>
-                                        </p:tav>
-                                      </p:tavLst>
-                                    </p:anim>
-                                    <p:anim calcmode="lin" valueType="num">
-                                      <p:cBhvr additive="base">
-                                        <p:cTn id="16" dur="500" fill="hold"/>
-                                        <p:tgtEl>
-                                          <p:spTgt spid="4"/>
-                                        </p:tgtEl>
-                                        <p:attrNameLst>
-                                          <p:attrName>ppt_y</p:attrName>
-                                        </p:attrNameLst>
-                                      </p:cBhvr>
-                                      <p:tavLst>
-                                        <p:tav tm="0">
-                                          <p:val>
-                                            <p:strVal val="1+#ppt_h/2"/>
-                                          </p:val>
-                                        </p:tav>
-                                        <p:tav tm="100000">
-                                          <p:val>
-                                            <p:strVal val="#ppt_y"/>
-                                          </p:val>
-                                        </p:tav>
-                                      </p:tavLst>
-                                    </p:anim>
-                                  </p:childTnLst>
-                                </p:cTn>
-                              </p:par>
-                            </p:childTnLst>
-                          </p:cTn>
-                        </p:par>
-                      </p:childTnLst>
-                    </p:cTn>
-                  </p:par>
-                </p:childTnLst>
-              </p:cTn>
-              <p:prevCondLst>
-                <p:cond evt="onPrev" delay="0">
-                  <p:tgtEl>
-                    <p:sldTgt/>
-                  </p:tgtEl>
-                </p:cond>
-              </p:prevCondLst>
-              <p:nextCondLst>
-                <p:cond evt="onNext" delay="0">
-                  <p:tgtEl>
-                    <p:sldTgt/>
-                  </p:tgtEl>
-                </p:cond>
-              </p:nextCondLst>
-            </p:seq>
-          </p:childTnLst>
-        </p:cTn>
-      </p:par>
-    </p:tnLst>
-    <p:bldLst>
-      <p:bldP spid="4" grpId="0" animBg="1"/>
-    </p:bldLst>
-  </p:timing>
-</p:sld>
-</file>
-
-<file path=ppt/slides/slide8.xml><?xml version="1.0" encoding="utf-8"?>
-<p:sld xmlns:a="http://schemas.openxmlformats.org/drawingml/2006/main" xmlns:r="http://schemas.openxmlformats.org/officeDocument/2006/relationships" xmlns:p="http://schemas.openxmlformats.org/presentationml/2006/main">
-  <p:cSld>
-    <p:bg>
-      <p:bgPr>
-        <a:gradFill>
-          <a:gsLst>
-            <a:gs pos="0">
-              <a:schemeClr val="accent1">
-                <a:lumMod val="67000"/>
-              </a:schemeClr>
-            </a:gs>
-            <a:gs pos="48000">
-              <a:schemeClr val="accent1">
-                <a:lumMod val="97000"/>
-                <a:lumOff val="3000"/>
-              </a:schemeClr>
-            </a:gs>
-            <a:gs pos="100000">
-              <a:schemeClr val="accent1">
-                <a:lumMod val="60000"/>
-                <a:lumOff val="40000"/>
-              </a:schemeClr>
-            </a:gs>
-          </a:gsLst>
-          <a:lin ang="16200000" scaled="1"/>
-        </a:gradFill>
-        <a:effectLst/>
-      </p:bgPr>
-    </p:bg>
-    <p:spTree>
-      <p:nvGrpSpPr>
-        <p:cNvPr id="1" name=""/>
-        <p:cNvGrpSpPr/>
-        <p:nvPr/>
-      </p:nvGrpSpPr>
-      <p:grpSpPr>
-        <a:xfrm>
-          <a:off x="0" y="0"/>
-          <a:ext cx="0" cy="0"/>
-          <a:chOff x="0" y="0"/>
-          <a:chExt cx="0" cy="0"/>
-        </a:xfrm>
-      </p:grpSpPr>
-      <p:sp>
-        <p:nvSpPr>
-          <p:cNvPr id="2" name="Title 1">
-            <a:extLst>
-              <a:ext uri="{FF2B5EF4-FFF2-40B4-BE49-F238E27FC236}">
-                <a16:creationId xmlns:a16="http://schemas.microsoft.com/office/drawing/2014/main" id="{6CC74E65-FBB7-E685-9B44-54C599731FC0}"/>
-              </a:ext>
-            </a:extLst>
-          </p:cNvPr>
-          <p:cNvSpPr>
-            <a:spLocks noGrp="1"/>
-          </p:cNvSpPr>
-          <p:nvPr>
-            <p:ph type="title"/>
-          </p:nvPr>
-        </p:nvSpPr>
-        <p:spPr>
-          <a:xfrm>
-            <a:off x="3377474" y="201790"/>
-            <a:ext cx="4817120" cy="1190912"/>
-          </a:xfrm>
-        </p:spPr>
-        <p:txBody>
-          <a:bodyPr>
-            <a:normAutofit/>
-          </a:bodyPr>
-          <a:lstStyle/>
-          <a:p>
-            <a:r>
-              <a:rPr lang="en-US" dirty="0">
-                <a:solidFill>
-                  <a:schemeClr val="tx2"/>
-                </a:solidFill>
-              </a:rPr>
-              <a:t>University Computers</a:t>
-            </a:r>
-          </a:p>
-        </p:txBody>
-      </p:sp>
-      <p:sp>
-        <p:nvSpPr>
-          <p:cNvPr id="3" name="Content Placeholder 2">
-            <a:extLst>
-              <a:ext uri="{FF2B5EF4-FFF2-40B4-BE49-F238E27FC236}">
-                <a16:creationId xmlns:a16="http://schemas.microsoft.com/office/drawing/2014/main" id="{B20EF458-3282-820F-AD41-02FA00051C78}"/>
-              </a:ext>
-            </a:extLst>
-          </p:cNvPr>
-          <p:cNvSpPr>
-            <a:spLocks noGrp="1"/>
-          </p:cNvSpPr>
-          <p:nvPr>
-            <p:ph idx="1"/>
-          </p:nvPr>
-        </p:nvSpPr>
-        <p:spPr>
-          <a:xfrm>
-            <a:off x="4599418" y="1157771"/>
-            <a:ext cx="6541477" cy="5465297"/>
-          </a:xfrm>
-        </p:spPr>
-        <p:txBody>
-          <a:bodyPr>
-            <a:normAutofit/>
-          </a:bodyPr>
-          <a:lstStyle/>
-          <a:p>
-            <a:pPr lvl="0">
-              <a:lnSpc>
-                <a:spcPct val="110000"/>
-              </a:lnSpc>
-              <a:buClr>
-                <a:schemeClr val="bg1"/>
-              </a:buClr>
-              <a:defRPr b="1"/>
-            </a:pPr>
-            <a:r>
-              <a:rPr lang="en-US" sz="2400" dirty="0"/>
-              <a:t>Log in</a:t>
-            </a:r>
-          </a:p>
-          <a:p>
-            <a:pPr lvl="1">
-              <a:lnSpc>
-                <a:spcPct val="110000"/>
-              </a:lnSpc>
-              <a:buClr>
-                <a:schemeClr val="bg1"/>
-              </a:buClr>
-            </a:pPr>
-            <a:r>
-              <a:rPr lang="en-US" sz="2000" dirty="0"/>
-              <a:t>Log in to university computers</a:t>
-            </a:r>
-          </a:p>
-          <a:p>
-            <a:pPr lvl="2">
-              <a:lnSpc>
-                <a:spcPct val="110000"/>
-              </a:lnSpc>
-              <a:buClr>
-                <a:schemeClr val="bg1"/>
-              </a:buClr>
-            </a:pPr>
-            <a:r>
-              <a:rPr lang="en-US" sz="2000" dirty="0"/>
-              <a:t>Your username is your </a:t>
-            </a:r>
-            <a:r>
-              <a:rPr lang="en-US" sz="2000" dirty="0" err="1"/>
-              <a:t>StudentNumber@setu.ie</a:t>
-            </a:r>
-            <a:endParaRPr lang="en-US" sz="2000" dirty="0"/>
-          </a:p>
-          <a:p>
-            <a:pPr lvl="2">
-              <a:lnSpc>
-                <a:spcPct val="110000"/>
-              </a:lnSpc>
-              <a:buClr>
-                <a:schemeClr val="bg1"/>
-              </a:buClr>
-            </a:pPr>
-            <a:r>
-              <a:rPr lang="en-US" sz="2000" dirty="0"/>
-              <a:t>Your password is provided to with your registration information.</a:t>
-            </a:r>
-          </a:p>
-          <a:p>
-            <a:pPr lvl="0">
-              <a:lnSpc>
-                <a:spcPct val="110000"/>
-              </a:lnSpc>
-              <a:buClr>
-                <a:schemeClr val="bg1"/>
-              </a:buClr>
-              <a:defRPr b="1"/>
-            </a:pPr>
-            <a:r>
-              <a:rPr lang="en-US" sz="2400" dirty="0"/>
-              <a:t>Help</a:t>
-            </a:r>
-          </a:p>
-          <a:p>
-            <a:pPr lvl="1">
-              <a:lnSpc>
-                <a:spcPct val="110000"/>
-              </a:lnSpc>
-              <a:buClr>
-                <a:schemeClr val="bg1"/>
-              </a:buClr>
-            </a:pPr>
-            <a:r>
-              <a:rPr lang="en-US" sz="2000" dirty="0"/>
-              <a:t>If you have trouble logging in you can</a:t>
-            </a:r>
-          </a:p>
-          <a:p>
-            <a:pPr lvl="2">
-              <a:lnSpc>
-                <a:spcPct val="110000"/>
-              </a:lnSpc>
-              <a:buClr>
-                <a:schemeClr val="bg1"/>
-              </a:buClr>
-            </a:pPr>
-            <a:r>
-              <a:rPr lang="en-US" sz="2000" dirty="0"/>
-              <a:t>Call into Computer Services. Computer Services is located in the corner of the ground floor of the IT Building. </a:t>
-            </a:r>
-          </a:p>
-          <a:p>
-            <a:pPr lvl="2">
-              <a:lnSpc>
-                <a:spcPct val="110000"/>
-              </a:lnSpc>
-              <a:buClr>
-                <a:schemeClr val="bg1"/>
-              </a:buClr>
-            </a:pPr>
-            <a:r>
-              <a:rPr lang="en-US" sz="2000" dirty="0"/>
-              <a:t>You can email them </a:t>
-            </a:r>
-            <a:r>
-              <a:rPr lang="en-US" sz="2000" dirty="0" err="1"/>
-              <a:t>computerservices@setu.ie</a:t>
-            </a:r>
-            <a:endParaRPr lang="en-US" sz="2000" dirty="0"/>
-          </a:p>
-        </p:txBody>
-      </p:sp>
-      <p:pic>
-        <p:nvPicPr>
-          <p:cNvPr id="7" name="Graphic 6" descr="Computer">
-            <a:extLst>
-              <a:ext uri="{FF2B5EF4-FFF2-40B4-BE49-F238E27FC236}">
-                <a16:creationId xmlns:a16="http://schemas.microsoft.com/office/drawing/2014/main" id="{8B8D8BDA-CCAB-DA30-C9BC-0685DF13720C}"/>
-              </a:ext>
-            </a:extLst>
-          </p:cNvPr>
-          <p:cNvPicPr>
-            <a:picLocks noChangeAspect="1"/>
-          </p:cNvPicPr>
-          <p:nvPr/>
-        </p:nvPicPr>
-        <p:blipFill>
-          <a:blip r:embed="rId3">
-            <a:extLst>
-              <a:ext uri="{28A0092B-C50C-407E-A947-70E740481C1C}">
-                <a14:useLocalDpi xmlns:a14="http://schemas.microsoft.com/office/drawing/2010/main" val="0"/>
-              </a:ext>
-              <a:ext uri="{96DAC541-7B7A-43D3-8B79-37D633B846F1}">
-                <asvg:svgBlip xmlns:asvg="http://schemas.microsoft.com/office/drawing/2016/SVG/main" r:embed="rId4"/>
-              </a:ext>
-            </a:extLst>
-          </a:blip>
-          <a:stretch>
-            <a:fillRect/>
-          </a:stretch>
-        </p:blipFill>
-        <p:spPr>
-          <a:xfrm>
-            <a:off x="437425" y="2228851"/>
-            <a:ext cx="3346704" cy="3346704"/>
-          </a:xfrm>
-          <a:prstGeom prst="rect">
-            <a:avLst/>
-          </a:prstGeom>
-          <a:ln w="12700">
-            <a:noFill/>
-          </a:ln>
-        </p:spPr>
-      </p:pic>
-    </p:spTree>
-    <p:extLst>
-      <p:ext uri="{BB962C8B-B14F-4D97-AF65-F5344CB8AC3E}">
-        <p14:creationId xmlns:p14="http://schemas.microsoft.com/office/powerpoint/2010/main" val="1031518245"/>
-      </p:ext>
-    </p:extLst>
-  </p:cSld>
-  <p:clrMapOvr>
-    <a:overrideClrMapping bg1="lt1" tx1="dk1" bg2="lt2" tx2="dk2" accent1="accent1" accent2="accent2" accent3="accent3" accent4="accent4" accent5="accent5" accent6="accent6" hlink="hlink" folHlink="folHlink"/>
-  </p:clrMapOvr>
-  <p:timing>
-    <p:tnLst>
-      <p:par>
-        <p:cTn id="1" dur="indefinite" restart="never" nodeType="tmRoot">
-          <p:childTnLst>
-            <p:seq concurrent="1" nextAc="seek">
-              <p:cTn id="2" dur="indefinite" nodeType="mainSeq">
-                <p:childTnLst>
-                  <p:par>
-                    <p:cTn id="3" fill="hold">
-                      <p:stCondLst>
-                        <p:cond delay="indefinite"/>
-                      </p:stCondLst>
-                      <p:childTnLst>
-                        <p:par>
-                          <p:cTn id="4" fill="hold">
-                            <p:stCondLst>
-                              <p:cond delay="0"/>
-                            </p:stCondLst>
-                            <p:childTnLst>
-                              <p:par>
-                                <p:cTn id="5" presetID="2" presetClass="entr" presetSubtype="4" fill="hold" nodeType="clickEffect">
-                                  <p:stCondLst>
-                                    <p:cond delay="0"/>
-                                  </p:stCondLst>
-                                  <p:childTnLst>
-                                    <p:set>
-                                      <p:cBhvr>
-                                        <p:cTn id="6" dur="1" fill="hold">
-                                          <p:stCondLst>
-                                            <p:cond delay="0"/>
-                                          </p:stCondLst>
-                                        </p:cTn>
-                                        <p:tgtEl>
-                                          <p:spTgt spid="3">
-                                            <p:txEl>
-                                              <p:pRg st="0" end="0"/>
-                                            </p:txEl>
-                                          </p:spTgt>
-                                        </p:tgtEl>
-                                        <p:attrNameLst>
-                                          <p:attrName>style.visibility</p:attrName>
-                                        </p:attrNameLst>
-                                      </p:cBhvr>
-                                      <p:to>
-                                        <p:strVal val="visible"/>
-                                      </p:to>
-                                    </p:set>
-                                    <p:anim calcmode="lin" valueType="num">
-                                      <p:cBhvr additive="base">
-                                        <p:cTn id="7" dur="500" fill="hold"/>
-                                        <p:tgtEl>
-                                          <p:spTgt spid="3">
-                                            <p:txEl>
-                                              <p:pRg st="0" end="0"/>
-                                            </p:txEl>
-                                          </p:spTgt>
-                                        </p:tgtEl>
-                                        <p:attrNameLst>
-                                          <p:attrName>ppt_x</p:attrName>
-                                        </p:attrNameLst>
-                                      </p:cBhvr>
-                                      <p:tavLst>
-                                        <p:tav tm="0">
-                                          <p:val>
-                                            <p:strVal val="#ppt_x"/>
-                                          </p:val>
-                                        </p:tav>
-                                        <p:tav tm="100000">
-                                          <p:val>
-                                            <p:strVal val="#ppt_x"/>
-                                          </p:val>
-                                        </p:tav>
-                                      </p:tavLst>
-                                    </p:anim>
-                                    <p:anim calcmode="lin" valueType="num">
-                                      <p:cBhvr additive="base">
-                                        <p:cTn id="8" dur="500" fill="hold"/>
-                                        <p:tgtEl>
-                                          <p:spTgt spid="3">
-                                            <p:txEl>
-                                              <p:pRg st="0" end="0"/>
-                                            </p:txEl>
-                                          </p:spTgt>
-                                        </p:tgtEl>
-                                        <p:attrNameLst>
-                                          <p:attrName>ppt_y</p:attrName>
-                                        </p:attrNameLst>
-                                      </p:cBhvr>
-                                      <p:tavLst>
-                                        <p:tav tm="0">
-                                          <p:val>
-                                            <p:strVal val="1+#ppt_h/2"/>
-                                          </p:val>
-                                        </p:tav>
-                                        <p:tav tm="100000">
-                                          <p:val>
-                                            <p:strVal val="#ppt_y"/>
-                                          </p:val>
-                                        </p:tav>
-                                      </p:tavLst>
-                                    </p:anim>
-                                  </p:childTnLst>
-                                </p:cTn>
-                              </p:par>
-                              <p:par>
-                                <p:cTn id="9" presetID="2" presetClass="entr" presetSubtype="4" fill="hold" nodeType="withEffect">
-                                  <p:stCondLst>
-                                    <p:cond delay="0"/>
-                                  </p:stCondLst>
-                                  <p:childTnLst>
-                                    <p:set>
-                                      <p:cBhvr>
-                                        <p:cTn id="10" dur="1" fill="hold">
-                                          <p:stCondLst>
-                                            <p:cond delay="0"/>
-                                          </p:stCondLst>
-                                        </p:cTn>
-                                        <p:tgtEl>
-                                          <p:spTgt spid="3">
-                                            <p:txEl>
-                                              <p:pRg st="1" end="1"/>
-                                            </p:txEl>
-                                          </p:spTgt>
-                                        </p:tgtEl>
-                                        <p:attrNameLst>
-                                          <p:attrName>style.visibility</p:attrName>
-                                        </p:attrNameLst>
-                                      </p:cBhvr>
-                                      <p:to>
-                                        <p:strVal val="visible"/>
-                                      </p:to>
-                                    </p:set>
-                                    <p:anim calcmode="lin" valueType="num">
-                                      <p:cBhvr additive="base">
-                                        <p:cTn id="11" dur="500" fill="hold"/>
-                                        <p:tgtEl>
-                                          <p:spTgt spid="3">
-                                            <p:txEl>
-                                              <p:pRg st="1" end="1"/>
-                                            </p:txEl>
-                                          </p:spTgt>
-                                        </p:tgtEl>
-                                        <p:attrNameLst>
-                                          <p:attrName>ppt_x</p:attrName>
-                                        </p:attrNameLst>
-                                      </p:cBhvr>
-                                      <p:tavLst>
-                                        <p:tav tm="0">
-                                          <p:val>
-                                            <p:strVal val="#ppt_x"/>
-                                          </p:val>
-                                        </p:tav>
-                                        <p:tav tm="100000">
-                                          <p:val>
-                                            <p:strVal val="#ppt_x"/>
-                                          </p:val>
-                                        </p:tav>
-                                      </p:tavLst>
-                                    </p:anim>
-                                    <p:anim calcmode="lin" valueType="num">
-                                      <p:cBhvr additive="base">
-                                        <p:cTn id="12" dur="500" fill="hold"/>
-                                        <p:tgtEl>
-                                          <p:spTgt spid="3">
-                                            <p:txEl>
-                                              <p:pRg st="1" end="1"/>
-                                            </p:txEl>
-                                          </p:spTgt>
-                                        </p:tgtEl>
-                                        <p:attrNameLst>
-                                          <p:attrName>ppt_y</p:attrName>
-                                        </p:attrNameLst>
-                                      </p:cBhvr>
-                                      <p:tavLst>
-                                        <p:tav tm="0">
-                                          <p:val>
-                                            <p:strVal val="1+#ppt_h/2"/>
-                                          </p:val>
-                                        </p:tav>
-                                        <p:tav tm="100000">
-                                          <p:val>
-                                            <p:strVal val="#ppt_y"/>
-                                          </p:val>
-                                        </p:tav>
-                                      </p:tavLst>
-                                    </p:anim>
-                                  </p:childTnLst>
-                                </p:cTn>
-                              </p:par>
-                              <p:par>
-                                <p:cTn id="13" presetID="2" presetClass="entr" presetSubtype="4" fill="hold" nodeType="withEffect">
-                                  <p:stCondLst>
-                                    <p:cond delay="0"/>
-                                  </p:stCondLst>
-                                  <p:childTnLst>
-                                    <p:set>
-                                      <p:cBhvr>
-                                        <p:cTn id="14" dur="1" fill="hold">
-                                          <p:stCondLst>
-                                            <p:cond delay="0"/>
-                                          </p:stCondLst>
-                                        </p:cTn>
-                                        <p:tgtEl>
-                                          <p:spTgt spid="3">
-                                            <p:txEl>
-                                              <p:pRg st="2" end="2"/>
-                                            </p:txEl>
-                                          </p:spTgt>
-                                        </p:tgtEl>
-                                        <p:attrNameLst>
-                                          <p:attrName>style.visibility</p:attrName>
-                                        </p:attrNameLst>
-                                      </p:cBhvr>
-                                      <p:to>
-                                        <p:strVal val="visible"/>
-                                      </p:to>
-                                    </p:set>
-                                    <p:anim calcmode="lin" valueType="num">
-                                      <p:cBhvr additive="base">
-                                        <p:cTn id="15" dur="500" fill="hold"/>
-                                        <p:tgtEl>
-                                          <p:spTgt spid="3">
-                                            <p:txEl>
-                                              <p:pRg st="2" end="2"/>
-                                            </p:txEl>
-                                          </p:spTgt>
-                                        </p:tgtEl>
-                                        <p:attrNameLst>
-                                          <p:attrName>ppt_x</p:attrName>
-                                        </p:attrNameLst>
-                                      </p:cBhvr>
-                                      <p:tavLst>
-                                        <p:tav tm="0">
-                                          <p:val>
-                                            <p:strVal val="#ppt_x"/>
-                                          </p:val>
-                                        </p:tav>
-                                        <p:tav tm="100000">
-                                          <p:val>
-                                            <p:strVal val="#ppt_x"/>
-                                          </p:val>
-                                        </p:tav>
-                                      </p:tavLst>
-                                    </p:anim>
-                                    <p:anim calcmode="lin" valueType="num">
-                                      <p:cBhvr additive="base">
-                                        <p:cTn id="16" dur="500" fill="hold"/>
-                                        <p:tgtEl>
-                                          <p:spTgt spid="3">
-                                            <p:txEl>
-                                              <p:pRg st="2" end="2"/>
-                                            </p:txEl>
-                                          </p:spTgt>
-                                        </p:tgtEl>
-                                        <p:attrNameLst>
-                                          <p:attrName>ppt_y</p:attrName>
-                                        </p:attrNameLst>
-                                      </p:cBhvr>
-                                      <p:tavLst>
-                                        <p:tav tm="0">
-                                          <p:val>
-                                            <p:strVal val="1+#ppt_h/2"/>
-                                          </p:val>
-                                        </p:tav>
-                                        <p:tav tm="100000">
-                                          <p:val>
-                                            <p:strVal val="#ppt_y"/>
-                                          </p:val>
-                                        </p:tav>
-                                      </p:tavLst>
-                                    </p:anim>
-                                  </p:childTnLst>
-                                </p:cTn>
-                              </p:par>
-                              <p:par>
-                                <p:cTn id="17" presetID="2" presetClass="entr" presetSubtype="4" fill="hold" nodeType="withEffect">
-                                  <p:stCondLst>
-                                    <p:cond delay="0"/>
-                                  </p:stCondLst>
-                                  <p:childTnLst>
-                                    <p:set>
-                                      <p:cBhvr>
-                                        <p:cTn id="18" dur="1" fill="hold">
-                                          <p:stCondLst>
-                                            <p:cond delay="0"/>
-                                          </p:stCondLst>
-                                        </p:cTn>
-                                        <p:tgtEl>
-                                          <p:spTgt spid="3">
-                                            <p:txEl>
-                                              <p:pRg st="3" end="3"/>
-                                            </p:txEl>
-                                          </p:spTgt>
-                                        </p:tgtEl>
-                                        <p:attrNameLst>
-                                          <p:attrName>style.visibility</p:attrName>
-                                        </p:attrNameLst>
-                                      </p:cBhvr>
-                                      <p:to>
-                                        <p:strVal val="visible"/>
-                                      </p:to>
-                                    </p:set>
-                                    <p:anim calcmode="lin" valueType="num">
-                                      <p:cBhvr additive="base">
-                                        <p:cTn id="19" dur="500" fill="hold"/>
-                                        <p:tgtEl>
-                                          <p:spTgt spid="3">
-                                            <p:txEl>
-                                              <p:pRg st="3" end="3"/>
-                                            </p:txEl>
-                                          </p:spTgt>
-                                        </p:tgtEl>
-                                        <p:attrNameLst>
-                                          <p:attrName>ppt_x</p:attrName>
-                                        </p:attrNameLst>
-                                      </p:cBhvr>
-                                      <p:tavLst>
-                                        <p:tav tm="0">
-                                          <p:val>
-                                            <p:strVal val="#ppt_x"/>
-                                          </p:val>
-                                        </p:tav>
-                                        <p:tav tm="100000">
-                                          <p:val>
-                                            <p:strVal val="#ppt_x"/>
-                                          </p:val>
-                                        </p:tav>
-                                      </p:tavLst>
-                                    </p:anim>
-                                    <p:anim calcmode="lin" valueType="num">
-                                      <p:cBhvr additive="base">
-                                        <p:cTn id="20" dur="500" fill="hold"/>
-                                        <p:tgtEl>
-                                          <p:spTgt spid="3">
-                                            <p:txEl>
-                                              <p:pRg st="3" end="3"/>
-                                            </p:txEl>
-                                          </p:spTgt>
-                                        </p:tgtEl>
-                                        <p:attrNameLst>
-                                          <p:attrName>ppt_y</p:attrName>
-                                        </p:attrNameLst>
-                                      </p:cBhvr>
-                                      <p:tavLst>
-                                        <p:tav tm="0">
-                                          <p:val>
-                                            <p:strVal val="1+#ppt_h/2"/>
-                                          </p:val>
-                                        </p:tav>
-                                        <p:tav tm="100000">
-                                          <p:val>
-                                            <p:strVal val="#ppt_y"/>
-                                          </p:val>
-                                        </p:tav>
-                                      </p:tavLst>
-                                    </p:anim>
-                                  </p:childTnLst>
-                                </p:cTn>
-                              </p:par>
-                            </p:childTnLst>
-                          </p:cTn>
-                        </p:par>
-                      </p:childTnLst>
-                    </p:cTn>
-                  </p:par>
-                  <p:par>
-                    <p:cTn id="21" fill="hold">
-                      <p:stCondLst>
-                        <p:cond delay="indefinite"/>
-                      </p:stCondLst>
-                      <p:childTnLst>
-                        <p:par>
-                          <p:cTn id="22" fill="hold">
-                            <p:stCondLst>
-                              <p:cond delay="0"/>
-                            </p:stCondLst>
-                            <p:childTnLst>
-                              <p:par>
-                                <p:cTn id="23" presetID="2" presetClass="entr" presetSubtype="4" fill="hold" nodeType="clickEffect">
-                                  <p:stCondLst>
-                                    <p:cond delay="0"/>
-                                  </p:stCondLst>
-                                  <p:childTnLst>
-                                    <p:set>
-                                      <p:cBhvr>
-                                        <p:cTn id="24" dur="1" fill="hold">
-                                          <p:stCondLst>
-                                            <p:cond delay="0"/>
-                                          </p:stCondLst>
-                                        </p:cTn>
-                                        <p:tgtEl>
-                                          <p:spTgt spid="3">
-                                            <p:txEl>
-                                              <p:pRg st="4" end="4"/>
-                                            </p:txEl>
-                                          </p:spTgt>
-                                        </p:tgtEl>
-                                        <p:attrNameLst>
-                                          <p:attrName>style.visibility</p:attrName>
-                                        </p:attrNameLst>
-                                      </p:cBhvr>
-                                      <p:to>
-                                        <p:strVal val="visible"/>
-                                      </p:to>
-                                    </p:set>
-                                    <p:anim calcmode="lin" valueType="num">
-                                      <p:cBhvr additive="base">
-                                        <p:cTn id="25" dur="500" fill="hold"/>
-                                        <p:tgtEl>
-                                          <p:spTgt spid="3">
-                                            <p:txEl>
-                                              <p:pRg st="4" end="4"/>
-                                            </p:txEl>
-                                          </p:spTgt>
-                                        </p:tgtEl>
-                                        <p:attrNameLst>
-                                          <p:attrName>ppt_x</p:attrName>
-                                        </p:attrNameLst>
-                                      </p:cBhvr>
-                                      <p:tavLst>
-                                        <p:tav tm="0">
-                                          <p:val>
-                                            <p:strVal val="#ppt_x"/>
-                                          </p:val>
-                                        </p:tav>
-                                        <p:tav tm="100000">
-                                          <p:val>
-                                            <p:strVal val="#ppt_x"/>
-                                          </p:val>
-                                        </p:tav>
-                                      </p:tavLst>
-                                    </p:anim>
-                                    <p:anim calcmode="lin" valueType="num">
-                                      <p:cBhvr additive="base">
-                                        <p:cTn id="26" dur="500" fill="hold"/>
-                                        <p:tgtEl>
-                                          <p:spTgt spid="3">
-                                            <p:txEl>
-                                              <p:pRg st="4" end="4"/>
-                                            </p:txEl>
-                                          </p:spTgt>
-                                        </p:tgtEl>
-                                        <p:attrNameLst>
-                                          <p:attrName>ppt_y</p:attrName>
-                                        </p:attrNameLst>
-                                      </p:cBhvr>
-                                      <p:tavLst>
-                                        <p:tav tm="0">
-                                          <p:val>
-                                            <p:strVal val="1+#ppt_h/2"/>
-                                          </p:val>
-                                        </p:tav>
-                                        <p:tav tm="100000">
-                                          <p:val>
-                                            <p:strVal val="#ppt_y"/>
-                                          </p:val>
-                                        </p:tav>
-                                      </p:tavLst>
-                                    </p:anim>
-                                  </p:childTnLst>
-                                </p:cTn>
-                              </p:par>
-                              <p:par>
-                                <p:cTn id="27" presetID="2" presetClass="entr" presetSubtype="4" fill="hold" nodeType="withEffect">
-                                  <p:stCondLst>
-                                    <p:cond delay="0"/>
-                                  </p:stCondLst>
-                                  <p:childTnLst>
-                                    <p:set>
-                                      <p:cBhvr>
-                                        <p:cTn id="28" dur="1" fill="hold">
-                                          <p:stCondLst>
-                                            <p:cond delay="0"/>
-                                          </p:stCondLst>
-                                        </p:cTn>
-                                        <p:tgtEl>
-                                          <p:spTgt spid="3">
-                                            <p:txEl>
-                                              <p:pRg st="5" end="5"/>
-                                            </p:txEl>
-                                          </p:spTgt>
-                                        </p:tgtEl>
-                                        <p:attrNameLst>
-                                          <p:attrName>style.visibility</p:attrName>
-                                        </p:attrNameLst>
-                                      </p:cBhvr>
-                                      <p:to>
-                                        <p:strVal val="visible"/>
-                                      </p:to>
-                                    </p:set>
-                                    <p:anim calcmode="lin" valueType="num">
-                                      <p:cBhvr additive="base">
-                                        <p:cTn id="29" dur="500" fill="hold"/>
-                                        <p:tgtEl>
-                                          <p:spTgt spid="3">
-                                            <p:txEl>
-                                              <p:pRg st="5" end="5"/>
-                                            </p:txEl>
-                                          </p:spTgt>
-                                        </p:tgtEl>
-                                        <p:attrNameLst>
-                                          <p:attrName>ppt_x</p:attrName>
-                                        </p:attrNameLst>
-                                      </p:cBhvr>
-                                      <p:tavLst>
-                                        <p:tav tm="0">
-                                          <p:val>
-                                            <p:strVal val="#ppt_x"/>
-                                          </p:val>
-                                        </p:tav>
-                                        <p:tav tm="100000">
-                                          <p:val>
-                                            <p:strVal val="#ppt_x"/>
-                                          </p:val>
-                                        </p:tav>
-                                      </p:tavLst>
-                                    </p:anim>
-                                    <p:anim calcmode="lin" valueType="num">
-                                      <p:cBhvr additive="base">
-                                        <p:cTn id="30" dur="500" fill="hold"/>
-                                        <p:tgtEl>
-                                          <p:spTgt spid="3">
-                                            <p:txEl>
-                                              <p:pRg st="5" end="5"/>
-                                            </p:txEl>
-                                          </p:spTgt>
-                                        </p:tgtEl>
-                                        <p:attrNameLst>
-                                          <p:attrName>ppt_y</p:attrName>
-                                        </p:attrNameLst>
-                                      </p:cBhvr>
-                                      <p:tavLst>
-                                        <p:tav tm="0">
-                                          <p:val>
-                                            <p:strVal val="1+#ppt_h/2"/>
-                                          </p:val>
-                                        </p:tav>
-                                        <p:tav tm="100000">
-                                          <p:val>
-                                            <p:strVal val="#ppt_y"/>
-                                          </p:val>
-                                        </p:tav>
-                                      </p:tavLst>
-                                    </p:anim>
-                                  </p:childTnLst>
-                                </p:cTn>
-                              </p:par>
-                              <p:par>
-                                <p:cTn id="31" presetID="2" presetClass="entr" presetSubtype="4" fill="hold" nodeType="withEffect">
-                                  <p:stCondLst>
-                                    <p:cond delay="0"/>
-                                  </p:stCondLst>
-                                  <p:childTnLst>
-                                    <p:set>
-                                      <p:cBhvr>
-                                        <p:cTn id="32" dur="1" fill="hold">
-                                          <p:stCondLst>
-                                            <p:cond delay="0"/>
-                                          </p:stCondLst>
-                                        </p:cTn>
-                                        <p:tgtEl>
-                                          <p:spTgt spid="3">
-                                            <p:txEl>
-                                              <p:pRg st="6" end="6"/>
-                                            </p:txEl>
-                                          </p:spTgt>
-                                        </p:tgtEl>
-                                        <p:attrNameLst>
-                                          <p:attrName>style.visibility</p:attrName>
-                                        </p:attrNameLst>
-                                      </p:cBhvr>
-                                      <p:to>
-                                        <p:strVal val="visible"/>
-                                      </p:to>
-                                    </p:set>
-                                    <p:anim calcmode="lin" valueType="num">
-                                      <p:cBhvr additive="base">
-                                        <p:cTn id="33" dur="500" fill="hold"/>
-                                        <p:tgtEl>
-                                          <p:spTgt spid="3">
-                                            <p:txEl>
-                                              <p:pRg st="6" end="6"/>
-                                            </p:txEl>
-                                          </p:spTgt>
-                                        </p:tgtEl>
-                                        <p:attrNameLst>
-                                          <p:attrName>ppt_x</p:attrName>
-                                        </p:attrNameLst>
-                                      </p:cBhvr>
-                                      <p:tavLst>
-                                        <p:tav tm="0">
-                                          <p:val>
-                                            <p:strVal val="#ppt_x"/>
-                                          </p:val>
-                                        </p:tav>
-                                        <p:tav tm="100000">
-                                          <p:val>
-                                            <p:strVal val="#ppt_x"/>
-                                          </p:val>
-                                        </p:tav>
-                                      </p:tavLst>
-                                    </p:anim>
-                                    <p:anim calcmode="lin" valueType="num">
-                                      <p:cBhvr additive="base">
-                                        <p:cTn id="34" dur="500" fill="hold"/>
-                                        <p:tgtEl>
-                                          <p:spTgt spid="3">
-                                            <p:txEl>
-                                              <p:pRg st="6" end="6"/>
-                                            </p:txEl>
-                                          </p:spTgt>
-                                        </p:tgtEl>
-                                        <p:attrNameLst>
-                                          <p:attrName>ppt_y</p:attrName>
-                                        </p:attrNameLst>
-                                      </p:cBhvr>
-                                      <p:tavLst>
-                                        <p:tav tm="0">
-                                          <p:val>
-                                            <p:strVal val="1+#ppt_h/2"/>
-                                          </p:val>
-                                        </p:tav>
-                                        <p:tav tm="100000">
-                                          <p:val>
-                                            <p:strVal val="#ppt_y"/>
-                                          </p:val>
-                                        </p:tav>
-                                      </p:tavLst>
-                                    </p:anim>
-                                  </p:childTnLst>
-                                </p:cTn>
-                              </p:par>
-                              <p:par>
-                                <p:cTn id="35" presetID="2" presetClass="entr" presetSubtype="4" fill="hold" nodeType="withEffect">
-                                  <p:stCondLst>
-                                    <p:cond delay="0"/>
-                                  </p:stCondLst>
-                                  <p:childTnLst>
-                                    <p:set>
-                                      <p:cBhvr>
-                                        <p:cTn id="36" dur="1" fill="hold">
-                                          <p:stCondLst>
-                                            <p:cond delay="0"/>
-                                          </p:stCondLst>
-                                        </p:cTn>
-                                        <p:tgtEl>
-                                          <p:spTgt spid="3">
-                                            <p:txEl>
-                                              <p:pRg st="7" end="7"/>
-                                            </p:txEl>
-                                          </p:spTgt>
-                                        </p:tgtEl>
-                                        <p:attrNameLst>
-                                          <p:attrName>style.visibility</p:attrName>
-                                        </p:attrNameLst>
-                                      </p:cBhvr>
-                                      <p:to>
-                                        <p:strVal val="visible"/>
-                                      </p:to>
-                                    </p:set>
-                                    <p:anim calcmode="lin" valueType="num">
-                                      <p:cBhvr additive="base">
-                                        <p:cTn id="37" dur="500" fill="hold"/>
-                                        <p:tgtEl>
-                                          <p:spTgt spid="3">
-                                            <p:txEl>
-                                              <p:pRg st="7" end="7"/>
-                                            </p:txEl>
-                                          </p:spTgt>
-                                        </p:tgtEl>
-                                        <p:attrNameLst>
-                                          <p:attrName>ppt_x</p:attrName>
-                                        </p:attrNameLst>
-                                      </p:cBhvr>
-                                      <p:tavLst>
-                                        <p:tav tm="0">
-                                          <p:val>
-                                            <p:strVal val="#ppt_x"/>
-                                          </p:val>
-                                        </p:tav>
-                                        <p:tav tm="100000">
-                                          <p:val>
-                                            <p:strVal val="#ppt_x"/>
-                                          </p:val>
-                                        </p:tav>
-                                      </p:tavLst>
-                                    </p:anim>
-                                    <p:anim calcmode="lin" valueType="num">
-                                      <p:cBhvr additive="base">
-                                        <p:cTn id="38" dur="500" fill="hold"/>
-                                        <p:tgtEl>
-                                          <p:spTgt spid="3">
-                                            <p:txEl>
-                                              <p:pRg st="7" end="7"/>
-                                            </p:txEl>
-                                          </p:spTgt>
-                                        </p:tgtEl>
-                                        <p:attrNameLst>
-                                          <p:attrName>ppt_y</p:attrName>
-                                        </p:attrNameLst>
-                                      </p:cBhvr>
-                                      <p:tavLst>
-                                        <p:tav tm="0">
-                                          <p:val>
-                                            <p:strVal val="1+#ppt_h/2"/>
-                                          </p:val>
-                                        </p:tav>
-                                        <p:tav tm="100000">
-                                          <p:val>
-                                            <p:strVal val="#ppt_y"/>
-                                          </p:val>
-                                        </p:tav>
-                                      </p:tavLst>
-                                    </p:anim>
-                                  </p:childTnLst>
-                                </p:cTn>
-                              </p:par>
-                            </p:childTnLst>
-                          </p:cTn>
-                        </p:par>
-                      </p:childTnLst>
-                    </p:cTn>
-                  </p:par>
-                </p:childTnLst>
-              </p:cTn>
-              <p:prevCondLst>
-                <p:cond evt="onPrev" delay="0">
-                  <p:tgtEl>
-                    <p:sldTgt/>
-                  </p:tgtEl>
-                </p:cond>
-              </p:prevCondLst>
-              <p:nextCondLst>
-                <p:cond evt="onNext" delay="0">
-                  <p:tgtEl>
-                    <p:sldTgt/>
-                  </p:tgtEl>
-                </p:cond>
-              </p:nextCondLst>
-            </p:seq>
-          </p:childTnLst>
-        </p:cTn>
-      </p:par>
-    </p:tnLst>
-  </p:timing>
-</p:sld>
-</file>
-
-<file path=ppt/slides/slide9.xml><?xml version="1.0" encoding="utf-8"?>
-<p:sld xmlns:a="http://schemas.openxmlformats.org/drawingml/2006/main" xmlns:r="http://schemas.openxmlformats.org/officeDocument/2006/relationships" xmlns:p="http://schemas.openxmlformats.org/presentationml/2006/main">
-  <p:cSld>
-    <p:bg>
-      <p:bgPr>
-        <a:gradFill>
-          <a:gsLst>
-            <a:gs pos="0">
-              <a:schemeClr val="accent1">
-                <a:lumMod val="67000"/>
-              </a:schemeClr>
-            </a:gs>
-            <a:gs pos="48000">
-              <a:schemeClr val="accent1">
-                <a:lumMod val="97000"/>
-                <a:lumOff val="3000"/>
-              </a:schemeClr>
-            </a:gs>
-            <a:gs pos="100000">
-              <a:schemeClr val="accent1">
-                <a:lumMod val="60000"/>
-                <a:lumOff val="40000"/>
-              </a:schemeClr>
-            </a:gs>
-          </a:gsLst>
-          <a:lin ang="16200000" scaled="1"/>
-        </a:gradFill>
-        <a:effectLst/>
-      </p:bgPr>
-    </p:bg>
-    <p:spTree>
-      <p:nvGrpSpPr>
-        <p:cNvPr id="1" name=""/>
-        <p:cNvGrpSpPr/>
-        <p:nvPr/>
-      </p:nvGrpSpPr>
-      <p:grpSpPr>
-        <a:xfrm>
-          <a:off x="0" y="0"/>
-          <a:ext cx="0" cy="0"/>
-          <a:chOff x="0" y="0"/>
-          <a:chExt cx="0" cy="0"/>
-        </a:xfrm>
-      </p:grpSpPr>
-      <p:sp>
-        <p:nvSpPr>
           <p:cNvPr id="3" name="Content Placeholder 2">
             <a:extLst>
               <a:ext uri="{FF2B5EF4-FFF2-40B4-BE49-F238E27FC236}">
@@ -34890,6 +34824,617 @@
       </p:par>
     </p:tnLst>
   </p:timing>
+</p:sld>
+</file>
+
+<file path=ppt/slides/slide8.xml><?xml version="1.0" encoding="utf-8"?>
+<p:sld xmlns:a="http://schemas.openxmlformats.org/drawingml/2006/main" xmlns:r="http://schemas.openxmlformats.org/officeDocument/2006/relationships" xmlns:p="http://schemas.openxmlformats.org/presentationml/2006/main">
+  <p:cSld>
+    <p:bg>
+      <p:bgPr>
+        <a:gradFill>
+          <a:gsLst>
+            <a:gs pos="0">
+              <a:schemeClr val="accent1">
+                <a:lumMod val="67000"/>
+              </a:schemeClr>
+            </a:gs>
+            <a:gs pos="48000">
+              <a:schemeClr val="accent1">
+                <a:lumMod val="97000"/>
+                <a:lumOff val="3000"/>
+              </a:schemeClr>
+            </a:gs>
+            <a:gs pos="100000">
+              <a:schemeClr val="accent1">
+                <a:lumMod val="60000"/>
+                <a:lumOff val="40000"/>
+              </a:schemeClr>
+            </a:gs>
+          </a:gsLst>
+          <a:lin ang="16200000" scaled="1"/>
+        </a:gradFill>
+        <a:effectLst/>
+      </p:bgPr>
+    </p:bg>
+    <p:spTree>
+      <p:nvGrpSpPr>
+        <p:cNvPr id="1" name="">
+          <a:extLst>
+            <a:ext uri="{FF2B5EF4-FFF2-40B4-BE49-F238E27FC236}">
+              <a16:creationId xmlns:a16="http://schemas.microsoft.com/office/drawing/2014/main" id="{1246CF0E-C07C-4A1D-B85D-DC179B460DAD}"/>
+            </a:ext>
+          </a:extLst>
+        </p:cNvPr>
+        <p:cNvGrpSpPr/>
+        <p:nvPr/>
+      </p:nvGrpSpPr>
+      <p:grpSpPr>
+        <a:xfrm>
+          <a:off x="0" y="0"/>
+          <a:ext cx="0" cy="0"/>
+          <a:chOff x="0" y="0"/>
+          <a:chExt cx="0" cy="0"/>
+        </a:xfrm>
+      </p:grpSpPr>
+      <p:sp>
+        <p:nvSpPr>
+          <p:cNvPr id="3" name="Content Placeholder 2">
+            <a:extLst>
+              <a:ext uri="{FF2B5EF4-FFF2-40B4-BE49-F238E27FC236}">
+                <a16:creationId xmlns:a16="http://schemas.microsoft.com/office/drawing/2014/main" id="{93E8F3D3-4627-663A-D350-1AB6F75C4D50}"/>
+              </a:ext>
+            </a:extLst>
+          </p:cNvPr>
+          <p:cNvSpPr>
+            <a:spLocks noGrp="1"/>
+          </p:cNvSpPr>
+          <p:nvPr>
+            <p:ph idx="1"/>
+          </p:nvPr>
+        </p:nvSpPr>
+        <p:spPr>
+          <a:xfrm>
+            <a:off x="324750" y="2185499"/>
+            <a:ext cx="6808763" cy="3889837"/>
+          </a:xfrm>
+        </p:spPr>
+        <p:txBody>
+          <a:bodyPr>
+            <a:noAutofit/>
+          </a:bodyPr>
+          <a:lstStyle/>
+          <a:p>
+            <a:pPr>
+              <a:lnSpc>
+                <a:spcPct val="110000"/>
+              </a:lnSpc>
+              <a:buClr>
+                <a:srgbClr val="CEA470"/>
+              </a:buClr>
+            </a:pPr>
+            <a:r>
+              <a:rPr lang="en-IE" sz="2000" dirty="0"/>
+              <a:t>We will use a static website (called tutors) to curate the resources : </a:t>
+            </a:r>
+          </a:p>
+          <a:p>
+            <a:pPr lvl="1">
+              <a:lnSpc>
+                <a:spcPct val="110000"/>
+              </a:lnSpc>
+              <a:buClr>
+                <a:srgbClr val="CEA470"/>
+              </a:buClr>
+            </a:pPr>
+            <a:r>
+              <a:rPr lang="en-IE" sz="1800" dirty="0"/>
+              <a:t>Lectures</a:t>
+            </a:r>
+          </a:p>
+          <a:p>
+            <a:pPr lvl="1">
+              <a:lnSpc>
+                <a:spcPct val="110000"/>
+              </a:lnSpc>
+              <a:buClr>
+                <a:srgbClr val="CEA470"/>
+              </a:buClr>
+            </a:pPr>
+            <a:r>
+              <a:rPr lang="en-IE" sz="1800" dirty="0"/>
+              <a:t>Exercises</a:t>
+            </a:r>
+          </a:p>
+          <a:p>
+            <a:pPr lvl="1">
+              <a:lnSpc>
+                <a:spcPct val="110000"/>
+              </a:lnSpc>
+              <a:buClr>
+                <a:srgbClr val="CEA470"/>
+              </a:buClr>
+            </a:pPr>
+            <a:r>
+              <a:rPr lang="en-IE" sz="1800" dirty="0"/>
+              <a:t>Videos</a:t>
+            </a:r>
+          </a:p>
+          <a:p>
+            <a:pPr>
+              <a:lnSpc>
+                <a:spcPct val="110000"/>
+              </a:lnSpc>
+              <a:buClr>
+                <a:srgbClr val="CEA470"/>
+              </a:buClr>
+            </a:pPr>
+            <a:r>
+              <a:rPr lang="en-IE" sz="2000" dirty="0"/>
+              <a:t>The topics will be released as the weeks go by</a:t>
+            </a:r>
+          </a:p>
+          <a:p>
+            <a:pPr>
+              <a:lnSpc>
+                <a:spcPct val="110000"/>
+              </a:lnSpc>
+              <a:buClr>
+                <a:srgbClr val="CEA470"/>
+              </a:buClr>
+            </a:pPr>
+            <a:r>
+              <a:rPr lang="en-IE" sz="2000" dirty="0"/>
+              <a:t>The </a:t>
+            </a:r>
+            <a:r>
+              <a:rPr lang="en-IE" sz="2000" dirty="0" err="1"/>
+              <a:t>url</a:t>
+            </a:r>
+            <a:r>
+              <a:rPr lang="en-IE" sz="2000" dirty="0"/>
+              <a:t> for the website is:        </a:t>
+            </a:r>
+          </a:p>
+          <a:p>
+            <a:pPr marL="0" indent="0" algn="ctr">
+              <a:lnSpc>
+                <a:spcPct val="110000"/>
+              </a:lnSpc>
+              <a:buClr>
+                <a:srgbClr val="CEA470"/>
+              </a:buClr>
+              <a:buNone/>
+            </a:pPr>
+            <a:r>
+              <a:rPr lang="en-IE" sz="2000" dirty="0"/>
+              <a:t>    </a:t>
+            </a:r>
+            <a:r>
+              <a:rPr lang="en-IE" sz="2000" dirty="0">
+                <a:solidFill>
+                  <a:srgbClr val="FF0000"/>
+                </a:solidFill>
+              </a:rPr>
+              <a:t>https://</a:t>
+            </a:r>
+            <a:r>
+              <a:rPr lang="en-IE" sz="2000" dirty="0" err="1">
+                <a:solidFill>
+                  <a:srgbClr val="FF0000"/>
+                </a:solidFill>
+              </a:rPr>
+              <a:t>tutors.dev</a:t>
+            </a:r>
+            <a:r>
+              <a:rPr lang="en-IE" sz="2000" dirty="0">
+                <a:solidFill>
+                  <a:srgbClr val="FF0000"/>
+                </a:solidFill>
+              </a:rPr>
+              <a:t>/course/ict-sci-25</a:t>
+            </a:r>
+          </a:p>
+        </p:txBody>
+      </p:sp>
+      <p:pic>
+        <p:nvPicPr>
+          <p:cNvPr id="2" name="Picture 1">
+            <a:extLst>
+              <a:ext uri="{FF2B5EF4-FFF2-40B4-BE49-F238E27FC236}">
+                <a16:creationId xmlns:a16="http://schemas.microsoft.com/office/drawing/2014/main" id="{F34A0BB2-87FF-2A7B-D412-430B3DA7AC8A}"/>
+              </a:ext>
+            </a:extLst>
+          </p:cNvPr>
+          <p:cNvPicPr>
+            <a:picLocks noChangeAspect="1"/>
+          </p:cNvPicPr>
+          <p:nvPr/>
+        </p:nvPicPr>
+        <p:blipFill>
+          <a:blip r:embed="rId3"/>
+          <a:stretch>
+            <a:fillRect/>
+          </a:stretch>
+        </p:blipFill>
+        <p:spPr>
+          <a:xfrm>
+            <a:off x="634247" y="225932"/>
+            <a:ext cx="4915100" cy="1525376"/>
+          </a:xfrm>
+          <a:prstGeom prst="rect">
+            <a:avLst/>
+          </a:prstGeom>
+        </p:spPr>
+      </p:pic>
+      <p:pic>
+        <p:nvPicPr>
+          <p:cNvPr id="5" name="Picture 4" descr="A screenshot of a computer&#10;&#10;AI-generated content may be incorrect.">
+            <a:extLst>
+              <a:ext uri="{FF2B5EF4-FFF2-40B4-BE49-F238E27FC236}">
+                <a16:creationId xmlns:a16="http://schemas.microsoft.com/office/drawing/2014/main" id="{3F71BD5E-321C-115D-2494-23411521137B}"/>
+              </a:ext>
+            </a:extLst>
+          </p:cNvPr>
+          <p:cNvPicPr>
+            <a:picLocks noChangeAspect="1"/>
+          </p:cNvPicPr>
+          <p:nvPr/>
+        </p:nvPicPr>
+        <p:blipFill>
+          <a:blip r:embed="rId4"/>
+          <a:stretch>
+            <a:fillRect/>
+          </a:stretch>
+        </p:blipFill>
+        <p:spPr>
+          <a:xfrm>
+            <a:off x="7389277" y="2185499"/>
+            <a:ext cx="4635040" cy="3286825"/>
+          </a:xfrm>
+          <a:prstGeom prst="rect">
+            <a:avLst/>
+          </a:prstGeom>
+        </p:spPr>
+      </p:pic>
+      <p:sp>
+        <p:nvSpPr>
+          <p:cNvPr id="7" name="TextBox 6">
+            <a:extLst>
+              <a:ext uri="{FF2B5EF4-FFF2-40B4-BE49-F238E27FC236}">
+                <a16:creationId xmlns:a16="http://schemas.microsoft.com/office/drawing/2014/main" id="{C304C6C3-E3B1-D0DA-E5A7-0B2C07DCAF40}"/>
+              </a:ext>
+            </a:extLst>
+          </p:cNvPr>
+          <p:cNvSpPr txBox="1"/>
+          <p:nvPr/>
+        </p:nvSpPr>
+        <p:spPr>
+          <a:xfrm>
+            <a:off x="7501834" y="619288"/>
+            <a:ext cx="4055919" cy="369332"/>
+          </a:xfrm>
+          <a:prstGeom prst="rect">
+            <a:avLst/>
+          </a:prstGeom>
+          <a:solidFill>
+            <a:srgbClr val="FF0000"/>
+          </a:solidFill>
+        </p:spPr>
+        <p:txBody>
+          <a:bodyPr wrap="none" rtlCol="0">
+            <a:spAutoFit/>
+          </a:bodyPr>
+          <a:lstStyle/>
+          <a:p>
+            <a:r>
+              <a:rPr lang="en-IE" dirty="0"/>
+              <a:t> https://</a:t>
+            </a:r>
+            <a:r>
+              <a:rPr lang="en-IE" dirty="0" err="1"/>
+              <a:t>tutors.dev</a:t>
+            </a:r>
+            <a:r>
+              <a:rPr lang="en-IE" dirty="0"/>
+              <a:t>/course/ict-sci-25</a:t>
+            </a:r>
+            <a:endParaRPr lang="en-US" dirty="0"/>
+          </a:p>
+        </p:txBody>
+      </p:sp>
+      <p:sp>
+        <p:nvSpPr>
+          <p:cNvPr id="8" name="Left Arrow 7">
+            <a:extLst>
+              <a:ext uri="{FF2B5EF4-FFF2-40B4-BE49-F238E27FC236}">
+                <a16:creationId xmlns:a16="http://schemas.microsoft.com/office/drawing/2014/main" id="{F02DB012-AB18-9D07-2382-51533DD1B29F}"/>
+              </a:ext>
+            </a:extLst>
+          </p:cNvPr>
+          <p:cNvSpPr/>
+          <p:nvPr/>
+        </p:nvSpPr>
+        <p:spPr>
+          <a:xfrm rot="18425409">
+            <a:off x="7617880" y="1621603"/>
+            <a:ext cx="2030331" cy="259410"/>
+          </a:xfrm>
+          <a:prstGeom prst="leftArrow">
+            <a:avLst/>
+          </a:prstGeom>
+          <a:solidFill>
+            <a:srgbClr val="FF0000"/>
+          </a:solidFill>
+          <a:ln>
+            <a:solidFill>
+              <a:srgbClr val="FF0000"/>
+            </a:solidFill>
+          </a:ln>
+        </p:spPr>
+        <p:style>
+          <a:lnRef idx="2">
+            <a:schemeClr val="accent1">
+              <a:shade val="15000"/>
+            </a:schemeClr>
+          </a:lnRef>
+          <a:fillRef idx="1">
+            <a:schemeClr val="accent1"/>
+          </a:fillRef>
+          <a:effectRef idx="0">
+            <a:schemeClr val="accent1"/>
+          </a:effectRef>
+          <a:fontRef idx="minor">
+            <a:schemeClr val="lt1"/>
+          </a:fontRef>
+        </p:style>
+        <p:txBody>
+          <a:bodyPr rtlCol="0" anchor="ctr"/>
+          <a:lstStyle/>
+          <a:p>
+            <a:pPr algn="ctr"/>
+            <a:endParaRPr lang="en-US"/>
+          </a:p>
+        </p:txBody>
+      </p:sp>
+    </p:spTree>
+    <p:extLst>
+      <p:ext uri="{BB962C8B-B14F-4D97-AF65-F5344CB8AC3E}">
+        <p14:creationId xmlns:p14="http://schemas.microsoft.com/office/powerpoint/2010/main" val="2428342550"/>
+      </p:ext>
+    </p:extLst>
+  </p:cSld>
+  <p:clrMapOvr>
+    <a:overrideClrMapping bg1="lt1" tx1="dk1" bg2="lt2" tx2="dk2" accent1="accent1" accent2="accent2" accent3="accent3" accent4="accent4" accent5="accent5" accent6="accent6" hlink="hlink" folHlink="folHlink"/>
+  </p:clrMapOvr>
+</p:sld>
+</file>
+
+<file path=ppt/slides/slide9.xml><?xml version="1.0" encoding="utf-8"?>
+<p:sld xmlns:a="http://schemas.openxmlformats.org/drawingml/2006/main" xmlns:r="http://schemas.openxmlformats.org/officeDocument/2006/relationships" xmlns:p="http://schemas.openxmlformats.org/presentationml/2006/main">
+  <p:cSld>
+    <p:bg>
+      <p:bgPr>
+        <a:gradFill>
+          <a:gsLst>
+            <a:gs pos="0">
+              <a:schemeClr val="accent1">
+                <a:lumMod val="67000"/>
+              </a:schemeClr>
+            </a:gs>
+            <a:gs pos="48000">
+              <a:schemeClr val="accent1">
+                <a:lumMod val="97000"/>
+                <a:lumOff val="3000"/>
+              </a:schemeClr>
+            </a:gs>
+            <a:gs pos="100000">
+              <a:schemeClr val="accent1">
+                <a:lumMod val="60000"/>
+                <a:lumOff val="40000"/>
+              </a:schemeClr>
+            </a:gs>
+          </a:gsLst>
+          <a:lin ang="16200000" scaled="1"/>
+        </a:gradFill>
+        <a:effectLst/>
+      </p:bgPr>
+    </p:bg>
+    <p:spTree>
+      <p:nvGrpSpPr>
+        <p:cNvPr id="1" name="">
+          <a:extLst>
+            <a:ext uri="{FF2B5EF4-FFF2-40B4-BE49-F238E27FC236}">
+              <a16:creationId xmlns:a16="http://schemas.microsoft.com/office/drawing/2014/main" id="{4F4AD07E-7D01-D07E-0F00-44266D95F207}"/>
+            </a:ext>
+          </a:extLst>
+        </p:cNvPr>
+        <p:cNvGrpSpPr/>
+        <p:nvPr/>
+      </p:nvGrpSpPr>
+      <p:grpSpPr>
+        <a:xfrm>
+          <a:off x="0" y="0"/>
+          <a:ext cx="0" cy="0"/>
+          <a:chOff x="0" y="0"/>
+          <a:chExt cx="0" cy="0"/>
+        </a:xfrm>
+      </p:grpSpPr>
+      <p:sp>
+        <p:nvSpPr>
+          <p:cNvPr id="3" name="Content Placeholder 2">
+            <a:extLst>
+              <a:ext uri="{FF2B5EF4-FFF2-40B4-BE49-F238E27FC236}">
+                <a16:creationId xmlns:a16="http://schemas.microsoft.com/office/drawing/2014/main" id="{F935F2B8-52B9-E3E7-35DC-0ABB1312307E}"/>
+              </a:ext>
+            </a:extLst>
+          </p:cNvPr>
+          <p:cNvSpPr>
+            <a:spLocks noGrp="1"/>
+          </p:cNvSpPr>
+          <p:nvPr>
+            <p:ph idx="1"/>
+          </p:nvPr>
+        </p:nvSpPr>
+        <p:spPr>
+          <a:xfrm>
+            <a:off x="0" y="3407236"/>
+            <a:ext cx="6808763" cy="3286825"/>
+          </a:xfrm>
+        </p:spPr>
+        <p:txBody>
+          <a:bodyPr>
+            <a:noAutofit/>
+          </a:bodyPr>
+          <a:lstStyle/>
+          <a:p>
+            <a:pPr>
+              <a:lnSpc>
+                <a:spcPct val="110000"/>
+              </a:lnSpc>
+              <a:buClr>
+                <a:srgbClr val="CEA470"/>
+              </a:buClr>
+            </a:pPr>
+            <a:r>
+              <a:rPr lang="en-IE" sz="2800" dirty="0"/>
+              <a:t>The calendar icon will give you a overview of the weekly </a:t>
+            </a:r>
+            <a:r>
+              <a:rPr lang="en-IE" sz="2800" dirty="0" err="1"/>
+              <a:t>todo</a:t>
+            </a:r>
+            <a:r>
+              <a:rPr lang="en-IE" sz="2800" dirty="0"/>
+              <a:t> list.</a:t>
+            </a:r>
+          </a:p>
+        </p:txBody>
+      </p:sp>
+      <p:pic>
+        <p:nvPicPr>
+          <p:cNvPr id="2" name="Picture 1">
+            <a:extLst>
+              <a:ext uri="{FF2B5EF4-FFF2-40B4-BE49-F238E27FC236}">
+                <a16:creationId xmlns:a16="http://schemas.microsoft.com/office/drawing/2014/main" id="{E34CA7CD-9513-FE64-31B8-E12326DC2D72}"/>
+              </a:ext>
+            </a:extLst>
+          </p:cNvPr>
+          <p:cNvPicPr>
+            <a:picLocks noChangeAspect="1"/>
+          </p:cNvPicPr>
+          <p:nvPr/>
+        </p:nvPicPr>
+        <p:blipFill>
+          <a:blip r:embed="rId3"/>
+          <a:stretch>
+            <a:fillRect/>
+          </a:stretch>
+        </p:blipFill>
+        <p:spPr>
+          <a:xfrm>
+            <a:off x="2866003" y="163939"/>
+            <a:ext cx="4915100" cy="1525376"/>
+          </a:xfrm>
+          <a:prstGeom prst="rect">
+            <a:avLst/>
+          </a:prstGeom>
+        </p:spPr>
+      </p:pic>
+      <p:pic>
+        <p:nvPicPr>
+          <p:cNvPr id="6" name="Picture 5" descr="A screenshot of a computer&#10;&#10;AI-generated content may be incorrect.">
+            <a:extLst>
+              <a:ext uri="{FF2B5EF4-FFF2-40B4-BE49-F238E27FC236}">
+                <a16:creationId xmlns:a16="http://schemas.microsoft.com/office/drawing/2014/main" id="{B6B020C5-CF8C-55B9-C9A1-CE6CC5D84E2C}"/>
+              </a:ext>
+            </a:extLst>
+          </p:cNvPr>
+          <p:cNvPicPr>
+            <a:picLocks noChangeAspect="1"/>
+          </p:cNvPicPr>
+          <p:nvPr/>
+        </p:nvPicPr>
+        <p:blipFill>
+          <a:blip r:embed="rId4"/>
+          <a:stretch>
+            <a:fillRect/>
+          </a:stretch>
+        </p:blipFill>
+        <p:spPr>
+          <a:xfrm>
+            <a:off x="6019234" y="1710469"/>
+            <a:ext cx="6172766" cy="5147531"/>
+          </a:xfrm>
+          <a:prstGeom prst="rect">
+            <a:avLst/>
+          </a:prstGeom>
+        </p:spPr>
+      </p:pic>
+      <p:sp>
+        <p:nvSpPr>
+          <p:cNvPr id="7" name="Left Arrow 6">
+            <a:extLst>
+              <a:ext uri="{FF2B5EF4-FFF2-40B4-BE49-F238E27FC236}">
+                <a16:creationId xmlns:a16="http://schemas.microsoft.com/office/drawing/2014/main" id="{83E82BF5-DA25-E471-2805-9465256A6594}"/>
+              </a:ext>
+            </a:extLst>
+          </p:cNvPr>
+          <p:cNvSpPr/>
+          <p:nvPr/>
+        </p:nvSpPr>
+        <p:spPr>
+          <a:xfrm rot="13253893">
+            <a:off x="8656267" y="1203149"/>
+            <a:ext cx="2030331" cy="259410"/>
+          </a:xfrm>
+          <a:prstGeom prst="leftArrow">
+            <a:avLst/>
+          </a:prstGeom>
+          <a:solidFill>
+            <a:srgbClr val="FF0000"/>
+          </a:solidFill>
+          <a:ln>
+            <a:solidFill>
+              <a:srgbClr val="FF0000"/>
+            </a:solidFill>
+          </a:ln>
+        </p:spPr>
+        <p:style>
+          <a:lnRef idx="2">
+            <a:schemeClr val="accent1">
+              <a:shade val="15000"/>
+            </a:schemeClr>
+          </a:lnRef>
+          <a:fillRef idx="1">
+            <a:schemeClr val="accent1"/>
+          </a:fillRef>
+          <a:effectRef idx="0">
+            <a:schemeClr val="accent1"/>
+          </a:effectRef>
+          <a:fontRef idx="minor">
+            <a:schemeClr val="lt1"/>
+          </a:fontRef>
+        </p:style>
+        <p:txBody>
+          <a:bodyPr rtlCol="0" anchor="ctr"/>
+          <a:lstStyle/>
+          <a:p>
+            <a:pPr algn="ctr"/>
+            <a:endParaRPr lang="en-US"/>
+          </a:p>
+        </p:txBody>
+      </p:sp>
+    </p:spTree>
+    <p:extLst>
+      <p:ext uri="{BB962C8B-B14F-4D97-AF65-F5344CB8AC3E}">
+        <p14:creationId xmlns:p14="http://schemas.microsoft.com/office/powerpoint/2010/main" val="1294740433"/>
+      </p:ext>
+    </p:extLst>
+  </p:cSld>
+  <p:clrMapOvr>
+    <a:overrideClrMapping bg1="lt1" tx1="dk1" bg2="lt2" tx2="dk2" accent1="accent1" accent2="accent2" accent3="accent3" accent4="accent4" accent5="accent5" accent6="accent6" hlink="hlink" folHlink="folHlink"/>
+  </p:clrMapOvr>
 </p:sld>
 </file>
 

--- a/topic01-introduction-to-ICT/unit-1/talk-1/a-intro.pptx
+++ b/topic01-introduction-to-ICT/unit-1/talk-1/a-intro.pptx
@@ -7,25 +7,31 @@
   <p:sldIdLst>
     <p:sldId id="256" r:id="rId2"/>
     <p:sldId id="257" r:id="rId3"/>
-    <p:sldId id="275" r:id="rId4"/>
-    <p:sldId id="276" r:id="rId5"/>
-    <p:sldId id="277" r:id="rId6"/>
-    <p:sldId id="279" r:id="rId7"/>
-    <p:sldId id="303" r:id="rId8"/>
-    <p:sldId id="311" r:id="rId9"/>
-    <p:sldId id="312" r:id="rId10"/>
-    <p:sldId id="302" r:id="rId11"/>
-    <p:sldId id="307" r:id="rId12"/>
-    <p:sldId id="300" r:id="rId13"/>
-    <p:sldId id="299" r:id="rId14"/>
-    <p:sldId id="308" r:id="rId15"/>
-    <p:sldId id="309" r:id="rId16"/>
-    <p:sldId id="310" r:id="rId17"/>
-    <p:sldId id="267" r:id="rId18"/>
-    <p:sldId id="273" r:id="rId19"/>
-    <p:sldId id="269" r:id="rId20"/>
-    <p:sldId id="270" r:id="rId21"/>
-    <p:sldId id="271" r:id="rId22"/>
+    <p:sldId id="320" r:id="rId4"/>
+    <p:sldId id="275" r:id="rId5"/>
+    <p:sldId id="276" r:id="rId6"/>
+    <p:sldId id="277" r:id="rId7"/>
+    <p:sldId id="279" r:id="rId8"/>
+    <p:sldId id="303" r:id="rId9"/>
+    <p:sldId id="311" r:id="rId10"/>
+    <p:sldId id="312" r:id="rId11"/>
+    <p:sldId id="302" r:id="rId12"/>
+    <p:sldId id="307" r:id="rId13"/>
+    <p:sldId id="300" r:id="rId14"/>
+    <p:sldId id="299" r:id="rId15"/>
+    <p:sldId id="308" r:id="rId16"/>
+    <p:sldId id="309" r:id="rId17"/>
+    <p:sldId id="310" r:id="rId18"/>
+    <p:sldId id="267" r:id="rId19"/>
+    <p:sldId id="273" r:id="rId20"/>
+    <p:sldId id="269" r:id="rId21"/>
+    <p:sldId id="270" r:id="rId22"/>
+    <p:sldId id="271" r:id="rId23"/>
+    <p:sldId id="315" r:id="rId24"/>
+    <p:sldId id="313" r:id="rId25"/>
+    <p:sldId id="314" r:id="rId26"/>
+    <p:sldId id="318" r:id="rId27"/>
+    <p:sldId id="319" r:id="rId28"/>
   </p:sldIdLst>
   <p:sldSz cx="12192000" cy="6858000"/>
   <p:notesSz cx="6858000" cy="9144000"/>
@@ -14497,7 +14503,7 @@
           <a:p>
             <a:fld id="{92538219-6E45-4D12-B767-46F92D5844D4}" type="datetime1">
               <a:rPr lang="en-US" smtClean="0"/>
-              <a:t>9/18/25</a:t>
+              <a:t>9/19/25</a:t>
             </a:fld>
             <a:endParaRPr lang="en-US"/>
           </a:p>
@@ -14748,7 +14754,7 @@
           <a:p>
             <a:fld id="{51FC8E16-3C03-4238-9C6F-B34F3D10F77E}" type="datetime1">
               <a:rPr lang="en-US" smtClean="0"/>
-              <a:t>9/18/25</a:t>
+              <a:t>9/19/25</a:t>
             </a:fld>
             <a:endParaRPr lang="en-US" dirty="0"/>
           </a:p>
@@ -15064,7 +15070,7 @@
           <a:p>
             <a:fld id="{51FC8E16-3C03-4238-9C6F-B34F3D10F77E}" type="datetime1">
               <a:rPr lang="en-US" smtClean="0"/>
-              <a:t>9/18/25</a:t>
+              <a:t>9/19/25</a:t>
             </a:fld>
             <a:endParaRPr lang="en-US" dirty="0"/>
           </a:p>
@@ -15399,7 +15405,7 @@
           <a:p>
             <a:fld id="{51FC8E16-3C03-4238-9C6F-B34F3D10F77E}" type="datetime1">
               <a:rPr lang="en-US" smtClean="0"/>
-              <a:t>9/18/25</a:t>
+              <a:t>9/19/25</a:t>
             </a:fld>
             <a:endParaRPr lang="en-US" dirty="0"/>
           </a:p>
@@ -15715,7 +15721,7 @@
           <a:p>
             <a:fld id="{51FC8E16-3C03-4238-9C6F-B34F3D10F77E}" type="datetime1">
               <a:rPr lang="en-US" smtClean="0"/>
-              <a:t>9/18/25</a:t>
+              <a:t>9/19/25</a:t>
             </a:fld>
             <a:endParaRPr lang="en-US" dirty="0"/>
           </a:p>
@@ -16110,7 +16116,7 @@
           <a:p>
             <a:fld id="{51FC8E16-3C03-4238-9C6F-B34F3D10F77E}" type="datetime1">
               <a:rPr lang="en-US" smtClean="0"/>
-              <a:t>9/18/25</a:t>
+              <a:t>9/19/25</a:t>
             </a:fld>
             <a:endParaRPr lang="en-US" dirty="0"/>
           </a:p>
@@ -16282,7 +16288,7 @@
           <a:p>
             <a:fld id="{836430B8-6059-41E5-A5DC-C07A76F5859A}" type="datetime1">
               <a:rPr lang="en-US" smtClean="0"/>
-              <a:t>9/18/25</a:t>
+              <a:t>9/19/25</a:t>
             </a:fld>
             <a:endParaRPr lang="en-US"/>
           </a:p>
@@ -16462,7 +16468,7 @@
           <a:p>
             <a:fld id="{A09D0CB7-D16E-4358-B7F4-EA4A24554592}" type="datetime1">
               <a:rPr lang="en-US" smtClean="0"/>
-              <a:t>9/18/25</a:t>
+              <a:t>9/19/25</a:t>
             </a:fld>
             <a:endParaRPr lang="en-US"/>
           </a:p>
@@ -17269,7 +17275,7 @@
           <a:p>
             <a:fld id="{8BB296A2-D8F0-4E17-BFD0-A6C902250D59}" type="datetime1">
               <a:rPr lang="en-US" smtClean="0"/>
-              <a:t>9/18/25</a:t>
+              <a:t>9/19/25</a:t>
             </a:fld>
             <a:endParaRPr lang="en-US"/>
           </a:p>
@@ -17516,7 +17522,7 @@
           <a:p>
             <a:fld id="{D9108C9C-1ACB-4C84-A002-C7E0E45B937A}" type="datetime1">
               <a:rPr lang="en-US" smtClean="0"/>
-              <a:t>9/18/25</a:t>
+              <a:t>9/19/25</a:t>
             </a:fld>
             <a:endParaRPr lang="en-US"/>
           </a:p>
@@ -17748,7 +17754,7 @@
           <a:p>
             <a:fld id="{F49AF2A5-B297-4977-9E5B-4D3050E23689}" type="datetime1">
               <a:rPr lang="en-US" smtClean="0"/>
-              <a:t>9/18/25</a:t>
+              <a:t>9/19/25</a:t>
             </a:fld>
             <a:endParaRPr lang="en-US"/>
           </a:p>
@@ -18122,7 +18128,7 @@
           <a:p>
             <a:fld id="{70127434-4794-409A-9547-04789BA47588}" type="datetime1">
               <a:rPr lang="en-US" smtClean="0"/>
-              <a:t>9/18/25</a:t>
+              <a:t>9/19/25</a:t>
             </a:fld>
             <a:endParaRPr lang="en-US"/>
           </a:p>
@@ -18245,7 +18251,7 @@
           <a:p>
             <a:fld id="{85658635-357A-4E3D-B824-A5CEFDB8449C}" type="datetime1">
               <a:rPr lang="en-US" smtClean="0"/>
-              <a:t>9/18/25</a:t>
+              <a:t>9/19/25</a:t>
             </a:fld>
             <a:endParaRPr lang="en-US"/>
           </a:p>
@@ -18340,7 +18346,7 @@
           <a:p>
             <a:fld id="{7E86FF77-2719-4AD0-8740-0B90FF5D1EFB}" type="datetime1">
               <a:rPr lang="en-US" smtClean="0"/>
-              <a:t>9/18/25</a:t>
+              <a:t>9/19/25</a:t>
             </a:fld>
             <a:endParaRPr lang="en-US"/>
           </a:p>
@@ -18595,7 +18601,7 @@
           <a:p>
             <a:fld id="{6E441C83-1089-48B9-8B65-293D4C236D35}" type="datetime1">
               <a:rPr lang="en-US" smtClean="0"/>
-              <a:t>9/18/25</a:t>
+              <a:t>9/19/25</a:t>
             </a:fld>
             <a:endParaRPr lang="en-US"/>
           </a:p>
@@ -18900,7 +18906,7 @@
           <a:p>
             <a:fld id="{D162FE45-CC1E-47DB-8B82-6CF0636FBDB8}" type="datetime1">
               <a:rPr lang="en-US" smtClean="0"/>
-              <a:t>9/18/25</a:t>
+              <a:t>9/19/25</a:t>
             </a:fld>
             <a:endParaRPr lang="en-US"/>
           </a:p>
@@ -19602,7 +19608,7 @@
           <a:p>
             <a:fld id="{51FC8E16-3C03-4238-9C6F-B34F3D10F77E}" type="datetime1">
               <a:rPr lang="en-US" smtClean="0"/>
-              <a:t>9/18/25</a:t>
+              <a:t>9/19/25</a:t>
             </a:fld>
             <a:endParaRPr lang="en-US" dirty="0"/>
           </a:p>
@@ -20698,6 +20704,234 @@
     </p:bg>
     <p:spTree>
       <p:nvGrpSpPr>
+        <p:cNvPr id="1" name="">
+          <a:extLst>
+            <a:ext uri="{FF2B5EF4-FFF2-40B4-BE49-F238E27FC236}">
+              <a16:creationId xmlns:a16="http://schemas.microsoft.com/office/drawing/2014/main" id="{4F4AD07E-7D01-D07E-0F00-44266D95F207}"/>
+            </a:ext>
+          </a:extLst>
+        </p:cNvPr>
+        <p:cNvGrpSpPr/>
+        <p:nvPr/>
+      </p:nvGrpSpPr>
+      <p:grpSpPr>
+        <a:xfrm>
+          <a:off x="0" y="0"/>
+          <a:ext cx="0" cy="0"/>
+          <a:chOff x="0" y="0"/>
+          <a:chExt cx="0" cy="0"/>
+        </a:xfrm>
+      </p:grpSpPr>
+      <p:sp>
+        <p:nvSpPr>
+          <p:cNvPr id="3" name="Content Placeholder 2">
+            <a:extLst>
+              <a:ext uri="{FF2B5EF4-FFF2-40B4-BE49-F238E27FC236}">
+                <a16:creationId xmlns:a16="http://schemas.microsoft.com/office/drawing/2014/main" id="{F935F2B8-52B9-E3E7-35DC-0ABB1312307E}"/>
+              </a:ext>
+            </a:extLst>
+          </p:cNvPr>
+          <p:cNvSpPr>
+            <a:spLocks noGrp="1"/>
+          </p:cNvSpPr>
+          <p:nvPr>
+            <p:ph idx="1"/>
+          </p:nvPr>
+        </p:nvSpPr>
+        <p:spPr>
+          <a:xfrm>
+            <a:off x="0" y="3407236"/>
+            <a:ext cx="6808763" cy="3286825"/>
+          </a:xfrm>
+        </p:spPr>
+        <p:txBody>
+          <a:bodyPr>
+            <a:noAutofit/>
+          </a:bodyPr>
+          <a:lstStyle/>
+          <a:p>
+            <a:pPr>
+              <a:lnSpc>
+                <a:spcPct val="110000"/>
+              </a:lnSpc>
+              <a:buClr>
+                <a:srgbClr val="CEA470"/>
+              </a:buClr>
+            </a:pPr>
+            <a:r>
+              <a:rPr lang="en-IE" sz="2800" dirty="0"/>
+              <a:t>The calendar icon will give you a overview of the weekly </a:t>
+            </a:r>
+            <a:r>
+              <a:rPr lang="en-IE" sz="2800" dirty="0" err="1"/>
+              <a:t>todo</a:t>
+            </a:r>
+            <a:r>
+              <a:rPr lang="en-IE" sz="2800" dirty="0"/>
+              <a:t> list.</a:t>
+            </a:r>
+          </a:p>
+        </p:txBody>
+      </p:sp>
+      <p:pic>
+        <p:nvPicPr>
+          <p:cNvPr id="2" name="Picture 1">
+            <a:extLst>
+              <a:ext uri="{FF2B5EF4-FFF2-40B4-BE49-F238E27FC236}">
+                <a16:creationId xmlns:a16="http://schemas.microsoft.com/office/drawing/2014/main" id="{E34CA7CD-9513-FE64-31B8-E12326DC2D72}"/>
+              </a:ext>
+            </a:extLst>
+          </p:cNvPr>
+          <p:cNvPicPr>
+            <a:picLocks noChangeAspect="1"/>
+          </p:cNvPicPr>
+          <p:nvPr/>
+        </p:nvPicPr>
+        <p:blipFill>
+          <a:blip r:embed="rId3"/>
+          <a:stretch>
+            <a:fillRect/>
+          </a:stretch>
+        </p:blipFill>
+        <p:spPr>
+          <a:xfrm>
+            <a:off x="2866003" y="163939"/>
+            <a:ext cx="4915100" cy="1525376"/>
+          </a:xfrm>
+          <a:prstGeom prst="rect">
+            <a:avLst/>
+          </a:prstGeom>
+        </p:spPr>
+      </p:pic>
+      <p:pic>
+        <p:nvPicPr>
+          <p:cNvPr id="6" name="Picture 5" descr="A screenshot of a computer&#10;&#10;AI-generated content may be incorrect.">
+            <a:extLst>
+              <a:ext uri="{FF2B5EF4-FFF2-40B4-BE49-F238E27FC236}">
+                <a16:creationId xmlns:a16="http://schemas.microsoft.com/office/drawing/2014/main" id="{B6B020C5-CF8C-55B9-C9A1-CE6CC5D84E2C}"/>
+              </a:ext>
+            </a:extLst>
+          </p:cNvPr>
+          <p:cNvPicPr>
+            <a:picLocks noChangeAspect="1"/>
+          </p:cNvPicPr>
+          <p:nvPr/>
+        </p:nvPicPr>
+        <p:blipFill>
+          <a:blip r:embed="rId4"/>
+          <a:stretch>
+            <a:fillRect/>
+          </a:stretch>
+        </p:blipFill>
+        <p:spPr>
+          <a:xfrm>
+            <a:off x="6019234" y="1710469"/>
+            <a:ext cx="6172766" cy="5147531"/>
+          </a:xfrm>
+          <a:prstGeom prst="rect">
+            <a:avLst/>
+          </a:prstGeom>
+        </p:spPr>
+      </p:pic>
+      <p:sp>
+        <p:nvSpPr>
+          <p:cNvPr id="7" name="Left Arrow 6">
+            <a:extLst>
+              <a:ext uri="{FF2B5EF4-FFF2-40B4-BE49-F238E27FC236}">
+                <a16:creationId xmlns:a16="http://schemas.microsoft.com/office/drawing/2014/main" id="{83E82BF5-DA25-E471-2805-9465256A6594}"/>
+              </a:ext>
+            </a:extLst>
+          </p:cNvPr>
+          <p:cNvSpPr/>
+          <p:nvPr/>
+        </p:nvSpPr>
+        <p:spPr>
+          <a:xfrm rot="13253893">
+            <a:off x="8656267" y="1203149"/>
+            <a:ext cx="2030331" cy="259410"/>
+          </a:xfrm>
+          <a:prstGeom prst="leftArrow">
+            <a:avLst/>
+          </a:prstGeom>
+          <a:solidFill>
+            <a:srgbClr val="FF0000"/>
+          </a:solidFill>
+          <a:ln>
+            <a:solidFill>
+              <a:srgbClr val="FF0000"/>
+            </a:solidFill>
+          </a:ln>
+        </p:spPr>
+        <p:style>
+          <a:lnRef idx="2">
+            <a:schemeClr val="accent1">
+              <a:shade val="15000"/>
+            </a:schemeClr>
+          </a:lnRef>
+          <a:fillRef idx="1">
+            <a:schemeClr val="accent1"/>
+          </a:fillRef>
+          <a:effectRef idx="0">
+            <a:schemeClr val="accent1"/>
+          </a:effectRef>
+          <a:fontRef idx="minor">
+            <a:schemeClr val="lt1"/>
+          </a:fontRef>
+        </p:style>
+        <p:txBody>
+          <a:bodyPr rtlCol="0" anchor="ctr"/>
+          <a:lstStyle/>
+          <a:p>
+            <a:pPr algn="ctr"/>
+            <a:endParaRPr lang="en-US"/>
+          </a:p>
+        </p:txBody>
+      </p:sp>
+    </p:spTree>
+    <p:extLst>
+      <p:ext uri="{BB962C8B-B14F-4D97-AF65-F5344CB8AC3E}">
+        <p14:creationId xmlns:p14="http://schemas.microsoft.com/office/powerpoint/2010/main" val="1294740433"/>
+      </p:ext>
+    </p:extLst>
+  </p:cSld>
+  <p:clrMapOvr>
+    <a:overrideClrMapping bg1="lt1" tx1="dk1" bg2="lt2" tx2="dk2" accent1="accent1" accent2="accent2" accent3="accent3" accent4="accent4" accent5="accent5" accent6="accent6" hlink="hlink" folHlink="folHlink"/>
+  </p:clrMapOvr>
+</p:sld>
+</file>
+
+<file path=ppt/slides/slide11.xml><?xml version="1.0" encoding="utf-8"?>
+<p:sld xmlns:a="http://schemas.openxmlformats.org/drawingml/2006/main" xmlns:r="http://schemas.openxmlformats.org/officeDocument/2006/relationships" xmlns:p="http://schemas.openxmlformats.org/presentationml/2006/main">
+  <p:cSld>
+    <p:bg>
+      <p:bgPr>
+        <a:gradFill>
+          <a:gsLst>
+            <a:gs pos="0">
+              <a:schemeClr val="accent1">
+                <a:lumMod val="67000"/>
+              </a:schemeClr>
+            </a:gs>
+            <a:gs pos="48000">
+              <a:schemeClr val="accent1">
+                <a:lumMod val="97000"/>
+                <a:lumOff val="3000"/>
+              </a:schemeClr>
+            </a:gs>
+            <a:gs pos="100000">
+              <a:schemeClr val="accent1">
+                <a:lumMod val="60000"/>
+                <a:lumOff val="40000"/>
+              </a:schemeClr>
+            </a:gs>
+          </a:gsLst>
+          <a:lin ang="16200000" scaled="1"/>
+        </a:gradFill>
+        <a:effectLst/>
+      </p:bgPr>
+    </p:bg>
+    <p:spTree>
+      <p:nvGrpSpPr>
         <p:cNvPr id="1" name=""/>
         <p:cNvGrpSpPr/>
         <p:nvPr/>
@@ -21438,7 +21672,7 @@
 </p:sld>
 </file>
 
-<file path=ppt/slides/slide11.xml><?xml version="1.0" encoding="utf-8"?>
+<file path=ppt/slides/slide12.xml><?xml version="1.0" encoding="utf-8"?>
 <p:sld xmlns:a="http://schemas.openxmlformats.org/drawingml/2006/main" xmlns:r="http://schemas.openxmlformats.org/officeDocument/2006/relationships" xmlns:p="http://schemas.openxmlformats.org/presentationml/2006/main">
   <p:cSld>
     <p:bg>
@@ -22475,7 +22709,7 @@
 </p:sld>
 </file>
 
-<file path=ppt/slides/slide12.xml><?xml version="1.0" encoding="utf-8"?>
+<file path=ppt/slides/slide13.xml><?xml version="1.0" encoding="utf-8"?>
 <p:sld xmlns:a="http://schemas.openxmlformats.org/drawingml/2006/main" xmlns:r="http://schemas.openxmlformats.org/officeDocument/2006/relationships" xmlns:p="http://schemas.openxmlformats.org/presentationml/2006/main">
   <p:cSld>
     <p:bg>
@@ -24090,7 +24324,7 @@
 </p:sld>
 </file>
 
-<file path=ppt/slides/slide13.xml><?xml version="1.0" encoding="utf-8"?>
+<file path=ppt/slides/slide14.xml><?xml version="1.0" encoding="utf-8"?>
 <p:sld xmlns:a="http://schemas.openxmlformats.org/drawingml/2006/main" xmlns:r="http://schemas.openxmlformats.org/officeDocument/2006/relationships" xmlns:p="http://schemas.openxmlformats.org/presentationml/2006/main">
   <p:cSld>
     <p:bg>
@@ -24339,7 +24573,7 @@
 </p:sld>
 </file>
 
-<file path=ppt/slides/slide14.xml><?xml version="1.0" encoding="utf-8"?>
+<file path=ppt/slides/slide15.xml><?xml version="1.0" encoding="utf-8"?>
 <p:sld xmlns:a="http://schemas.openxmlformats.org/drawingml/2006/main" xmlns:r="http://schemas.openxmlformats.org/officeDocument/2006/relationships" xmlns:p="http://schemas.openxmlformats.org/presentationml/2006/main">
   <p:cSld>
     <p:bg>
@@ -24720,7 +24954,7 @@
 </p:sld>
 </file>
 
-<file path=ppt/slides/slide15.xml><?xml version="1.0" encoding="utf-8"?>
+<file path=ppt/slides/slide16.xml><?xml version="1.0" encoding="utf-8"?>
 <p:sld xmlns:a="http://schemas.openxmlformats.org/drawingml/2006/main" xmlns:r="http://schemas.openxmlformats.org/officeDocument/2006/relationships" xmlns:p="http://schemas.openxmlformats.org/presentationml/2006/main">
   <p:cSld>
     <p:bg>
@@ -24847,7 +25081,7 @@
 </p:sld>
 </file>
 
-<file path=ppt/slides/slide16.xml><?xml version="1.0" encoding="utf-8"?>
+<file path=ppt/slides/slide17.xml><?xml version="1.0" encoding="utf-8"?>
 <p:sld xmlns:a="http://schemas.openxmlformats.org/drawingml/2006/main" xmlns:r="http://schemas.openxmlformats.org/officeDocument/2006/relationships" xmlns:p="http://schemas.openxmlformats.org/presentationml/2006/main">
   <p:cSld>
     <p:bg>
@@ -25164,7 +25398,7 @@
 </p:sld>
 </file>
 
-<file path=ppt/slides/slide17.xml><?xml version="1.0" encoding="utf-8"?>
+<file path=ppt/slides/slide18.xml><?xml version="1.0" encoding="utf-8"?>
 <p:sld xmlns:a="http://schemas.openxmlformats.org/drawingml/2006/main" xmlns:r="http://schemas.openxmlformats.org/officeDocument/2006/relationships" xmlns:p="http://schemas.openxmlformats.org/presentationml/2006/main">
   <p:cSld>
     <p:bg>
@@ -25461,7 +25695,7 @@
 </p:sld>
 </file>
 
-<file path=ppt/slides/slide18.xml><?xml version="1.0" encoding="utf-8"?>
+<file path=ppt/slides/slide19.xml><?xml version="1.0" encoding="utf-8"?>
 <p:sld xmlns:a="http://schemas.openxmlformats.org/drawingml/2006/main" xmlns:r="http://schemas.openxmlformats.org/officeDocument/2006/relationships" xmlns:p="http://schemas.openxmlformats.org/presentationml/2006/main">
   <p:cSld>
     <p:bg>
@@ -25573,127 +25807,6 @@
     <p:extLst>
       <p:ext uri="{BB962C8B-B14F-4D97-AF65-F5344CB8AC3E}">
         <p14:creationId xmlns:p14="http://schemas.microsoft.com/office/powerpoint/2010/main" val="776565169"/>
-      </p:ext>
-    </p:extLst>
-  </p:cSld>
-  <p:clrMapOvr>
-    <a:overrideClrMapping bg1="lt1" tx1="dk1" bg2="lt2" tx2="dk2" accent1="accent1" accent2="accent2" accent3="accent3" accent4="accent4" accent5="accent5" accent6="accent6" hlink="hlink" folHlink="folHlink"/>
-  </p:clrMapOvr>
-</p:sld>
-</file>
-
-<file path=ppt/slides/slide19.xml><?xml version="1.0" encoding="utf-8"?>
-<p:sld xmlns:a="http://schemas.openxmlformats.org/drawingml/2006/main" xmlns:r="http://schemas.openxmlformats.org/officeDocument/2006/relationships" xmlns:p="http://schemas.openxmlformats.org/presentationml/2006/main">
-  <p:cSld>
-    <p:bg>
-      <p:bgPr>
-        <a:gradFill>
-          <a:gsLst>
-            <a:gs pos="0">
-              <a:schemeClr val="accent1">
-                <a:lumMod val="67000"/>
-              </a:schemeClr>
-            </a:gs>
-            <a:gs pos="48000">
-              <a:schemeClr val="accent1">
-                <a:lumMod val="97000"/>
-                <a:lumOff val="3000"/>
-              </a:schemeClr>
-            </a:gs>
-            <a:gs pos="100000">
-              <a:schemeClr val="accent1">
-                <a:lumMod val="60000"/>
-                <a:lumOff val="40000"/>
-              </a:schemeClr>
-            </a:gs>
-          </a:gsLst>
-          <a:lin ang="16200000" scaled="1"/>
-        </a:gradFill>
-        <a:effectLst/>
-      </p:bgPr>
-    </p:bg>
-    <p:spTree>
-      <p:nvGrpSpPr>
-        <p:cNvPr id="1" name=""/>
-        <p:cNvGrpSpPr/>
-        <p:nvPr/>
-      </p:nvGrpSpPr>
-      <p:grpSpPr>
-        <a:xfrm>
-          <a:off x="0" y="0"/>
-          <a:ext cx="0" cy="0"/>
-          <a:chOff x="0" y="0"/>
-          <a:chExt cx="0" cy="0"/>
-        </a:xfrm>
-      </p:grpSpPr>
-      <p:sp>
-        <p:nvSpPr>
-          <p:cNvPr id="2" name="Title 1"/>
-          <p:cNvSpPr>
-            <a:spLocks noGrp="1"/>
-          </p:cNvSpPr>
-          <p:nvPr>
-            <p:ph type="title"/>
-          </p:nvPr>
-        </p:nvSpPr>
-        <p:spPr>
-          <a:xfrm>
-            <a:off x="269077" y="273418"/>
-            <a:ext cx="6505070" cy="1048945"/>
-          </a:xfrm>
-        </p:spPr>
-        <p:txBody>
-          <a:bodyPr>
-            <a:normAutofit/>
-          </a:bodyPr>
-          <a:lstStyle/>
-          <a:p>
-            <a:r>
-              <a:rPr lang="en-US" dirty="0">
-                <a:solidFill>
-                  <a:schemeClr val="tx1"/>
-                </a:solidFill>
-              </a:rPr>
-              <a:t>Email</a:t>
-            </a:r>
-          </a:p>
-        </p:txBody>
-      </p:sp>
-      <p:graphicFrame>
-        <p:nvGraphicFramePr>
-          <p:cNvPr id="5" name="Content Placeholder 2">
-            <a:extLst>
-              <a:ext uri="{FF2B5EF4-FFF2-40B4-BE49-F238E27FC236}">
-                <a16:creationId xmlns:a16="http://schemas.microsoft.com/office/drawing/2014/main" id="{788EBBBB-093B-468A-B4A0-C2DCF1916AAD}"/>
-              </a:ext>
-            </a:extLst>
-          </p:cNvPr>
-          <p:cNvGraphicFramePr>
-            <a:graphicFrameLocks noGrp="1"/>
-          </p:cNvGraphicFramePr>
-          <p:nvPr>
-            <p:ph idx="1"/>
-            <p:extLst>
-              <p:ext uri="{D42A27DB-BD31-4B8C-83A1-F6EECF244321}">
-                <p14:modId xmlns:p14="http://schemas.microsoft.com/office/powerpoint/2010/main" val="910955278"/>
-              </p:ext>
-            </p:extLst>
-          </p:nvPr>
-        </p:nvGraphicFramePr>
-        <p:xfrm>
-          <a:off x="2129792" y="1322363"/>
-          <a:ext cx="7932419" cy="4844081"/>
-        </p:xfrm>
-        <a:graphic>
-          <a:graphicData uri="http://schemas.openxmlformats.org/drawingml/2006/diagram">
-            <dgm:relIds xmlns:dgm="http://schemas.openxmlformats.org/drawingml/2006/diagram" xmlns:r="http://schemas.openxmlformats.org/officeDocument/2006/relationships" r:dm="rId3" r:lo="rId4" r:qs="rId5" r:cs="rId6"/>
-          </a:graphicData>
-        </a:graphic>
-      </p:graphicFrame>
-    </p:spTree>
-    <p:extLst>
-      <p:ext uri="{BB962C8B-B14F-4D97-AF65-F5344CB8AC3E}">
-        <p14:creationId xmlns:p14="http://schemas.microsoft.com/office/powerpoint/2010/main" val="2580489970"/>
       </p:ext>
     </p:extLst>
   </p:cSld>
@@ -27225,6 +27338,127 @@
         </p:nvSpPr>
         <p:spPr>
           <a:xfrm>
+            <a:off x="269077" y="273418"/>
+            <a:ext cx="6505070" cy="1048945"/>
+          </a:xfrm>
+        </p:spPr>
+        <p:txBody>
+          <a:bodyPr>
+            <a:normAutofit/>
+          </a:bodyPr>
+          <a:lstStyle/>
+          <a:p>
+            <a:r>
+              <a:rPr lang="en-US" dirty="0">
+                <a:solidFill>
+                  <a:schemeClr val="tx1"/>
+                </a:solidFill>
+              </a:rPr>
+              <a:t>Email</a:t>
+            </a:r>
+          </a:p>
+        </p:txBody>
+      </p:sp>
+      <p:graphicFrame>
+        <p:nvGraphicFramePr>
+          <p:cNvPr id="5" name="Content Placeholder 2">
+            <a:extLst>
+              <a:ext uri="{FF2B5EF4-FFF2-40B4-BE49-F238E27FC236}">
+                <a16:creationId xmlns:a16="http://schemas.microsoft.com/office/drawing/2014/main" id="{788EBBBB-093B-468A-B4A0-C2DCF1916AAD}"/>
+              </a:ext>
+            </a:extLst>
+          </p:cNvPr>
+          <p:cNvGraphicFramePr>
+            <a:graphicFrameLocks noGrp="1"/>
+          </p:cNvGraphicFramePr>
+          <p:nvPr>
+            <p:ph idx="1"/>
+            <p:extLst>
+              <p:ext uri="{D42A27DB-BD31-4B8C-83A1-F6EECF244321}">
+                <p14:modId xmlns:p14="http://schemas.microsoft.com/office/powerpoint/2010/main" val="910955278"/>
+              </p:ext>
+            </p:extLst>
+          </p:nvPr>
+        </p:nvGraphicFramePr>
+        <p:xfrm>
+          <a:off x="2129792" y="1322363"/>
+          <a:ext cx="7932419" cy="4844081"/>
+        </p:xfrm>
+        <a:graphic>
+          <a:graphicData uri="http://schemas.openxmlformats.org/drawingml/2006/diagram">
+            <dgm:relIds xmlns:dgm="http://schemas.openxmlformats.org/drawingml/2006/diagram" xmlns:r="http://schemas.openxmlformats.org/officeDocument/2006/relationships" r:dm="rId3" r:lo="rId4" r:qs="rId5" r:cs="rId6"/>
+          </a:graphicData>
+        </a:graphic>
+      </p:graphicFrame>
+    </p:spTree>
+    <p:extLst>
+      <p:ext uri="{BB962C8B-B14F-4D97-AF65-F5344CB8AC3E}">
+        <p14:creationId xmlns:p14="http://schemas.microsoft.com/office/powerpoint/2010/main" val="2580489970"/>
+      </p:ext>
+    </p:extLst>
+  </p:cSld>
+  <p:clrMapOvr>
+    <a:overrideClrMapping bg1="lt1" tx1="dk1" bg2="lt2" tx2="dk2" accent1="accent1" accent2="accent2" accent3="accent3" accent4="accent4" accent5="accent5" accent6="accent6" hlink="hlink" folHlink="folHlink"/>
+  </p:clrMapOvr>
+</p:sld>
+</file>
+
+<file path=ppt/slides/slide21.xml><?xml version="1.0" encoding="utf-8"?>
+<p:sld xmlns:a="http://schemas.openxmlformats.org/drawingml/2006/main" xmlns:r="http://schemas.openxmlformats.org/officeDocument/2006/relationships" xmlns:p="http://schemas.openxmlformats.org/presentationml/2006/main">
+  <p:cSld>
+    <p:bg>
+      <p:bgPr>
+        <a:gradFill>
+          <a:gsLst>
+            <a:gs pos="0">
+              <a:schemeClr val="accent1">
+                <a:lumMod val="67000"/>
+              </a:schemeClr>
+            </a:gs>
+            <a:gs pos="48000">
+              <a:schemeClr val="accent1">
+                <a:lumMod val="97000"/>
+                <a:lumOff val="3000"/>
+              </a:schemeClr>
+            </a:gs>
+            <a:gs pos="100000">
+              <a:schemeClr val="accent1">
+                <a:lumMod val="60000"/>
+                <a:lumOff val="40000"/>
+              </a:schemeClr>
+            </a:gs>
+          </a:gsLst>
+          <a:lin ang="16200000" scaled="1"/>
+        </a:gradFill>
+        <a:effectLst/>
+      </p:bgPr>
+    </p:bg>
+    <p:spTree>
+      <p:nvGrpSpPr>
+        <p:cNvPr id="1" name=""/>
+        <p:cNvGrpSpPr/>
+        <p:nvPr/>
+      </p:nvGrpSpPr>
+      <p:grpSpPr>
+        <a:xfrm>
+          <a:off x="0" y="0"/>
+          <a:ext cx="0" cy="0"/>
+          <a:chOff x="0" y="0"/>
+          <a:chExt cx="0" cy="0"/>
+        </a:xfrm>
+      </p:grpSpPr>
+      <p:sp>
+        <p:nvSpPr>
+          <p:cNvPr id="2" name="Title 1"/>
+          <p:cNvSpPr>
+            <a:spLocks noGrp="1"/>
+          </p:cNvSpPr>
+          <p:nvPr>
+            <p:ph type="title"/>
+          </p:nvPr>
+        </p:nvSpPr>
+        <p:spPr>
+          <a:xfrm>
             <a:off x="389350" y="485856"/>
             <a:ext cx="2740927" cy="2042725"/>
           </a:xfrm>
@@ -27299,7 +27533,7 @@
 </p:sld>
 </file>
 
-<file path=ppt/slides/slide21.xml><?xml version="1.0" encoding="utf-8"?>
+<file path=ppt/slides/slide22.xml><?xml version="1.0" encoding="utf-8"?>
 <p:sld xmlns:a="http://schemas.openxmlformats.org/drawingml/2006/main" xmlns:r="http://schemas.openxmlformats.org/officeDocument/2006/relationships" xmlns:p="http://schemas.openxmlformats.org/presentationml/2006/main">
   <p:cSld>
     <p:bg>
@@ -27429,7 +27663,3739 @@
 </p:sld>
 </file>
 
+<file path=ppt/slides/slide23.xml><?xml version="1.0" encoding="utf-8"?>
+<p:sld xmlns:a="http://schemas.openxmlformats.org/drawingml/2006/main" xmlns:r="http://schemas.openxmlformats.org/officeDocument/2006/relationships" xmlns:p="http://schemas.openxmlformats.org/presentationml/2006/main">
+  <p:cSld>
+    <p:bg>
+      <p:bgPr>
+        <a:gradFill>
+          <a:gsLst>
+            <a:gs pos="0">
+              <a:schemeClr val="accent1">
+                <a:lumMod val="67000"/>
+              </a:schemeClr>
+            </a:gs>
+            <a:gs pos="48000">
+              <a:schemeClr val="accent1">
+                <a:lumMod val="97000"/>
+                <a:lumOff val="3000"/>
+              </a:schemeClr>
+            </a:gs>
+            <a:gs pos="100000">
+              <a:schemeClr val="accent1">
+                <a:lumMod val="60000"/>
+                <a:lumOff val="40000"/>
+              </a:schemeClr>
+            </a:gs>
+          </a:gsLst>
+          <a:lin ang="16200000" scaled="1"/>
+        </a:gradFill>
+        <a:effectLst/>
+      </p:bgPr>
+    </p:bg>
+    <p:spTree>
+      <p:nvGrpSpPr>
+        <p:cNvPr id="1" name="">
+          <a:extLst>
+            <a:ext uri="{FF2B5EF4-FFF2-40B4-BE49-F238E27FC236}">
+              <a16:creationId xmlns:a16="http://schemas.microsoft.com/office/drawing/2014/main" id="{048CEE38-D83C-B81B-C4B2-526C9F0B147F}"/>
+            </a:ext>
+          </a:extLst>
+        </p:cNvPr>
+        <p:cNvGrpSpPr/>
+        <p:nvPr/>
+      </p:nvGrpSpPr>
+      <p:grpSpPr>
+        <a:xfrm>
+          <a:off x="0" y="0"/>
+          <a:ext cx="0" cy="0"/>
+          <a:chOff x="0" y="0"/>
+          <a:chExt cx="0" cy="0"/>
+        </a:xfrm>
+      </p:grpSpPr>
+      <p:sp>
+        <p:nvSpPr>
+          <p:cNvPr id="2" name="Title 1">
+            <a:extLst>
+              <a:ext uri="{FF2B5EF4-FFF2-40B4-BE49-F238E27FC236}">
+                <a16:creationId xmlns:a16="http://schemas.microsoft.com/office/drawing/2014/main" id="{90200EAF-A695-68F7-B1DC-6A048ADEAA47}"/>
+              </a:ext>
+            </a:extLst>
+          </p:cNvPr>
+          <p:cNvSpPr>
+            <a:spLocks noGrp="1"/>
+          </p:cNvSpPr>
+          <p:nvPr>
+            <p:ph type="title"/>
+          </p:nvPr>
+        </p:nvSpPr>
+        <p:spPr>
+          <a:xfrm>
+            <a:off x="110055" y="-343819"/>
+            <a:ext cx="3854528" cy="1278466"/>
+          </a:xfrm>
+        </p:spPr>
+        <p:txBody>
+          <a:bodyPr>
+            <a:normAutofit/>
+          </a:bodyPr>
+          <a:lstStyle/>
+          <a:p>
+            <a:r>
+              <a:rPr lang="en-US" sz="3600" dirty="0">
+                <a:solidFill>
+                  <a:schemeClr val="tx1"/>
+                </a:solidFill>
+              </a:rPr>
+              <a:t>Filing system</a:t>
+            </a:r>
+          </a:p>
+        </p:txBody>
+      </p:sp>
+      <p:sp>
+        <p:nvSpPr>
+          <p:cNvPr id="24" name="TextBox 23">
+            <a:extLst>
+              <a:ext uri="{FF2B5EF4-FFF2-40B4-BE49-F238E27FC236}">
+                <a16:creationId xmlns:a16="http://schemas.microsoft.com/office/drawing/2014/main" id="{AFC96955-65AA-A854-05DC-ED0470DCD3B1}"/>
+              </a:ext>
+            </a:extLst>
+          </p:cNvPr>
+          <p:cNvSpPr txBox="1"/>
+          <p:nvPr/>
+        </p:nvSpPr>
+        <p:spPr>
+          <a:xfrm>
+            <a:off x="996461" y="1198417"/>
+            <a:ext cx="10199077" cy="5262979"/>
+          </a:xfrm>
+          <a:prstGeom prst="rect">
+            <a:avLst/>
+          </a:prstGeom>
+          <a:noFill/>
+        </p:spPr>
+        <p:txBody>
+          <a:bodyPr wrap="square" rtlCol="0">
+            <a:spAutoFit/>
+          </a:bodyPr>
+          <a:lstStyle/>
+          <a:p>
+            <a:pPr marL="285750" indent="-285750">
+              <a:buClr>
+                <a:schemeClr val="bg1"/>
+              </a:buClr>
+              <a:buFont typeface="Wingdings" pitchFamily="2" charset="2"/>
+              <a:buChar char="Ø"/>
+            </a:pPr>
+            <a:r>
+              <a:rPr lang="en-IE" sz="2800" dirty="0"/>
+              <a:t>It is really important to organise where you store all your college files/ software.</a:t>
+            </a:r>
+          </a:p>
+          <a:p>
+            <a:pPr>
+              <a:buClr>
+                <a:schemeClr val="bg1"/>
+              </a:buClr>
+            </a:pPr>
+            <a:endParaRPr lang="en-IE" sz="2800" dirty="0"/>
+          </a:p>
+          <a:p>
+            <a:pPr marL="285750" indent="-285750">
+              <a:buClr>
+                <a:schemeClr val="bg1"/>
+              </a:buClr>
+              <a:buFont typeface="Wingdings" pitchFamily="2" charset="2"/>
+              <a:buChar char="Ø"/>
+            </a:pPr>
+            <a:r>
+              <a:rPr lang="en-IE" sz="2800" dirty="0"/>
+              <a:t>If you don’t do this early, chaos will ensue! The best way is to organise your files from the start. </a:t>
+            </a:r>
+          </a:p>
+          <a:p>
+            <a:pPr>
+              <a:buClr>
+                <a:schemeClr val="bg1"/>
+              </a:buClr>
+            </a:pPr>
+            <a:endParaRPr lang="en-IE" sz="2800" dirty="0"/>
+          </a:p>
+          <a:p>
+            <a:pPr marL="285750" indent="-285750">
+              <a:buClr>
+                <a:schemeClr val="bg1"/>
+              </a:buClr>
+              <a:buFont typeface="Wingdings" pitchFamily="2" charset="2"/>
+              <a:buChar char="Ø"/>
+            </a:pPr>
+            <a:r>
+              <a:rPr lang="en-IE" sz="2800" dirty="0"/>
+              <a:t>You can use this file structure on Cloud (One-Drive/Google Drive) and mirror it on your </a:t>
+            </a:r>
+            <a:r>
+              <a:rPr lang="en-IE" sz="2800" dirty="0" err="1"/>
+              <a:t>labtop</a:t>
+            </a:r>
+            <a:r>
+              <a:rPr lang="en-IE" sz="2800" dirty="0"/>
+              <a:t> so you can 'backup' easily by dragging the full folder from one to the other. </a:t>
+            </a:r>
+          </a:p>
+          <a:p>
+            <a:pPr>
+              <a:buClr>
+                <a:schemeClr val="bg1"/>
+              </a:buClr>
+            </a:pPr>
+            <a:endParaRPr lang="en-IE" sz="2800" dirty="0"/>
+          </a:p>
+          <a:p>
+            <a:pPr marL="285750" indent="-285750">
+              <a:buClr>
+                <a:schemeClr val="bg1"/>
+              </a:buClr>
+              <a:buFont typeface="Wingdings" pitchFamily="2" charset="2"/>
+              <a:buChar char="Ø"/>
+            </a:pPr>
+            <a:r>
+              <a:rPr lang="en-IE" sz="2800" dirty="0"/>
+              <a:t>If you are using a </a:t>
+            </a:r>
+            <a:r>
+              <a:rPr lang="en-IE" sz="2800" dirty="0" err="1"/>
+              <a:t>labtop</a:t>
+            </a:r>
+            <a:r>
+              <a:rPr lang="en-IE" sz="2800" dirty="0"/>
+              <a:t>, then you can use your local drive but be sure to back it up regularly.</a:t>
+            </a:r>
+          </a:p>
+        </p:txBody>
+      </p:sp>
+    </p:spTree>
+    <p:extLst>
+      <p:ext uri="{BB962C8B-B14F-4D97-AF65-F5344CB8AC3E}">
+        <p14:creationId xmlns:p14="http://schemas.microsoft.com/office/powerpoint/2010/main" val="3942235889"/>
+      </p:ext>
+    </p:extLst>
+  </p:cSld>
+  <p:clrMapOvr>
+    <a:overrideClrMapping bg1="lt1" tx1="dk1" bg2="lt2" tx2="dk2" accent1="accent1" accent2="accent2" accent3="accent3" accent4="accent4" accent5="accent5" accent6="accent6" hlink="hlink" folHlink="folHlink"/>
+  </p:clrMapOvr>
+  <p:timing>
+    <p:tnLst>
+      <p:par>
+        <p:cTn id="1" dur="indefinite" restart="never" nodeType="tmRoot">
+          <p:childTnLst>
+            <p:seq concurrent="1" nextAc="seek">
+              <p:cTn id="2" dur="indefinite" nodeType="mainSeq">
+                <p:childTnLst>
+                  <p:par>
+                    <p:cTn id="3" fill="hold">
+                      <p:stCondLst>
+                        <p:cond delay="indefinite"/>
+                      </p:stCondLst>
+                      <p:childTnLst>
+                        <p:par>
+                          <p:cTn id="4" fill="hold">
+                            <p:stCondLst>
+                              <p:cond delay="0"/>
+                            </p:stCondLst>
+                            <p:childTnLst>
+                              <p:par>
+                                <p:cTn id="5" presetID="2" presetClass="entr" presetSubtype="4" fill="hold" nodeType="clickEffect">
+                                  <p:stCondLst>
+                                    <p:cond delay="0"/>
+                                  </p:stCondLst>
+                                  <p:childTnLst>
+                                    <p:set>
+                                      <p:cBhvr>
+                                        <p:cTn id="6" dur="1" fill="hold">
+                                          <p:stCondLst>
+                                            <p:cond delay="0"/>
+                                          </p:stCondLst>
+                                        </p:cTn>
+                                        <p:tgtEl>
+                                          <p:spTgt spid="24">
+                                            <p:txEl>
+                                              <p:pRg st="0" end="0"/>
+                                            </p:txEl>
+                                          </p:spTgt>
+                                        </p:tgtEl>
+                                        <p:attrNameLst>
+                                          <p:attrName>style.visibility</p:attrName>
+                                        </p:attrNameLst>
+                                      </p:cBhvr>
+                                      <p:to>
+                                        <p:strVal val="visible"/>
+                                      </p:to>
+                                    </p:set>
+                                    <p:anim calcmode="lin" valueType="num">
+                                      <p:cBhvr additive="base">
+                                        <p:cTn id="7" dur="500" fill="hold"/>
+                                        <p:tgtEl>
+                                          <p:spTgt spid="24">
+                                            <p:txEl>
+                                              <p:pRg st="0" end="0"/>
+                                            </p:txEl>
+                                          </p:spTgt>
+                                        </p:tgtEl>
+                                        <p:attrNameLst>
+                                          <p:attrName>ppt_x</p:attrName>
+                                        </p:attrNameLst>
+                                      </p:cBhvr>
+                                      <p:tavLst>
+                                        <p:tav tm="0">
+                                          <p:val>
+                                            <p:strVal val="#ppt_x"/>
+                                          </p:val>
+                                        </p:tav>
+                                        <p:tav tm="100000">
+                                          <p:val>
+                                            <p:strVal val="#ppt_x"/>
+                                          </p:val>
+                                        </p:tav>
+                                      </p:tavLst>
+                                    </p:anim>
+                                    <p:anim calcmode="lin" valueType="num">
+                                      <p:cBhvr additive="base">
+                                        <p:cTn id="8" dur="500" fill="hold"/>
+                                        <p:tgtEl>
+                                          <p:spTgt spid="24">
+                                            <p:txEl>
+                                              <p:pRg st="0" end="0"/>
+                                            </p:txEl>
+                                          </p:spTgt>
+                                        </p:tgtEl>
+                                        <p:attrNameLst>
+                                          <p:attrName>ppt_y</p:attrName>
+                                        </p:attrNameLst>
+                                      </p:cBhvr>
+                                      <p:tavLst>
+                                        <p:tav tm="0">
+                                          <p:val>
+                                            <p:strVal val="1+#ppt_h/2"/>
+                                          </p:val>
+                                        </p:tav>
+                                        <p:tav tm="100000">
+                                          <p:val>
+                                            <p:strVal val="#ppt_y"/>
+                                          </p:val>
+                                        </p:tav>
+                                      </p:tavLst>
+                                    </p:anim>
+                                  </p:childTnLst>
+                                </p:cTn>
+                              </p:par>
+                            </p:childTnLst>
+                          </p:cTn>
+                        </p:par>
+                      </p:childTnLst>
+                    </p:cTn>
+                  </p:par>
+                  <p:par>
+                    <p:cTn id="9" fill="hold">
+                      <p:stCondLst>
+                        <p:cond delay="indefinite"/>
+                      </p:stCondLst>
+                      <p:childTnLst>
+                        <p:par>
+                          <p:cTn id="10" fill="hold">
+                            <p:stCondLst>
+                              <p:cond delay="0"/>
+                            </p:stCondLst>
+                            <p:childTnLst>
+                              <p:par>
+                                <p:cTn id="11" presetID="2" presetClass="entr" presetSubtype="4" fill="hold" nodeType="clickEffect">
+                                  <p:stCondLst>
+                                    <p:cond delay="0"/>
+                                  </p:stCondLst>
+                                  <p:childTnLst>
+                                    <p:set>
+                                      <p:cBhvr>
+                                        <p:cTn id="12" dur="1" fill="hold">
+                                          <p:stCondLst>
+                                            <p:cond delay="0"/>
+                                          </p:stCondLst>
+                                        </p:cTn>
+                                        <p:tgtEl>
+                                          <p:spTgt spid="24">
+                                            <p:txEl>
+                                              <p:pRg st="2" end="2"/>
+                                            </p:txEl>
+                                          </p:spTgt>
+                                        </p:tgtEl>
+                                        <p:attrNameLst>
+                                          <p:attrName>style.visibility</p:attrName>
+                                        </p:attrNameLst>
+                                      </p:cBhvr>
+                                      <p:to>
+                                        <p:strVal val="visible"/>
+                                      </p:to>
+                                    </p:set>
+                                    <p:anim calcmode="lin" valueType="num">
+                                      <p:cBhvr additive="base">
+                                        <p:cTn id="13" dur="500" fill="hold"/>
+                                        <p:tgtEl>
+                                          <p:spTgt spid="24">
+                                            <p:txEl>
+                                              <p:pRg st="2" end="2"/>
+                                            </p:txEl>
+                                          </p:spTgt>
+                                        </p:tgtEl>
+                                        <p:attrNameLst>
+                                          <p:attrName>ppt_x</p:attrName>
+                                        </p:attrNameLst>
+                                      </p:cBhvr>
+                                      <p:tavLst>
+                                        <p:tav tm="0">
+                                          <p:val>
+                                            <p:strVal val="#ppt_x"/>
+                                          </p:val>
+                                        </p:tav>
+                                        <p:tav tm="100000">
+                                          <p:val>
+                                            <p:strVal val="#ppt_x"/>
+                                          </p:val>
+                                        </p:tav>
+                                      </p:tavLst>
+                                    </p:anim>
+                                    <p:anim calcmode="lin" valueType="num">
+                                      <p:cBhvr additive="base">
+                                        <p:cTn id="14" dur="500" fill="hold"/>
+                                        <p:tgtEl>
+                                          <p:spTgt spid="24">
+                                            <p:txEl>
+                                              <p:pRg st="2" end="2"/>
+                                            </p:txEl>
+                                          </p:spTgt>
+                                        </p:tgtEl>
+                                        <p:attrNameLst>
+                                          <p:attrName>ppt_y</p:attrName>
+                                        </p:attrNameLst>
+                                      </p:cBhvr>
+                                      <p:tavLst>
+                                        <p:tav tm="0">
+                                          <p:val>
+                                            <p:strVal val="1+#ppt_h/2"/>
+                                          </p:val>
+                                        </p:tav>
+                                        <p:tav tm="100000">
+                                          <p:val>
+                                            <p:strVal val="#ppt_y"/>
+                                          </p:val>
+                                        </p:tav>
+                                      </p:tavLst>
+                                    </p:anim>
+                                  </p:childTnLst>
+                                </p:cTn>
+                              </p:par>
+                            </p:childTnLst>
+                          </p:cTn>
+                        </p:par>
+                      </p:childTnLst>
+                    </p:cTn>
+                  </p:par>
+                  <p:par>
+                    <p:cTn id="15" fill="hold">
+                      <p:stCondLst>
+                        <p:cond delay="indefinite"/>
+                      </p:stCondLst>
+                      <p:childTnLst>
+                        <p:par>
+                          <p:cTn id="16" fill="hold">
+                            <p:stCondLst>
+                              <p:cond delay="0"/>
+                            </p:stCondLst>
+                            <p:childTnLst>
+                              <p:par>
+                                <p:cTn id="17" presetID="2" presetClass="entr" presetSubtype="4" fill="hold" nodeType="clickEffect">
+                                  <p:stCondLst>
+                                    <p:cond delay="0"/>
+                                  </p:stCondLst>
+                                  <p:childTnLst>
+                                    <p:set>
+                                      <p:cBhvr>
+                                        <p:cTn id="18" dur="1" fill="hold">
+                                          <p:stCondLst>
+                                            <p:cond delay="0"/>
+                                          </p:stCondLst>
+                                        </p:cTn>
+                                        <p:tgtEl>
+                                          <p:spTgt spid="24">
+                                            <p:txEl>
+                                              <p:pRg st="4" end="4"/>
+                                            </p:txEl>
+                                          </p:spTgt>
+                                        </p:tgtEl>
+                                        <p:attrNameLst>
+                                          <p:attrName>style.visibility</p:attrName>
+                                        </p:attrNameLst>
+                                      </p:cBhvr>
+                                      <p:to>
+                                        <p:strVal val="visible"/>
+                                      </p:to>
+                                    </p:set>
+                                    <p:anim calcmode="lin" valueType="num">
+                                      <p:cBhvr additive="base">
+                                        <p:cTn id="19" dur="500" fill="hold"/>
+                                        <p:tgtEl>
+                                          <p:spTgt spid="24">
+                                            <p:txEl>
+                                              <p:pRg st="4" end="4"/>
+                                            </p:txEl>
+                                          </p:spTgt>
+                                        </p:tgtEl>
+                                        <p:attrNameLst>
+                                          <p:attrName>ppt_x</p:attrName>
+                                        </p:attrNameLst>
+                                      </p:cBhvr>
+                                      <p:tavLst>
+                                        <p:tav tm="0">
+                                          <p:val>
+                                            <p:strVal val="#ppt_x"/>
+                                          </p:val>
+                                        </p:tav>
+                                        <p:tav tm="100000">
+                                          <p:val>
+                                            <p:strVal val="#ppt_x"/>
+                                          </p:val>
+                                        </p:tav>
+                                      </p:tavLst>
+                                    </p:anim>
+                                    <p:anim calcmode="lin" valueType="num">
+                                      <p:cBhvr additive="base">
+                                        <p:cTn id="20" dur="500" fill="hold"/>
+                                        <p:tgtEl>
+                                          <p:spTgt spid="24">
+                                            <p:txEl>
+                                              <p:pRg st="4" end="4"/>
+                                            </p:txEl>
+                                          </p:spTgt>
+                                        </p:tgtEl>
+                                        <p:attrNameLst>
+                                          <p:attrName>ppt_y</p:attrName>
+                                        </p:attrNameLst>
+                                      </p:cBhvr>
+                                      <p:tavLst>
+                                        <p:tav tm="0">
+                                          <p:val>
+                                            <p:strVal val="1+#ppt_h/2"/>
+                                          </p:val>
+                                        </p:tav>
+                                        <p:tav tm="100000">
+                                          <p:val>
+                                            <p:strVal val="#ppt_y"/>
+                                          </p:val>
+                                        </p:tav>
+                                      </p:tavLst>
+                                    </p:anim>
+                                  </p:childTnLst>
+                                </p:cTn>
+                              </p:par>
+                            </p:childTnLst>
+                          </p:cTn>
+                        </p:par>
+                      </p:childTnLst>
+                    </p:cTn>
+                  </p:par>
+                  <p:par>
+                    <p:cTn id="21" fill="hold">
+                      <p:stCondLst>
+                        <p:cond delay="indefinite"/>
+                      </p:stCondLst>
+                      <p:childTnLst>
+                        <p:par>
+                          <p:cTn id="22" fill="hold">
+                            <p:stCondLst>
+                              <p:cond delay="0"/>
+                            </p:stCondLst>
+                            <p:childTnLst>
+                              <p:par>
+                                <p:cTn id="23" presetID="2" presetClass="entr" presetSubtype="4" fill="hold" nodeType="clickEffect">
+                                  <p:stCondLst>
+                                    <p:cond delay="0"/>
+                                  </p:stCondLst>
+                                  <p:childTnLst>
+                                    <p:set>
+                                      <p:cBhvr>
+                                        <p:cTn id="24" dur="1" fill="hold">
+                                          <p:stCondLst>
+                                            <p:cond delay="0"/>
+                                          </p:stCondLst>
+                                        </p:cTn>
+                                        <p:tgtEl>
+                                          <p:spTgt spid="24">
+                                            <p:txEl>
+                                              <p:pRg st="6" end="6"/>
+                                            </p:txEl>
+                                          </p:spTgt>
+                                        </p:tgtEl>
+                                        <p:attrNameLst>
+                                          <p:attrName>style.visibility</p:attrName>
+                                        </p:attrNameLst>
+                                      </p:cBhvr>
+                                      <p:to>
+                                        <p:strVal val="visible"/>
+                                      </p:to>
+                                    </p:set>
+                                    <p:anim calcmode="lin" valueType="num">
+                                      <p:cBhvr additive="base">
+                                        <p:cTn id="25" dur="500" fill="hold"/>
+                                        <p:tgtEl>
+                                          <p:spTgt spid="24">
+                                            <p:txEl>
+                                              <p:pRg st="6" end="6"/>
+                                            </p:txEl>
+                                          </p:spTgt>
+                                        </p:tgtEl>
+                                        <p:attrNameLst>
+                                          <p:attrName>ppt_x</p:attrName>
+                                        </p:attrNameLst>
+                                      </p:cBhvr>
+                                      <p:tavLst>
+                                        <p:tav tm="0">
+                                          <p:val>
+                                            <p:strVal val="#ppt_x"/>
+                                          </p:val>
+                                        </p:tav>
+                                        <p:tav tm="100000">
+                                          <p:val>
+                                            <p:strVal val="#ppt_x"/>
+                                          </p:val>
+                                        </p:tav>
+                                      </p:tavLst>
+                                    </p:anim>
+                                    <p:anim calcmode="lin" valueType="num">
+                                      <p:cBhvr additive="base">
+                                        <p:cTn id="26" dur="500" fill="hold"/>
+                                        <p:tgtEl>
+                                          <p:spTgt spid="24">
+                                            <p:txEl>
+                                              <p:pRg st="6" end="6"/>
+                                            </p:txEl>
+                                          </p:spTgt>
+                                        </p:tgtEl>
+                                        <p:attrNameLst>
+                                          <p:attrName>ppt_y</p:attrName>
+                                        </p:attrNameLst>
+                                      </p:cBhvr>
+                                      <p:tavLst>
+                                        <p:tav tm="0">
+                                          <p:val>
+                                            <p:strVal val="1+#ppt_h/2"/>
+                                          </p:val>
+                                        </p:tav>
+                                        <p:tav tm="100000">
+                                          <p:val>
+                                            <p:strVal val="#ppt_y"/>
+                                          </p:val>
+                                        </p:tav>
+                                      </p:tavLst>
+                                    </p:anim>
+                                  </p:childTnLst>
+                                </p:cTn>
+                              </p:par>
+                            </p:childTnLst>
+                          </p:cTn>
+                        </p:par>
+                      </p:childTnLst>
+                    </p:cTn>
+                  </p:par>
+                </p:childTnLst>
+              </p:cTn>
+              <p:prevCondLst>
+                <p:cond evt="onPrev" delay="0">
+                  <p:tgtEl>
+                    <p:sldTgt/>
+                  </p:tgtEl>
+                </p:cond>
+              </p:prevCondLst>
+              <p:nextCondLst>
+                <p:cond evt="onNext" delay="0">
+                  <p:tgtEl>
+                    <p:sldTgt/>
+                  </p:tgtEl>
+                </p:cond>
+              </p:nextCondLst>
+            </p:seq>
+          </p:childTnLst>
+        </p:cTn>
+      </p:par>
+    </p:tnLst>
+  </p:timing>
+</p:sld>
+</file>
+
+<file path=ppt/slides/slide24.xml><?xml version="1.0" encoding="utf-8"?>
+<p:sld xmlns:a="http://schemas.openxmlformats.org/drawingml/2006/main" xmlns:r="http://schemas.openxmlformats.org/officeDocument/2006/relationships" xmlns:p="http://schemas.openxmlformats.org/presentationml/2006/main">
+  <p:cSld>
+    <p:bg>
+      <p:bgPr>
+        <a:gradFill>
+          <a:gsLst>
+            <a:gs pos="0">
+              <a:schemeClr val="accent1">
+                <a:lumMod val="67000"/>
+              </a:schemeClr>
+            </a:gs>
+            <a:gs pos="48000">
+              <a:schemeClr val="accent1">
+                <a:lumMod val="97000"/>
+                <a:lumOff val="3000"/>
+              </a:schemeClr>
+            </a:gs>
+            <a:gs pos="100000">
+              <a:schemeClr val="accent1">
+                <a:lumMod val="60000"/>
+                <a:lumOff val="40000"/>
+              </a:schemeClr>
+            </a:gs>
+          </a:gsLst>
+          <a:lin ang="16200000" scaled="1"/>
+        </a:gradFill>
+        <a:effectLst/>
+      </p:bgPr>
+    </p:bg>
+    <p:spTree>
+      <p:nvGrpSpPr>
+        <p:cNvPr id="1" name="">
+          <a:extLst>
+            <a:ext uri="{FF2B5EF4-FFF2-40B4-BE49-F238E27FC236}">
+              <a16:creationId xmlns:a16="http://schemas.microsoft.com/office/drawing/2014/main" id="{4F3A5022-52B4-323C-7F0C-53E5C04385DC}"/>
+            </a:ext>
+          </a:extLst>
+        </p:cNvPr>
+        <p:cNvGrpSpPr/>
+        <p:nvPr/>
+      </p:nvGrpSpPr>
+      <p:grpSpPr>
+        <a:xfrm>
+          <a:off x="0" y="0"/>
+          <a:ext cx="0" cy="0"/>
+          <a:chOff x="0" y="0"/>
+          <a:chExt cx="0" cy="0"/>
+        </a:xfrm>
+      </p:grpSpPr>
+      <p:sp>
+        <p:nvSpPr>
+          <p:cNvPr id="2" name="Title 1">
+            <a:extLst>
+              <a:ext uri="{FF2B5EF4-FFF2-40B4-BE49-F238E27FC236}">
+                <a16:creationId xmlns:a16="http://schemas.microsoft.com/office/drawing/2014/main" id="{6ECE5602-25E0-2B7C-931B-3924FE653BCE}"/>
+              </a:ext>
+            </a:extLst>
+          </p:cNvPr>
+          <p:cNvSpPr>
+            <a:spLocks noGrp="1"/>
+          </p:cNvSpPr>
+          <p:nvPr>
+            <p:ph type="title"/>
+          </p:nvPr>
+        </p:nvSpPr>
+        <p:spPr>
+          <a:xfrm>
+            <a:off x="109013" y="231678"/>
+            <a:ext cx="4797096" cy="587389"/>
+          </a:xfrm>
+        </p:spPr>
+        <p:txBody>
+          <a:bodyPr>
+            <a:normAutofit fontScale="90000"/>
+          </a:bodyPr>
+          <a:lstStyle/>
+          <a:p>
+            <a:r>
+              <a:rPr lang="en-US" sz="3600" dirty="0">
+                <a:solidFill>
+                  <a:schemeClr val="tx1"/>
+                </a:solidFill>
+              </a:rPr>
+              <a:t>Suggested Filing system</a:t>
+            </a:r>
+          </a:p>
+        </p:txBody>
+      </p:sp>
+      <p:sp>
+        <p:nvSpPr>
+          <p:cNvPr id="4" name="Text Placeholder 3">
+            <a:extLst>
+              <a:ext uri="{FF2B5EF4-FFF2-40B4-BE49-F238E27FC236}">
+                <a16:creationId xmlns:a16="http://schemas.microsoft.com/office/drawing/2014/main" id="{94DD8BB1-274C-95F1-6673-B3A07B92231C}"/>
+              </a:ext>
+            </a:extLst>
+          </p:cNvPr>
+          <p:cNvSpPr>
+            <a:spLocks noGrp="1"/>
+          </p:cNvSpPr>
+          <p:nvPr>
+            <p:ph type="body" sz="half" idx="2"/>
+          </p:nvPr>
+        </p:nvSpPr>
+        <p:spPr>
+          <a:xfrm>
+            <a:off x="232105" y="1026868"/>
+            <a:ext cx="3854528" cy="2584449"/>
+          </a:xfrm>
+        </p:spPr>
+        <p:txBody>
+          <a:bodyPr>
+            <a:normAutofit lnSpcReduction="10000"/>
+          </a:bodyPr>
+          <a:lstStyle/>
+          <a:p>
+            <a:endParaRPr lang="en-IE" dirty="0"/>
+          </a:p>
+          <a:p>
+            <a:r>
+              <a:rPr lang="en-IE" sz="2400" dirty="0"/>
+              <a:t>A suggested filing system is given. </a:t>
+            </a:r>
+          </a:p>
+          <a:p>
+            <a:r>
+              <a:rPr lang="en-IE" sz="2400" dirty="0"/>
+              <a:t>Note you could have subfolders named Topic 01 etc. whichever is most appropriate. </a:t>
+            </a:r>
+          </a:p>
+          <a:p>
+            <a:endParaRPr lang="en-US" dirty="0"/>
+          </a:p>
+        </p:txBody>
+      </p:sp>
+      <p:grpSp>
+        <p:nvGrpSpPr>
+          <p:cNvPr id="16" name="Group 15">
+            <a:extLst>
+              <a:ext uri="{FF2B5EF4-FFF2-40B4-BE49-F238E27FC236}">
+                <a16:creationId xmlns:a16="http://schemas.microsoft.com/office/drawing/2014/main" id="{2E061EC1-20D9-83D1-951E-DDEC655C32A2}"/>
+              </a:ext>
+            </a:extLst>
+          </p:cNvPr>
+          <p:cNvGrpSpPr/>
+          <p:nvPr/>
+        </p:nvGrpSpPr>
+        <p:grpSpPr>
+          <a:xfrm>
+            <a:off x="4402965" y="959551"/>
+            <a:ext cx="7789035" cy="3922724"/>
+            <a:chOff x="1468506" y="1161130"/>
+            <a:chExt cx="7789035" cy="3922724"/>
+          </a:xfrm>
+        </p:grpSpPr>
+        <p:pic>
+          <p:nvPicPr>
+            <p:cNvPr id="12" name="Picture 11" descr="A screenshot of a computer&#10;&#10;AI-generated content may be incorrect.">
+              <a:extLst>
+                <a:ext uri="{FF2B5EF4-FFF2-40B4-BE49-F238E27FC236}">
+                  <a16:creationId xmlns:a16="http://schemas.microsoft.com/office/drawing/2014/main" id="{75BFA6DE-CC86-59DC-1B0E-FEF74CBCDD0C}"/>
+                </a:ext>
+              </a:extLst>
+            </p:cNvPr>
+            <p:cNvPicPr>
+              <a:picLocks noChangeAspect="1"/>
+            </p:cNvPicPr>
+            <p:nvPr/>
+          </p:nvPicPr>
+          <p:blipFill>
+            <a:blip r:embed="rId3"/>
+            <a:stretch>
+              <a:fillRect/>
+            </a:stretch>
+          </p:blipFill>
+          <p:spPr>
+            <a:xfrm>
+              <a:off x="1485141" y="1162059"/>
+              <a:ext cx="7772400" cy="3921795"/>
+            </a:xfrm>
+            <a:prstGeom prst="rect">
+              <a:avLst/>
+            </a:prstGeom>
+            <a:ln>
+              <a:noFill/>
+            </a:ln>
+          </p:spPr>
+        </p:pic>
+        <p:sp>
+          <p:nvSpPr>
+            <p:cNvPr id="13" name="Rectangle 12">
+              <a:extLst>
+                <a:ext uri="{FF2B5EF4-FFF2-40B4-BE49-F238E27FC236}">
+                  <a16:creationId xmlns:a16="http://schemas.microsoft.com/office/drawing/2014/main" id="{2095E9FC-CC43-4C63-C890-FAD1389EF5FC}"/>
+                </a:ext>
+              </a:extLst>
+            </p:cNvPr>
+            <p:cNvSpPr/>
+            <p:nvPr/>
+          </p:nvSpPr>
+          <p:spPr>
+            <a:xfrm>
+              <a:off x="1485141" y="1498604"/>
+              <a:ext cx="1670538" cy="822105"/>
+            </a:xfrm>
+            <a:prstGeom prst="rect">
+              <a:avLst/>
+            </a:prstGeom>
+            <a:solidFill>
+              <a:schemeClr val="bg1"/>
+            </a:solidFill>
+            <a:ln>
+              <a:noFill/>
+            </a:ln>
+          </p:spPr>
+          <p:style>
+            <a:lnRef idx="2">
+              <a:schemeClr val="accent1">
+                <a:shade val="15000"/>
+              </a:schemeClr>
+            </a:lnRef>
+            <a:fillRef idx="1">
+              <a:schemeClr val="accent1"/>
+            </a:fillRef>
+            <a:effectRef idx="0">
+              <a:schemeClr val="accent1"/>
+            </a:effectRef>
+            <a:fontRef idx="minor">
+              <a:schemeClr val="lt1"/>
+            </a:fontRef>
+          </p:style>
+          <p:txBody>
+            <a:bodyPr rtlCol="0" anchor="ctr"/>
+            <a:lstStyle/>
+            <a:p>
+              <a:pPr algn="ctr"/>
+              <a:endParaRPr lang="en-US" dirty="0"/>
+            </a:p>
+          </p:txBody>
+        </p:sp>
+        <p:sp>
+          <p:nvSpPr>
+            <p:cNvPr id="14" name="Rectangle 13">
+              <a:extLst>
+                <a:ext uri="{FF2B5EF4-FFF2-40B4-BE49-F238E27FC236}">
+                  <a16:creationId xmlns:a16="http://schemas.microsoft.com/office/drawing/2014/main" id="{BF1B0E81-1F8E-FF78-A2DB-5D31C26A74F1}"/>
+                </a:ext>
+              </a:extLst>
+            </p:cNvPr>
+            <p:cNvSpPr/>
+            <p:nvPr/>
+          </p:nvSpPr>
+          <p:spPr>
+            <a:xfrm>
+              <a:off x="1485140" y="2711903"/>
+              <a:ext cx="1838827" cy="2267870"/>
+            </a:xfrm>
+            <a:prstGeom prst="rect">
+              <a:avLst/>
+            </a:prstGeom>
+            <a:solidFill>
+              <a:schemeClr val="bg1"/>
+            </a:solidFill>
+            <a:ln>
+              <a:noFill/>
+            </a:ln>
+          </p:spPr>
+          <p:style>
+            <a:lnRef idx="2">
+              <a:schemeClr val="accent1">
+                <a:shade val="15000"/>
+              </a:schemeClr>
+            </a:lnRef>
+            <a:fillRef idx="1">
+              <a:schemeClr val="accent1"/>
+            </a:fillRef>
+            <a:effectRef idx="0">
+              <a:schemeClr val="accent1"/>
+            </a:effectRef>
+            <a:fontRef idx="minor">
+              <a:schemeClr val="lt1"/>
+            </a:fontRef>
+          </p:style>
+          <p:txBody>
+            <a:bodyPr rtlCol="0" anchor="ctr"/>
+            <a:lstStyle/>
+            <a:p>
+              <a:pPr algn="ctr"/>
+              <a:endParaRPr lang="en-US" dirty="0"/>
+            </a:p>
+          </p:txBody>
+        </p:sp>
+        <p:sp>
+          <p:nvSpPr>
+            <p:cNvPr id="15" name="Rectangle 14">
+              <a:extLst>
+                <a:ext uri="{FF2B5EF4-FFF2-40B4-BE49-F238E27FC236}">
+                  <a16:creationId xmlns:a16="http://schemas.microsoft.com/office/drawing/2014/main" id="{C5A973C7-BF7E-8B93-BCF1-9D5F7CC8CB48}"/>
+                </a:ext>
+              </a:extLst>
+            </p:cNvPr>
+            <p:cNvSpPr/>
+            <p:nvPr/>
+          </p:nvSpPr>
+          <p:spPr>
+            <a:xfrm>
+              <a:off x="1468506" y="1161130"/>
+              <a:ext cx="7772400" cy="335352"/>
+            </a:xfrm>
+            <a:prstGeom prst="rect">
+              <a:avLst/>
+            </a:prstGeom>
+            <a:solidFill>
+              <a:schemeClr val="bg1"/>
+            </a:solidFill>
+            <a:ln>
+              <a:noFill/>
+            </a:ln>
+          </p:spPr>
+          <p:style>
+            <a:lnRef idx="2">
+              <a:schemeClr val="accent1">
+                <a:shade val="15000"/>
+              </a:schemeClr>
+            </a:lnRef>
+            <a:fillRef idx="1">
+              <a:schemeClr val="accent1"/>
+            </a:fillRef>
+            <a:effectRef idx="0">
+              <a:schemeClr val="accent1"/>
+            </a:effectRef>
+            <a:fontRef idx="minor">
+              <a:schemeClr val="lt1"/>
+            </a:fontRef>
+          </p:style>
+          <p:txBody>
+            <a:bodyPr rtlCol="0" anchor="ctr"/>
+            <a:lstStyle/>
+            <a:p>
+              <a:pPr algn="ctr"/>
+              <a:endParaRPr lang="en-US" dirty="0"/>
+            </a:p>
+          </p:txBody>
+        </p:sp>
+      </p:grpSp>
+      <p:pic>
+        <p:nvPicPr>
+          <p:cNvPr id="25" name="Picture 24">
+            <a:extLst>
+              <a:ext uri="{FF2B5EF4-FFF2-40B4-BE49-F238E27FC236}">
+                <a16:creationId xmlns:a16="http://schemas.microsoft.com/office/drawing/2014/main" id="{894611AD-92A3-3CF8-FA7B-9E86E1ABD0D8}"/>
+              </a:ext>
+            </a:extLst>
+          </p:cNvPr>
+          <p:cNvPicPr>
+            <a:picLocks noChangeAspect="1"/>
+          </p:cNvPicPr>
+          <p:nvPr/>
+        </p:nvPicPr>
+        <p:blipFill>
+          <a:blip r:embed="rId4"/>
+          <a:stretch>
+            <a:fillRect/>
+          </a:stretch>
+        </p:blipFill>
+        <p:spPr>
+          <a:xfrm>
+            <a:off x="906307" y="4380579"/>
+            <a:ext cx="1601254" cy="2333666"/>
+          </a:xfrm>
+          <a:prstGeom prst="rect">
+            <a:avLst/>
+          </a:prstGeom>
+        </p:spPr>
+      </p:pic>
+      <p:sp>
+        <p:nvSpPr>
+          <p:cNvPr id="26" name="TextBox 25">
+            <a:extLst>
+              <a:ext uri="{FF2B5EF4-FFF2-40B4-BE49-F238E27FC236}">
+                <a16:creationId xmlns:a16="http://schemas.microsoft.com/office/drawing/2014/main" id="{4DBF80D7-5932-CC1C-4ED3-C9A5118D10D1}"/>
+              </a:ext>
+            </a:extLst>
+          </p:cNvPr>
+          <p:cNvSpPr txBox="1"/>
+          <p:nvPr/>
+        </p:nvSpPr>
+        <p:spPr>
+          <a:xfrm>
+            <a:off x="4419599" y="5732585"/>
+            <a:ext cx="2171794" cy="646331"/>
+          </a:xfrm>
+          <a:prstGeom prst="rect">
+            <a:avLst/>
+          </a:prstGeom>
+          <a:gradFill flip="none" rotWithShape="1">
+            <a:gsLst>
+              <a:gs pos="0">
+                <a:schemeClr val="accent5">
+                  <a:lumMod val="0"/>
+                  <a:lumOff val="100000"/>
+                </a:schemeClr>
+              </a:gs>
+              <a:gs pos="35000">
+                <a:schemeClr val="accent5">
+                  <a:lumMod val="0"/>
+                  <a:lumOff val="100000"/>
+                </a:schemeClr>
+              </a:gs>
+              <a:gs pos="100000">
+                <a:schemeClr val="accent5">
+                  <a:lumMod val="100000"/>
+                </a:schemeClr>
+              </a:gs>
+            </a:gsLst>
+            <a:path path="circle">
+              <a:fillToRect l="50000" t="-80000" r="50000" b="180000"/>
+            </a:path>
+            <a:tileRect/>
+          </a:gradFill>
+          <a:ln w="15875">
+            <a:gradFill>
+              <a:gsLst>
+                <a:gs pos="0">
+                  <a:schemeClr val="accent1">
+                    <a:lumMod val="5000"/>
+                    <a:lumOff val="95000"/>
+                  </a:schemeClr>
+                </a:gs>
+                <a:gs pos="74000">
+                  <a:schemeClr val="accent1">
+                    <a:lumMod val="45000"/>
+                    <a:lumOff val="55000"/>
+                  </a:schemeClr>
+                </a:gs>
+                <a:gs pos="83000">
+                  <a:schemeClr val="accent1">
+                    <a:lumMod val="45000"/>
+                    <a:lumOff val="55000"/>
+                  </a:schemeClr>
+                </a:gs>
+                <a:gs pos="100000">
+                  <a:schemeClr val="accent1">
+                    <a:lumMod val="30000"/>
+                    <a:lumOff val="70000"/>
+                  </a:schemeClr>
+                </a:gs>
+              </a:gsLst>
+              <a:lin ang="5400000" scaled="1"/>
+            </a:gradFill>
+          </a:ln>
+        </p:spPr>
+        <p:txBody>
+          <a:bodyPr wrap="square" rtlCol="0">
+            <a:spAutoFit/>
+          </a:bodyPr>
+          <a:lstStyle/>
+          <a:p>
+            <a:r>
+              <a:rPr lang="en-US" dirty="0"/>
+              <a:t>Video is available here on tutors</a:t>
+            </a:r>
+          </a:p>
+        </p:txBody>
+      </p:sp>
+      <p:sp>
+        <p:nvSpPr>
+          <p:cNvPr id="27" name="Down Arrow 26">
+            <a:extLst>
+              <a:ext uri="{FF2B5EF4-FFF2-40B4-BE49-F238E27FC236}">
+                <a16:creationId xmlns:a16="http://schemas.microsoft.com/office/drawing/2014/main" id="{174826D9-8B1C-C51D-FAE9-D1E12E2878DB}"/>
+              </a:ext>
+            </a:extLst>
+          </p:cNvPr>
+          <p:cNvSpPr/>
+          <p:nvPr/>
+        </p:nvSpPr>
+        <p:spPr>
+          <a:xfrm rot="6227263">
+            <a:off x="3349716" y="4771717"/>
+            <a:ext cx="193920" cy="1921736"/>
+          </a:xfrm>
+          <a:prstGeom prst="downArrow">
+            <a:avLst>
+              <a:gd name="adj1" fmla="val 100000"/>
+              <a:gd name="adj2" fmla="val 50000"/>
+            </a:avLst>
+          </a:prstGeom>
+          <a:solidFill>
+            <a:schemeClr val="accent4">
+              <a:lumMod val="40000"/>
+              <a:lumOff val="60000"/>
+            </a:schemeClr>
+          </a:solidFill>
+        </p:spPr>
+        <p:style>
+          <a:lnRef idx="2">
+            <a:schemeClr val="accent1">
+              <a:shade val="15000"/>
+            </a:schemeClr>
+          </a:lnRef>
+          <a:fillRef idx="1">
+            <a:schemeClr val="accent1"/>
+          </a:fillRef>
+          <a:effectRef idx="0">
+            <a:schemeClr val="accent1"/>
+          </a:effectRef>
+          <a:fontRef idx="minor">
+            <a:schemeClr val="lt1"/>
+          </a:fontRef>
+        </p:style>
+        <p:txBody>
+          <a:bodyPr rtlCol="0" anchor="ctr"/>
+          <a:lstStyle/>
+          <a:p>
+            <a:pPr algn="ctr"/>
+            <a:endParaRPr lang="en-US"/>
+          </a:p>
+        </p:txBody>
+      </p:sp>
+    </p:spTree>
+    <p:extLst>
+      <p:ext uri="{BB962C8B-B14F-4D97-AF65-F5344CB8AC3E}">
+        <p14:creationId xmlns:p14="http://schemas.microsoft.com/office/powerpoint/2010/main" val="2726616219"/>
+      </p:ext>
+    </p:extLst>
+  </p:cSld>
+  <p:clrMapOvr>
+    <a:overrideClrMapping bg1="lt1" tx1="dk1" bg2="lt2" tx2="dk2" accent1="accent1" accent2="accent2" accent3="accent3" accent4="accent4" accent5="accent5" accent6="accent6" hlink="hlink" folHlink="folHlink"/>
+  </p:clrMapOvr>
+  <p:timing>
+    <p:tnLst>
+      <p:par>
+        <p:cTn id="1" dur="indefinite" restart="never" nodeType="tmRoot">
+          <p:childTnLst>
+            <p:seq concurrent="1" nextAc="seek">
+              <p:cTn id="2" dur="indefinite" nodeType="mainSeq">
+                <p:childTnLst>
+                  <p:par>
+                    <p:cTn id="3" fill="hold">
+                      <p:stCondLst>
+                        <p:cond delay="indefinite"/>
+                      </p:stCondLst>
+                      <p:childTnLst>
+                        <p:par>
+                          <p:cTn id="4" fill="hold">
+                            <p:stCondLst>
+                              <p:cond delay="0"/>
+                            </p:stCondLst>
+                            <p:childTnLst>
+                              <p:par>
+                                <p:cTn id="5" presetID="2" presetClass="entr" presetSubtype="4" fill="hold" nodeType="clickEffect">
+                                  <p:stCondLst>
+                                    <p:cond delay="0"/>
+                                  </p:stCondLst>
+                                  <p:childTnLst>
+                                    <p:set>
+                                      <p:cBhvr>
+                                        <p:cTn id="6" dur="1" fill="hold">
+                                          <p:stCondLst>
+                                            <p:cond delay="0"/>
+                                          </p:stCondLst>
+                                        </p:cTn>
+                                        <p:tgtEl>
+                                          <p:spTgt spid="16"/>
+                                        </p:tgtEl>
+                                        <p:attrNameLst>
+                                          <p:attrName>style.visibility</p:attrName>
+                                        </p:attrNameLst>
+                                      </p:cBhvr>
+                                      <p:to>
+                                        <p:strVal val="visible"/>
+                                      </p:to>
+                                    </p:set>
+                                    <p:anim calcmode="lin" valueType="num">
+                                      <p:cBhvr additive="base">
+                                        <p:cTn id="7" dur="500" fill="hold"/>
+                                        <p:tgtEl>
+                                          <p:spTgt spid="16"/>
+                                        </p:tgtEl>
+                                        <p:attrNameLst>
+                                          <p:attrName>ppt_x</p:attrName>
+                                        </p:attrNameLst>
+                                      </p:cBhvr>
+                                      <p:tavLst>
+                                        <p:tav tm="0">
+                                          <p:val>
+                                            <p:strVal val="#ppt_x"/>
+                                          </p:val>
+                                        </p:tav>
+                                        <p:tav tm="100000">
+                                          <p:val>
+                                            <p:strVal val="#ppt_x"/>
+                                          </p:val>
+                                        </p:tav>
+                                      </p:tavLst>
+                                    </p:anim>
+                                    <p:anim calcmode="lin" valueType="num">
+                                      <p:cBhvr additive="base">
+                                        <p:cTn id="8" dur="500" fill="hold"/>
+                                        <p:tgtEl>
+                                          <p:spTgt spid="16"/>
+                                        </p:tgtEl>
+                                        <p:attrNameLst>
+                                          <p:attrName>ppt_y</p:attrName>
+                                        </p:attrNameLst>
+                                      </p:cBhvr>
+                                      <p:tavLst>
+                                        <p:tav tm="0">
+                                          <p:val>
+                                            <p:strVal val="1+#ppt_h/2"/>
+                                          </p:val>
+                                        </p:tav>
+                                        <p:tav tm="100000">
+                                          <p:val>
+                                            <p:strVal val="#ppt_y"/>
+                                          </p:val>
+                                        </p:tav>
+                                      </p:tavLst>
+                                    </p:anim>
+                                  </p:childTnLst>
+                                </p:cTn>
+                              </p:par>
+                            </p:childTnLst>
+                          </p:cTn>
+                        </p:par>
+                      </p:childTnLst>
+                    </p:cTn>
+                  </p:par>
+                  <p:par>
+                    <p:cTn id="9" fill="hold">
+                      <p:stCondLst>
+                        <p:cond delay="indefinite"/>
+                      </p:stCondLst>
+                      <p:childTnLst>
+                        <p:par>
+                          <p:cTn id="10" fill="hold">
+                            <p:stCondLst>
+                              <p:cond delay="0"/>
+                            </p:stCondLst>
+                            <p:childTnLst>
+                              <p:par>
+                                <p:cTn id="11" presetID="2" presetClass="entr" presetSubtype="4" fill="hold" grpId="0" nodeType="clickEffect">
+                                  <p:stCondLst>
+                                    <p:cond delay="0"/>
+                                  </p:stCondLst>
+                                  <p:childTnLst>
+                                    <p:set>
+                                      <p:cBhvr>
+                                        <p:cTn id="12" dur="1" fill="hold">
+                                          <p:stCondLst>
+                                            <p:cond delay="0"/>
+                                          </p:stCondLst>
+                                        </p:cTn>
+                                        <p:tgtEl>
+                                          <p:spTgt spid="27"/>
+                                        </p:tgtEl>
+                                        <p:attrNameLst>
+                                          <p:attrName>style.visibility</p:attrName>
+                                        </p:attrNameLst>
+                                      </p:cBhvr>
+                                      <p:to>
+                                        <p:strVal val="visible"/>
+                                      </p:to>
+                                    </p:set>
+                                    <p:anim calcmode="lin" valueType="num">
+                                      <p:cBhvr additive="base">
+                                        <p:cTn id="13" dur="500" fill="hold"/>
+                                        <p:tgtEl>
+                                          <p:spTgt spid="27"/>
+                                        </p:tgtEl>
+                                        <p:attrNameLst>
+                                          <p:attrName>ppt_x</p:attrName>
+                                        </p:attrNameLst>
+                                      </p:cBhvr>
+                                      <p:tavLst>
+                                        <p:tav tm="0">
+                                          <p:val>
+                                            <p:strVal val="#ppt_x"/>
+                                          </p:val>
+                                        </p:tav>
+                                        <p:tav tm="100000">
+                                          <p:val>
+                                            <p:strVal val="#ppt_x"/>
+                                          </p:val>
+                                        </p:tav>
+                                      </p:tavLst>
+                                    </p:anim>
+                                    <p:anim calcmode="lin" valueType="num">
+                                      <p:cBhvr additive="base">
+                                        <p:cTn id="14" dur="500" fill="hold"/>
+                                        <p:tgtEl>
+                                          <p:spTgt spid="27"/>
+                                        </p:tgtEl>
+                                        <p:attrNameLst>
+                                          <p:attrName>ppt_y</p:attrName>
+                                        </p:attrNameLst>
+                                      </p:cBhvr>
+                                      <p:tavLst>
+                                        <p:tav tm="0">
+                                          <p:val>
+                                            <p:strVal val="1+#ppt_h/2"/>
+                                          </p:val>
+                                        </p:tav>
+                                        <p:tav tm="100000">
+                                          <p:val>
+                                            <p:strVal val="#ppt_y"/>
+                                          </p:val>
+                                        </p:tav>
+                                      </p:tavLst>
+                                    </p:anim>
+                                  </p:childTnLst>
+                                </p:cTn>
+                              </p:par>
+                              <p:par>
+                                <p:cTn id="15" presetID="2" presetClass="entr" presetSubtype="4" fill="hold" grpId="0" nodeType="withEffect">
+                                  <p:stCondLst>
+                                    <p:cond delay="0"/>
+                                  </p:stCondLst>
+                                  <p:childTnLst>
+                                    <p:set>
+                                      <p:cBhvr>
+                                        <p:cTn id="16" dur="1" fill="hold">
+                                          <p:stCondLst>
+                                            <p:cond delay="0"/>
+                                          </p:stCondLst>
+                                        </p:cTn>
+                                        <p:tgtEl>
+                                          <p:spTgt spid="26"/>
+                                        </p:tgtEl>
+                                        <p:attrNameLst>
+                                          <p:attrName>style.visibility</p:attrName>
+                                        </p:attrNameLst>
+                                      </p:cBhvr>
+                                      <p:to>
+                                        <p:strVal val="visible"/>
+                                      </p:to>
+                                    </p:set>
+                                    <p:anim calcmode="lin" valueType="num">
+                                      <p:cBhvr additive="base">
+                                        <p:cTn id="17" dur="500" fill="hold"/>
+                                        <p:tgtEl>
+                                          <p:spTgt spid="26"/>
+                                        </p:tgtEl>
+                                        <p:attrNameLst>
+                                          <p:attrName>ppt_x</p:attrName>
+                                        </p:attrNameLst>
+                                      </p:cBhvr>
+                                      <p:tavLst>
+                                        <p:tav tm="0">
+                                          <p:val>
+                                            <p:strVal val="#ppt_x"/>
+                                          </p:val>
+                                        </p:tav>
+                                        <p:tav tm="100000">
+                                          <p:val>
+                                            <p:strVal val="#ppt_x"/>
+                                          </p:val>
+                                        </p:tav>
+                                      </p:tavLst>
+                                    </p:anim>
+                                    <p:anim calcmode="lin" valueType="num">
+                                      <p:cBhvr additive="base">
+                                        <p:cTn id="18" dur="500" fill="hold"/>
+                                        <p:tgtEl>
+                                          <p:spTgt spid="26"/>
+                                        </p:tgtEl>
+                                        <p:attrNameLst>
+                                          <p:attrName>ppt_y</p:attrName>
+                                        </p:attrNameLst>
+                                      </p:cBhvr>
+                                      <p:tavLst>
+                                        <p:tav tm="0">
+                                          <p:val>
+                                            <p:strVal val="1+#ppt_h/2"/>
+                                          </p:val>
+                                        </p:tav>
+                                        <p:tav tm="100000">
+                                          <p:val>
+                                            <p:strVal val="#ppt_y"/>
+                                          </p:val>
+                                        </p:tav>
+                                      </p:tavLst>
+                                    </p:anim>
+                                  </p:childTnLst>
+                                </p:cTn>
+                              </p:par>
+                              <p:par>
+                                <p:cTn id="19" presetID="2" presetClass="entr" presetSubtype="4" fill="hold" nodeType="withEffect">
+                                  <p:stCondLst>
+                                    <p:cond delay="0"/>
+                                  </p:stCondLst>
+                                  <p:childTnLst>
+                                    <p:set>
+                                      <p:cBhvr>
+                                        <p:cTn id="20" dur="1" fill="hold">
+                                          <p:stCondLst>
+                                            <p:cond delay="0"/>
+                                          </p:stCondLst>
+                                        </p:cTn>
+                                        <p:tgtEl>
+                                          <p:spTgt spid="25"/>
+                                        </p:tgtEl>
+                                        <p:attrNameLst>
+                                          <p:attrName>style.visibility</p:attrName>
+                                        </p:attrNameLst>
+                                      </p:cBhvr>
+                                      <p:to>
+                                        <p:strVal val="visible"/>
+                                      </p:to>
+                                    </p:set>
+                                    <p:anim calcmode="lin" valueType="num">
+                                      <p:cBhvr additive="base">
+                                        <p:cTn id="21" dur="500" fill="hold"/>
+                                        <p:tgtEl>
+                                          <p:spTgt spid="25"/>
+                                        </p:tgtEl>
+                                        <p:attrNameLst>
+                                          <p:attrName>ppt_x</p:attrName>
+                                        </p:attrNameLst>
+                                      </p:cBhvr>
+                                      <p:tavLst>
+                                        <p:tav tm="0">
+                                          <p:val>
+                                            <p:strVal val="#ppt_x"/>
+                                          </p:val>
+                                        </p:tav>
+                                        <p:tav tm="100000">
+                                          <p:val>
+                                            <p:strVal val="#ppt_x"/>
+                                          </p:val>
+                                        </p:tav>
+                                      </p:tavLst>
+                                    </p:anim>
+                                    <p:anim calcmode="lin" valueType="num">
+                                      <p:cBhvr additive="base">
+                                        <p:cTn id="22" dur="500" fill="hold"/>
+                                        <p:tgtEl>
+                                          <p:spTgt spid="25"/>
+                                        </p:tgtEl>
+                                        <p:attrNameLst>
+                                          <p:attrName>ppt_y</p:attrName>
+                                        </p:attrNameLst>
+                                      </p:cBhvr>
+                                      <p:tavLst>
+                                        <p:tav tm="0">
+                                          <p:val>
+                                            <p:strVal val="1+#ppt_h/2"/>
+                                          </p:val>
+                                        </p:tav>
+                                        <p:tav tm="100000">
+                                          <p:val>
+                                            <p:strVal val="#ppt_y"/>
+                                          </p:val>
+                                        </p:tav>
+                                      </p:tavLst>
+                                    </p:anim>
+                                  </p:childTnLst>
+                                </p:cTn>
+                              </p:par>
+                            </p:childTnLst>
+                          </p:cTn>
+                        </p:par>
+                      </p:childTnLst>
+                    </p:cTn>
+                  </p:par>
+                </p:childTnLst>
+              </p:cTn>
+              <p:prevCondLst>
+                <p:cond evt="onPrev" delay="0">
+                  <p:tgtEl>
+                    <p:sldTgt/>
+                  </p:tgtEl>
+                </p:cond>
+              </p:prevCondLst>
+              <p:nextCondLst>
+                <p:cond evt="onNext" delay="0">
+                  <p:tgtEl>
+                    <p:sldTgt/>
+                  </p:tgtEl>
+                </p:cond>
+              </p:nextCondLst>
+            </p:seq>
+          </p:childTnLst>
+        </p:cTn>
+      </p:par>
+    </p:tnLst>
+    <p:bldLst>
+      <p:bldP spid="26" grpId="0" animBg="1"/>
+      <p:bldP spid="27" grpId="0" animBg="1"/>
+    </p:bldLst>
+  </p:timing>
+</p:sld>
+</file>
+
+<file path=ppt/slides/slide25.xml><?xml version="1.0" encoding="utf-8"?>
+<p:sld xmlns:a="http://schemas.openxmlformats.org/drawingml/2006/main" xmlns:r="http://schemas.openxmlformats.org/officeDocument/2006/relationships" xmlns:p="http://schemas.openxmlformats.org/presentationml/2006/main">
+  <p:cSld>
+    <p:bg>
+      <p:bgPr>
+        <a:gradFill>
+          <a:gsLst>
+            <a:gs pos="0">
+              <a:schemeClr val="accent1">
+                <a:lumMod val="67000"/>
+              </a:schemeClr>
+            </a:gs>
+            <a:gs pos="48000">
+              <a:schemeClr val="accent1">
+                <a:lumMod val="97000"/>
+                <a:lumOff val="3000"/>
+              </a:schemeClr>
+            </a:gs>
+            <a:gs pos="100000">
+              <a:schemeClr val="accent1">
+                <a:lumMod val="60000"/>
+                <a:lumOff val="40000"/>
+              </a:schemeClr>
+            </a:gs>
+          </a:gsLst>
+          <a:lin ang="16200000" scaled="1"/>
+        </a:gradFill>
+        <a:effectLst/>
+      </p:bgPr>
+    </p:bg>
+    <p:spTree>
+      <p:nvGrpSpPr>
+        <p:cNvPr id="1" name="">
+          <a:extLst>
+            <a:ext uri="{FF2B5EF4-FFF2-40B4-BE49-F238E27FC236}">
+              <a16:creationId xmlns:a16="http://schemas.microsoft.com/office/drawing/2014/main" id="{61E750C1-AAD4-8C0B-1B10-58E4618BBB09}"/>
+            </a:ext>
+          </a:extLst>
+        </p:cNvPr>
+        <p:cNvGrpSpPr/>
+        <p:nvPr/>
+      </p:nvGrpSpPr>
+      <p:grpSpPr>
+        <a:xfrm>
+          <a:off x="0" y="0"/>
+          <a:ext cx="0" cy="0"/>
+          <a:chOff x="0" y="0"/>
+          <a:chExt cx="0" cy="0"/>
+        </a:xfrm>
+      </p:grpSpPr>
+      <p:sp>
+        <p:nvSpPr>
+          <p:cNvPr id="2" name="Title 1">
+            <a:extLst>
+              <a:ext uri="{FF2B5EF4-FFF2-40B4-BE49-F238E27FC236}">
+                <a16:creationId xmlns:a16="http://schemas.microsoft.com/office/drawing/2014/main" id="{79C57BED-F531-EC7E-B6E0-4DFBA056D9F4}"/>
+              </a:ext>
+            </a:extLst>
+          </p:cNvPr>
+          <p:cNvSpPr>
+            <a:spLocks noGrp="1"/>
+          </p:cNvSpPr>
+          <p:nvPr>
+            <p:ph type="title"/>
+          </p:nvPr>
+        </p:nvSpPr>
+        <p:spPr>
+          <a:xfrm>
+            <a:off x="1415421" y="-10148"/>
+            <a:ext cx="9064543" cy="1278466"/>
+          </a:xfrm>
+        </p:spPr>
+        <p:txBody>
+          <a:bodyPr>
+            <a:normAutofit/>
+          </a:bodyPr>
+          <a:lstStyle/>
+          <a:p>
+            <a:r>
+              <a:rPr lang="en-US" sz="3600" dirty="0">
+                <a:solidFill>
+                  <a:schemeClr val="tx1"/>
+                </a:solidFill>
+              </a:rPr>
+              <a:t>Do’s and Don’ts of Filing Systems</a:t>
+            </a:r>
+          </a:p>
+        </p:txBody>
+      </p:sp>
+      <p:sp>
+        <p:nvSpPr>
+          <p:cNvPr id="5" name="Rectangle 4">
+            <a:extLst>
+              <a:ext uri="{FF2B5EF4-FFF2-40B4-BE49-F238E27FC236}">
+                <a16:creationId xmlns:a16="http://schemas.microsoft.com/office/drawing/2014/main" id="{5B3B1AC7-B8CC-D76C-6DF3-8119AD156E20}"/>
+              </a:ext>
+            </a:extLst>
+          </p:cNvPr>
+          <p:cNvSpPr/>
+          <p:nvPr/>
+        </p:nvSpPr>
+        <p:spPr>
+          <a:xfrm>
+            <a:off x="2655277" y="4976446"/>
+            <a:ext cx="439615" cy="316523"/>
+          </a:xfrm>
+          <a:prstGeom prst="rect">
+            <a:avLst/>
+          </a:prstGeom>
+        </p:spPr>
+        <p:style>
+          <a:lnRef idx="2">
+            <a:schemeClr val="accent1">
+              <a:shade val="15000"/>
+            </a:schemeClr>
+          </a:lnRef>
+          <a:fillRef idx="1">
+            <a:schemeClr val="accent1"/>
+          </a:fillRef>
+          <a:effectRef idx="0">
+            <a:schemeClr val="accent1"/>
+          </a:effectRef>
+          <a:fontRef idx="minor">
+            <a:schemeClr val="lt1"/>
+          </a:fontRef>
+        </p:style>
+        <p:txBody>
+          <a:bodyPr rtlCol="0" anchor="ctr"/>
+          <a:lstStyle/>
+          <a:p>
+            <a:pPr algn="ctr"/>
+            <a:endParaRPr lang="en-US"/>
+          </a:p>
+        </p:txBody>
+      </p:sp>
+      <p:pic>
+        <p:nvPicPr>
+          <p:cNvPr id="9" name="Picture 8">
+            <a:extLst>
+              <a:ext uri="{FF2B5EF4-FFF2-40B4-BE49-F238E27FC236}">
+                <a16:creationId xmlns:a16="http://schemas.microsoft.com/office/drawing/2014/main" id="{E2C42CF8-342C-ACFD-15AF-B6D120CD4626}"/>
+              </a:ext>
+            </a:extLst>
+          </p:cNvPr>
+          <p:cNvPicPr>
+            <a:picLocks noChangeAspect="1"/>
+          </p:cNvPicPr>
+          <p:nvPr/>
+        </p:nvPicPr>
+        <p:blipFill>
+          <a:blip r:embed="rId3"/>
+          <a:stretch>
+            <a:fillRect/>
+          </a:stretch>
+        </p:blipFill>
+        <p:spPr>
+          <a:xfrm>
+            <a:off x="880199" y="2156557"/>
+            <a:ext cx="10431602" cy="3136412"/>
+          </a:xfrm>
+          <a:prstGeom prst="rect">
+            <a:avLst/>
+          </a:prstGeom>
+        </p:spPr>
+      </p:pic>
+    </p:spTree>
+    <p:extLst>
+      <p:ext uri="{BB962C8B-B14F-4D97-AF65-F5344CB8AC3E}">
+        <p14:creationId xmlns:p14="http://schemas.microsoft.com/office/powerpoint/2010/main" val="1883184882"/>
+      </p:ext>
+    </p:extLst>
+  </p:cSld>
+  <p:clrMapOvr>
+    <a:overrideClrMapping bg1="lt1" tx1="dk1" bg2="lt2" tx2="dk2" accent1="accent1" accent2="accent2" accent3="accent3" accent4="accent4" accent5="accent5" accent6="accent6" hlink="hlink" folHlink="folHlink"/>
+  </p:clrMapOvr>
+</p:sld>
+</file>
+
+<file path=ppt/slides/slide26.xml><?xml version="1.0" encoding="utf-8"?>
+<p:sld xmlns:a="http://schemas.openxmlformats.org/drawingml/2006/main" xmlns:r="http://schemas.openxmlformats.org/officeDocument/2006/relationships" xmlns:p="http://schemas.openxmlformats.org/presentationml/2006/main">
+  <p:cSld>
+    <p:bg>
+      <p:bgPr>
+        <a:gradFill>
+          <a:gsLst>
+            <a:gs pos="0">
+              <a:schemeClr val="accent1">
+                <a:lumMod val="67000"/>
+              </a:schemeClr>
+            </a:gs>
+            <a:gs pos="48000">
+              <a:schemeClr val="accent1">
+                <a:lumMod val="97000"/>
+                <a:lumOff val="3000"/>
+              </a:schemeClr>
+            </a:gs>
+            <a:gs pos="100000">
+              <a:schemeClr val="accent1">
+                <a:lumMod val="60000"/>
+                <a:lumOff val="40000"/>
+              </a:schemeClr>
+            </a:gs>
+          </a:gsLst>
+          <a:lin ang="16200000" scaled="1"/>
+        </a:gradFill>
+        <a:effectLst/>
+      </p:bgPr>
+    </p:bg>
+    <p:spTree>
+      <p:nvGrpSpPr>
+        <p:cNvPr id="1" name="">
+          <a:extLst>
+            <a:ext uri="{FF2B5EF4-FFF2-40B4-BE49-F238E27FC236}">
+              <a16:creationId xmlns:a16="http://schemas.microsoft.com/office/drawing/2014/main" id="{BEB85C97-B835-15FE-0169-C43AA7F344C9}"/>
+            </a:ext>
+          </a:extLst>
+        </p:cNvPr>
+        <p:cNvGrpSpPr/>
+        <p:nvPr/>
+      </p:nvGrpSpPr>
+      <p:grpSpPr>
+        <a:xfrm>
+          <a:off x="0" y="0"/>
+          <a:ext cx="0" cy="0"/>
+          <a:chOff x="0" y="0"/>
+          <a:chExt cx="0" cy="0"/>
+        </a:xfrm>
+      </p:grpSpPr>
+      <p:sp>
+        <p:nvSpPr>
+          <p:cNvPr id="24" name="TextBox 23">
+            <a:extLst>
+              <a:ext uri="{FF2B5EF4-FFF2-40B4-BE49-F238E27FC236}">
+                <a16:creationId xmlns:a16="http://schemas.microsoft.com/office/drawing/2014/main" id="{2418A25B-8001-6313-515E-925C4879F4D3}"/>
+              </a:ext>
+            </a:extLst>
+          </p:cNvPr>
+          <p:cNvSpPr txBox="1"/>
+          <p:nvPr/>
+        </p:nvSpPr>
+        <p:spPr>
+          <a:xfrm>
+            <a:off x="791307" y="1116211"/>
+            <a:ext cx="10609385" cy="3108543"/>
+          </a:xfrm>
+          <a:prstGeom prst="rect">
+            <a:avLst/>
+          </a:prstGeom>
+          <a:noFill/>
+        </p:spPr>
+        <p:txBody>
+          <a:bodyPr wrap="square" rtlCol="0">
+            <a:spAutoFit/>
+          </a:bodyPr>
+          <a:lstStyle/>
+          <a:p>
+            <a:pPr marL="285750" indent="-285750">
+              <a:buClr>
+                <a:schemeClr val="bg1"/>
+              </a:buClr>
+              <a:buFont typeface="Wingdings" pitchFamily="2" charset="2"/>
+              <a:buChar char="Ø"/>
+            </a:pPr>
+            <a:r>
+              <a:rPr lang="en-IE" sz="2800" dirty="0"/>
+              <a:t>You will be using a lot of online resources during your time in university.</a:t>
+            </a:r>
+          </a:p>
+          <a:p>
+            <a:pPr marL="285750" indent="-285750">
+              <a:buClr>
+                <a:schemeClr val="bg1"/>
+              </a:buClr>
+              <a:buFont typeface="Wingdings" pitchFamily="2" charset="2"/>
+              <a:buChar char="Ø"/>
+            </a:pPr>
+            <a:endParaRPr lang="en-IE" sz="2800" dirty="0"/>
+          </a:p>
+          <a:p>
+            <a:pPr marL="285750" indent="-285750">
+              <a:buClr>
+                <a:schemeClr val="bg1"/>
+              </a:buClr>
+              <a:buFont typeface="Wingdings" pitchFamily="2" charset="2"/>
+              <a:buChar char="Ø"/>
+            </a:pPr>
+            <a:r>
+              <a:rPr lang="en-IE" sz="2800" dirty="0"/>
+              <a:t>It is a good idea to set up a bookmarks or bookmark folders in your browser.</a:t>
+            </a:r>
+          </a:p>
+          <a:p>
+            <a:pPr>
+              <a:buClr>
+                <a:schemeClr val="bg1"/>
+              </a:buClr>
+            </a:pPr>
+            <a:endParaRPr lang="en-IE" sz="2800" dirty="0"/>
+          </a:p>
+          <a:p>
+            <a:pPr marL="285750" indent="-285750">
+              <a:buClr>
+                <a:schemeClr val="bg1"/>
+              </a:buClr>
+              <a:buFont typeface="Wingdings" pitchFamily="2" charset="2"/>
+              <a:buChar char="Ø"/>
+            </a:pPr>
+            <a:r>
+              <a:rPr lang="en-IE" sz="2800" dirty="0"/>
+              <a:t>This will save you a lot of time in the long run.</a:t>
+            </a:r>
+          </a:p>
+        </p:txBody>
+      </p:sp>
+      <p:sp>
+        <p:nvSpPr>
+          <p:cNvPr id="3" name="Title 1">
+            <a:extLst>
+              <a:ext uri="{FF2B5EF4-FFF2-40B4-BE49-F238E27FC236}">
+                <a16:creationId xmlns:a16="http://schemas.microsoft.com/office/drawing/2014/main" id="{DCB0A4F2-C23A-64A9-60D3-2ABC5EA80C86}"/>
+              </a:ext>
+            </a:extLst>
+          </p:cNvPr>
+          <p:cNvSpPr txBox="1">
+            <a:spLocks/>
+          </p:cNvSpPr>
+          <p:nvPr/>
+        </p:nvSpPr>
+        <p:spPr>
+          <a:xfrm>
+            <a:off x="1387344" y="158574"/>
+            <a:ext cx="8995279" cy="801813"/>
+          </a:xfrm>
+          <a:prstGeom prst="rect">
+            <a:avLst/>
+          </a:prstGeom>
+        </p:spPr>
+        <p:txBody>
+          <a:bodyPr vert="horz" lIns="91440" tIns="45720" rIns="91440" bIns="45720" rtlCol="0" anchor="b">
+            <a:normAutofit/>
+          </a:bodyPr>
+          <a:lstStyle>
+            <a:lvl1pPr algn="l" defTabSz="457200" rtl="0" eaLnBrk="1" latinLnBrk="0" hangingPunct="1">
+              <a:spcBef>
+                <a:spcPct val="0"/>
+              </a:spcBef>
+              <a:buNone/>
+              <a:defRPr sz="2000" kern="1200">
+                <a:solidFill>
+                  <a:schemeClr val="accent1"/>
+                </a:solidFill>
+                <a:latin typeface="+mj-lt"/>
+                <a:ea typeface="+mj-ea"/>
+                <a:cs typeface="+mj-cs"/>
+              </a:defRPr>
+            </a:lvl1pPr>
+            <a:lvl2pPr eaLnBrk="1" hangingPunct="1">
+              <a:defRPr>
+                <a:solidFill>
+                  <a:schemeClr val="tx2"/>
+                </a:solidFill>
+              </a:defRPr>
+            </a:lvl2pPr>
+            <a:lvl3pPr eaLnBrk="1" hangingPunct="1">
+              <a:defRPr>
+                <a:solidFill>
+                  <a:schemeClr val="tx2"/>
+                </a:solidFill>
+              </a:defRPr>
+            </a:lvl3pPr>
+            <a:lvl4pPr eaLnBrk="1" hangingPunct="1">
+              <a:defRPr>
+                <a:solidFill>
+                  <a:schemeClr val="tx2"/>
+                </a:solidFill>
+              </a:defRPr>
+            </a:lvl4pPr>
+            <a:lvl5pPr eaLnBrk="1" hangingPunct="1">
+              <a:defRPr>
+                <a:solidFill>
+                  <a:schemeClr val="tx2"/>
+                </a:solidFill>
+              </a:defRPr>
+            </a:lvl5pPr>
+            <a:lvl6pPr eaLnBrk="1" hangingPunct="1">
+              <a:defRPr>
+                <a:solidFill>
+                  <a:schemeClr val="tx2"/>
+                </a:solidFill>
+              </a:defRPr>
+            </a:lvl6pPr>
+            <a:lvl7pPr eaLnBrk="1" hangingPunct="1">
+              <a:defRPr>
+                <a:solidFill>
+                  <a:schemeClr val="tx2"/>
+                </a:solidFill>
+              </a:defRPr>
+            </a:lvl7pPr>
+            <a:lvl8pPr eaLnBrk="1" hangingPunct="1">
+              <a:defRPr>
+                <a:solidFill>
+                  <a:schemeClr val="tx2"/>
+                </a:solidFill>
+              </a:defRPr>
+            </a:lvl8pPr>
+            <a:lvl9pPr eaLnBrk="1" hangingPunct="1">
+              <a:defRPr>
+                <a:solidFill>
+                  <a:schemeClr val="tx2"/>
+                </a:solidFill>
+              </a:defRPr>
+            </a:lvl9pPr>
+          </a:lstStyle>
+          <a:p>
+            <a:pPr algn="ctr"/>
+            <a:r>
+              <a:rPr lang="en-US" sz="3600" dirty="0">
+                <a:solidFill>
+                  <a:schemeClr val="tx1"/>
+                </a:solidFill>
+              </a:rPr>
+              <a:t>Managing Bookmarks on your browser </a:t>
+            </a:r>
+          </a:p>
+        </p:txBody>
+      </p:sp>
+      <p:sp>
+        <p:nvSpPr>
+          <p:cNvPr id="7" name="TextBox 6">
+            <a:extLst>
+              <a:ext uri="{FF2B5EF4-FFF2-40B4-BE49-F238E27FC236}">
+                <a16:creationId xmlns:a16="http://schemas.microsoft.com/office/drawing/2014/main" id="{657F4065-4B21-886C-B3B1-E70DC3380536}"/>
+              </a:ext>
+            </a:extLst>
+          </p:cNvPr>
+          <p:cNvSpPr txBox="1"/>
+          <p:nvPr/>
+        </p:nvSpPr>
+        <p:spPr>
+          <a:xfrm>
+            <a:off x="4419599" y="5732585"/>
+            <a:ext cx="2171794" cy="646331"/>
+          </a:xfrm>
+          <a:prstGeom prst="rect">
+            <a:avLst/>
+          </a:prstGeom>
+          <a:gradFill flip="none" rotWithShape="1">
+            <a:gsLst>
+              <a:gs pos="0">
+                <a:schemeClr val="accent5">
+                  <a:lumMod val="0"/>
+                  <a:lumOff val="100000"/>
+                </a:schemeClr>
+              </a:gs>
+              <a:gs pos="35000">
+                <a:schemeClr val="accent5">
+                  <a:lumMod val="0"/>
+                  <a:lumOff val="100000"/>
+                </a:schemeClr>
+              </a:gs>
+              <a:gs pos="100000">
+                <a:schemeClr val="accent5">
+                  <a:lumMod val="100000"/>
+                </a:schemeClr>
+              </a:gs>
+            </a:gsLst>
+            <a:path path="circle">
+              <a:fillToRect l="50000" t="-80000" r="50000" b="180000"/>
+            </a:path>
+            <a:tileRect/>
+          </a:gradFill>
+          <a:ln w="15875">
+            <a:gradFill>
+              <a:gsLst>
+                <a:gs pos="0">
+                  <a:schemeClr val="accent1">
+                    <a:lumMod val="5000"/>
+                    <a:lumOff val="95000"/>
+                  </a:schemeClr>
+                </a:gs>
+                <a:gs pos="74000">
+                  <a:schemeClr val="accent1">
+                    <a:lumMod val="45000"/>
+                    <a:lumOff val="55000"/>
+                  </a:schemeClr>
+                </a:gs>
+                <a:gs pos="83000">
+                  <a:schemeClr val="accent1">
+                    <a:lumMod val="45000"/>
+                    <a:lumOff val="55000"/>
+                  </a:schemeClr>
+                </a:gs>
+                <a:gs pos="100000">
+                  <a:schemeClr val="accent1">
+                    <a:lumMod val="30000"/>
+                    <a:lumOff val="70000"/>
+                  </a:schemeClr>
+                </a:gs>
+              </a:gsLst>
+              <a:lin ang="5400000" scaled="1"/>
+            </a:gradFill>
+          </a:ln>
+        </p:spPr>
+        <p:txBody>
+          <a:bodyPr wrap="square" rtlCol="0">
+            <a:spAutoFit/>
+          </a:bodyPr>
+          <a:lstStyle/>
+          <a:p>
+            <a:r>
+              <a:rPr lang="en-US" dirty="0"/>
+              <a:t>Video is available here on tutors</a:t>
+            </a:r>
+          </a:p>
+        </p:txBody>
+      </p:sp>
+      <p:sp>
+        <p:nvSpPr>
+          <p:cNvPr id="8" name="Down Arrow 7">
+            <a:extLst>
+              <a:ext uri="{FF2B5EF4-FFF2-40B4-BE49-F238E27FC236}">
+                <a16:creationId xmlns:a16="http://schemas.microsoft.com/office/drawing/2014/main" id="{45384070-0359-66F4-9B30-B580EEE3F367}"/>
+              </a:ext>
+            </a:extLst>
+          </p:cNvPr>
+          <p:cNvSpPr/>
+          <p:nvPr/>
+        </p:nvSpPr>
+        <p:spPr>
+          <a:xfrm rot="6227263">
+            <a:off x="3349716" y="4771717"/>
+            <a:ext cx="193920" cy="1921736"/>
+          </a:xfrm>
+          <a:prstGeom prst="downArrow">
+            <a:avLst>
+              <a:gd name="adj1" fmla="val 100000"/>
+              <a:gd name="adj2" fmla="val 50000"/>
+            </a:avLst>
+          </a:prstGeom>
+          <a:solidFill>
+            <a:schemeClr val="accent4">
+              <a:lumMod val="40000"/>
+              <a:lumOff val="60000"/>
+            </a:schemeClr>
+          </a:solidFill>
+        </p:spPr>
+        <p:style>
+          <a:lnRef idx="2">
+            <a:schemeClr val="accent1">
+              <a:shade val="15000"/>
+            </a:schemeClr>
+          </a:lnRef>
+          <a:fillRef idx="1">
+            <a:schemeClr val="accent1"/>
+          </a:fillRef>
+          <a:effectRef idx="0">
+            <a:schemeClr val="accent1"/>
+          </a:effectRef>
+          <a:fontRef idx="minor">
+            <a:schemeClr val="lt1"/>
+          </a:fontRef>
+        </p:style>
+        <p:txBody>
+          <a:bodyPr rtlCol="0" anchor="ctr"/>
+          <a:lstStyle/>
+          <a:p>
+            <a:pPr algn="ctr"/>
+            <a:endParaRPr lang="en-US"/>
+          </a:p>
+        </p:txBody>
+      </p:sp>
+      <p:pic>
+        <p:nvPicPr>
+          <p:cNvPr id="9" name="Picture 8">
+            <a:extLst>
+              <a:ext uri="{FF2B5EF4-FFF2-40B4-BE49-F238E27FC236}">
+                <a16:creationId xmlns:a16="http://schemas.microsoft.com/office/drawing/2014/main" id="{0A9BC046-7EB1-0E0A-878C-A772883E291C}"/>
+              </a:ext>
+            </a:extLst>
+          </p:cNvPr>
+          <p:cNvPicPr>
+            <a:picLocks noChangeAspect="1"/>
+          </p:cNvPicPr>
+          <p:nvPr/>
+        </p:nvPicPr>
+        <p:blipFill>
+          <a:blip r:embed="rId3"/>
+          <a:stretch>
+            <a:fillRect/>
+          </a:stretch>
+        </p:blipFill>
+        <p:spPr>
+          <a:xfrm>
+            <a:off x="909740" y="4346835"/>
+            <a:ext cx="1580647" cy="2352591"/>
+          </a:xfrm>
+          <a:prstGeom prst="rect">
+            <a:avLst/>
+          </a:prstGeom>
+        </p:spPr>
+      </p:pic>
+    </p:spTree>
+    <p:extLst>
+      <p:ext uri="{BB962C8B-B14F-4D97-AF65-F5344CB8AC3E}">
+        <p14:creationId xmlns:p14="http://schemas.microsoft.com/office/powerpoint/2010/main" val="2629028707"/>
+      </p:ext>
+    </p:extLst>
+  </p:cSld>
+  <p:clrMapOvr>
+    <a:overrideClrMapping bg1="lt1" tx1="dk1" bg2="lt2" tx2="dk2" accent1="accent1" accent2="accent2" accent3="accent3" accent4="accent4" accent5="accent5" accent6="accent6" hlink="hlink" folHlink="folHlink"/>
+  </p:clrMapOvr>
+  <p:timing>
+    <p:tnLst>
+      <p:par>
+        <p:cTn id="1" dur="indefinite" restart="never" nodeType="tmRoot">
+          <p:childTnLst>
+            <p:seq concurrent="1" nextAc="seek">
+              <p:cTn id="2" dur="indefinite" nodeType="mainSeq">
+                <p:childTnLst>
+                  <p:par>
+                    <p:cTn id="3" fill="hold">
+                      <p:stCondLst>
+                        <p:cond delay="indefinite"/>
+                      </p:stCondLst>
+                      <p:childTnLst>
+                        <p:par>
+                          <p:cTn id="4" fill="hold">
+                            <p:stCondLst>
+                              <p:cond delay="0"/>
+                            </p:stCondLst>
+                            <p:childTnLst>
+                              <p:par>
+                                <p:cTn id="5" presetID="2" presetClass="entr" presetSubtype="4" fill="hold" nodeType="clickEffect">
+                                  <p:stCondLst>
+                                    <p:cond delay="0"/>
+                                  </p:stCondLst>
+                                  <p:childTnLst>
+                                    <p:set>
+                                      <p:cBhvr>
+                                        <p:cTn id="6" dur="1" fill="hold">
+                                          <p:stCondLst>
+                                            <p:cond delay="0"/>
+                                          </p:stCondLst>
+                                        </p:cTn>
+                                        <p:tgtEl>
+                                          <p:spTgt spid="24">
+                                            <p:txEl>
+                                              <p:pRg st="0" end="0"/>
+                                            </p:txEl>
+                                          </p:spTgt>
+                                        </p:tgtEl>
+                                        <p:attrNameLst>
+                                          <p:attrName>style.visibility</p:attrName>
+                                        </p:attrNameLst>
+                                      </p:cBhvr>
+                                      <p:to>
+                                        <p:strVal val="visible"/>
+                                      </p:to>
+                                    </p:set>
+                                    <p:anim calcmode="lin" valueType="num">
+                                      <p:cBhvr additive="base">
+                                        <p:cTn id="7" dur="500" fill="hold"/>
+                                        <p:tgtEl>
+                                          <p:spTgt spid="24">
+                                            <p:txEl>
+                                              <p:pRg st="0" end="0"/>
+                                            </p:txEl>
+                                          </p:spTgt>
+                                        </p:tgtEl>
+                                        <p:attrNameLst>
+                                          <p:attrName>ppt_x</p:attrName>
+                                        </p:attrNameLst>
+                                      </p:cBhvr>
+                                      <p:tavLst>
+                                        <p:tav tm="0">
+                                          <p:val>
+                                            <p:strVal val="#ppt_x"/>
+                                          </p:val>
+                                        </p:tav>
+                                        <p:tav tm="100000">
+                                          <p:val>
+                                            <p:strVal val="#ppt_x"/>
+                                          </p:val>
+                                        </p:tav>
+                                      </p:tavLst>
+                                    </p:anim>
+                                    <p:anim calcmode="lin" valueType="num">
+                                      <p:cBhvr additive="base">
+                                        <p:cTn id="8" dur="500" fill="hold"/>
+                                        <p:tgtEl>
+                                          <p:spTgt spid="24">
+                                            <p:txEl>
+                                              <p:pRg st="0" end="0"/>
+                                            </p:txEl>
+                                          </p:spTgt>
+                                        </p:tgtEl>
+                                        <p:attrNameLst>
+                                          <p:attrName>ppt_y</p:attrName>
+                                        </p:attrNameLst>
+                                      </p:cBhvr>
+                                      <p:tavLst>
+                                        <p:tav tm="0">
+                                          <p:val>
+                                            <p:strVal val="1+#ppt_h/2"/>
+                                          </p:val>
+                                        </p:tav>
+                                        <p:tav tm="100000">
+                                          <p:val>
+                                            <p:strVal val="#ppt_y"/>
+                                          </p:val>
+                                        </p:tav>
+                                      </p:tavLst>
+                                    </p:anim>
+                                  </p:childTnLst>
+                                </p:cTn>
+                              </p:par>
+                            </p:childTnLst>
+                          </p:cTn>
+                        </p:par>
+                      </p:childTnLst>
+                    </p:cTn>
+                  </p:par>
+                  <p:par>
+                    <p:cTn id="9" fill="hold">
+                      <p:stCondLst>
+                        <p:cond delay="indefinite"/>
+                      </p:stCondLst>
+                      <p:childTnLst>
+                        <p:par>
+                          <p:cTn id="10" fill="hold">
+                            <p:stCondLst>
+                              <p:cond delay="0"/>
+                            </p:stCondLst>
+                            <p:childTnLst>
+                              <p:par>
+                                <p:cTn id="11" presetID="2" presetClass="entr" presetSubtype="4" fill="hold" nodeType="clickEffect">
+                                  <p:stCondLst>
+                                    <p:cond delay="0"/>
+                                  </p:stCondLst>
+                                  <p:childTnLst>
+                                    <p:set>
+                                      <p:cBhvr>
+                                        <p:cTn id="12" dur="1" fill="hold">
+                                          <p:stCondLst>
+                                            <p:cond delay="0"/>
+                                          </p:stCondLst>
+                                        </p:cTn>
+                                        <p:tgtEl>
+                                          <p:spTgt spid="24">
+                                            <p:txEl>
+                                              <p:pRg st="2" end="2"/>
+                                            </p:txEl>
+                                          </p:spTgt>
+                                        </p:tgtEl>
+                                        <p:attrNameLst>
+                                          <p:attrName>style.visibility</p:attrName>
+                                        </p:attrNameLst>
+                                      </p:cBhvr>
+                                      <p:to>
+                                        <p:strVal val="visible"/>
+                                      </p:to>
+                                    </p:set>
+                                    <p:anim calcmode="lin" valueType="num">
+                                      <p:cBhvr additive="base">
+                                        <p:cTn id="13" dur="500" fill="hold"/>
+                                        <p:tgtEl>
+                                          <p:spTgt spid="24">
+                                            <p:txEl>
+                                              <p:pRg st="2" end="2"/>
+                                            </p:txEl>
+                                          </p:spTgt>
+                                        </p:tgtEl>
+                                        <p:attrNameLst>
+                                          <p:attrName>ppt_x</p:attrName>
+                                        </p:attrNameLst>
+                                      </p:cBhvr>
+                                      <p:tavLst>
+                                        <p:tav tm="0">
+                                          <p:val>
+                                            <p:strVal val="#ppt_x"/>
+                                          </p:val>
+                                        </p:tav>
+                                        <p:tav tm="100000">
+                                          <p:val>
+                                            <p:strVal val="#ppt_x"/>
+                                          </p:val>
+                                        </p:tav>
+                                      </p:tavLst>
+                                    </p:anim>
+                                    <p:anim calcmode="lin" valueType="num">
+                                      <p:cBhvr additive="base">
+                                        <p:cTn id="14" dur="500" fill="hold"/>
+                                        <p:tgtEl>
+                                          <p:spTgt spid="24">
+                                            <p:txEl>
+                                              <p:pRg st="2" end="2"/>
+                                            </p:txEl>
+                                          </p:spTgt>
+                                        </p:tgtEl>
+                                        <p:attrNameLst>
+                                          <p:attrName>ppt_y</p:attrName>
+                                        </p:attrNameLst>
+                                      </p:cBhvr>
+                                      <p:tavLst>
+                                        <p:tav tm="0">
+                                          <p:val>
+                                            <p:strVal val="1+#ppt_h/2"/>
+                                          </p:val>
+                                        </p:tav>
+                                        <p:tav tm="100000">
+                                          <p:val>
+                                            <p:strVal val="#ppt_y"/>
+                                          </p:val>
+                                        </p:tav>
+                                      </p:tavLst>
+                                    </p:anim>
+                                  </p:childTnLst>
+                                </p:cTn>
+                              </p:par>
+                            </p:childTnLst>
+                          </p:cTn>
+                        </p:par>
+                      </p:childTnLst>
+                    </p:cTn>
+                  </p:par>
+                  <p:par>
+                    <p:cTn id="15" fill="hold">
+                      <p:stCondLst>
+                        <p:cond delay="indefinite"/>
+                      </p:stCondLst>
+                      <p:childTnLst>
+                        <p:par>
+                          <p:cTn id="16" fill="hold">
+                            <p:stCondLst>
+                              <p:cond delay="0"/>
+                            </p:stCondLst>
+                            <p:childTnLst>
+                              <p:par>
+                                <p:cTn id="17" presetID="2" presetClass="entr" presetSubtype="4" fill="hold" nodeType="clickEffect">
+                                  <p:stCondLst>
+                                    <p:cond delay="0"/>
+                                  </p:stCondLst>
+                                  <p:childTnLst>
+                                    <p:set>
+                                      <p:cBhvr>
+                                        <p:cTn id="18" dur="1" fill="hold">
+                                          <p:stCondLst>
+                                            <p:cond delay="0"/>
+                                          </p:stCondLst>
+                                        </p:cTn>
+                                        <p:tgtEl>
+                                          <p:spTgt spid="24">
+                                            <p:txEl>
+                                              <p:pRg st="4" end="4"/>
+                                            </p:txEl>
+                                          </p:spTgt>
+                                        </p:tgtEl>
+                                        <p:attrNameLst>
+                                          <p:attrName>style.visibility</p:attrName>
+                                        </p:attrNameLst>
+                                      </p:cBhvr>
+                                      <p:to>
+                                        <p:strVal val="visible"/>
+                                      </p:to>
+                                    </p:set>
+                                    <p:anim calcmode="lin" valueType="num">
+                                      <p:cBhvr additive="base">
+                                        <p:cTn id="19" dur="500" fill="hold"/>
+                                        <p:tgtEl>
+                                          <p:spTgt spid="24">
+                                            <p:txEl>
+                                              <p:pRg st="4" end="4"/>
+                                            </p:txEl>
+                                          </p:spTgt>
+                                        </p:tgtEl>
+                                        <p:attrNameLst>
+                                          <p:attrName>ppt_x</p:attrName>
+                                        </p:attrNameLst>
+                                      </p:cBhvr>
+                                      <p:tavLst>
+                                        <p:tav tm="0">
+                                          <p:val>
+                                            <p:strVal val="#ppt_x"/>
+                                          </p:val>
+                                        </p:tav>
+                                        <p:tav tm="100000">
+                                          <p:val>
+                                            <p:strVal val="#ppt_x"/>
+                                          </p:val>
+                                        </p:tav>
+                                      </p:tavLst>
+                                    </p:anim>
+                                    <p:anim calcmode="lin" valueType="num">
+                                      <p:cBhvr additive="base">
+                                        <p:cTn id="20" dur="500" fill="hold"/>
+                                        <p:tgtEl>
+                                          <p:spTgt spid="24">
+                                            <p:txEl>
+                                              <p:pRg st="4" end="4"/>
+                                            </p:txEl>
+                                          </p:spTgt>
+                                        </p:tgtEl>
+                                        <p:attrNameLst>
+                                          <p:attrName>ppt_y</p:attrName>
+                                        </p:attrNameLst>
+                                      </p:cBhvr>
+                                      <p:tavLst>
+                                        <p:tav tm="0">
+                                          <p:val>
+                                            <p:strVal val="1+#ppt_h/2"/>
+                                          </p:val>
+                                        </p:tav>
+                                        <p:tav tm="100000">
+                                          <p:val>
+                                            <p:strVal val="#ppt_y"/>
+                                          </p:val>
+                                        </p:tav>
+                                      </p:tavLst>
+                                    </p:anim>
+                                  </p:childTnLst>
+                                </p:cTn>
+                              </p:par>
+                            </p:childTnLst>
+                          </p:cTn>
+                        </p:par>
+                      </p:childTnLst>
+                    </p:cTn>
+                  </p:par>
+                  <p:par>
+                    <p:cTn id="21" fill="hold">
+                      <p:stCondLst>
+                        <p:cond delay="indefinite"/>
+                      </p:stCondLst>
+                      <p:childTnLst>
+                        <p:par>
+                          <p:cTn id="22" fill="hold">
+                            <p:stCondLst>
+                              <p:cond delay="0"/>
+                            </p:stCondLst>
+                            <p:childTnLst>
+                              <p:par>
+                                <p:cTn id="23" presetID="2" presetClass="entr" presetSubtype="4" fill="hold" grpId="0" nodeType="clickEffect">
+                                  <p:stCondLst>
+                                    <p:cond delay="0"/>
+                                  </p:stCondLst>
+                                  <p:childTnLst>
+                                    <p:set>
+                                      <p:cBhvr>
+                                        <p:cTn id="24" dur="1" fill="hold">
+                                          <p:stCondLst>
+                                            <p:cond delay="0"/>
+                                          </p:stCondLst>
+                                        </p:cTn>
+                                        <p:tgtEl>
+                                          <p:spTgt spid="8"/>
+                                        </p:tgtEl>
+                                        <p:attrNameLst>
+                                          <p:attrName>style.visibility</p:attrName>
+                                        </p:attrNameLst>
+                                      </p:cBhvr>
+                                      <p:to>
+                                        <p:strVal val="visible"/>
+                                      </p:to>
+                                    </p:set>
+                                    <p:anim calcmode="lin" valueType="num">
+                                      <p:cBhvr additive="base">
+                                        <p:cTn id="25" dur="500" fill="hold"/>
+                                        <p:tgtEl>
+                                          <p:spTgt spid="8"/>
+                                        </p:tgtEl>
+                                        <p:attrNameLst>
+                                          <p:attrName>ppt_x</p:attrName>
+                                        </p:attrNameLst>
+                                      </p:cBhvr>
+                                      <p:tavLst>
+                                        <p:tav tm="0">
+                                          <p:val>
+                                            <p:strVal val="#ppt_x"/>
+                                          </p:val>
+                                        </p:tav>
+                                        <p:tav tm="100000">
+                                          <p:val>
+                                            <p:strVal val="#ppt_x"/>
+                                          </p:val>
+                                        </p:tav>
+                                      </p:tavLst>
+                                    </p:anim>
+                                    <p:anim calcmode="lin" valueType="num">
+                                      <p:cBhvr additive="base">
+                                        <p:cTn id="26" dur="500" fill="hold"/>
+                                        <p:tgtEl>
+                                          <p:spTgt spid="8"/>
+                                        </p:tgtEl>
+                                        <p:attrNameLst>
+                                          <p:attrName>ppt_y</p:attrName>
+                                        </p:attrNameLst>
+                                      </p:cBhvr>
+                                      <p:tavLst>
+                                        <p:tav tm="0">
+                                          <p:val>
+                                            <p:strVal val="1+#ppt_h/2"/>
+                                          </p:val>
+                                        </p:tav>
+                                        <p:tav tm="100000">
+                                          <p:val>
+                                            <p:strVal val="#ppt_y"/>
+                                          </p:val>
+                                        </p:tav>
+                                      </p:tavLst>
+                                    </p:anim>
+                                  </p:childTnLst>
+                                </p:cTn>
+                              </p:par>
+                              <p:par>
+                                <p:cTn id="27" presetID="2" presetClass="entr" presetSubtype="4" fill="hold" grpId="0" nodeType="withEffect">
+                                  <p:stCondLst>
+                                    <p:cond delay="0"/>
+                                  </p:stCondLst>
+                                  <p:childTnLst>
+                                    <p:set>
+                                      <p:cBhvr>
+                                        <p:cTn id="28" dur="1" fill="hold">
+                                          <p:stCondLst>
+                                            <p:cond delay="0"/>
+                                          </p:stCondLst>
+                                        </p:cTn>
+                                        <p:tgtEl>
+                                          <p:spTgt spid="7"/>
+                                        </p:tgtEl>
+                                        <p:attrNameLst>
+                                          <p:attrName>style.visibility</p:attrName>
+                                        </p:attrNameLst>
+                                      </p:cBhvr>
+                                      <p:to>
+                                        <p:strVal val="visible"/>
+                                      </p:to>
+                                    </p:set>
+                                    <p:anim calcmode="lin" valueType="num">
+                                      <p:cBhvr additive="base">
+                                        <p:cTn id="29" dur="500" fill="hold"/>
+                                        <p:tgtEl>
+                                          <p:spTgt spid="7"/>
+                                        </p:tgtEl>
+                                        <p:attrNameLst>
+                                          <p:attrName>ppt_x</p:attrName>
+                                        </p:attrNameLst>
+                                      </p:cBhvr>
+                                      <p:tavLst>
+                                        <p:tav tm="0">
+                                          <p:val>
+                                            <p:strVal val="#ppt_x"/>
+                                          </p:val>
+                                        </p:tav>
+                                        <p:tav tm="100000">
+                                          <p:val>
+                                            <p:strVal val="#ppt_x"/>
+                                          </p:val>
+                                        </p:tav>
+                                      </p:tavLst>
+                                    </p:anim>
+                                    <p:anim calcmode="lin" valueType="num">
+                                      <p:cBhvr additive="base">
+                                        <p:cTn id="30" dur="500" fill="hold"/>
+                                        <p:tgtEl>
+                                          <p:spTgt spid="7"/>
+                                        </p:tgtEl>
+                                        <p:attrNameLst>
+                                          <p:attrName>ppt_y</p:attrName>
+                                        </p:attrNameLst>
+                                      </p:cBhvr>
+                                      <p:tavLst>
+                                        <p:tav tm="0">
+                                          <p:val>
+                                            <p:strVal val="1+#ppt_h/2"/>
+                                          </p:val>
+                                        </p:tav>
+                                        <p:tav tm="100000">
+                                          <p:val>
+                                            <p:strVal val="#ppt_y"/>
+                                          </p:val>
+                                        </p:tav>
+                                      </p:tavLst>
+                                    </p:anim>
+                                  </p:childTnLst>
+                                </p:cTn>
+                              </p:par>
+                            </p:childTnLst>
+                          </p:cTn>
+                        </p:par>
+                      </p:childTnLst>
+                    </p:cTn>
+                  </p:par>
+                </p:childTnLst>
+              </p:cTn>
+              <p:prevCondLst>
+                <p:cond evt="onPrev" delay="0">
+                  <p:tgtEl>
+                    <p:sldTgt/>
+                  </p:tgtEl>
+                </p:cond>
+              </p:prevCondLst>
+              <p:nextCondLst>
+                <p:cond evt="onNext" delay="0">
+                  <p:tgtEl>
+                    <p:sldTgt/>
+                  </p:tgtEl>
+                </p:cond>
+              </p:nextCondLst>
+            </p:seq>
+          </p:childTnLst>
+        </p:cTn>
+      </p:par>
+    </p:tnLst>
+    <p:bldLst>
+      <p:bldP spid="7" grpId="0" animBg="1"/>
+      <p:bldP spid="8" grpId="0" animBg="1"/>
+    </p:bldLst>
+  </p:timing>
+</p:sld>
+</file>
+
+<file path=ppt/slides/slide27.xml><?xml version="1.0" encoding="utf-8"?>
+<p:sld xmlns:a="http://schemas.openxmlformats.org/drawingml/2006/main" xmlns:r="http://schemas.openxmlformats.org/officeDocument/2006/relationships" xmlns:p="http://schemas.openxmlformats.org/presentationml/2006/main">
+  <p:cSld>
+    <p:bg>
+      <p:bgPr>
+        <a:gradFill>
+          <a:gsLst>
+            <a:gs pos="0">
+              <a:schemeClr val="accent1">
+                <a:lumMod val="67000"/>
+              </a:schemeClr>
+            </a:gs>
+            <a:gs pos="48000">
+              <a:schemeClr val="accent1">
+                <a:lumMod val="97000"/>
+                <a:lumOff val="3000"/>
+              </a:schemeClr>
+            </a:gs>
+            <a:gs pos="100000">
+              <a:schemeClr val="accent1">
+                <a:lumMod val="60000"/>
+                <a:lumOff val="40000"/>
+              </a:schemeClr>
+            </a:gs>
+          </a:gsLst>
+          <a:lin ang="16200000" scaled="1"/>
+        </a:gradFill>
+        <a:effectLst/>
+      </p:bgPr>
+    </p:bg>
+    <p:spTree>
+      <p:nvGrpSpPr>
+        <p:cNvPr id="1" name=""/>
+        <p:cNvGrpSpPr/>
+        <p:nvPr/>
+      </p:nvGrpSpPr>
+      <p:grpSpPr>
+        <a:xfrm>
+          <a:off x="0" y="0"/>
+          <a:ext cx="0" cy="0"/>
+          <a:chOff x="0" y="0"/>
+          <a:chExt cx="0" cy="0"/>
+        </a:xfrm>
+      </p:grpSpPr>
+      <p:sp>
+        <p:nvSpPr>
+          <p:cNvPr id="8" name="Title 7">
+            <a:extLst>
+              <a:ext uri="{FF2B5EF4-FFF2-40B4-BE49-F238E27FC236}">
+                <a16:creationId xmlns:a16="http://schemas.microsoft.com/office/drawing/2014/main" id="{ECBC7651-1DEB-2767-2DC6-1932698B958F}"/>
+              </a:ext>
+            </a:extLst>
+          </p:cNvPr>
+          <p:cNvSpPr>
+            <a:spLocks noGrp="1"/>
+          </p:cNvSpPr>
+          <p:nvPr>
+            <p:ph type="title"/>
+          </p:nvPr>
+        </p:nvSpPr>
+        <p:spPr/>
+        <p:txBody>
+          <a:bodyPr/>
+          <a:lstStyle/>
+          <a:p>
+            <a:r>
+              <a:rPr lang="en-US" dirty="0">
+                <a:solidFill>
+                  <a:schemeClr val="tx1"/>
+                </a:solidFill>
+              </a:rPr>
+              <a:t>Questions? (always ask!) </a:t>
+            </a:r>
+          </a:p>
+        </p:txBody>
+      </p:sp>
+      <mc:AlternateContent xmlns:mc="http://schemas.openxmlformats.org/markup-compatibility/2006">
+        <mc:Choice xmlns:am3d="http://schemas.microsoft.com/office/drawing/2017/model3d" Requires="am3d">
+          <p:graphicFrame>
+            <p:nvGraphicFramePr>
+              <p:cNvPr id="12" name="3D Model 11" descr="Question mark">
+                <a:extLst>
+                  <a:ext uri="{FF2B5EF4-FFF2-40B4-BE49-F238E27FC236}">
+                    <a16:creationId xmlns:a16="http://schemas.microsoft.com/office/drawing/2014/main" id="{20B49E73-75BE-7DE4-BE4F-11CA0627BE89}"/>
+                  </a:ext>
+                </a:extLst>
+              </p:cNvPr>
+              <p:cNvGraphicFramePr/>
+              <p:nvPr>
+                <p:extLst>
+                  <p:ext uri="{D42A27DB-BD31-4B8C-83A1-F6EECF244321}">
+                    <p14:modId xmlns:p14="http://schemas.microsoft.com/office/powerpoint/2010/main" val="4009877356"/>
+                  </p:ext>
+                </p:extLst>
+              </p:nvPr>
+            </p:nvGraphicFramePr>
+            <p:xfrm>
+              <a:off x="4539577" y="1930400"/>
+              <a:ext cx="2690813" cy="4360840"/>
+            </p:xfrm>
+            <a:graphic>
+              <a:graphicData uri="http://schemas.microsoft.com/office/drawing/2017/model3d">
+                <am3d:model3d r:embed="rId3">
+                  <am3d:spPr>
+                    <a:xfrm>
+                      <a:off x="0" y="0"/>
+                      <a:ext cx="2690813" cy="4360840"/>
+                    </a:xfrm>
+                    <a:prstGeom prst="rect">
+                      <a:avLst/>
+                    </a:prstGeom>
+                  </am3d:spPr>
+                  <am3d:camera>
+                    <am3d:pos x="0" y="0" z="55389530"/>
+                    <am3d:up dx="0" dy="36000000" dz="0"/>
+                    <am3d:lookAt x="0" y="0" z="0"/>
+                    <am3d:perspective fov="2700000"/>
+                  </am3d:camera>
+                  <am3d:trans>
+                    <am3d:meterPerModelUnit n="3517042" d="1000000"/>
+                    <am3d:preTrans dx="0" dy="-18004113" dz="-4973"/>
+                    <am3d:scale>
+                      <am3d:sx n="1000000" d="1000000"/>
+                      <am3d:sy n="1000000" d="1000000"/>
+                      <am3d:sz n="1000000" d="1000000"/>
+                    </am3d:scale>
+                    <am3d:rot/>
+                    <am3d:postTrans dx="0" dy="0" dz="0"/>
+                  </am3d:trans>
+                  <am3d:raster rName="Office3DRenderer" rVer="16.0.8326">
+                    <am3d:blip r:embed="rId4"/>
+                  </am3d:raster>
+                  <am3d:objViewport viewportSz="5418665"/>
+                  <am3d:ambientLight>
+                    <am3d:clr>
+                      <a:scrgbClr r="50000" g="50000" b="50000"/>
+                    </am3d:clr>
+                    <am3d:illuminance n="500000" d="1000000"/>
+                  </am3d:ambientLight>
+                  <am3d:ptLight rad="0">
+                    <am3d:clr>
+                      <a:scrgbClr r="100000" g="75000" b="50000"/>
+                    </am3d:clr>
+                    <am3d:intensity n="9765625" d="1000000"/>
+                    <am3d:pos x="21959998" y="70920001" z="16344003"/>
+                  </am3d:ptLight>
+                  <am3d:ptLight rad="0">
+                    <am3d:clr>
+                      <a:scrgbClr r="40000" g="60000" b="95000"/>
+                    </am3d:clr>
+                    <am3d:intensity n="12250000" d="1000000"/>
+                    <am3d:pos x="-37964106" y="51130435" z="57631972"/>
+                  </am3d:ptLight>
+                  <am3d:ptLight rad="0">
+                    <am3d:clr>
+                      <a:scrgbClr r="86837" g="72700" b="100000"/>
+                    </am3d:clr>
+                    <am3d:intensity n="3125000" d="1000000"/>
+                    <am3d:pos x="-37739122" y="58056624" z="-34769649"/>
+                  </am3d:ptLight>
+                </am3d:model3d>
+              </a:graphicData>
+            </a:graphic>
+          </p:graphicFrame>
+        </mc:Choice>
+        <mc:Fallback>
+          <p:pic>
+            <p:nvPicPr>
+              <p:cNvPr id="12" name="3D Model 11" descr="Question mark">
+                <a:extLst>
+                  <a:ext uri="{FF2B5EF4-FFF2-40B4-BE49-F238E27FC236}">
+                    <a16:creationId xmlns:a16="http://schemas.microsoft.com/office/drawing/2014/main" id="{20B49E73-75BE-7DE4-BE4F-11CA0627BE89}"/>
+                  </a:ext>
+                </a:extLst>
+              </p:cNvPr>
+              <p:cNvPicPr>
+                <a:picLocks noGrp="1" noRot="1" noChangeAspect="1" noMove="1" noResize="1" noEditPoints="1" noAdjustHandles="1" noChangeArrowheads="1" noChangeShapeType="1" noCrop="1"/>
+              </p:cNvPicPr>
+              <p:nvPr/>
+            </p:nvPicPr>
+            <p:blipFill>
+              <a:blip r:embed="rId4"/>
+              <a:stretch>
+                <a:fillRect/>
+              </a:stretch>
+            </p:blipFill>
+            <p:spPr>
+              <a:xfrm>
+                <a:off x="4539577" y="1930400"/>
+                <a:ext cx="2690813" cy="4360840"/>
+              </a:xfrm>
+              <a:prstGeom prst="rect">
+                <a:avLst/>
+              </a:prstGeom>
+            </p:spPr>
+          </p:pic>
+        </mc:Fallback>
+      </mc:AlternateContent>
+    </p:spTree>
+    <p:extLst>
+      <p:ext uri="{BB962C8B-B14F-4D97-AF65-F5344CB8AC3E}">
+        <p14:creationId xmlns:p14="http://schemas.microsoft.com/office/powerpoint/2010/main" val="793611279"/>
+      </p:ext>
+    </p:extLst>
+  </p:cSld>
+  <p:clrMapOvr>
+    <a:overrideClrMapping bg1="lt1" tx1="dk1" bg2="lt2" tx2="dk2" accent1="accent1" accent2="accent2" accent3="accent3" accent4="accent4" accent5="accent5" accent6="accent6" hlink="hlink" folHlink="folHlink"/>
+  </p:clrMapOvr>
+</p:sld>
+</file>
+
 <file path=ppt/slides/slide3.xml><?xml version="1.0" encoding="utf-8"?>
+<p:sld xmlns:a="http://schemas.openxmlformats.org/drawingml/2006/main" xmlns:r="http://schemas.openxmlformats.org/officeDocument/2006/relationships" xmlns:p="http://schemas.openxmlformats.org/presentationml/2006/main">
+  <p:cSld>
+    <p:bg>
+      <p:bgPr>
+        <a:gradFill>
+          <a:gsLst>
+            <a:gs pos="0">
+              <a:schemeClr val="accent1">
+                <a:lumMod val="67000"/>
+              </a:schemeClr>
+            </a:gs>
+            <a:gs pos="48000">
+              <a:schemeClr val="accent1">
+                <a:lumMod val="97000"/>
+                <a:lumOff val="3000"/>
+              </a:schemeClr>
+            </a:gs>
+            <a:gs pos="100000">
+              <a:schemeClr val="accent1">
+                <a:lumMod val="60000"/>
+                <a:lumOff val="40000"/>
+              </a:schemeClr>
+            </a:gs>
+          </a:gsLst>
+          <a:lin ang="16200000" scaled="1"/>
+        </a:gradFill>
+        <a:effectLst/>
+      </p:bgPr>
+    </p:bg>
+    <p:spTree>
+      <p:nvGrpSpPr>
+        <p:cNvPr id="1" name="">
+          <a:extLst>
+            <a:ext uri="{FF2B5EF4-FFF2-40B4-BE49-F238E27FC236}">
+              <a16:creationId xmlns:a16="http://schemas.microsoft.com/office/drawing/2014/main" id="{3C4B8333-6E40-93A9-B837-F3D49068229E}"/>
+            </a:ext>
+          </a:extLst>
+        </p:cNvPr>
+        <p:cNvGrpSpPr/>
+        <p:nvPr/>
+      </p:nvGrpSpPr>
+      <p:grpSpPr>
+        <a:xfrm>
+          <a:off x="0" y="0"/>
+          <a:ext cx="0" cy="0"/>
+          <a:chOff x="0" y="0"/>
+          <a:chExt cx="0" cy="0"/>
+        </a:xfrm>
+      </p:grpSpPr>
+      <p:sp>
+        <p:nvSpPr>
+          <p:cNvPr id="8" name="Title 7">
+            <a:extLst>
+              <a:ext uri="{FF2B5EF4-FFF2-40B4-BE49-F238E27FC236}">
+                <a16:creationId xmlns:a16="http://schemas.microsoft.com/office/drawing/2014/main" id="{4FF71C71-B229-776D-2659-A128081996DD}"/>
+              </a:ext>
+            </a:extLst>
+          </p:cNvPr>
+          <p:cNvSpPr>
+            <a:spLocks noGrp="1"/>
+          </p:cNvSpPr>
+          <p:nvPr>
+            <p:ph type="title"/>
+          </p:nvPr>
+        </p:nvSpPr>
+        <p:spPr/>
+        <p:txBody>
+          <a:bodyPr/>
+          <a:lstStyle/>
+          <a:p>
+            <a:r>
+              <a:rPr lang="en-US" dirty="0">
+                <a:solidFill>
+                  <a:schemeClr val="tx1"/>
+                </a:solidFill>
+              </a:rPr>
+              <a:t>Aim of Module</a:t>
+            </a:r>
+          </a:p>
+        </p:txBody>
+      </p:sp>
+      <p:sp>
+        <p:nvSpPr>
+          <p:cNvPr id="9" name="Content Placeholder 8">
+            <a:extLst>
+              <a:ext uri="{FF2B5EF4-FFF2-40B4-BE49-F238E27FC236}">
+                <a16:creationId xmlns:a16="http://schemas.microsoft.com/office/drawing/2014/main" id="{E4EBA728-5581-2CA5-54DB-514F07789A7B}"/>
+              </a:ext>
+            </a:extLst>
+          </p:cNvPr>
+          <p:cNvSpPr>
+            <a:spLocks noGrp="1"/>
+          </p:cNvSpPr>
+          <p:nvPr>
+            <p:ph idx="1"/>
+          </p:nvPr>
+        </p:nvSpPr>
+        <p:spPr>
+          <a:xfrm>
+            <a:off x="677333" y="1488613"/>
+            <a:ext cx="10207543" cy="4759787"/>
+          </a:xfrm>
+        </p:spPr>
+        <p:txBody>
+          <a:bodyPr>
+            <a:noAutofit/>
+          </a:bodyPr>
+          <a:lstStyle/>
+          <a:p>
+            <a:pPr>
+              <a:buClr>
+                <a:schemeClr val="bg1"/>
+              </a:buClr>
+            </a:pPr>
+            <a:r>
+              <a:rPr lang="en-US" sz="2800" dirty="0"/>
+              <a:t>The aim of this module is to prepare you for the ICT part of your course. </a:t>
+            </a:r>
+          </a:p>
+          <a:p>
+            <a:pPr>
+              <a:buClr>
+                <a:schemeClr val="bg1"/>
+              </a:buClr>
+            </a:pPr>
+            <a:r>
+              <a:rPr lang="en-US" sz="2800" dirty="0"/>
+              <a:t>This specifically includes the Microsoft Office programs:</a:t>
+            </a:r>
+          </a:p>
+          <a:p>
+            <a:pPr lvl="1">
+              <a:buClr>
+                <a:schemeClr val="bg1"/>
+              </a:buClr>
+            </a:pPr>
+            <a:r>
+              <a:rPr lang="en-US" sz="2800" dirty="0"/>
+              <a:t>Word</a:t>
+            </a:r>
+          </a:p>
+          <a:p>
+            <a:pPr lvl="1">
+              <a:buClr>
+                <a:schemeClr val="bg1"/>
+              </a:buClr>
+            </a:pPr>
+            <a:r>
+              <a:rPr lang="en-US" sz="2800" dirty="0"/>
+              <a:t>Excel</a:t>
+            </a:r>
+          </a:p>
+          <a:p>
+            <a:pPr lvl="1">
+              <a:buClr>
+                <a:schemeClr val="bg1"/>
+              </a:buClr>
+            </a:pPr>
+            <a:r>
+              <a:rPr lang="en-US" sz="2800" dirty="0" err="1"/>
+              <a:t>Powerpoint</a:t>
+            </a:r>
+            <a:endParaRPr lang="en-US" sz="2800" dirty="0"/>
+          </a:p>
+          <a:p>
+            <a:pPr>
+              <a:buClr>
+                <a:schemeClr val="bg1"/>
+              </a:buClr>
+            </a:pPr>
+            <a:r>
+              <a:rPr lang="en-US" sz="2800" dirty="0"/>
+              <a:t>We will also look at general ICT issues </a:t>
+            </a:r>
+          </a:p>
+        </p:txBody>
+      </p:sp>
+    </p:spTree>
+    <p:extLst>
+      <p:ext uri="{BB962C8B-B14F-4D97-AF65-F5344CB8AC3E}">
+        <p14:creationId xmlns:p14="http://schemas.microsoft.com/office/powerpoint/2010/main" val="793873802"/>
+      </p:ext>
+    </p:extLst>
+  </p:cSld>
+  <p:clrMapOvr>
+    <a:overrideClrMapping bg1="lt1" tx1="dk1" bg2="lt2" tx2="dk2" accent1="accent1" accent2="accent2" accent3="accent3" accent4="accent4" accent5="accent5" accent6="accent6" hlink="hlink" folHlink="folHlink"/>
+  </p:clrMapOvr>
+  <p:timing>
+    <p:tnLst>
+      <p:par>
+        <p:cTn id="1" dur="indefinite" restart="never" nodeType="tmRoot">
+          <p:childTnLst>
+            <p:seq concurrent="1" nextAc="seek">
+              <p:cTn id="2" dur="indefinite" nodeType="mainSeq">
+                <p:childTnLst>
+                  <p:par>
+                    <p:cTn id="3" fill="hold">
+                      <p:stCondLst>
+                        <p:cond delay="indefinite"/>
+                      </p:stCondLst>
+                      <p:childTnLst>
+                        <p:par>
+                          <p:cTn id="4" fill="hold">
+                            <p:stCondLst>
+                              <p:cond delay="0"/>
+                            </p:stCondLst>
+                            <p:childTnLst>
+                              <p:par>
+                                <p:cTn id="5" presetID="2" presetClass="entr" presetSubtype="4" fill="hold" nodeType="clickEffect">
+                                  <p:stCondLst>
+                                    <p:cond delay="0"/>
+                                  </p:stCondLst>
+                                  <p:childTnLst>
+                                    <p:set>
+                                      <p:cBhvr>
+                                        <p:cTn id="6" dur="1" fill="hold">
+                                          <p:stCondLst>
+                                            <p:cond delay="0"/>
+                                          </p:stCondLst>
+                                        </p:cTn>
+                                        <p:tgtEl>
+                                          <p:spTgt spid="9">
+                                            <p:txEl>
+                                              <p:pRg st="0" end="0"/>
+                                            </p:txEl>
+                                          </p:spTgt>
+                                        </p:tgtEl>
+                                        <p:attrNameLst>
+                                          <p:attrName>style.visibility</p:attrName>
+                                        </p:attrNameLst>
+                                      </p:cBhvr>
+                                      <p:to>
+                                        <p:strVal val="visible"/>
+                                      </p:to>
+                                    </p:set>
+                                    <p:anim calcmode="lin" valueType="num">
+                                      <p:cBhvr additive="base">
+                                        <p:cTn id="7" dur="500" fill="hold"/>
+                                        <p:tgtEl>
+                                          <p:spTgt spid="9">
+                                            <p:txEl>
+                                              <p:pRg st="0" end="0"/>
+                                            </p:txEl>
+                                          </p:spTgt>
+                                        </p:tgtEl>
+                                        <p:attrNameLst>
+                                          <p:attrName>ppt_x</p:attrName>
+                                        </p:attrNameLst>
+                                      </p:cBhvr>
+                                      <p:tavLst>
+                                        <p:tav tm="0">
+                                          <p:val>
+                                            <p:strVal val="#ppt_x"/>
+                                          </p:val>
+                                        </p:tav>
+                                        <p:tav tm="100000">
+                                          <p:val>
+                                            <p:strVal val="#ppt_x"/>
+                                          </p:val>
+                                        </p:tav>
+                                      </p:tavLst>
+                                    </p:anim>
+                                    <p:anim calcmode="lin" valueType="num">
+                                      <p:cBhvr additive="base">
+                                        <p:cTn id="8" dur="500" fill="hold"/>
+                                        <p:tgtEl>
+                                          <p:spTgt spid="9">
+                                            <p:txEl>
+                                              <p:pRg st="0" end="0"/>
+                                            </p:txEl>
+                                          </p:spTgt>
+                                        </p:tgtEl>
+                                        <p:attrNameLst>
+                                          <p:attrName>ppt_y</p:attrName>
+                                        </p:attrNameLst>
+                                      </p:cBhvr>
+                                      <p:tavLst>
+                                        <p:tav tm="0">
+                                          <p:val>
+                                            <p:strVal val="1+#ppt_h/2"/>
+                                          </p:val>
+                                        </p:tav>
+                                        <p:tav tm="100000">
+                                          <p:val>
+                                            <p:strVal val="#ppt_y"/>
+                                          </p:val>
+                                        </p:tav>
+                                      </p:tavLst>
+                                    </p:anim>
+                                  </p:childTnLst>
+                                </p:cTn>
+                              </p:par>
+                            </p:childTnLst>
+                          </p:cTn>
+                        </p:par>
+                      </p:childTnLst>
+                    </p:cTn>
+                  </p:par>
+                  <p:par>
+                    <p:cTn id="9" fill="hold">
+                      <p:stCondLst>
+                        <p:cond delay="indefinite"/>
+                      </p:stCondLst>
+                      <p:childTnLst>
+                        <p:par>
+                          <p:cTn id="10" fill="hold">
+                            <p:stCondLst>
+                              <p:cond delay="0"/>
+                            </p:stCondLst>
+                            <p:childTnLst>
+                              <p:par>
+                                <p:cTn id="11" presetID="2" presetClass="entr" presetSubtype="4" fill="hold" nodeType="clickEffect">
+                                  <p:stCondLst>
+                                    <p:cond delay="0"/>
+                                  </p:stCondLst>
+                                  <p:childTnLst>
+                                    <p:set>
+                                      <p:cBhvr>
+                                        <p:cTn id="12" dur="1" fill="hold">
+                                          <p:stCondLst>
+                                            <p:cond delay="0"/>
+                                          </p:stCondLst>
+                                        </p:cTn>
+                                        <p:tgtEl>
+                                          <p:spTgt spid="9">
+                                            <p:txEl>
+                                              <p:pRg st="1" end="1"/>
+                                            </p:txEl>
+                                          </p:spTgt>
+                                        </p:tgtEl>
+                                        <p:attrNameLst>
+                                          <p:attrName>style.visibility</p:attrName>
+                                        </p:attrNameLst>
+                                      </p:cBhvr>
+                                      <p:to>
+                                        <p:strVal val="visible"/>
+                                      </p:to>
+                                    </p:set>
+                                    <p:anim calcmode="lin" valueType="num">
+                                      <p:cBhvr additive="base">
+                                        <p:cTn id="13" dur="500" fill="hold"/>
+                                        <p:tgtEl>
+                                          <p:spTgt spid="9">
+                                            <p:txEl>
+                                              <p:pRg st="1" end="1"/>
+                                            </p:txEl>
+                                          </p:spTgt>
+                                        </p:tgtEl>
+                                        <p:attrNameLst>
+                                          <p:attrName>ppt_x</p:attrName>
+                                        </p:attrNameLst>
+                                      </p:cBhvr>
+                                      <p:tavLst>
+                                        <p:tav tm="0">
+                                          <p:val>
+                                            <p:strVal val="#ppt_x"/>
+                                          </p:val>
+                                        </p:tav>
+                                        <p:tav tm="100000">
+                                          <p:val>
+                                            <p:strVal val="#ppt_x"/>
+                                          </p:val>
+                                        </p:tav>
+                                      </p:tavLst>
+                                    </p:anim>
+                                    <p:anim calcmode="lin" valueType="num">
+                                      <p:cBhvr additive="base">
+                                        <p:cTn id="14" dur="500" fill="hold"/>
+                                        <p:tgtEl>
+                                          <p:spTgt spid="9">
+                                            <p:txEl>
+                                              <p:pRg st="1" end="1"/>
+                                            </p:txEl>
+                                          </p:spTgt>
+                                        </p:tgtEl>
+                                        <p:attrNameLst>
+                                          <p:attrName>ppt_y</p:attrName>
+                                        </p:attrNameLst>
+                                      </p:cBhvr>
+                                      <p:tavLst>
+                                        <p:tav tm="0">
+                                          <p:val>
+                                            <p:strVal val="1+#ppt_h/2"/>
+                                          </p:val>
+                                        </p:tav>
+                                        <p:tav tm="100000">
+                                          <p:val>
+                                            <p:strVal val="#ppt_y"/>
+                                          </p:val>
+                                        </p:tav>
+                                      </p:tavLst>
+                                    </p:anim>
+                                  </p:childTnLst>
+                                </p:cTn>
+                              </p:par>
+                            </p:childTnLst>
+                          </p:cTn>
+                        </p:par>
+                      </p:childTnLst>
+                    </p:cTn>
+                  </p:par>
+                  <p:par>
+                    <p:cTn id="15" fill="hold">
+                      <p:stCondLst>
+                        <p:cond delay="indefinite"/>
+                      </p:stCondLst>
+                      <p:childTnLst>
+                        <p:par>
+                          <p:cTn id="16" fill="hold">
+                            <p:stCondLst>
+                              <p:cond delay="0"/>
+                            </p:stCondLst>
+                            <p:childTnLst>
+                              <p:par>
+                                <p:cTn id="17" presetID="2" presetClass="entr" presetSubtype="4" fill="hold" nodeType="clickEffect">
+                                  <p:stCondLst>
+                                    <p:cond delay="0"/>
+                                  </p:stCondLst>
+                                  <p:childTnLst>
+                                    <p:set>
+                                      <p:cBhvr>
+                                        <p:cTn id="18" dur="1" fill="hold">
+                                          <p:stCondLst>
+                                            <p:cond delay="0"/>
+                                          </p:stCondLst>
+                                        </p:cTn>
+                                        <p:tgtEl>
+                                          <p:spTgt spid="9">
+                                            <p:txEl>
+                                              <p:pRg st="2" end="2"/>
+                                            </p:txEl>
+                                          </p:spTgt>
+                                        </p:tgtEl>
+                                        <p:attrNameLst>
+                                          <p:attrName>style.visibility</p:attrName>
+                                        </p:attrNameLst>
+                                      </p:cBhvr>
+                                      <p:to>
+                                        <p:strVal val="visible"/>
+                                      </p:to>
+                                    </p:set>
+                                    <p:anim calcmode="lin" valueType="num">
+                                      <p:cBhvr additive="base">
+                                        <p:cTn id="19" dur="500" fill="hold"/>
+                                        <p:tgtEl>
+                                          <p:spTgt spid="9">
+                                            <p:txEl>
+                                              <p:pRg st="2" end="2"/>
+                                            </p:txEl>
+                                          </p:spTgt>
+                                        </p:tgtEl>
+                                        <p:attrNameLst>
+                                          <p:attrName>ppt_x</p:attrName>
+                                        </p:attrNameLst>
+                                      </p:cBhvr>
+                                      <p:tavLst>
+                                        <p:tav tm="0">
+                                          <p:val>
+                                            <p:strVal val="#ppt_x"/>
+                                          </p:val>
+                                        </p:tav>
+                                        <p:tav tm="100000">
+                                          <p:val>
+                                            <p:strVal val="#ppt_x"/>
+                                          </p:val>
+                                        </p:tav>
+                                      </p:tavLst>
+                                    </p:anim>
+                                    <p:anim calcmode="lin" valueType="num">
+                                      <p:cBhvr additive="base">
+                                        <p:cTn id="20" dur="500" fill="hold"/>
+                                        <p:tgtEl>
+                                          <p:spTgt spid="9">
+                                            <p:txEl>
+                                              <p:pRg st="2" end="2"/>
+                                            </p:txEl>
+                                          </p:spTgt>
+                                        </p:tgtEl>
+                                        <p:attrNameLst>
+                                          <p:attrName>ppt_y</p:attrName>
+                                        </p:attrNameLst>
+                                      </p:cBhvr>
+                                      <p:tavLst>
+                                        <p:tav tm="0">
+                                          <p:val>
+                                            <p:strVal val="1+#ppt_h/2"/>
+                                          </p:val>
+                                        </p:tav>
+                                        <p:tav tm="100000">
+                                          <p:val>
+                                            <p:strVal val="#ppt_y"/>
+                                          </p:val>
+                                        </p:tav>
+                                      </p:tavLst>
+                                    </p:anim>
+                                  </p:childTnLst>
+                                </p:cTn>
+                              </p:par>
+                            </p:childTnLst>
+                          </p:cTn>
+                        </p:par>
+                      </p:childTnLst>
+                    </p:cTn>
+                  </p:par>
+                  <p:par>
+                    <p:cTn id="21" fill="hold">
+                      <p:stCondLst>
+                        <p:cond delay="indefinite"/>
+                      </p:stCondLst>
+                      <p:childTnLst>
+                        <p:par>
+                          <p:cTn id="22" fill="hold">
+                            <p:stCondLst>
+                              <p:cond delay="0"/>
+                            </p:stCondLst>
+                            <p:childTnLst>
+                              <p:par>
+                                <p:cTn id="23" presetID="2" presetClass="entr" presetSubtype="4" fill="hold" nodeType="clickEffect">
+                                  <p:stCondLst>
+                                    <p:cond delay="0"/>
+                                  </p:stCondLst>
+                                  <p:childTnLst>
+                                    <p:set>
+                                      <p:cBhvr>
+                                        <p:cTn id="24" dur="1" fill="hold">
+                                          <p:stCondLst>
+                                            <p:cond delay="0"/>
+                                          </p:stCondLst>
+                                        </p:cTn>
+                                        <p:tgtEl>
+                                          <p:spTgt spid="9">
+                                            <p:txEl>
+                                              <p:pRg st="3" end="3"/>
+                                            </p:txEl>
+                                          </p:spTgt>
+                                        </p:tgtEl>
+                                        <p:attrNameLst>
+                                          <p:attrName>style.visibility</p:attrName>
+                                        </p:attrNameLst>
+                                      </p:cBhvr>
+                                      <p:to>
+                                        <p:strVal val="visible"/>
+                                      </p:to>
+                                    </p:set>
+                                    <p:anim calcmode="lin" valueType="num">
+                                      <p:cBhvr additive="base">
+                                        <p:cTn id="25" dur="500" fill="hold"/>
+                                        <p:tgtEl>
+                                          <p:spTgt spid="9">
+                                            <p:txEl>
+                                              <p:pRg st="3" end="3"/>
+                                            </p:txEl>
+                                          </p:spTgt>
+                                        </p:tgtEl>
+                                        <p:attrNameLst>
+                                          <p:attrName>ppt_x</p:attrName>
+                                        </p:attrNameLst>
+                                      </p:cBhvr>
+                                      <p:tavLst>
+                                        <p:tav tm="0">
+                                          <p:val>
+                                            <p:strVal val="#ppt_x"/>
+                                          </p:val>
+                                        </p:tav>
+                                        <p:tav tm="100000">
+                                          <p:val>
+                                            <p:strVal val="#ppt_x"/>
+                                          </p:val>
+                                        </p:tav>
+                                      </p:tavLst>
+                                    </p:anim>
+                                    <p:anim calcmode="lin" valueType="num">
+                                      <p:cBhvr additive="base">
+                                        <p:cTn id="26" dur="500" fill="hold"/>
+                                        <p:tgtEl>
+                                          <p:spTgt spid="9">
+                                            <p:txEl>
+                                              <p:pRg st="3" end="3"/>
+                                            </p:txEl>
+                                          </p:spTgt>
+                                        </p:tgtEl>
+                                        <p:attrNameLst>
+                                          <p:attrName>ppt_y</p:attrName>
+                                        </p:attrNameLst>
+                                      </p:cBhvr>
+                                      <p:tavLst>
+                                        <p:tav tm="0">
+                                          <p:val>
+                                            <p:strVal val="1+#ppt_h/2"/>
+                                          </p:val>
+                                        </p:tav>
+                                        <p:tav tm="100000">
+                                          <p:val>
+                                            <p:strVal val="#ppt_y"/>
+                                          </p:val>
+                                        </p:tav>
+                                      </p:tavLst>
+                                    </p:anim>
+                                  </p:childTnLst>
+                                </p:cTn>
+                              </p:par>
+                            </p:childTnLst>
+                          </p:cTn>
+                        </p:par>
+                      </p:childTnLst>
+                    </p:cTn>
+                  </p:par>
+                  <p:par>
+                    <p:cTn id="27" fill="hold">
+                      <p:stCondLst>
+                        <p:cond delay="indefinite"/>
+                      </p:stCondLst>
+                      <p:childTnLst>
+                        <p:par>
+                          <p:cTn id="28" fill="hold">
+                            <p:stCondLst>
+                              <p:cond delay="0"/>
+                            </p:stCondLst>
+                            <p:childTnLst>
+                              <p:par>
+                                <p:cTn id="29" presetID="2" presetClass="entr" presetSubtype="4" fill="hold" nodeType="clickEffect">
+                                  <p:stCondLst>
+                                    <p:cond delay="0"/>
+                                  </p:stCondLst>
+                                  <p:childTnLst>
+                                    <p:set>
+                                      <p:cBhvr>
+                                        <p:cTn id="30" dur="1" fill="hold">
+                                          <p:stCondLst>
+                                            <p:cond delay="0"/>
+                                          </p:stCondLst>
+                                        </p:cTn>
+                                        <p:tgtEl>
+                                          <p:spTgt spid="9">
+                                            <p:txEl>
+                                              <p:pRg st="4" end="4"/>
+                                            </p:txEl>
+                                          </p:spTgt>
+                                        </p:tgtEl>
+                                        <p:attrNameLst>
+                                          <p:attrName>style.visibility</p:attrName>
+                                        </p:attrNameLst>
+                                      </p:cBhvr>
+                                      <p:to>
+                                        <p:strVal val="visible"/>
+                                      </p:to>
+                                    </p:set>
+                                    <p:anim calcmode="lin" valueType="num">
+                                      <p:cBhvr additive="base">
+                                        <p:cTn id="31" dur="500" fill="hold"/>
+                                        <p:tgtEl>
+                                          <p:spTgt spid="9">
+                                            <p:txEl>
+                                              <p:pRg st="4" end="4"/>
+                                            </p:txEl>
+                                          </p:spTgt>
+                                        </p:tgtEl>
+                                        <p:attrNameLst>
+                                          <p:attrName>ppt_x</p:attrName>
+                                        </p:attrNameLst>
+                                      </p:cBhvr>
+                                      <p:tavLst>
+                                        <p:tav tm="0">
+                                          <p:val>
+                                            <p:strVal val="#ppt_x"/>
+                                          </p:val>
+                                        </p:tav>
+                                        <p:tav tm="100000">
+                                          <p:val>
+                                            <p:strVal val="#ppt_x"/>
+                                          </p:val>
+                                        </p:tav>
+                                      </p:tavLst>
+                                    </p:anim>
+                                    <p:anim calcmode="lin" valueType="num">
+                                      <p:cBhvr additive="base">
+                                        <p:cTn id="32" dur="500" fill="hold"/>
+                                        <p:tgtEl>
+                                          <p:spTgt spid="9">
+                                            <p:txEl>
+                                              <p:pRg st="4" end="4"/>
+                                            </p:txEl>
+                                          </p:spTgt>
+                                        </p:tgtEl>
+                                        <p:attrNameLst>
+                                          <p:attrName>ppt_y</p:attrName>
+                                        </p:attrNameLst>
+                                      </p:cBhvr>
+                                      <p:tavLst>
+                                        <p:tav tm="0">
+                                          <p:val>
+                                            <p:strVal val="1+#ppt_h/2"/>
+                                          </p:val>
+                                        </p:tav>
+                                        <p:tav tm="100000">
+                                          <p:val>
+                                            <p:strVal val="#ppt_y"/>
+                                          </p:val>
+                                        </p:tav>
+                                      </p:tavLst>
+                                    </p:anim>
+                                  </p:childTnLst>
+                                </p:cTn>
+                              </p:par>
+                            </p:childTnLst>
+                          </p:cTn>
+                        </p:par>
+                      </p:childTnLst>
+                    </p:cTn>
+                  </p:par>
+                  <p:par>
+                    <p:cTn id="33" fill="hold">
+                      <p:stCondLst>
+                        <p:cond delay="indefinite"/>
+                      </p:stCondLst>
+                      <p:childTnLst>
+                        <p:par>
+                          <p:cTn id="34" fill="hold">
+                            <p:stCondLst>
+                              <p:cond delay="0"/>
+                            </p:stCondLst>
+                            <p:childTnLst>
+                              <p:par>
+                                <p:cTn id="35" presetID="2" presetClass="entr" presetSubtype="4" fill="hold" nodeType="clickEffect">
+                                  <p:stCondLst>
+                                    <p:cond delay="0"/>
+                                  </p:stCondLst>
+                                  <p:childTnLst>
+                                    <p:set>
+                                      <p:cBhvr>
+                                        <p:cTn id="36" dur="1" fill="hold">
+                                          <p:stCondLst>
+                                            <p:cond delay="0"/>
+                                          </p:stCondLst>
+                                        </p:cTn>
+                                        <p:tgtEl>
+                                          <p:spTgt spid="9">
+                                            <p:txEl>
+                                              <p:pRg st="5" end="5"/>
+                                            </p:txEl>
+                                          </p:spTgt>
+                                        </p:tgtEl>
+                                        <p:attrNameLst>
+                                          <p:attrName>style.visibility</p:attrName>
+                                        </p:attrNameLst>
+                                      </p:cBhvr>
+                                      <p:to>
+                                        <p:strVal val="visible"/>
+                                      </p:to>
+                                    </p:set>
+                                    <p:anim calcmode="lin" valueType="num">
+                                      <p:cBhvr additive="base">
+                                        <p:cTn id="37" dur="500" fill="hold"/>
+                                        <p:tgtEl>
+                                          <p:spTgt spid="9">
+                                            <p:txEl>
+                                              <p:pRg st="5" end="5"/>
+                                            </p:txEl>
+                                          </p:spTgt>
+                                        </p:tgtEl>
+                                        <p:attrNameLst>
+                                          <p:attrName>ppt_x</p:attrName>
+                                        </p:attrNameLst>
+                                      </p:cBhvr>
+                                      <p:tavLst>
+                                        <p:tav tm="0">
+                                          <p:val>
+                                            <p:strVal val="#ppt_x"/>
+                                          </p:val>
+                                        </p:tav>
+                                        <p:tav tm="100000">
+                                          <p:val>
+                                            <p:strVal val="#ppt_x"/>
+                                          </p:val>
+                                        </p:tav>
+                                      </p:tavLst>
+                                    </p:anim>
+                                    <p:anim calcmode="lin" valueType="num">
+                                      <p:cBhvr additive="base">
+                                        <p:cTn id="38" dur="500" fill="hold"/>
+                                        <p:tgtEl>
+                                          <p:spTgt spid="9">
+                                            <p:txEl>
+                                              <p:pRg st="5" end="5"/>
+                                            </p:txEl>
+                                          </p:spTgt>
+                                        </p:tgtEl>
+                                        <p:attrNameLst>
+                                          <p:attrName>ppt_y</p:attrName>
+                                        </p:attrNameLst>
+                                      </p:cBhvr>
+                                      <p:tavLst>
+                                        <p:tav tm="0">
+                                          <p:val>
+                                            <p:strVal val="1+#ppt_h/2"/>
+                                          </p:val>
+                                        </p:tav>
+                                        <p:tav tm="100000">
+                                          <p:val>
+                                            <p:strVal val="#ppt_y"/>
+                                          </p:val>
+                                        </p:tav>
+                                      </p:tavLst>
+                                    </p:anim>
+                                  </p:childTnLst>
+                                </p:cTn>
+                              </p:par>
+                            </p:childTnLst>
+                          </p:cTn>
+                        </p:par>
+                      </p:childTnLst>
+                    </p:cTn>
+                  </p:par>
+                </p:childTnLst>
+              </p:cTn>
+              <p:prevCondLst>
+                <p:cond evt="onPrev" delay="0">
+                  <p:tgtEl>
+                    <p:sldTgt/>
+                  </p:tgtEl>
+                </p:cond>
+              </p:prevCondLst>
+              <p:nextCondLst>
+                <p:cond evt="onNext" delay="0">
+                  <p:tgtEl>
+                    <p:sldTgt/>
+                  </p:tgtEl>
+                </p:cond>
+              </p:nextCondLst>
+            </p:seq>
+          </p:childTnLst>
+        </p:cTn>
+      </p:par>
+    </p:tnLst>
+  </p:timing>
+</p:sld>
+</file>
+
+<file path=ppt/slides/slide4.xml><?xml version="1.0" encoding="utf-8"?>
 <p:sld xmlns:a="http://schemas.openxmlformats.org/drawingml/2006/main" xmlns:r="http://schemas.openxmlformats.org/officeDocument/2006/relationships" xmlns:p="http://schemas.openxmlformats.org/presentationml/2006/main">
   <p:cSld>
     <p:bg>
@@ -29368,7 +33334,7 @@
                   <a:spcPts val="600"/>
                 </a:spcAft>
               </a:pPr>
-              <a:t>3</a:t>
+              <a:t>4</a:t>
             </a:fld>
             <a:endParaRPr lang="en-US">
               <a:solidFill>
@@ -30938,7 +34904,7 @@
 </p:sld>
 </file>
 
-<file path=ppt/slides/slide4.xml><?xml version="1.0" encoding="utf-8"?>
+<file path=ppt/slides/slide5.xml><?xml version="1.0" encoding="utf-8"?>
 <p:sld xmlns:a="http://schemas.openxmlformats.org/drawingml/2006/main" xmlns:r="http://schemas.openxmlformats.org/officeDocument/2006/relationships" xmlns:p="http://schemas.openxmlformats.org/presentationml/2006/main">
   <p:cSld>
     <p:bg>
@@ -32660,7 +36626,7 @@
                   <a:spcPts val="600"/>
                 </a:spcAft>
               </a:pPr>
-              <a:t>4</a:t>
+              <a:t>5</a:t>
             </a:fld>
             <a:endParaRPr lang="en-US">
               <a:solidFill>
@@ -32839,7 +36805,7 @@
 </p:sld>
 </file>
 
-<file path=ppt/slides/slide5.xml><?xml version="1.0" encoding="utf-8"?>
+<file path=ppt/slides/slide6.xml><?xml version="1.0" encoding="utf-8"?>
 <p:sld xmlns:a="http://schemas.openxmlformats.org/drawingml/2006/main" xmlns:r="http://schemas.openxmlformats.org/officeDocument/2006/relationships" xmlns:p="http://schemas.openxmlformats.org/presentationml/2006/main">
   <p:cSld>
     <p:bg>
@@ -32962,7 +36928,7 @@
           <a:p>
             <a:fld id="{95850013-0FED-DB4F-A95E-FFF4A5127B9C}" type="slidenum">
               <a:rPr lang="en-IE" smtClean="0"/>
-              <a:t>5</a:t>
+              <a:t>6</a:t>
             </a:fld>
             <a:endParaRPr lang="en-IE"/>
           </a:p>
@@ -33564,7 +37530,7 @@
 </p:sld>
 </file>
 
-<file path=ppt/slides/slide6.xml><?xml version="1.0" encoding="utf-8"?>
+<file path=ppt/slides/slide7.xml><?xml version="1.0" encoding="utf-8"?>
 <p:sld xmlns:a="http://schemas.openxmlformats.org/drawingml/2006/main" xmlns:r="http://schemas.openxmlformats.org/officeDocument/2006/relationships" xmlns:p="http://schemas.openxmlformats.org/presentationml/2006/main">
   <p:cSld>
     <p:bg>
@@ -33692,7 +37658,7 @@
           <a:p>
             <a:fld id="{95850013-0FED-DB4F-A95E-FFF4A5127B9C}" type="slidenum">
               <a:rPr lang="en-IE" smtClean="0"/>
-              <a:t>6</a:t>
+              <a:t>7</a:t>
             </a:fld>
             <a:endParaRPr lang="en-IE"/>
           </a:p>
@@ -34058,7 +38024,7 @@
 </p:sld>
 </file>
 
-<file path=ppt/slides/slide7.xml><?xml version="1.0" encoding="utf-8"?>
+<file path=ppt/slides/slide8.xml><?xml version="1.0" encoding="utf-8"?>
 <p:sld xmlns:a="http://schemas.openxmlformats.org/drawingml/2006/main" xmlns:r="http://schemas.openxmlformats.org/officeDocument/2006/relationships" xmlns:p="http://schemas.openxmlformats.org/presentationml/2006/main">
   <p:cSld>
     <p:bg>
@@ -34827,7 +38793,7 @@
 </p:sld>
 </file>
 
-<file path=ppt/slides/slide8.xml><?xml version="1.0" encoding="utf-8"?>
+<file path=ppt/slides/slide9.xml><?xml version="1.0" encoding="utf-8"?>
 <p:sld xmlns:a="http://schemas.openxmlformats.org/drawingml/2006/main" xmlns:r="http://schemas.openxmlformats.org/officeDocument/2006/relationships" xmlns:p="http://schemas.openxmlformats.org/presentationml/2006/main">
   <p:cSld>
     <p:bg>
@@ -35201,234 +39167,6 @@
     <p:extLst>
       <p:ext uri="{BB962C8B-B14F-4D97-AF65-F5344CB8AC3E}">
         <p14:creationId xmlns:p14="http://schemas.microsoft.com/office/powerpoint/2010/main" val="2428342550"/>
-      </p:ext>
-    </p:extLst>
-  </p:cSld>
-  <p:clrMapOvr>
-    <a:overrideClrMapping bg1="lt1" tx1="dk1" bg2="lt2" tx2="dk2" accent1="accent1" accent2="accent2" accent3="accent3" accent4="accent4" accent5="accent5" accent6="accent6" hlink="hlink" folHlink="folHlink"/>
-  </p:clrMapOvr>
-</p:sld>
-</file>
-
-<file path=ppt/slides/slide9.xml><?xml version="1.0" encoding="utf-8"?>
-<p:sld xmlns:a="http://schemas.openxmlformats.org/drawingml/2006/main" xmlns:r="http://schemas.openxmlformats.org/officeDocument/2006/relationships" xmlns:p="http://schemas.openxmlformats.org/presentationml/2006/main">
-  <p:cSld>
-    <p:bg>
-      <p:bgPr>
-        <a:gradFill>
-          <a:gsLst>
-            <a:gs pos="0">
-              <a:schemeClr val="accent1">
-                <a:lumMod val="67000"/>
-              </a:schemeClr>
-            </a:gs>
-            <a:gs pos="48000">
-              <a:schemeClr val="accent1">
-                <a:lumMod val="97000"/>
-                <a:lumOff val="3000"/>
-              </a:schemeClr>
-            </a:gs>
-            <a:gs pos="100000">
-              <a:schemeClr val="accent1">
-                <a:lumMod val="60000"/>
-                <a:lumOff val="40000"/>
-              </a:schemeClr>
-            </a:gs>
-          </a:gsLst>
-          <a:lin ang="16200000" scaled="1"/>
-        </a:gradFill>
-        <a:effectLst/>
-      </p:bgPr>
-    </p:bg>
-    <p:spTree>
-      <p:nvGrpSpPr>
-        <p:cNvPr id="1" name="">
-          <a:extLst>
-            <a:ext uri="{FF2B5EF4-FFF2-40B4-BE49-F238E27FC236}">
-              <a16:creationId xmlns:a16="http://schemas.microsoft.com/office/drawing/2014/main" id="{4F4AD07E-7D01-D07E-0F00-44266D95F207}"/>
-            </a:ext>
-          </a:extLst>
-        </p:cNvPr>
-        <p:cNvGrpSpPr/>
-        <p:nvPr/>
-      </p:nvGrpSpPr>
-      <p:grpSpPr>
-        <a:xfrm>
-          <a:off x="0" y="0"/>
-          <a:ext cx="0" cy="0"/>
-          <a:chOff x="0" y="0"/>
-          <a:chExt cx="0" cy="0"/>
-        </a:xfrm>
-      </p:grpSpPr>
-      <p:sp>
-        <p:nvSpPr>
-          <p:cNvPr id="3" name="Content Placeholder 2">
-            <a:extLst>
-              <a:ext uri="{FF2B5EF4-FFF2-40B4-BE49-F238E27FC236}">
-                <a16:creationId xmlns:a16="http://schemas.microsoft.com/office/drawing/2014/main" id="{F935F2B8-52B9-E3E7-35DC-0ABB1312307E}"/>
-              </a:ext>
-            </a:extLst>
-          </p:cNvPr>
-          <p:cNvSpPr>
-            <a:spLocks noGrp="1"/>
-          </p:cNvSpPr>
-          <p:nvPr>
-            <p:ph idx="1"/>
-          </p:nvPr>
-        </p:nvSpPr>
-        <p:spPr>
-          <a:xfrm>
-            <a:off x="0" y="3407236"/>
-            <a:ext cx="6808763" cy="3286825"/>
-          </a:xfrm>
-        </p:spPr>
-        <p:txBody>
-          <a:bodyPr>
-            <a:noAutofit/>
-          </a:bodyPr>
-          <a:lstStyle/>
-          <a:p>
-            <a:pPr>
-              <a:lnSpc>
-                <a:spcPct val="110000"/>
-              </a:lnSpc>
-              <a:buClr>
-                <a:srgbClr val="CEA470"/>
-              </a:buClr>
-            </a:pPr>
-            <a:r>
-              <a:rPr lang="en-IE" sz="2800" dirty="0"/>
-              <a:t>The calendar icon will give you a overview of the weekly </a:t>
-            </a:r>
-            <a:r>
-              <a:rPr lang="en-IE" sz="2800" dirty="0" err="1"/>
-              <a:t>todo</a:t>
-            </a:r>
-            <a:r>
-              <a:rPr lang="en-IE" sz="2800" dirty="0"/>
-              <a:t> list.</a:t>
-            </a:r>
-          </a:p>
-        </p:txBody>
-      </p:sp>
-      <p:pic>
-        <p:nvPicPr>
-          <p:cNvPr id="2" name="Picture 1">
-            <a:extLst>
-              <a:ext uri="{FF2B5EF4-FFF2-40B4-BE49-F238E27FC236}">
-                <a16:creationId xmlns:a16="http://schemas.microsoft.com/office/drawing/2014/main" id="{E34CA7CD-9513-FE64-31B8-E12326DC2D72}"/>
-              </a:ext>
-            </a:extLst>
-          </p:cNvPr>
-          <p:cNvPicPr>
-            <a:picLocks noChangeAspect="1"/>
-          </p:cNvPicPr>
-          <p:nvPr/>
-        </p:nvPicPr>
-        <p:blipFill>
-          <a:blip r:embed="rId3"/>
-          <a:stretch>
-            <a:fillRect/>
-          </a:stretch>
-        </p:blipFill>
-        <p:spPr>
-          <a:xfrm>
-            <a:off x="2866003" y="163939"/>
-            <a:ext cx="4915100" cy="1525376"/>
-          </a:xfrm>
-          <a:prstGeom prst="rect">
-            <a:avLst/>
-          </a:prstGeom>
-        </p:spPr>
-      </p:pic>
-      <p:pic>
-        <p:nvPicPr>
-          <p:cNvPr id="6" name="Picture 5" descr="A screenshot of a computer&#10;&#10;AI-generated content may be incorrect.">
-            <a:extLst>
-              <a:ext uri="{FF2B5EF4-FFF2-40B4-BE49-F238E27FC236}">
-                <a16:creationId xmlns:a16="http://schemas.microsoft.com/office/drawing/2014/main" id="{B6B020C5-CF8C-55B9-C9A1-CE6CC5D84E2C}"/>
-              </a:ext>
-            </a:extLst>
-          </p:cNvPr>
-          <p:cNvPicPr>
-            <a:picLocks noChangeAspect="1"/>
-          </p:cNvPicPr>
-          <p:nvPr/>
-        </p:nvPicPr>
-        <p:blipFill>
-          <a:blip r:embed="rId4"/>
-          <a:stretch>
-            <a:fillRect/>
-          </a:stretch>
-        </p:blipFill>
-        <p:spPr>
-          <a:xfrm>
-            <a:off x="6019234" y="1710469"/>
-            <a:ext cx="6172766" cy="5147531"/>
-          </a:xfrm>
-          <a:prstGeom prst="rect">
-            <a:avLst/>
-          </a:prstGeom>
-        </p:spPr>
-      </p:pic>
-      <p:sp>
-        <p:nvSpPr>
-          <p:cNvPr id="7" name="Left Arrow 6">
-            <a:extLst>
-              <a:ext uri="{FF2B5EF4-FFF2-40B4-BE49-F238E27FC236}">
-                <a16:creationId xmlns:a16="http://schemas.microsoft.com/office/drawing/2014/main" id="{83E82BF5-DA25-E471-2805-9465256A6594}"/>
-              </a:ext>
-            </a:extLst>
-          </p:cNvPr>
-          <p:cNvSpPr/>
-          <p:nvPr/>
-        </p:nvSpPr>
-        <p:spPr>
-          <a:xfrm rot="13253893">
-            <a:off x="8656267" y="1203149"/>
-            <a:ext cx="2030331" cy="259410"/>
-          </a:xfrm>
-          <a:prstGeom prst="leftArrow">
-            <a:avLst/>
-          </a:prstGeom>
-          <a:solidFill>
-            <a:srgbClr val="FF0000"/>
-          </a:solidFill>
-          <a:ln>
-            <a:solidFill>
-              <a:srgbClr val="FF0000"/>
-            </a:solidFill>
-          </a:ln>
-        </p:spPr>
-        <p:style>
-          <a:lnRef idx="2">
-            <a:schemeClr val="accent1">
-              <a:shade val="15000"/>
-            </a:schemeClr>
-          </a:lnRef>
-          <a:fillRef idx="1">
-            <a:schemeClr val="accent1"/>
-          </a:fillRef>
-          <a:effectRef idx="0">
-            <a:schemeClr val="accent1"/>
-          </a:effectRef>
-          <a:fontRef idx="minor">
-            <a:schemeClr val="lt1"/>
-          </a:fontRef>
-        </p:style>
-        <p:txBody>
-          <a:bodyPr rtlCol="0" anchor="ctr"/>
-          <a:lstStyle/>
-          <a:p>
-            <a:pPr algn="ctr"/>
-            <a:endParaRPr lang="en-US"/>
-          </a:p>
-        </p:txBody>
-      </p:sp>
-    </p:spTree>
-    <p:extLst>
-      <p:ext uri="{BB962C8B-B14F-4D97-AF65-F5344CB8AC3E}">
-        <p14:creationId xmlns:p14="http://schemas.microsoft.com/office/powerpoint/2010/main" val="1294740433"/>
       </p:ext>
     </p:extLst>
   </p:cSld>
@@ -36082,7 +39820,265 @@
 </a:themeOverride>
 </file>
 
+<file path=ppt/theme/themeOverride18.xml><?xml version="1.0" encoding="utf-8"?>
+<a:themeOverride xmlns:a="http://schemas.openxmlformats.org/drawingml/2006/main">
+  <a:clrScheme name="Facet">
+    <a:dk1>
+      <a:sysClr val="windowText" lastClr="000000"/>
+    </a:dk1>
+    <a:lt1>
+      <a:sysClr val="window" lastClr="FFFFFF"/>
+    </a:lt1>
+    <a:dk2>
+      <a:srgbClr val="2C3C43"/>
+    </a:dk2>
+    <a:lt2>
+      <a:srgbClr val="EBEBEB"/>
+    </a:lt2>
+    <a:accent1>
+      <a:srgbClr val="5FCBEF"/>
+    </a:accent1>
+    <a:accent2>
+      <a:srgbClr val="2E83C3"/>
+    </a:accent2>
+    <a:accent3>
+      <a:srgbClr val="42D0A2"/>
+    </a:accent3>
+    <a:accent4>
+      <a:srgbClr val="2E946B"/>
+    </a:accent4>
+    <a:accent5>
+      <a:srgbClr val="42B051"/>
+    </a:accent5>
+    <a:accent6>
+      <a:srgbClr val="96D141"/>
+    </a:accent6>
+    <a:hlink>
+      <a:srgbClr val="3FCDE7"/>
+    </a:hlink>
+    <a:folHlink>
+      <a:srgbClr val="A9D3E1"/>
+    </a:folHlink>
+  </a:clrScheme>
+</a:themeOverride>
+</file>
+
+<file path=ppt/theme/themeOverride19.xml><?xml version="1.0" encoding="utf-8"?>
+<a:themeOverride xmlns:a="http://schemas.openxmlformats.org/drawingml/2006/main">
+  <a:clrScheme name="Facet">
+    <a:dk1>
+      <a:sysClr val="windowText" lastClr="000000"/>
+    </a:dk1>
+    <a:lt1>
+      <a:sysClr val="window" lastClr="FFFFFF"/>
+    </a:lt1>
+    <a:dk2>
+      <a:srgbClr val="2C3C43"/>
+    </a:dk2>
+    <a:lt2>
+      <a:srgbClr val="EBEBEB"/>
+    </a:lt2>
+    <a:accent1>
+      <a:srgbClr val="5FCBEF"/>
+    </a:accent1>
+    <a:accent2>
+      <a:srgbClr val="2E83C3"/>
+    </a:accent2>
+    <a:accent3>
+      <a:srgbClr val="42D0A2"/>
+    </a:accent3>
+    <a:accent4>
+      <a:srgbClr val="2E946B"/>
+    </a:accent4>
+    <a:accent5>
+      <a:srgbClr val="42B051"/>
+    </a:accent5>
+    <a:accent6>
+      <a:srgbClr val="96D141"/>
+    </a:accent6>
+    <a:hlink>
+      <a:srgbClr val="3FCDE7"/>
+    </a:hlink>
+    <a:folHlink>
+      <a:srgbClr val="A9D3E1"/>
+    </a:folHlink>
+  </a:clrScheme>
+</a:themeOverride>
+</file>
+
 <file path=ppt/theme/themeOverride2.xml><?xml version="1.0" encoding="utf-8"?>
+<a:themeOverride xmlns:a="http://schemas.openxmlformats.org/drawingml/2006/main">
+  <a:clrScheme name="Facet">
+    <a:dk1>
+      <a:sysClr val="windowText" lastClr="000000"/>
+    </a:dk1>
+    <a:lt1>
+      <a:sysClr val="window" lastClr="FFFFFF"/>
+    </a:lt1>
+    <a:dk2>
+      <a:srgbClr val="2C3C43"/>
+    </a:dk2>
+    <a:lt2>
+      <a:srgbClr val="EBEBEB"/>
+    </a:lt2>
+    <a:accent1>
+      <a:srgbClr val="5FCBEF"/>
+    </a:accent1>
+    <a:accent2>
+      <a:srgbClr val="2E83C3"/>
+    </a:accent2>
+    <a:accent3>
+      <a:srgbClr val="42D0A2"/>
+    </a:accent3>
+    <a:accent4>
+      <a:srgbClr val="2E946B"/>
+    </a:accent4>
+    <a:accent5>
+      <a:srgbClr val="42B051"/>
+    </a:accent5>
+    <a:accent6>
+      <a:srgbClr val="96D141"/>
+    </a:accent6>
+    <a:hlink>
+      <a:srgbClr val="3FCDE7"/>
+    </a:hlink>
+    <a:folHlink>
+      <a:srgbClr val="A9D3E1"/>
+    </a:folHlink>
+  </a:clrScheme>
+</a:themeOverride>
+</file>
+
+<file path=ppt/theme/themeOverride20.xml><?xml version="1.0" encoding="utf-8"?>
+<a:themeOverride xmlns:a="http://schemas.openxmlformats.org/drawingml/2006/main">
+  <a:clrScheme name="Facet">
+    <a:dk1>
+      <a:sysClr val="windowText" lastClr="000000"/>
+    </a:dk1>
+    <a:lt1>
+      <a:sysClr val="window" lastClr="FFFFFF"/>
+    </a:lt1>
+    <a:dk2>
+      <a:srgbClr val="2C3C43"/>
+    </a:dk2>
+    <a:lt2>
+      <a:srgbClr val="EBEBEB"/>
+    </a:lt2>
+    <a:accent1>
+      <a:srgbClr val="5FCBEF"/>
+    </a:accent1>
+    <a:accent2>
+      <a:srgbClr val="2E83C3"/>
+    </a:accent2>
+    <a:accent3>
+      <a:srgbClr val="42D0A2"/>
+    </a:accent3>
+    <a:accent4>
+      <a:srgbClr val="2E946B"/>
+    </a:accent4>
+    <a:accent5>
+      <a:srgbClr val="42B051"/>
+    </a:accent5>
+    <a:accent6>
+      <a:srgbClr val="96D141"/>
+    </a:accent6>
+    <a:hlink>
+      <a:srgbClr val="3FCDE7"/>
+    </a:hlink>
+    <a:folHlink>
+      <a:srgbClr val="A9D3E1"/>
+    </a:folHlink>
+  </a:clrScheme>
+</a:themeOverride>
+</file>
+
+<file path=ppt/theme/themeOverride21.xml><?xml version="1.0" encoding="utf-8"?>
+<a:themeOverride xmlns:a="http://schemas.openxmlformats.org/drawingml/2006/main">
+  <a:clrScheme name="Facet">
+    <a:dk1>
+      <a:sysClr val="windowText" lastClr="000000"/>
+    </a:dk1>
+    <a:lt1>
+      <a:sysClr val="window" lastClr="FFFFFF"/>
+    </a:lt1>
+    <a:dk2>
+      <a:srgbClr val="2C3C43"/>
+    </a:dk2>
+    <a:lt2>
+      <a:srgbClr val="EBEBEB"/>
+    </a:lt2>
+    <a:accent1>
+      <a:srgbClr val="5FCBEF"/>
+    </a:accent1>
+    <a:accent2>
+      <a:srgbClr val="2E83C3"/>
+    </a:accent2>
+    <a:accent3>
+      <a:srgbClr val="42D0A2"/>
+    </a:accent3>
+    <a:accent4>
+      <a:srgbClr val="2E946B"/>
+    </a:accent4>
+    <a:accent5>
+      <a:srgbClr val="42B051"/>
+    </a:accent5>
+    <a:accent6>
+      <a:srgbClr val="96D141"/>
+    </a:accent6>
+    <a:hlink>
+      <a:srgbClr val="3FCDE7"/>
+    </a:hlink>
+    <a:folHlink>
+      <a:srgbClr val="A9D3E1"/>
+    </a:folHlink>
+  </a:clrScheme>
+</a:themeOverride>
+</file>
+
+<file path=ppt/theme/themeOverride22.xml><?xml version="1.0" encoding="utf-8"?>
+<a:themeOverride xmlns:a="http://schemas.openxmlformats.org/drawingml/2006/main">
+  <a:clrScheme name="Facet">
+    <a:dk1>
+      <a:sysClr val="windowText" lastClr="000000"/>
+    </a:dk1>
+    <a:lt1>
+      <a:sysClr val="window" lastClr="FFFFFF"/>
+    </a:lt1>
+    <a:dk2>
+      <a:srgbClr val="2C3C43"/>
+    </a:dk2>
+    <a:lt2>
+      <a:srgbClr val="EBEBEB"/>
+    </a:lt2>
+    <a:accent1>
+      <a:srgbClr val="5FCBEF"/>
+    </a:accent1>
+    <a:accent2>
+      <a:srgbClr val="2E83C3"/>
+    </a:accent2>
+    <a:accent3>
+      <a:srgbClr val="42D0A2"/>
+    </a:accent3>
+    <a:accent4>
+      <a:srgbClr val="2E946B"/>
+    </a:accent4>
+    <a:accent5>
+      <a:srgbClr val="42B051"/>
+    </a:accent5>
+    <a:accent6>
+      <a:srgbClr val="96D141"/>
+    </a:accent6>
+    <a:hlink>
+      <a:srgbClr val="3FCDE7"/>
+    </a:hlink>
+    <a:folHlink>
+      <a:srgbClr val="A9D3E1"/>
+    </a:folHlink>
+  </a:clrScheme>
+</a:themeOverride>
+</file>
+
+<file path=ppt/theme/themeOverride23.xml><?xml version="1.0" encoding="utf-8"?>
 <a:themeOverride xmlns:a="http://schemas.openxmlformats.org/drawingml/2006/main">
   <a:clrScheme name="Facet">
     <a:dk1>
